--- a/Donate Us Files/food waste management.pptx
+++ b/Donate Us Files/food waste management.pptx
@@ -9,14 +9,15 @@
     <p:sldId id="257" r:id="rId3"/>
     <p:sldId id="272" r:id="rId4"/>
     <p:sldId id="275" r:id="rId5"/>
-    <p:sldId id="269" r:id="rId6"/>
-    <p:sldId id="277" r:id="rId7"/>
-    <p:sldId id="279" r:id="rId8"/>
-    <p:sldId id="286" r:id="rId9"/>
-    <p:sldId id="292" r:id="rId10"/>
-    <p:sldId id="264" r:id="rId11"/>
-    <p:sldId id="291" r:id="rId12"/>
-    <p:sldId id="265" r:id="rId13"/>
+    <p:sldId id="293" r:id="rId6"/>
+    <p:sldId id="269" r:id="rId7"/>
+    <p:sldId id="277" r:id="rId8"/>
+    <p:sldId id="279" r:id="rId9"/>
+    <p:sldId id="286" r:id="rId10"/>
+    <p:sldId id="292" r:id="rId11"/>
+    <p:sldId id="294" r:id="rId12"/>
+    <p:sldId id="291" r:id="rId13"/>
+    <p:sldId id="265" r:id="rId14"/>
   </p:sldIdLst>
   <p:sldSz cx="9144000" cy="6858000" type="screen4x3"/>
   <p:notesSz cx="6858000" cy="9144000"/>
@@ -934,71 +935,6 @@
         </a:p>
       </dgm:t>
     </dgm:pt>
-    <dgm:pt modelId="{63063749-F5C5-45E0-80F3-1ACEAF4F827D}">
-      <dgm:prSet phldrT="[Text]" custT="1"/>
-      <dgm:spPr/>
-      <dgm:t>
-        <a:bodyPr/>
-        <a:lstStyle/>
-        <a:p>
-          <a:pPr algn="l"/>
-          <a:r>
-            <a:rPr lang="en-US" sz="1800" dirty="0">
-              <a:latin typeface="Times New Roman" panose="02020603050405020304" pitchFamily="18" charset="0"/>
-              <a:cs typeface="Times New Roman" panose="02020603050405020304" pitchFamily="18" charset="0"/>
-            </a:rPr>
-            <a:t>Md. </a:t>
-          </a:r>
-          <a:r>
-            <a:rPr lang="en-US" sz="1800" dirty="0" err="1">
-              <a:latin typeface="Times New Roman" panose="02020603050405020304" pitchFamily="18" charset="0"/>
-              <a:cs typeface="Times New Roman" panose="02020603050405020304" pitchFamily="18" charset="0"/>
-            </a:rPr>
-            <a:t>Rafsan</a:t>
-          </a:r>
-          <a:r>
-            <a:rPr lang="en-US" sz="1800" dirty="0">
-              <a:latin typeface="Times New Roman" panose="02020603050405020304" pitchFamily="18" charset="0"/>
-              <a:cs typeface="Times New Roman" panose="02020603050405020304" pitchFamily="18" charset="0"/>
-            </a:rPr>
-            <a:t> </a:t>
-          </a:r>
-          <a:r>
-            <a:rPr lang="en-US" sz="1800" dirty="0" err="1">
-              <a:latin typeface="Times New Roman" panose="02020603050405020304" pitchFamily="18" charset="0"/>
-              <a:cs typeface="Times New Roman" panose="02020603050405020304" pitchFamily="18" charset="0"/>
-            </a:rPr>
-            <a:t>Jaany</a:t>
-          </a:r>
-          <a:endParaRPr lang="en-US" sz="1800" dirty="0">
-            <a:latin typeface="Times New Roman" panose="02020603050405020304" pitchFamily="18" charset="0"/>
-            <a:cs typeface="Times New Roman" panose="02020603050405020304" pitchFamily="18" charset="0"/>
-          </a:endParaRPr>
-        </a:p>
-      </dgm:t>
-    </dgm:pt>
-    <dgm:pt modelId="{AFE081FC-8292-47F4-A8A6-A8C7929E3E58}" type="parTrans" cxnId="{09EE913B-CA4E-4009-BFF5-DF47B8C90792}">
-      <dgm:prSet/>
-      <dgm:spPr/>
-      <dgm:t>
-        <a:bodyPr/>
-        <a:lstStyle/>
-        <a:p>
-          <a:endParaRPr lang="en-US"/>
-        </a:p>
-      </dgm:t>
-    </dgm:pt>
-    <dgm:pt modelId="{D3649921-345E-4F26-A87F-AF71BFF3D69D}" type="sibTrans" cxnId="{09EE913B-CA4E-4009-BFF5-DF47B8C90792}">
-      <dgm:prSet/>
-      <dgm:spPr/>
-      <dgm:t>
-        <a:bodyPr/>
-        <a:lstStyle/>
-        <a:p>
-          <a:endParaRPr lang="en-US"/>
-        </a:p>
-      </dgm:t>
-    </dgm:pt>
     <dgm:pt modelId="{07007B9C-F3B7-4C88-9B11-8E40C0580433}">
       <dgm:prSet phldrT="[Text]" custT="1"/>
       <dgm:spPr/>
@@ -1073,7 +1009,7 @@
               <a:latin typeface="Times New Roman" panose="02020603050405020304" pitchFamily="18" charset="0"/>
               <a:cs typeface="Times New Roman" panose="02020603050405020304" pitchFamily="18" charset="0"/>
             </a:rPr>
-            <a:t>Jesmin</a:t>
+            <a:t>Jannatul</a:t>
           </a:r>
           <a:r>
             <a:rPr lang="en-US" sz="2000" dirty="0">
@@ -1087,7 +1023,7 @@
               <a:latin typeface="Times New Roman" panose="02020603050405020304" pitchFamily="18" charset="0"/>
               <a:cs typeface="Times New Roman" panose="02020603050405020304" pitchFamily="18" charset="0"/>
             </a:rPr>
-            <a:t>Akther</a:t>
+            <a:t>Ferdaous</a:t>
           </a:r>
           <a:endParaRPr lang="en-US" sz="2000" dirty="0"/>
         </a:p>
@@ -1105,349 +1041,6 @@
       </dgm:t>
     </dgm:pt>
     <dgm:pt modelId="{D22C8624-31A7-4231-A031-1EBE27B74918}" type="sibTrans" cxnId="{58D94C22-BA31-4A65-A823-A40A057ED5BB}">
-      <dgm:prSet/>
-      <dgm:spPr/>
-      <dgm:t>
-        <a:bodyPr/>
-        <a:lstStyle/>
-        <a:p>
-          <a:endParaRPr lang="en-US"/>
-        </a:p>
-      </dgm:t>
-    </dgm:pt>
-    <dgm:pt modelId="{EF476997-BFC1-4EC4-9460-72A223FC83D9}">
-      <dgm:prSet custT="1"/>
-      <dgm:spPr/>
-      <dgm:t>
-        <a:bodyPr/>
-        <a:lstStyle/>
-        <a:p>
-          <a:pPr algn="l"/>
-          <a:r>
-            <a:rPr lang="en-US" sz="1800" dirty="0">
-              <a:latin typeface="Times New Roman" panose="02020603050405020304" pitchFamily="18" charset="0"/>
-              <a:cs typeface="Times New Roman" panose="02020603050405020304" pitchFamily="18" charset="0"/>
-            </a:rPr>
-            <a:t>Md. Raihan Ali</a:t>
-          </a:r>
-        </a:p>
-      </dgm:t>
-    </dgm:pt>
-    <dgm:pt modelId="{9694E78B-F2EC-45BC-973D-8CBFAD349A4D}" type="parTrans" cxnId="{C054796E-4E04-48FB-86A8-4EAB51D18FA7}">
-      <dgm:prSet/>
-      <dgm:spPr/>
-      <dgm:t>
-        <a:bodyPr/>
-        <a:lstStyle/>
-        <a:p>
-          <a:endParaRPr lang="en-US"/>
-        </a:p>
-      </dgm:t>
-    </dgm:pt>
-    <dgm:pt modelId="{926B6388-CFA0-4BF9-981C-A3815FED2D95}" type="sibTrans" cxnId="{C054796E-4E04-48FB-86A8-4EAB51D18FA7}">
-      <dgm:prSet/>
-      <dgm:spPr/>
-      <dgm:t>
-        <a:bodyPr/>
-        <a:lstStyle/>
-        <a:p>
-          <a:endParaRPr lang="en-US"/>
-        </a:p>
-      </dgm:t>
-    </dgm:pt>
-    <dgm:pt modelId="{D8E912BE-ABB5-4653-A48D-89CC9E4731A0}">
-      <dgm:prSet custT="1"/>
-      <dgm:spPr/>
-      <dgm:t>
-        <a:bodyPr/>
-        <a:lstStyle/>
-        <a:p>
-          <a:pPr algn="l"/>
-          <a:r>
-            <a:rPr lang="en-US" sz="1800" dirty="0">
-              <a:latin typeface="Times New Roman" panose="02020603050405020304" pitchFamily="18" charset="0"/>
-              <a:cs typeface="Times New Roman" panose="02020603050405020304" pitchFamily="18" charset="0"/>
-            </a:rPr>
-            <a:t>Md. </a:t>
-          </a:r>
-          <a:r>
-            <a:rPr lang="en-US" sz="1800" dirty="0" err="1">
-              <a:latin typeface="Times New Roman" panose="02020603050405020304" pitchFamily="18" charset="0"/>
-              <a:cs typeface="Times New Roman" panose="02020603050405020304" pitchFamily="18" charset="0"/>
-            </a:rPr>
-            <a:t>Razib</a:t>
-          </a:r>
-          <a:r>
-            <a:rPr lang="en-US" sz="1800" dirty="0">
-              <a:latin typeface="Times New Roman" panose="02020603050405020304" pitchFamily="18" charset="0"/>
-              <a:cs typeface="Times New Roman" panose="02020603050405020304" pitchFamily="18" charset="0"/>
-            </a:rPr>
-            <a:t> </a:t>
-          </a:r>
-          <a:r>
-            <a:rPr lang="en-US" sz="1800" dirty="0" err="1">
-              <a:latin typeface="Times New Roman" panose="02020603050405020304" pitchFamily="18" charset="0"/>
-              <a:cs typeface="Times New Roman" panose="02020603050405020304" pitchFamily="18" charset="0"/>
-            </a:rPr>
-            <a:t>Mondol</a:t>
-          </a:r>
-          <a:endParaRPr lang="en-US" sz="1800" dirty="0">
-            <a:latin typeface="Times New Roman" panose="02020603050405020304" pitchFamily="18" charset="0"/>
-            <a:cs typeface="Times New Roman" panose="02020603050405020304" pitchFamily="18" charset="0"/>
-          </a:endParaRPr>
-        </a:p>
-      </dgm:t>
-    </dgm:pt>
-    <dgm:pt modelId="{468B25F8-D4D7-4DA4-9068-A2EDCC987A48}" type="parTrans" cxnId="{0E72128E-6500-4AA1-AD5A-1DA222DCE513}">
-      <dgm:prSet/>
-      <dgm:spPr/>
-      <dgm:t>
-        <a:bodyPr/>
-        <a:lstStyle/>
-        <a:p>
-          <a:endParaRPr lang="en-US"/>
-        </a:p>
-      </dgm:t>
-    </dgm:pt>
-    <dgm:pt modelId="{D82BEE0F-C7C4-4F1F-A55F-D0B10E9ABA39}" type="sibTrans" cxnId="{0E72128E-6500-4AA1-AD5A-1DA222DCE513}">
-      <dgm:prSet/>
-      <dgm:spPr/>
-      <dgm:t>
-        <a:bodyPr/>
-        <a:lstStyle/>
-        <a:p>
-          <a:endParaRPr lang="en-US"/>
-        </a:p>
-      </dgm:t>
-    </dgm:pt>
-    <dgm:pt modelId="{88F35828-FD62-4D07-8681-A24D3BFEAA9E}">
-      <dgm:prSet custT="1"/>
-      <dgm:spPr/>
-      <dgm:t>
-        <a:bodyPr/>
-        <a:lstStyle/>
-        <a:p>
-          <a:pPr algn="l"/>
-          <a:endParaRPr lang="en-US" sz="2400" dirty="0">
-            <a:latin typeface="Times New Roman" panose="02020603050405020304" pitchFamily="18" charset="0"/>
-            <a:cs typeface="Times New Roman" panose="02020603050405020304" pitchFamily="18" charset="0"/>
-          </a:endParaRPr>
-        </a:p>
-      </dgm:t>
-    </dgm:pt>
-    <dgm:pt modelId="{2B822332-7DA9-4C03-ACF9-40865D4B4DDD}" type="parTrans" cxnId="{EB3FAB8D-F124-4AA3-9419-02BB4E1FABC2}">
-      <dgm:prSet/>
-      <dgm:spPr/>
-      <dgm:t>
-        <a:bodyPr/>
-        <a:lstStyle/>
-        <a:p>
-          <a:endParaRPr lang="en-US"/>
-        </a:p>
-      </dgm:t>
-    </dgm:pt>
-    <dgm:pt modelId="{4A2B2C24-FBEC-4CD2-9570-BA93097F60DD}" type="sibTrans" cxnId="{EB3FAB8D-F124-4AA3-9419-02BB4E1FABC2}">
-      <dgm:prSet/>
-      <dgm:spPr/>
-      <dgm:t>
-        <a:bodyPr/>
-        <a:lstStyle/>
-        <a:p>
-          <a:endParaRPr lang="en-US"/>
-        </a:p>
-      </dgm:t>
-    </dgm:pt>
-    <dgm:pt modelId="{5730102F-0BBC-43E5-909D-DF2E6EDB157F}">
-      <dgm:prSet phldrT="[Text]" custT="1"/>
-      <dgm:spPr/>
-      <dgm:t>
-        <a:bodyPr/>
-        <a:lstStyle/>
-        <a:p>
-          <a:pPr algn="l"/>
-          <a:r>
-            <a:rPr lang="en-US" sz="1800" dirty="0">
-              <a:latin typeface="Times New Roman" panose="02020603050405020304" pitchFamily="18" charset="0"/>
-              <a:cs typeface="Times New Roman" panose="02020603050405020304" pitchFamily="18" charset="0"/>
-            </a:rPr>
-            <a:t>Id: 180222018</a:t>
-          </a:r>
-        </a:p>
-      </dgm:t>
-    </dgm:pt>
-    <dgm:pt modelId="{AFD76ECD-B399-45D7-866B-7CD06FF9552E}" type="parTrans" cxnId="{99666218-2B25-499A-BE5B-7414B7C54A5C}">
-      <dgm:prSet/>
-      <dgm:spPr/>
-      <dgm:t>
-        <a:bodyPr/>
-        <a:lstStyle/>
-        <a:p>
-          <a:endParaRPr lang="en-US"/>
-        </a:p>
-      </dgm:t>
-    </dgm:pt>
-    <dgm:pt modelId="{97D43992-7D8B-4F64-9E8D-50FA6D710431}" type="sibTrans" cxnId="{99666218-2B25-499A-BE5B-7414B7C54A5C}">
-      <dgm:prSet/>
-      <dgm:spPr/>
-      <dgm:t>
-        <a:bodyPr/>
-        <a:lstStyle/>
-        <a:p>
-          <a:endParaRPr lang="en-US"/>
-        </a:p>
-      </dgm:t>
-    </dgm:pt>
-    <dgm:pt modelId="{C59F5CBD-00D9-4CD2-9290-7583F901C83E}">
-      <dgm:prSet custT="1"/>
-      <dgm:spPr/>
-      <dgm:t>
-        <a:bodyPr/>
-        <a:lstStyle/>
-        <a:p>
-          <a:pPr algn="l"/>
-          <a:r>
-            <a:rPr lang="en-US" sz="1800" dirty="0">
-              <a:latin typeface="Times New Roman" panose="02020603050405020304" pitchFamily="18" charset="0"/>
-              <a:cs typeface="Times New Roman" panose="02020603050405020304" pitchFamily="18" charset="0"/>
-            </a:rPr>
-            <a:t>Id: 180222024</a:t>
-          </a:r>
-        </a:p>
-      </dgm:t>
-    </dgm:pt>
-    <dgm:pt modelId="{DDBBF1B0-8CD6-4C87-9968-98D22DC9BF26}" type="parTrans" cxnId="{5D2BA8F2-BD4D-4C74-BB4E-45536493E346}">
-      <dgm:prSet/>
-      <dgm:spPr/>
-      <dgm:t>
-        <a:bodyPr/>
-        <a:lstStyle/>
-        <a:p>
-          <a:endParaRPr lang="en-US"/>
-        </a:p>
-      </dgm:t>
-    </dgm:pt>
-    <dgm:pt modelId="{E75D6061-A687-4039-A734-8F84A8D2B4C3}" type="sibTrans" cxnId="{5D2BA8F2-BD4D-4C74-BB4E-45536493E346}">
-      <dgm:prSet/>
-      <dgm:spPr/>
-      <dgm:t>
-        <a:bodyPr/>
-        <a:lstStyle/>
-        <a:p>
-          <a:endParaRPr lang="en-US"/>
-        </a:p>
-      </dgm:t>
-    </dgm:pt>
-    <dgm:pt modelId="{CC0F0841-7BE6-4649-8305-BC65A6D5D6D9}">
-      <dgm:prSet custT="1"/>
-      <dgm:spPr/>
-      <dgm:t>
-        <a:bodyPr/>
-        <a:lstStyle/>
-        <a:p>
-          <a:pPr algn="l"/>
-          <a:r>
-            <a:rPr lang="sv-SE" sz="1800" dirty="0">
-              <a:latin typeface="Times New Roman" panose="02020603050405020304" pitchFamily="18" charset="0"/>
-              <a:cs typeface="Times New Roman" panose="02020603050405020304" pitchFamily="18" charset="0"/>
-            </a:rPr>
-            <a:t>Id: </a:t>
-          </a:r>
-          <a:r>
-            <a:rPr lang="en-US" sz="1800" dirty="0">
-              <a:latin typeface="Times New Roman" panose="02020603050405020304" pitchFamily="18" charset="0"/>
-              <a:cs typeface="Times New Roman" panose="02020603050405020304" pitchFamily="18" charset="0"/>
-            </a:rPr>
-            <a:t>180222025</a:t>
-          </a:r>
-        </a:p>
-      </dgm:t>
-    </dgm:pt>
-    <dgm:pt modelId="{E09289E6-861B-4A7F-AADB-F03A75725F74}" type="parTrans" cxnId="{124FDDA3-120B-4706-A85A-1485A3037692}">
-      <dgm:prSet/>
-      <dgm:spPr/>
-      <dgm:t>
-        <a:bodyPr/>
-        <a:lstStyle/>
-        <a:p>
-          <a:endParaRPr lang="en-US"/>
-        </a:p>
-      </dgm:t>
-    </dgm:pt>
-    <dgm:pt modelId="{5D7DE968-A8A4-4BC7-9FC6-76EFC4C1BC0E}" type="sibTrans" cxnId="{124FDDA3-120B-4706-A85A-1485A3037692}">
-      <dgm:prSet/>
-      <dgm:spPr/>
-      <dgm:t>
-        <a:bodyPr/>
-        <a:lstStyle/>
-        <a:p>
-          <a:endParaRPr lang="en-US"/>
-        </a:p>
-      </dgm:t>
-    </dgm:pt>
-    <dgm:pt modelId="{21033C75-EFCE-4CE6-9BC6-DA626A22FDBD}">
-      <dgm:prSet phldrT="[Text]" custT="1"/>
-      <dgm:spPr/>
-      <dgm:t>
-        <a:bodyPr/>
-        <a:lstStyle/>
-        <a:p>
-          <a:pPr algn="l"/>
-          <a:endParaRPr lang="en-US" sz="1800" dirty="0">
-            <a:latin typeface="Times New Roman" panose="02020603050405020304" pitchFamily="18" charset="0"/>
-            <a:cs typeface="Times New Roman" panose="02020603050405020304" pitchFamily="18" charset="0"/>
-          </a:endParaRPr>
-        </a:p>
-      </dgm:t>
-    </dgm:pt>
-    <dgm:pt modelId="{9C62A684-0939-480F-B5F2-D9649F8F24FA}" type="parTrans" cxnId="{7666FBF6-455E-4ADD-AA8C-40BAF6F561BA}">
-      <dgm:prSet/>
-      <dgm:spPr/>
-      <dgm:t>
-        <a:bodyPr/>
-        <a:lstStyle/>
-        <a:p>
-          <a:endParaRPr lang="en-US"/>
-        </a:p>
-      </dgm:t>
-    </dgm:pt>
-    <dgm:pt modelId="{7069BA88-3EB6-48F6-A6CB-6013749F7553}" type="sibTrans" cxnId="{7666FBF6-455E-4ADD-AA8C-40BAF6F561BA}">
-      <dgm:prSet/>
-      <dgm:spPr/>
-      <dgm:t>
-        <a:bodyPr/>
-        <a:lstStyle/>
-        <a:p>
-          <a:endParaRPr lang="en-US"/>
-        </a:p>
-      </dgm:t>
-    </dgm:pt>
-    <dgm:pt modelId="{1634271E-DC84-4D34-9E2B-DA1A2FCA5F17}">
-      <dgm:prSet custT="1"/>
-      <dgm:spPr/>
-      <dgm:t>
-        <a:bodyPr/>
-        <a:lstStyle/>
-        <a:p>
-          <a:pPr algn="l"/>
-          <a:endParaRPr lang="en-US" sz="1800" dirty="0">
-            <a:latin typeface="Times New Roman" panose="02020603050405020304" pitchFamily="18" charset="0"/>
-            <a:cs typeface="Times New Roman" panose="02020603050405020304" pitchFamily="18" charset="0"/>
-          </a:endParaRPr>
-        </a:p>
-      </dgm:t>
-    </dgm:pt>
-    <dgm:pt modelId="{D2BA16E6-B3DA-435E-A2D4-095170F035BF}" type="parTrans" cxnId="{98838890-8E55-414B-B3C5-217B51F85D4C}">
-      <dgm:prSet/>
-      <dgm:spPr/>
-      <dgm:t>
-        <a:bodyPr/>
-        <a:lstStyle/>
-        <a:p>
-          <a:endParaRPr lang="en-US"/>
-        </a:p>
-      </dgm:t>
-    </dgm:pt>
-    <dgm:pt modelId="{6FB8B6C1-3A94-4102-897A-9880E5D02603}" type="sibTrans" cxnId="{98838890-8E55-414B-B3C5-217B51F85D4C}">
       <dgm:prSet/>
       <dgm:spPr/>
       <dgm:t>
@@ -1639,36 +1232,18 @@
     </dgm:pt>
   </dgm:ptLst>
   <dgm:cxnLst>
-    <dgm:cxn modelId="{C3918C02-ACDC-4A9D-BB95-5F89DB356C53}" type="presOf" srcId="{C59F5CBD-00D9-4CD2-9290-7583F901C83E}" destId="{F010203A-3D2C-4501-B908-A7D315AA6352}" srcOrd="0" destOrd="4" presId="urn:microsoft.com/office/officeart/2005/8/layout/hList1"/>
     <dgm:cxn modelId="{7809E90A-D99A-456C-B4C6-A1A45D8D3F53}" type="presOf" srcId="{F409C882-C28A-41C3-9037-EA33F835159F}" destId="{E3289EDF-1F8A-4891-B033-0881652D0C35}" srcOrd="0" destOrd="3" presId="urn:microsoft.com/office/officeart/2005/8/layout/hList1"/>
     <dgm:cxn modelId="{87F3650E-6222-4ED6-B326-F8D8F10E77F5}" type="presOf" srcId="{07007B9C-F3B7-4C88-9B11-8E40C0580433}" destId="{BE9C29DA-4BE1-4EE9-8205-2AC1F420B446}" srcOrd="0" destOrd="0" presId="urn:microsoft.com/office/officeart/2005/8/layout/hList1"/>
-    <dgm:cxn modelId="{99666218-2B25-499A-BE5B-7414B7C54A5C}" srcId="{FA5239E8-1746-4234-B7D3-CE26C52216D2}" destId="{5730102F-0BBC-43E5-909D-DF2E6EDB157F}" srcOrd="1" destOrd="0" parTransId="{AFD76ECD-B399-45D7-866B-7CD06FF9552E}" sibTransId="{97D43992-7D8B-4F64-9E8D-50FA6D710431}"/>
     <dgm:cxn modelId="{28D05A1B-2074-4202-8A52-3F9CC00EFA17}" srcId="{07007B9C-F3B7-4C88-9B11-8E40C0580433}" destId="{F409C882-C28A-41C3-9037-EA33F835159F}" srcOrd="3" destOrd="0" parTransId="{57906097-5FA9-4909-952D-B7A865F1AD0B}" sibTransId="{6A2EC1E5-75AA-4E99-B09B-C7FDB9870D04}"/>
     <dgm:cxn modelId="{58D94C22-BA31-4A65-A823-A40A057ED5BB}" srcId="{07007B9C-F3B7-4C88-9B11-8E40C0580433}" destId="{BED0E495-D1FA-4F44-813F-61D1161B6724}" srcOrd="0" destOrd="0" parTransId="{EDCC3E61-4BF1-437D-A674-1AC8B6821288}" sibTransId="{D22C8624-31A7-4231-A031-1EBE27B74918}"/>
-    <dgm:cxn modelId="{E3ACCC26-ED2E-42B6-8270-DAA29FABF503}" type="presOf" srcId="{63063749-F5C5-45E0-80F3-1ACEAF4F827D}" destId="{F010203A-3D2C-4501-B908-A7D315AA6352}" srcOrd="0" destOrd="0" presId="urn:microsoft.com/office/officeart/2005/8/layout/hList1"/>
     <dgm:cxn modelId="{0610A335-2537-4502-8EFF-9914CD89E129}" type="presOf" srcId="{BED0E495-D1FA-4F44-813F-61D1161B6724}" destId="{E3289EDF-1F8A-4891-B033-0881652D0C35}" srcOrd="0" destOrd="0" presId="urn:microsoft.com/office/officeart/2005/8/layout/hList1"/>
     <dgm:cxn modelId="{0A5AE037-E965-4C6C-8D92-CC2D76CC1440}" type="presOf" srcId="{75730AD4-F358-41E5-8E8F-64A82B8B44C7}" destId="{E3289EDF-1F8A-4891-B033-0881652D0C35}" srcOrd="0" destOrd="2" presId="urn:microsoft.com/office/officeart/2005/8/layout/hList1"/>
-    <dgm:cxn modelId="{09EE913B-CA4E-4009-BFF5-DF47B8C90792}" srcId="{FA5239E8-1746-4234-B7D3-CE26C52216D2}" destId="{63063749-F5C5-45E0-80F3-1ACEAF4F827D}" srcOrd="0" destOrd="0" parTransId="{AFE081FC-8292-47F4-A8A6-A8C7929E3E58}" sibTransId="{D3649921-345E-4F26-A87F-AF71BFF3D69D}"/>
     <dgm:cxn modelId="{0D2A514B-823D-442B-8226-D25FEBB49057}" srcId="{07007B9C-F3B7-4C88-9B11-8E40C0580433}" destId="{75730AD4-F358-41E5-8E8F-64A82B8B44C7}" srcOrd="2" destOrd="0" parTransId="{1976C4E0-D475-40CA-BD0C-601988324559}" sibTransId="{F892985D-0E6C-41C6-8389-17B9D92682DE}"/>
-    <dgm:cxn modelId="{C054796E-4E04-48FB-86A8-4EAB51D18FA7}" srcId="{FA5239E8-1746-4234-B7D3-CE26C52216D2}" destId="{EF476997-BFC1-4EC4-9460-72A223FC83D9}" srcOrd="3" destOrd="0" parTransId="{9694E78B-F2EC-45BC-973D-8CBFAD349A4D}" sibTransId="{926B6388-CFA0-4BF9-981C-A3815FED2D95}"/>
-    <dgm:cxn modelId="{4885F475-1DC8-4579-AF03-4384E442EE94}" type="presOf" srcId="{CC0F0841-7BE6-4649-8305-BC65A6D5D6D9}" destId="{F010203A-3D2C-4501-B908-A7D315AA6352}" srcOrd="0" destOrd="7" presId="urn:microsoft.com/office/officeart/2005/8/layout/hList1"/>
     <dgm:cxn modelId="{E0F69685-9491-472C-B515-6945F9730C2F}" type="presOf" srcId="{DC9A5729-B542-4A29-86A7-D8D8594D7B2C}" destId="{6E2DFB1C-D49A-425F-8D7F-C40C1461FCCD}" srcOrd="0" destOrd="0" presId="urn:microsoft.com/office/officeart/2005/8/layout/hList1"/>
-    <dgm:cxn modelId="{A15E1F87-3C6C-41FD-99AE-6206760DF769}" type="presOf" srcId="{21033C75-EFCE-4CE6-9BC6-DA626A22FDBD}" destId="{F010203A-3D2C-4501-B908-A7D315AA6352}" srcOrd="0" destOrd="2" presId="urn:microsoft.com/office/officeart/2005/8/layout/hList1"/>
-    <dgm:cxn modelId="{EB3FAB8D-F124-4AA3-9419-02BB4E1FABC2}" srcId="{FA5239E8-1746-4234-B7D3-CE26C52216D2}" destId="{88F35828-FD62-4D07-8681-A24D3BFEAA9E}" srcOrd="8" destOrd="0" parTransId="{2B822332-7DA9-4C03-ACF9-40865D4B4DDD}" sibTransId="{4A2B2C24-FBEC-4CD2-9570-BA93097F60DD}"/>
-    <dgm:cxn modelId="{0E72128E-6500-4AA1-AD5A-1DA222DCE513}" srcId="{FA5239E8-1746-4234-B7D3-CE26C52216D2}" destId="{D8E912BE-ABB5-4653-A48D-89CC9E4731A0}" srcOrd="6" destOrd="0" parTransId="{468B25F8-D4D7-4DA4-9068-A2EDCC987A48}" sibTransId="{D82BEE0F-C7C4-4F1F-A55F-D0B10E9ABA39}"/>
-    <dgm:cxn modelId="{98838890-8E55-414B-B3C5-217B51F85D4C}" srcId="{FA5239E8-1746-4234-B7D3-CE26C52216D2}" destId="{1634271E-DC84-4D34-9E2B-DA1A2FCA5F17}" srcOrd="5" destOrd="0" parTransId="{D2BA16E6-B3DA-435E-A2D4-095170F035BF}" sibTransId="{6FB8B6C1-3A94-4102-897A-9880E5D02603}"/>
-    <dgm:cxn modelId="{DCB51C97-4DBE-47A7-BF57-83CC628EAE5B}" type="presOf" srcId="{5730102F-0BBC-43E5-909D-DF2E6EDB157F}" destId="{F010203A-3D2C-4501-B908-A7D315AA6352}" srcOrd="0" destOrd="1" presId="urn:microsoft.com/office/officeart/2005/8/layout/hList1"/>
-    <dgm:cxn modelId="{81E9EAA2-214C-45B1-B5DD-3D335B4C82E9}" type="presOf" srcId="{1634271E-DC84-4D34-9E2B-DA1A2FCA5F17}" destId="{F010203A-3D2C-4501-B908-A7D315AA6352}" srcOrd="0" destOrd="5" presId="urn:microsoft.com/office/officeart/2005/8/layout/hList1"/>
-    <dgm:cxn modelId="{124FDDA3-120B-4706-A85A-1485A3037692}" srcId="{FA5239E8-1746-4234-B7D3-CE26C52216D2}" destId="{CC0F0841-7BE6-4649-8305-BC65A6D5D6D9}" srcOrd="7" destOrd="0" parTransId="{E09289E6-861B-4A7F-AADB-F03A75725F74}" sibTransId="{5D7DE968-A8A4-4BC7-9FC6-76EFC4C1BC0E}"/>
     <dgm:cxn modelId="{981BA8A7-5857-4D61-B853-84A695A56F22}" type="presOf" srcId="{4AF5C276-E029-4F48-AC9C-069485D9F4EE}" destId="{E3289EDF-1F8A-4891-B033-0881652D0C35}" srcOrd="0" destOrd="1" presId="urn:microsoft.com/office/officeart/2005/8/layout/hList1"/>
-    <dgm:cxn modelId="{4348FCAC-B9EA-4E0D-8EBD-6183426BB49A}" type="presOf" srcId="{88F35828-FD62-4D07-8681-A24D3BFEAA9E}" destId="{F010203A-3D2C-4501-B908-A7D315AA6352}" srcOrd="0" destOrd="8" presId="urn:microsoft.com/office/officeart/2005/8/layout/hList1"/>
     <dgm:cxn modelId="{42AB58AF-50BF-49A5-AB13-F16973B97878}" srcId="{DC9A5729-B542-4A29-86A7-D8D8594D7B2C}" destId="{FA5239E8-1746-4234-B7D3-CE26C52216D2}" srcOrd="0" destOrd="0" parTransId="{239399AE-2E50-427C-BE33-904FC944451D}" sibTransId="{71ECD531-EE26-451B-AF4B-A3545608DE6E}"/>
-    <dgm:cxn modelId="{7360D3C8-A2F2-40AF-AF18-0C9318B62778}" type="presOf" srcId="{D8E912BE-ABB5-4653-A48D-89CC9E4731A0}" destId="{F010203A-3D2C-4501-B908-A7D315AA6352}" srcOrd="0" destOrd="6" presId="urn:microsoft.com/office/officeart/2005/8/layout/hList1"/>
-    <dgm:cxn modelId="{A920CFE7-A31F-4898-9205-ECE2FECC020C}" type="presOf" srcId="{EF476997-BFC1-4EC4-9460-72A223FC83D9}" destId="{F010203A-3D2C-4501-B908-A7D315AA6352}" srcOrd="0" destOrd="3" presId="urn:microsoft.com/office/officeart/2005/8/layout/hList1"/>
     <dgm:cxn modelId="{5A15CBED-7894-4FCF-BDED-1FB012F5F5A5}" type="presOf" srcId="{FA5239E8-1746-4234-B7D3-CE26C52216D2}" destId="{847472EB-49F9-4905-A6CC-6867797C9384}" srcOrd="0" destOrd="0" presId="urn:microsoft.com/office/officeart/2005/8/layout/hList1"/>
     <dgm:cxn modelId="{C89528EE-0E64-4A6F-A516-E77232FF2391}" srcId="{DC9A5729-B542-4A29-86A7-D8D8594D7B2C}" destId="{07007B9C-F3B7-4C88-9B11-8E40C0580433}" srcOrd="1" destOrd="0" parTransId="{2A9874A0-8DB8-42A5-AC06-03FFD4ECC64C}" sibTransId="{F1186147-A482-4649-97F8-B0569D21EA89}"/>
-    <dgm:cxn modelId="{5D2BA8F2-BD4D-4C74-BB4E-45536493E346}" srcId="{FA5239E8-1746-4234-B7D3-CE26C52216D2}" destId="{C59F5CBD-00D9-4CD2-9290-7583F901C83E}" srcOrd="4" destOrd="0" parTransId="{DDBBF1B0-8CD6-4C87-9968-98D22DC9BF26}" sibTransId="{E75D6061-A687-4039-A734-8F84A8D2B4C3}"/>
-    <dgm:cxn modelId="{7666FBF6-455E-4ADD-AA8C-40BAF6F561BA}" srcId="{FA5239E8-1746-4234-B7D3-CE26C52216D2}" destId="{21033C75-EFCE-4CE6-9BC6-DA626A22FDBD}" srcOrd="2" destOrd="0" parTransId="{9C62A684-0939-480F-B5F2-D9649F8F24FA}" sibTransId="{7069BA88-3EB6-48F6-A6CB-6013749F7553}"/>
     <dgm:cxn modelId="{49D1D1F9-CF51-4183-9D68-E83EC0788A4F}" srcId="{07007B9C-F3B7-4C88-9B11-8E40C0580433}" destId="{4AF5C276-E029-4F48-AC9C-069485D9F4EE}" srcOrd="1" destOrd="0" parTransId="{53C43B8C-CE8C-4732-B06C-EF6B148FA8F8}" sibTransId="{B541800B-4B68-4AF8-8CC7-23FE9928E248}"/>
     <dgm:cxn modelId="{ADB27073-AD6F-4B42-9326-B00366B39C74}" type="presParOf" srcId="{6E2DFB1C-D49A-425F-8D7F-C40C1461FCCD}" destId="{044EB64C-3C0B-4B7E-B69A-A2B460464A87}" srcOrd="0" destOrd="0" presId="urn:microsoft.com/office/officeart/2005/8/layout/hList1"/>
     <dgm:cxn modelId="{B36603E3-9F03-4725-B7E6-15B7983D1EC4}" type="presParOf" srcId="{044EB64C-3C0B-4B7E-B69A-A2B460464A87}" destId="{847472EB-49F9-4905-A6CC-6867797C9384}" srcOrd="0" destOrd="0" presId="urn:microsoft.com/office/officeart/2005/8/layout/hList1"/>
@@ -1826,253 +1401,6 @@
         </a:effectRef>
         <a:fontRef idx="minor"/>
       </dsp:style>
-      <dsp:txBody>
-        <a:bodyPr spcFirstLastPara="0" vert="horz" wrap="square" lIns="96012" tIns="96012" rIns="128016" bIns="144018" numCol="1" spcCol="1270" anchor="t" anchorCtr="0">
-          <a:noAutofit/>
-        </a:bodyPr>
-        <a:lstStyle/>
-        <a:p>
-          <a:pPr marL="171450" lvl="1" indent="-171450" algn="l" defTabSz="800100">
-            <a:lnSpc>
-              <a:spcPct val="90000"/>
-            </a:lnSpc>
-            <a:spcBef>
-              <a:spcPct val="0"/>
-            </a:spcBef>
-            <a:spcAft>
-              <a:spcPct val="15000"/>
-            </a:spcAft>
-            <a:buChar char="•"/>
-          </a:pPr>
-          <a:r>
-            <a:rPr lang="en-US" sz="1800" kern="1200" dirty="0">
-              <a:latin typeface="Times New Roman" panose="02020603050405020304" pitchFamily="18" charset="0"/>
-              <a:cs typeface="Times New Roman" panose="02020603050405020304" pitchFamily="18" charset="0"/>
-            </a:rPr>
-            <a:t>Md. </a:t>
-          </a:r>
-          <a:r>
-            <a:rPr lang="en-US" sz="1800" kern="1200" dirty="0" err="1">
-              <a:latin typeface="Times New Roman" panose="02020603050405020304" pitchFamily="18" charset="0"/>
-              <a:cs typeface="Times New Roman" panose="02020603050405020304" pitchFamily="18" charset="0"/>
-            </a:rPr>
-            <a:t>Rafsan</a:t>
-          </a:r>
-          <a:r>
-            <a:rPr lang="en-US" sz="1800" kern="1200" dirty="0">
-              <a:latin typeface="Times New Roman" panose="02020603050405020304" pitchFamily="18" charset="0"/>
-              <a:cs typeface="Times New Roman" panose="02020603050405020304" pitchFamily="18" charset="0"/>
-            </a:rPr>
-            <a:t> </a:t>
-          </a:r>
-          <a:r>
-            <a:rPr lang="en-US" sz="1800" kern="1200" dirty="0" err="1">
-              <a:latin typeface="Times New Roman" panose="02020603050405020304" pitchFamily="18" charset="0"/>
-              <a:cs typeface="Times New Roman" panose="02020603050405020304" pitchFamily="18" charset="0"/>
-            </a:rPr>
-            <a:t>Jaany</a:t>
-          </a:r>
-          <a:endParaRPr lang="en-US" sz="1800" kern="1200" dirty="0">
-            <a:latin typeface="Times New Roman" panose="02020603050405020304" pitchFamily="18" charset="0"/>
-            <a:cs typeface="Times New Roman" panose="02020603050405020304" pitchFamily="18" charset="0"/>
-          </a:endParaRPr>
-        </a:p>
-        <a:p>
-          <a:pPr marL="171450" lvl="1" indent="-171450" algn="l" defTabSz="800100">
-            <a:lnSpc>
-              <a:spcPct val="90000"/>
-            </a:lnSpc>
-            <a:spcBef>
-              <a:spcPct val="0"/>
-            </a:spcBef>
-            <a:spcAft>
-              <a:spcPct val="15000"/>
-            </a:spcAft>
-            <a:buChar char="•"/>
-          </a:pPr>
-          <a:r>
-            <a:rPr lang="en-US" sz="1800" kern="1200" dirty="0">
-              <a:latin typeface="Times New Roman" panose="02020603050405020304" pitchFamily="18" charset="0"/>
-              <a:cs typeface="Times New Roman" panose="02020603050405020304" pitchFamily="18" charset="0"/>
-            </a:rPr>
-            <a:t>Id: 180222018</a:t>
-          </a:r>
-        </a:p>
-        <a:p>
-          <a:pPr marL="171450" lvl="1" indent="-171450" algn="l" defTabSz="800100">
-            <a:lnSpc>
-              <a:spcPct val="90000"/>
-            </a:lnSpc>
-            <a:spcBef>
-              <a:spcPct val="0"/>
-            </a:spcBef>
-            <a:spcAft>
-              <a:spcPct val="15000"/>
-            </a:spcAft>
-            <a:buChar char="•"/>
-          </a:pPr>
-          <a:endParaRPr lang="en-US" sz="1800" kern="1200" dirty="0">
-            <a:latin typeface="Times New Roman" panose="02020603050405020304" pitchFamily="18" charset="0"/>
-            <a:cs typeface="Times New Roman" panose="02020603050405020304" pitchFamily="18" charset="0"/>
-          </a:endParaRPr>
-        </a:p>
-        <a:p>
-          <a:pPr marL="171450" lvl="1" indent="-171450" algn="l" defTabSz="800100">
-            <a:lnSpc>
-              <a:spcPct val="90000"/>
-            </a:lnSpc>
-            <a:spcBef>
-              <a:spcPct val="0"/>
-            </a:spcBef>
-            <a:spcAft>
-              <a:spcPct val="15000"/>
-            </a:spcAft>
-            <a:buChar char="•"/>
-          </a:pPr>
-          <a:r>
-            <a:rPr lang="en-US" sz="1800" kern="1200" dirty="0">
-              <a:latin typeface="Times New Roman" panose="02020603050405020304" pitchFamily="18" charset="0"/>
-              <a:cs typeface="Times New Roman" panose="02020603050405020304" pitchFamily="18" charset="0"/>
-            </a:rPr>
-            <a:t>Md. Raihan Ali</a:t>
-          </a:r>
-        </a:p>
-        <a:p>
-          <a:pPr marL="171450" lvl="1" indent="-171450" algn="l" defTabSz="800100">
-            <a:lnSpc>
-              <a:spcPct val="90000"/>
-            </a:lnSpc>
-            <a:spcBef>
-              <a:spcPct val="0"/>
-            </a:spcBef>
-            <a:spcAft>
-              <a:spcPct val="15000"/>
-            </a:spcAft>
-            <a:buChar char="•"/>
-          </a:pPr>
-          <a:r>
-            <a:rPr lang="en-US" sz="1800" kern="1200" dirty="0">
-              <a:latin typeface="Times New Roman" panose="02020603050405020304" pitchFamily="18" charset="0"/>
-              <a:cs typeface="Times New Roman" panose="02020603050405020304" pitchFamily="18" charset="0"/>
-            </a:rPr>
-            <a:t>Id: 180222024</a:t>
-          </a:r>
-        </a:p>
-        <a:p>
-          <a:pPr marL="171450" lvl="1" indent="-171450" algn="l" defTabSz="800100">
-            <a:lnSpc>
-              <a:spcPct val="90000"/>
-            </a:lnSpc>
-            <a:spcBef>
-              <a:spcPct val="0"/>
-            </a:spcBef>
-            <a:spcAft>
-              <a:spcPct val="15000"/>
-            </a:spcAft>
-            <a:buChar char="•"/>
-          </a:pPr>
-          <a:endParaRPr lang="en-US" sz="1800" kern="1200" dirty="0">
-            <a:latin typeface="Times New Roman" panose="02020603050405020304" pitchFamily="18" charset="0"/>
-            <a:cs typeface="Times New Roman" panose="02020603050405020304" pitchFamily="18" charset="0"/>
-          </a:endParaRPr>
-        </a:p>
-        <a:p>
-          <a:pPr marL="171450" lvl="1" indent="-171450" algn="l" defTabSz="800100">
-            <a:lnSpc>
-              <a:spcPct val="90000"/>
-            </a:lnSpc>
-            <a:spcBef>
-              <a:spcPct val="0"/>
-            </a:spcBef>
-            <a:spcAft>
-              <a:spcPct val="15000"/>
-            </a:spcAft>
-            <a:buChar char="•"/>
-          </a:pPr>
-          <a:r>
-            <a:rPr lang="en-US" sz="1800" kern="1200" dirty="0">
-              <a:latin typeface="Times New Roman" panose="02020603050405020304" pitchFamily="18" charset="0"/>
-              <a:cs typeface="Times New Roman" panose="02020603050405020304" pitchFamily="18" charset="0"/>
-            </a:rPr>
-            <a:t>Md. </a:t>
-          </a:r>
-          <a:r>
-            <a:rPr lang="en-US" sz="1800" kern="1200" dirty="0" err="1">
-              <a:latin typeface="Times New Roman" panose="02020603050405020304" pitchFamily="18" charset="0"/>
-              <a:cs typeface="Times New Roman" panose="02020603050405020304" pitchFamily="18" charset="0"/>
-            </a:rPr>
-            <a:t>Razib</a:t>
-          </a:r>
-          <a:r>
-            <a:rPr lang="en-US" sz="1800" kern="1200" dirty="0">
-              <a:latin typeface="Times New Roman" panose="02020603050405020304" pitchFamily="18" charset="0"/>
-              <a:cs typeface="Times New Roman" panose="02020603050405020304" pitchFamily="18" charset="0"/>
-            </a:rPr>
-            <a:t> </a:t>
-          </a:r>
-          <a:r>
-            <a:rPr lang="en-US" sz="1800" kern="1200" dirty="0" err="1">
-              <a:latin typeface="Times New Roman" panose="02020603050405020304" pitchFamily="18" charset="0"/>
-              <a:cs typeface="Times New Roman" panose="02020603050405020304" pitchFamily="18" charset="0"/>
-            </a:rPr>
-            <a:t>Mondol</a:t>
-          </a:r>
-          <a:endParaRPr lang="en-US" sz="1800" kern="1200" dirty="0">
-            <a:latin typeface="Times New Roman" panose="02020603050405020304" pitchFamily="18" charset="0"/>
-            <a:cs typeface="Times New Roman" panose="02020603050405020304" pitchFamily="18" charset="0"/>
-          </a:endParaRPr>
-        </a:p>
-        <a:p>
-          <a:pPr marL="171450" lvl="1" indent="-171450" algn="l" defTabSz="800100">
-            <a:lnSpc>
-              <a:spcPct val="90000"/>
-            </a:lnSpc>
-            <a:spcBef>
-              <a:spcPct val="0"/>
-            </a:spcBef>
-            <a:spcAft>
-              <a:spcPct val="15000"/>
-            </a:spcAft>
-            <a:buChar char="•"/>
-          </a:pPr>
-          <a:r>
-            <a:rPr lang="sv-SE" sz="1800" kern="1200" dirty="0">
-              <a:latin typeface="Times New Roman" panose="02020603050405020304" pitchFamily="18" charset="0"/>
-              <a:cs typeface="Times New Roman" panose="02020603050405020304" pitchFamily="18" charset="0"/>
-            </a:rPr>
-            <a:t>Id: </a:t>
-          </a:r>
-          <a:r>
-            <a:rPr lang="en-US" sz="1800" kern="1200" dirty="0">
-              <a:latin typeface="Times New Roman" panose="02020603050405020304" pitchFamily="18" charset="0"/>
-              <a:cs typeface="Times New Roman" panose="02020603050405020304" pitchFamily="18" charset="0"/>
-            </a:rPr>
-            <a:t>180222025</a:t>
-          </a:r>
-        </a:p>
-        <a:p>
-          <a:pPr marL="228600" lvl="1" indent="-228600" algn="l" defTabSz="1066800">
-            <a:lnSpc>
-              <a:spcPct val="90000"/>
-            </a:lnSpc>
-            <a:spcBef>
-              <a:spcPct val="0"/>
-            </a:spcBef>
-            <a:spcAft>
-              <a:spcPct val="15000"/>
-            </a:spcAft>
-            <a:buChar char="•"/>
-          </a:pPr>
-          <a:endParaRPr lang="en-US" sz="2400" kern="1200" dirty="0">
-            <a:latin typeface="Times New Roman" panose="02020603050405020304" pitchFamily="18" charset="0"/>
-            <a:cs typeface="Times New Roman" panose="02020603050405020304" pitchFamily="18" charset="0"/>
-          </a:endParaRPr>
-        </a:p>
-      </dsp:txBody>
-      <dsp:txXfrm>
-        <a:off x="38" y="1523028"/>
-        <a:ext cx="3703141" cy="2854800"/>
-      </dsp:txXfrm>
     </dsp:sp>
     <dsp:sp modelId="{BE9C29DA-4BE1-4EE9-8205-2AC1F420B446}">
       <dsp:nvSpPr>
@@ -2249,7 +1577,7 @@
               <a:latin typeface="Times New Roman" panose="02020603050405020304" pitchFamily="18" charset="0"/>
               <a:cs typeface="Times New Roman" panose="02020603050405020304" pitchFamily="18" charset="0"/>
             </a:rPr>
-            <a:t>Jesmin</a:t>
+            <a:t>Jannatul</a:t>
           </a:r>
           <a:r>
             <a:rPr lang="en-US" sz="2000" kern="1200" dirty="0">
@@ -2263,7 +1591,7 @@
               <a:latin typeface="Times New Roman" panose="02020603050405020304" pitchFamily="18" charset="0"/>
               <a:cs typeface="Times New Roman" panose="02020603050405020304" pitchFamily="18" charset="0"/>
             </a:rPr>
-            <a:t>Akther</a:t>
+            <a:t>Ferdaous</a:t>
           </a:r>
           <a:endParaRPr lang="en-US" sz="2000" kern="1200" dirty="0"/>
         </a:p>
@@ -3771,7 +3099,7 @@
           <a:p>
             <a:fld id="{B36FC2EA-69B1-4914-8073-6B31831340D4}" type="datetimeFigureOut">
               <a:rPr lang="en-US" smtClean="0"/>
-              <a:t>1/25/2022</a:t>
+              <a:t>3/21/2022</a:t>
             </a:fld>
             <a:endParaRPr lang="en-US"/>
           </a:p>
@@ -3939,7 +3267,7 @@
           <a:p>
             <a:fld id="{B36FC2EA-69B1-4914-8073-6B31831340D4}" type="datetimeFigureOut">
               <a:rPr lang="en-US" smtClean="0"/>
-              <a:t>1/25/2022</a:t>
+              <a:t>3/21/2022</a:t>
             </a:fld>
             <a:endParaRPr lang="en-US"/>
           </a:p>
@@ -4117,7 +3445,7 @@
           <a:p>
             <a:fld id="{B36FC2EA-69B1-4914-8073-6B31831340D4}" type="datetimeFigureOut">
               <a:rPr lang="en-US" smtClean="0"/>
-              <a:t>1/25/2022</a:t>
+              <a:t>3/21/2022</a:t>
             </a:fld>
             <a:endParaRPr lang="en-US"/>
           </a:p>
@@ -4285,7 +3613,7 @@
           <a:p>
             <a:fld id="{B36FC2EA-69B1-4914-8073-6B31831340D4}" type="datetimeFigureOut">
               <a:rPr lang="en-US" smtClean="0"/>
-              <a:t>1/25/2022</a:t>
+              <a:t>3/21/2022</a:t>
             </a:fld>
             <a:endParaRPr lang="en-US"/>
           </a:p>
@@ -4530,7 +3858,7 @@
           <a:p>
             <a:fld id="{B36FC2EA-69B1-4914-8073-6B31831340D4}" type="datetimeFigureOut">
               <a:rPr lang="en-US" smtClean="0"/>
-              <a:t>1/25/2022</a:t>
+              <a:t>3/21/2022</a:t>
             </a:fld>
             <a:endParaRPr lang="en-US"/>
           </a:p>
@@ -4815,7 +4143,7 @@
           <a:p>
             <a:fld id="{B36FC2EA-69B1-4914-8073-6B31831340D4}" type="datetimeFigureOut">
               <a:rPr lang="en-US" smtClean="0"/>
-              <a:t>1/25/2022</a:t>
+              <a:t>3/21/2022</a:t>
             </a:fld>
             <a:endParaRPr lang="en-US"/>
           </a:p>
@@ -5234,7 +4562,7 @@
           <a:p>
             <a:fld id="{B36FC2EA-69B1-4914-8073-6B31831340D4}" type="datetimeFigureOut">
               <a:rPr lang="en-US" smtClean="0"/>
-              <a:t>1/25/2022</a:t>
+              <a:t>3/21/2022</a:t>
             </a:fld>
             <a:endParaRPr lang="en-US"/>
           </a:p>
@@ -5351,7 +4679,7 @@
           <a:p>
             <a:fld id="{B36FC2EA-69B1-4914-8073-6B31831340D4}" type="datetimeFigureOut">
               <a:rPr lang="en-US" smtClean="0"/>
-              <a:t>1/25/2022</a:t>
+              <a:t>3/21/2022</a:t>
             </a:fld>
             <a:endParaRPr lang="en-US"/>
           </a:p>
@@ -5446,7 +4774,7 @@
           <a:p>
             <a:fld id="{B36FC2EA-69B1-4914-8073-6B31831340D4}" type="datetimeFigureOut">
               <a:rPr lang="en-US" smtClean="0"/>
-              <a:t>1/25/2022</a:t>
+              <a:t>3/21/2022</a:t>
             </a:fld>
             <a:endParaRPr lang="en-US"/>
           </a:p>
@@ -5721,7 +5049,7 @@
           <a:p>
             <a:fld id="{B36FC2EA-69B1-4914-8073-6B31831340D4}" type="datetimeFigureOut">
               <a:rPr lang="en-US" smtClean="0"/>
-              <a:t>1/25/2022</a:t>
+              <a:t>3/21/2022</a:t>
             </a:fld>
             <a:endParaRPr lang="en-US"/>
           </a:p>
@@ -5973,7 +5301,7 @@
           <a:p>
             <a:fld id="{B36FC2EA-69B1-4914-8073-6B31831340D4}" type="datetimeFigureOut">
               <a:rPr lang="en-US" smtClean="0"/>
-              <a:t>1/25/2022</a:t>
+              <a:t>3/21/2022</a:t>
             </a:fld>
             <a:endParaRPr lang="en-US"/>
           </a:p>
@@ -6184,7 +5512,7 @@
           <a:p>
             <a:fld id="{B36FC2EA-69B1-4914-8073-6B31831340D4}" type="datetimeFigureOut">
               <a:rPr lang="en-US" smtClean="0"/>
-              <a:t>1/25/2022</a:t>
+              <a:t>3/21/2022</a:t>
             </a:fld>
             <a:endParaRPr lang="en-US"/>
           </a:p>
@@ -6582,26 +5910,26 @@
           <a:lstStyle/>
           <a:p>
             <a:r>
-              <a:rPr lang="en-US" sz="3200" b="1" dirty="0">
+              <a:rPr lang="en-US" sz="3200" dirty="0">
                 <a:latin typeface="Times New Roman" panose="02020603050405020304" pitchFamily="18" charset="0"/>
                 <a:cs typeface="Times New Roman" panose="02020603050405020304" pitchFamily="18" charset="0"/>
               </a:rPr>
               <a:t>Project on:  </a:t>
             </a:r>
             <a:br>
-              <a:rPr lang="bn-BD" sz="3200" b="1" dirty="0">
+              <a:rPr lang="bn-BD" sz="3200" dirty="0">
                 <a:latin typeface="Times New Roman" panose="02020603050405020304" pitchFamily="18" charset="0"/>
                 <a:cs typeface="Times New Roman" panose="02020603050405020304" pitchFamily="18" charset="0"/>
               </a:rPr>
             </a:br>
             <a:r>
-              <a:rPr lang="en-US" sz="2800" dirty="0">
+              <a:rPr lang="en-US" altLang="en-US" sz="2800" dirty="0">
                 <a:latin typeface="Times New Roman" panose="02020603050405020304" pitchFamily="18" charset="0"/>
                 <a:cs typeface="Times New Roman" panose="02020603050405020304" pitchFamily="18" charset="0"/>
               </a:rPr>
-              <a:t>Weather Forecast</a:t>
-            </a:r>
-            <a:endParaRPr lang="en-US" sz="2800" b="1" dirty="0">
+              <a:t>Food Waste Management</a:t>
+            </a:r>
+            <a:endParaRPr lang="en-US" sz="2800" dirty="0">
               <a:latin typeface="Times New Roman" panose="02020603050405020304" pitchFamily="18" charset="0"/>
               <a:cs typeface="Times New Roman" panose="02020603050405020304" pitchFamily="18" charset="0"/>
             </a:endParaRPr>
@@ -6615,7 +5943,7 @@
           <p:nvPr>
             <p:extLst>
               <p:ext uri="{D42A27DB-BD31-4B8C-83A1-F6EECF244321}">
-                <p14:modId xmlns:p14="http://schemas.microsoft.com/office/powerpoint/2010/main" val="2234709375"/>
+                <p14:modId xmlns:p14="http://schemas.microsoft.com/office/powerpoint/2010/main" val="4220706056"/>
               </p:ext>
             </p:extLst>
           </p:nvPr>
@@ -6641,7 +5969,7 @@
         <p:spPr bwMode="auto">
           <a:xfrm>
             <a:off x="3581400" y="6248400"/>
-            <a:ext cx="2970365" cy="369332"/>
+            <a:ext cx="2422202" cy="369332"/>
           </a:xfrm>
           <a:prstGeom prst="rect">
             <a:avLst/>
@@ -6815,11 +6143,442 @@
             </a:pPr>
             <a:r>
               <a:rPr lang="en-US" altLang="en-US" sz="1800" dirty="0"/>
-              <a:t>Thursday 4th November 2021</a:t>
+              <a:t>Thursday 4th April 2022</a:t>
             </a:r>
           </a:p>
         </p:txBody>
       </p:sp>
+      <p:graphicFrame>
+        <p:nvGraphicFramePr>
+          <p:cNvPr id="3" name="Table 5">
+            <a:extLst>
+              <a:ext uri="{FF2B5EF4-FFF2-40B4-BE49-F238E27FC236}">
+                <a16:creationId xmlns:a16="http://schemas.microsoft.com/office/drawing/2014/main" id="{6B6C4CA7-35A6-43AC-A01E-85606F63963B}"/>
+              </a:ext>
+            </a:extLst>
+          </p:cNvPr>
+          <p:cNvGraphicFramePr>
+            <a:graphicFrameLocks noGrp="1"/>
+          </p:cNvGraphicFramePr>
+          <p:nvPr>
+            <p:extLst>
+              <p:ext uri="{D42A27DB-BD31-4B8C-83A1-F6EECF244321}">
+                <p14:modId xmlns:p14="http://schemas.microsoft.com/office/powerpoint/2010/main" val="2284370493"/>
+              </p:ext>
+            </p:extLst>
+          </p:nvPr>
+        </p:nvGraphicFramePr>
+        <p:xfrm>
+          <a:off x="560696" y="3291409"/>
+          <a:ext cx="3782704" cy="2853522"/>
+        </p:xfrm>
+        <a:graphic>
+          <a:graphicData uri="http://schemas.openxmlformats.org/drawingml/2006/table">
+            <a:tbl>
+              <a:tblPr firstRow="1" bandRow="1">
+                <a:tableStyleId>{2D5ABB26-0587-4C30-8999-92F81FD0307C}</a:tableStyleId>
+              </a:tblPr>
+              <a:tblGrid>
+                <a:gridCol w="2180997">
+                  <a:extLst>
+                    <a:ext uri="{9D8B030D-6E8A-4147-A177-3AD203B41FA5}">
+                      <a16:colId xmlns:a16="http://schemas.microsoft.com/office/drawing/2014/main" val="1398524737"/>
+                    </a:ext>
+                  </a:extLst>
+                </a:gridCol>
+                <a:gridCol w="1601707">
+                  <a:extLst>
+                    <a:ext uri="{9D8B030D-6E8A-4147-A177-3AD203B41FA5}">
+                      <a16:colId xmlns:a16="http://schemas.microsoft.com/office/drawing/2014/main" val="2040824686"/>
+                    </a:ext>
+                  </a:extLst>
+                </a:gridCol>
+              </a:tblGrid>
+              <a:tr h="475587">
+                <a:tc>
+                  <a:txBody>
+                    <a:bodyPr/>
+                    <a:lstStyle/>
+                    <a:p>
+                      <a:r>
+                        <a:rPr lang="en-GB" sz="1800" b="1" dirty="0">
+                          <a:latin typeface="Times New Roman" panose="02020603050405020304" pitchFamily="18" charset="0"/>
+                          <a:cs typeface="Times New Roman" panose="02020603050405020304" pitchFamily="18" charset="0"/>
+                        </a:rPr>
+                        <a:t>          Name</a:t>
+                      </a:r>
+                    </a:p>
+                  </a:txBody>
+                  <a:tcPr marL="91458" marR="91458" marT="45688" marB="45688"/>
+                </a:tc>
+                <a:tc>
+                  <a:txBody>
+                    <a:bodyPr/>
+                    <a:lstStyle/>
+                    <a:p>
+                      <a:r>
+                        <a:rPr lang="en-GB" sz="1800" b="1" dirty="0">
+                          <a:latin typeface="Times New Roman" panose="02020603050405020304" pitchFamily="18" charset="0"/>
+                          <a:cs typeface="Times New Roman" panose="02020603050405020304" pitchFamily="18" charset="0"/>
+                        </a:rPr>
+                        <a:t>       ID</a:t>
+                      </a:r>
+                    </a:p>
+                  </a:txBody>
+                  <a:tcPr marL="91458" marR="91458" marT="45688" marB="45688"/>
+                </a:tc>
+                <a:extLst>
+                  <a:ext uri="{0D108BD9-81ED-4DB2-BD59-A6C34878D82A}">
+                    <a16:rowId xmlns:a16="http://schemas.microsoft.com/office/drawing/2014/main" val="3151093373"/>
+                  </a:ext>
+                </a:extLst>
+              </a:tr>
+              <a:tr h="475587">
+                <a:tc>
+                  <a:txBody>
+                    <a:bodyPr/>
+                    <a:lstStyle/>
+                    <a:p>
+                      <a:pPr marL="0" marR="0" lvl="0" indent="0" algn="l" defTabSz="914400" rtl="0" eaLnBrk="1" fontAlgn="auto" latinLnBrk="0" hangingPunct="1">
+                        <a:lnSpc>
+                          <a:spcPct val="100000"/>
+                        </a:lnSpc>
+                        <a:spcBef>
+                          <a:spcPts val="0"/>
+                        </a:spcBef>
+                        <a:spcAft>
+                          <a:spcPts val="0"/>
+                        </a:spcAft>
+                        <a:buClrTx/>
+                        <a:buSzTx/>
+                        <a:buFontTx/>
+                        <a:buNone/>
+                        <a:tabLst/>
+                        <a:defRPr/>
+                      </a:pPr>
+                      <a:r>
+                        <a:rPr lang="en-US" sz="1600" dirty="0">
+                          <a:latin typeface="Times New Roman" panose="02020603050405020304" pitchFamily="18" charset="0"/>
+                          <a:cs typeface="Times New Roman" panose="02020603050405020304" pitchFamily="18" charset="0"/>
+                        </a:rPr>
+                        <a:t>Saiful Islam </a:t>
+                      </a:r>
+                      <a:r>
+                        <a:rPr lang="en-US" sz="1600" dirty="0" err="1">
+                          <a:latin typeface="Times New Roman" panose="02020603050405020304" pitchFamily="18" charset="0"/>
+                          <a:cs typeface="Times New Roman" panose="02020603050405020304" pitchFamily="18" charset="0"/>
+                        </a:rPr>
+                        <a:t>Rishad</a:t>
+                      </a:r>
+                      <a:endParaRPr lang="en-US" sz="1600" dirty="0">
+                        <a:latin typeface="Times New Roman" panose="02020603050405020304" pitchFamily="18" charset="0"/>
+                        <a:cs typeface="Times New Roman" panose="02020603050405020304" pitchFamily="18" charset="0"/>
+                      </a:endParaRPr>
+                    </a:p>
+                  </a:txBody>
+                  <a:tcPr marL="91458" marR="91458" marT="45688" marB="45688"/>
+                </a:tc>
+                <a:tc>
+                  <a:txBody>
+                    <a:bodyPr/>
+                    <a:lstStyle/>
+                    <a:p>
+                      <a:r>
+                        <a:rPr lang="en-GB" sz="1600" dirty="0">
+                          <a:latin typeface="Times New Roman" panose="02020603050405020304" pitchFamily="18" charset="0"/>
+                          <a:cs typeface="Times New Roman" panose="02020603050405020304" pitchFamily="18" charset="0"/>
+                        </a:rPr>
+                        <a:t>190122051</a:t>
+                      </a:r>
+                    </a:p>
+                  </a:txBody>
+                  <a:tcPr marL="91458" marR="91458" marT="45688" marB="45688"/>
+                </a:tc>
+                <a:extLst>
+                  <a:ext uri="{0D108BD9-81ED-4DB2-BD59-A6C34878D82A}">
+                    <a16:rowId xmlns:a16="http://schemas.microsoft.com/office/drawing/2014/main" val="1902310546"/>
+                  </a:ext>
+                </a:extLst>
+              </a:tr>
+              <a:tr h="475587">
+                <a:tc>
+                  <a:txBody>
+                    <a:bodyPr/>
+                    <a:lstStyle/>
+                    <a:p>
+                      <a:pPr marL="0" marR="0" lvl="0" indent="0" algn="l" defTabSz="914400" rtl="0" eaLnBrk="1" fontAlgn="auto" latinLnBrk="0" hangingPunct="1">
+                        <a:lnSpc>
+                          <a:spcPct val="100000"/>
+                        </a:lnSpc>
+                        <a:spcBef>
+                          <a:spcPts val="0"/>
+                        </a:spcBef>
+                        <a:spcAft>
+                          <a:spcPts val="0"/>
+                        </a:spcAft>
+                        <a:buClrTx/>
+                        <a:buSzTx/>
+                        <a:buFontTx/>
+                        <a:buNone/>
+                        <a:tabLst/>
+                        <a:defRPr/>
+                      </a:pPr>
+                      <a:r>
+                        <a:rPr lang="en-US" sz="1600" dirty="0">
+                          <a:latin typeface="Times New Roman" panose="02020603050405020304" pitchFamily="18" charset="0"/>
+                          <a:cs typeface="Times New Roman" panose="02020603050405020304" pitchFamily="18" charset="0"/>
+                        </a:rPr>
+                        <a:t>M </a:t>
+                      </a:r>
+                      <a:r>
+                        <a:rPr lang="en-US" sz="1600" dirty="0" err="1">
+                          <a:latin typeface="Times New Roman" panose="02020603050405020304" pitchFamily="18" charset="0"/>
+                          <a:cs typeface="Times New Roman" panose="02020603050405020304" pitchFamily="18" charset="0"/>
+                        </a:rPr>
+                        <a:t>Sazzad</a:t>
+                      </a:r>
+                      <a:r>
+                        <a:rPr lang="en-US" sz="1600" dirty="0">
+                          <a:latin typeface="Times New Roman" panose="02020603050405020304" pitchFamily="18" charset="0"/>
+                          <a:cs typeface="Times New Roman" panose="02020603050405020304" pitchFamily="18" charset="0"/>
+                        </a:rPr>
+                        <a:t> </a:t>
+                      </a:r>
+                      <a:r>
+                        <a:rPr lang="en-US" sz="1600" dirty="0" err="1">
+                          <a:latin typeface="Times New Roman" panose="02020603050405020304" pitchFamily="18" charset="0"/>
+                          <a:cs typeface="Times New Roman" panose="02020603050405020304" pitchFamily="18" charset="0"/>
+                        </a:rPr>
+                        <a:t>Sultani</a:t>
+                      </a:r>
+                      <a:r>
+                        <a:rPr lang="en-US" sz="1600" dirty="0">
+                          <a:latin typeface="Times New Roman" panose="02020603050405020304" pitchFamily="18" charset="0"/>
+                          <a:cs typeface="Times New Roman" panose="02020603050405020304" pitchFamily="18" charset="0"/>
+                        </a:rPr>
+                        <a:t> </a:t>
+                      </a:r>
+                      <a:r>
+                        <a:rPr lang="en-US" sz="1600" dirty="0" err="1">
+                          <a:latin typeface="Times New Roman" panose="02020603050405020304" pitchFamily="18" charset="0"/>
+                          <a:cs typeface="Times New Roman" panose="02020603050405020304" pitchFamily="18" charset="0"/>
+                        </a:rPr>
+                        <a:t>Roksi</a:t>
+                      </a:r>
+                      <a:endParaRPr lang="en-US" sz="1600" dirty="0">
+                        <a:latin typeface="Times New Roman" panose="02020603050405020304" pitchFamily="18" charset="0"/>
+                        <a:cs typeface="Times New Roman" panose="02020603050405020304" pitchFamily="18" charset="0"/>
+                      </a:endParaRPr>
+                    </a:p>
+                  </a:txBody>
+                  <a:tcPr marL="91458" marR="91458" marT="45688" marB="45688"/>
+                </a:tc>
+                <a:tc>
+                  <a:txBody>
+                    <a:bodyPr/>
+                    <a:lstStyle/>
+                    <a:p>
+                      <a:r>
+                        <a:rPr lang="en-GB" sz="1600" dirty="0">
+                          <a:latin typeface="Times New Roman" panose="02020603050405020304" pitchFamily="18" charset="0"/>
+                          <a:cs typeface="Times New Roman" panose="02020603050405020304" pitchFamily="18" charset="0"/>
+                        </a:rPr>
+                        <a:t>190122063</a:t>
+                      </a:r>
+                    </a:p>
+                  </a:txBody>
+                  <a:tcPr marL="91458" marR="91458" marT="45688" marB="45688"/>
+                </a:tc>
+                <a:extLst>
+                  <a:ext uri="{0D108BD9-81ED-4DB2-BD59-A6C34878D82A}">
+                    <a16:rowId xmlns:a16="http://schemas.microsoft.com/office/drawing/2014/main" val="3551078504"/>
+                  </a:ext>
+                </a:extLst>
+              </a:tr>
+              <a:tr h="475587">
+                <a:tc>
+                  <a:txBody>
+                    <a:bodyPr/>
+                    <a:lstStyle/>
+                    <a:p>
+                      <a:r>
+                        <a:rPr lang="en-GB" sz="1600" dirty="0" err="1">
+                          <a:solidFill>
+                            <a:schemeClr val="tx1"/>
+                          </a:solidFill>
+                          <a:latin typeface="Times New Roman" panose="02020603050405020304" pitchFamily="18" charset="0"/>
+                          <a:cs typeface="Times New Roman" panose="02020603050405020304" pitchFamily="18" charset="0"/>
+                        </a:rPr>
+                        <a:t>Rifatul</a:t>
+                      </a:r>
+                      <a:r>
+                        <a:rPr lang="en-GB" sz="1600" dirty="0">
+                          <a:solidFill>
+                            <a:schemeClr val="tx1"/>
+                          </a:solidFill>
+                          <a:latin typeface="Times New Roman" panose="02020603050405020304" pitchFamily="18" charset="0"/>
+                          <a:cs typeface="Times New Roman" panose="02020603050405020304" pitchFamily="18" charset="0"/>
+                        </a:rPr>
+                        <a:t> Islam</a:t>
+                      </a:r>
+                    </a:p>
+                  </a:txBody>
+                  <a:tcPr marL="91458" marR="91458" marT="45688" marB="45688"/>
+                </a:tc>
+                <a:tc>
+                  <a:txBody>
+                    <a:bodyPr/>
+                    <a:lstStyle/>
+                    <a:p>
+                      <a:r>
+                        <a:rPr lang="en-GB" sz="1600" dirty="0">
+                          <a:latin typeface="Times New Roman" panose="02020603050405020304" pitchFamily="18" charset="0"/>
+                          <a:cs typeface="Times New Roman" panose="02020603050405020304" pitchFamily="18" charset="0"/>
+                        </a:rPr>
+                        <a:t>190122041</a:t>
+                      </a:r>
+                    </a:p>
+                  </a:txBody>
+                  <a:tcPr marL="91458" marR="91458" marT="45688" marB="45688"/>
+                </a:tc>
+                <a:extLst>
+                  <a:ext uri="{0D108BD9-81ED-4DB2-BD59-A6C34878D82A}">
+                    <a16:rowId xmlns:a16="http://schemas.microsoft.com/office/drawing/2014/main" val="1195637700"/>
+                  </a:ext>
+                </a:extLst>
+              </a:tr>
+              <a:tr h="475587">
+                <a:tc>
+                  <a:txBody>
+                    <a:bodyPr/>
+                    <a:lstStyle/>
+                    <a:p>
+                      <a:r>
+                        <a:rPr lang="en-GB" sz="1600" dirty="0">
+                          <a:solidFill>
+                            <a:schemeClr val="tx1"/>
+                          </a:solidFill>
+                          <a:latin typeface="Times New Roman" panose="02020603050405020304" pitchFamily="18" charset="0"/>
+                          <a:cs typeface="Times New Roman" panose="02020603050405020304" pitchFamily="18" charset="0"/>
+                        </a:rPr>
+                        <a:t>Tariqul Islam Rifat</a:t>
+                      </a:r>
+                    </a:p>
+                  </a:txBody>
+                  <a:tcPr marL="91458" marR="91458" marT="45688" marB="45688"/>
+                </a:tc>
+                <a:tc>
+                  <a:txBody>
+                    <a:bodyPr/>
+                    <a:lstStyle/>
+                    <a:p>
+                      <a:r>
+                        <a:rPr lang="en-GB" sz="1600" dirty="0">
+                          <a:latin typeface="Times New Roman" panose="02020603050405020304" pitchFamily="18" charset="0"/>
+                          <a:cs typeface="Times New Roman" panose="02020603050405020304" pitchFamily="18" charset="0"/>
+                        </a:rPr>
+                        <a:t>190122050</a:t>
+                      </a:r>
+                    </a:p>
+                  </a:txBody>
+                  <a:tcPr marL="91458" marR="91458" marT="45688" marB="45688"/>
+                </a:tc>
+                <a:extLst>
+                  <a:ext uri="{0D108BD9-81ED-4DB2-BD59-A6C34878D82A}">
+                    <a16:rowId xmlns:a16="http://schemas.microsoft.com/office/drawing/2014/main" val="2273818495"/>
+                  </a:ext>
+                </a:extLst>
+              </a:tr>
+              <a:tr h="475587">
+                <a:tc>
+                  <a:txBody>
+                    <a:bodyPr/>
+                    <a:lstStyle/>
+                    <a:p>
+                      <a:r>
+                        <a:rPr lang="en-GB" sz="1600" dirty="0">
+                          <a:solidFill>
+                            <a:schemeClr val="tx1"/>
+                          </a:solidFill>
+                          <a:latin typeface="Times New Roman" panose="02020603050405020304" pitchFamily="18" charset="0"/>
+                          <a:cs typeface="Times New Roman" panose="02020603050405020304" pitchFamily="18" charset="0"/>
+                        </a:rPr>
+                        <a:t>Most. </a:t>
+                      </a:r>
+                      <a:r>
+                        <a:rPr lang="en-GB" sz="1600" dirty="0" err="1">
+                          <a:solidFill>
+                            <a:schemeClr val="tx1"/>
+                          </a:solidFill>
+                          <a:latin typeface="Times New Roman" panose="02020603050405020304" pitchFamily="18" charset="0"/>
+                          <a:cs typeface="Times New Roman" panose="02020603050405020304" pitchFamily="18" charset="0"/>
+                        </a:rPr>
+                        <a:t>Sima</a:t>
+                      </a:r>
+                      <a:r>
+                        <a:rPr lang="en-GB" sz="1600" dirty="0">
+                          <a:solidFill>
+                            <a:schemeClr val="tx1"/>
+                          </a:solidFill>
+                          <a:latin typeface="Times New Roman" panose="02020603050405020304" pitchFamily="18" charset="0"/>
+                          <a:cs typeface="Times New Roman" panose="02020603050405020304" pitchFamily="18" charset="0"/>
+                        </a:rPr>
+                        <a:t> </a:t>
+                      </a:r>
+                      <a:r>
+                        <a:rPr lang="en-GB" sz="1600" dirty="0" err="1">
+                          <a:solidFill>
+                            <a:schemeClr val="tx1"/>
+                          </a:solidFill>
+                          <a:latin typeface="Times New Roman" panose="02020603050405020304" pitchFamily="18" charset="0"/>
+                          <a:cs typeface="Times New Roman" panose="02020603050405020304" pitchFamily="18" charset="0"/>
+                        </a:rPr>
+                        <a:t>Akter</a:t>
+                      </a:r>
+                      <a:endParaRPr lang="en-GB" sz="1600" dirty="0">
+                        <a:solidFill>
+                          <a:schemeClr val="tx1"/>
+                        </a:solidFill>
+                        <a:latin typeface="Times New Roman" panose="02020603050405020304" pitchFamily="18" charset="0"/>
+                        <a:cs typeface="Times New Roman" panose="02020603050405020304" pitchFamily="18" charset="0"/>
+                      </a:endParaRPr>
+                    </a:p>
+                  </a:txBody>
+                  <a:tcPr marL="91458" marR="91458" marT="45688" marB="45688"/>
+                </a:tc>
+                <a:tc>
+                  <a:txBody>
+                    <a:bodyPr/>
+                    <a:lstStyle/>
+                    <a:p>
+                      <a:r>
+                        <a:rPr lang="en-GB" sz="1600" dirty="0">
+                          <a:solidFill>
+                            <a:schemeClr val="tx1"/>
+                          </a:solidFill>
+                          <a:latin typeface="Times New Roman" panose="02020603050405020304" pitchFamily="18" charset="0"/>
+                          <a:cs typeface="Times New Roman" panose="02020603050405020304" pitchFamily="18" charset="0"/>
+                        </a:rPr>
+                        <a:t>190122015</a:t>
+                      </a:r>
+                      <a:endParaRPr lang="en-GB" sz="1600" dirty="0">
+                        <a:latin typeface="Times New Roman" panose="02020603050405020304" pitchFamily="18" charset="0"/>
+                        <a:cs typeface="Times New Roman" panose="02020603050405020304" pitchFamily="18" charset="0"/>
+                      </a:endParaRPr>
+                    </a:p>
+                  </a:txBody>
+                  <a:tcPr marL="91458" marR="91458" marT="45688" marB="45688"/>
+                </a:tc>
+                <a:extLst>
+                  <a:ext uri="{0D108BD9-81ED-4DB2-BD59-A6C34878D82A}">
+                    <a16:rowId xmlns:a16="http://schemas.microsoft.com/office/drawing/2014/main" val="2367512918"/>
+                  </a:ext>
+                </a:extLst>
+              </a:tr>
+            </a:tbl>
+          </a:graphicData>
+        </a:graphic>
+      </p:graphicFrame>
     </p:spTree>
   </p:cSld>
   <p:clrMapOvr>
@@ -6941,7 +6700,13 @@
       </p:grpSpPr>
       <p:sp>
         <p:nvSpPr>
-          <p:cNvPr id="2" name="Title 1"/>
+          <p:cNvPr id="9" name="Title 1">
+            <a:extLst>
+              <a:ext uri="{FF2B5EF4-FFF2-40B4-BE49-F238E27FC236}">
+                <a16:creationId xmlns:a16="http://schemas.microsoft.com/office/drawing/2014/main" id="{4259F78E-A3BC-41E1-84AF-9A4101819AE8}"/>
+              </a:ext>
+            </a:extLst>
+          </p:cNvPr>
           <p:cNvSpPr>
             <a:spLocks noGrp="1"/>
           </p:cNvSpPr>
@@ -6951,77 +6716,516 @@
         </p:nvSpPr>
         <p:spPr>
           <a:xfrm>
-            <a:off x="381000" y="609600"/>
-            <a:ext cx="8229600" cy="1143000"/>
+            <a:off x="596900" y="446088"/>
+            <a:ext cx="7950200" cy="533400"/>
           </a:xfrm>
         </p:spPr>
         <p:txBody>
-          <a:bodyPr/>
+          <a:bodyPr rtlCol="0">
+            <a:normAutofit fontScale="90000"/>
+          </a:bodyPr>
           <a:lstStyle/>
           <a:p>
-            <a:r>
-              <a:rPr lang="en-US" sz="4000" dirty="0"/>
-              <a:t>Date</a:t>
-            </a:r>
-            <a:r>
-              <a:rPr lang="en-US" dirty="0"/>
-              <a:t> of completion</a:t>
+            <a:pPr eaLnBrk="1" fontAlgn="auto" hangingPunct="1">
+              <a:spcAft>
+                <a:spcPts val="0"/>
+              </a:spcAft>
+              <a:defRPr/>
+            </a:pPr>
+            <a:r>
+              <a:rPr lang="en-US" sz="3600" dirty="0">
+                <a:latin typeface="Times New Roman" panose="02020603050405020304" pitchFamily="18" charset="0"/>
+                <a:cs typeface="Times New Roman" panose="02020603050405020304" pitchFamily="18" charset="0"/>
+              </a:rPr>
+              <a:t>Features (Continued)</a:t>
             </a:r>
           </a:p>
         </p:txBody>
       </p:sp>
       <p:sp>
         <p:nvSpPr>
-          <p:cNvPr id="3" name="Content Placeholder 2"/>
-          <p:cNvSpPr>
-            <a:spLocks noGrp="1"/>
+          <p:cNvPr id="10" name="TextBox 9">
+            <a:extLst>
+              <a:ext uri="{FF2B5EF4-FFF2-40B4-BE49-F238E27FC236}">
+                <a16:creationId xmlns:a16="http://schemas.microsoft.com/office/drawing/2014/main" id="{BBE08B61-AB7A-4A64-8744-F284E5FCEE2F}"/>
+              </a:ext>
+            </a:extLst>
+          </p:cNvPr>
+          <p:cNvSpPr txBox="1">
+            <a:spLocks noChangeArrowheads="1"/>
           </p:cNvSpPr>
-          <p:nvPr>
-            <p:ph idx="1"/>
-          </p:nvPr>
+          <p:nvPr/>
         </p:nvSpPr>
+        <p:spPr bwMode="auto">
+          <a:xfrm>
+            <a:off x="1763713" y="5992813"/>
+            <a:ext cx="1897062" cy="338137"/>
+          </a:xfrm>
+          <a:prstGeom prst="rect">
+            <a:avLst/>
+          </a:prstGeom>
+          <a:noFill/>
+          <a:ln>
+            <a:noFill/>
+          </a:ln>
+          <a:extLst>
+            <a:ext uri="{909E8E84-426E-40DD-AFC4-6F175D3DCCD1}">
+              <a14:hiddenFill xmlns:a14="http://schemas.microsoft.com/office/drawing/2010/main">
+                <a:solidFill>
+                  <a:srgbClr val="FFFFFF"/>
+                </a:solidFill>
+              </a14:hiddenFill>
+            </a:ext>
+            <a:ext uri="{91240B29-F687-4F45-9708-019B960494DF}">
+              <a14:hiddenLine xmlns:a14="http://schemas.microsoft.com/office/drawing/2010/main" w="9525">
+                <a:solidFill>
+                  <a:srgbClr val="000000"/>
+                </a:solidFill>
+                <a:miter lim="800000"/>
+                <a:headEnd/>
+                <a:tailEnd/>
+              </a14:hiddenLine>
+            </a:ext>
+          </a:extLst>
+        </p:spPr>
+        <p:txBody>
+          <a:bodyPr wrap="none">
+            <a:spAutoFit/>
+          </a:bodyPr>
+          <a:lstStyle>
+            <a:lvl1pPr>
+              <a:spcBef>
+                <a:spcPct val="20000"/>
+              </a:spcBef>
+              <a:buChar char="•"/>
+              <a:defRPr sz="3200">
+                <a:solidFill>
+                  <a:schemeClr val="tx1"/>
+                </a:solidFill>
+                <a:latin typeface="Arial" panose="020B0604020202020204" pitchFamily="34" charset="0"/>
+                <a:cs typeface="Arial" panose="020B0604020202020204" pitchFamily="34" charset="0"/>
+              </a:defRPr>
+            </a:lvl1pPr>
+            <a:lvl2pPr marL="742950" indent="-285750">
+              <a:spcBef>
+                <a:spcPct val="20000"/>
+              </a:spcBef>
+              <a:buChar char="–"/>
+              <a:defRPr sz="2800">
+                <a:solidFill>
+                  <a:schemeClr val="tx1"/>
+                </a:solidFill>
+                <a:latin typeface="Arial" panose="020B0604020202020204" pitchFamily="34" charset="0"/>
+                <a:cs typeface="Arial" panose="020B0604020202020204" pitchFamily="34" charset="0"/>
+              </a:defRPr>
+            </a:lvl2pPr>
+            <a:lvl3pPr marL="1143000" indent="-228600">
+              <a:spcBef>
+                <a:spcPct val="20000"/>
+              </a:spcBef>
+              <a:buChar char="•"/>
+              <a:defRPr sz="2400">
+                <a:solidFill>
+                  <a:schemeClr val="tx1"/>
+                </a:solidFill>
+                <a:latin typeface="Arial" panose="020B0604020202020204" pitchFamily="34" charset="0"/>
+                <a:cs typeface="Arial" panose="020B0604020202020204" pitchFamily="34" charset="0"/>
+              </a:defRPr>
+            </a:lvl3pPr>
+            <a:lvl4pPr marL="1600200" indent="-228600">
+              <a:spcBef>
+                <a:spcPct val="20000"/>
+              </a:spcBef>
+              <a:buChar char="–"/>
+              <a:defRPr sz="2000">
+                <a:solidFill>
+                  <a:schemeClr val="tx1"/>
+                </a:solidFill>
+                <a:latin typeface="Arial" panose="020B0604020202020204" pitchFamily="34" charset="0"/>
+                <a:cs typeface="Arial" panose="020B0604020202020204" pitchFamily="34" charset="0"/>
+              </a:defRPr>
+            </a:lvl4pPr>
+            <a:lvl5pPr marL="2057400" indent="-228600">
+              <a:spcBef>
+                <a:spcPct val="20000"/>
+              </a:spcBef>
+              <a:buChar char="»"/>
+              <a:defRPr sz="2000">
+                <a:solidFill>
+                  <a:schemeClr val="tx1"/>
+                </a:solidFill>
+                <a:latin typeface="Arial" panose="020B0604020202020204" pitchFamily="34" charset="0"/>
+                <a:cs typeface="Arial" panose="020B0604020202020204" pitchFamily="34" charset="0"/>
+              </a:defRPr>
+            </a:lvl5pPr>
+            <a:lvl6pPr marL="2514600" indent="-228600" eaLnBrk="0" fontAlgn="base" hangingPunct="0">
+              <a:spcBef>
+                <a:spcPct val="20000"/>
+              </a:spcBef>
+              <a:spcAft>
+                <a:spcPct val="0"/>
+              </a:spcAft>
+              <a:buChar char="»"/>
+              <a:defRPr sz="2000">
+                <a:solidFill>
+                  <a:schemeClr val="tx1"/>
+                </a:solidFill>
+                <a:latin typeface="Arial" panose="020B0604020202020204" pitchFamily="34" charset="0"/>
+                <a:cs typeface="Arial" panose="020B0604020202020204" pitchFamily="34" charset="0"/>
+              </a:defRPr>
+            </a:lvl6pPr>
+            <a:lvl7pPr marL="2971800" indent="-228600" eaLnBrk="0" fontAlgn="base" hangingPunct="0">
+              <a:spcBef>
+                <a:spcPct val="20000"/>
+              </a:spcBef>
+              <a:spcAft>
+                <a:spcPct val="0"/>
+              </a:spcAft>
+              <a:buChar char="»"/>
+              <a:defRPr sz="2000">
+                <a:solidFill>
+                  <a:schemeClr val="tx1"/>
+                </a:solidFill>
+                <a:latin typeface="Arial" panose="020B0604020202020204" pitchFamily="34" charset="0"/>
+                <a:cs typeface="Arial" panose="020B0604020202020204" pitchFamily="34" charset="0"/>
+              </a:defRPr>
+            </a:lvl7pPr>
+            <a:lvl8pPr marL="3429000" indent="-228600" eaLnBrk="0" fontAlgn="base" hangingPunct="0">
+              <a:spcBef>
+                <a:spcPct val="20000"/>
+              </a:spcBef>
+              <a:spcAft>
+                <a:spcPct val="0"/>
+              </a:spcAft>
+              <a:buChar char="»"/>
+              <a:defRPr sz="2000">
+                <a:solidFill>
+                  <a:schemeClr val="tx1"/>
+                </a:solidFill>
+                <a:latin typeface="Arial" panose="020B0604020202020204" pitchFamily="34" charset="0"/>
+                <a:cs typeface="Arial" panose="020B0604020202020204" pitchFamily="34" charset="0"/>
+              </a:defRPr>
+            </a:lvl8pPr>
+            <a:lvl9pPr marL="3886200" indent="-228600" eaLnBrk="0" fontAlgn="base" hangingPunct="0">
+              <a:spcBef>
+                <a:spcPct val="20000"/>
+              </a:spcBef>
+              <a:spcAft>
+                <a:spcPct val="0"/>
+              </a:spcAft>
+              <a:buChar char="»"/>
+              <a:defRPr sz="2000">
+                <a:solidFill>
+                  <a:schemeClr val="tx1"/>
+                </a:solidFill>
+                <a:latin typeface="Arial" panose="020B0604020202020204" pitchFamily="34" charset="0"/>
+                <a:cs typeface="Arial" panose="020B0604020202020204" pitchFamily="34" charset="0"/>
+              </a:defRPr>
+            </a:lvl9pPr>
+          </a:lstStyle>
+          <a:p>
+            <a:pPr eaLnBrk="1" hangingPunct="1">
+              <a:spcBef>
+                <a:spcPct val="0"/>
+              </a:spcBef>
+              <a:buFontTx/>
+              <a:buNone/>
+            </a:pPr>
+            <a:r>
+              <a:rPr lang="en-US" altLang="en-US" sz="1600">
+                <a:latin typeface="Times New Roman" panose="02020603050405020304" pitchFamily="18" charset="0"/>
+                <a:cs typeface="Times New Roman" panose="02020603050405020304" pitchFamily="18" charset="0"/>
+              </a:rPr>
+              <a:t>Figure: Donate Food</a:t>
+            </a:r>
+          </a:p>
+        </p:txBody>
+      </p:sp>
+      <p:sp>
+        <p:nvSpPr>
+          <p:cNvPr id="11" name="TextBox 11">
+            <a:extLst>
+              <a:ext uri="{FF2B5EF4-FFF2-40B4-BE49-F238E27FC236}">
+                <a16:creationId xmlns:a16="http://schemas.microsoft.com/office/drawing/2014/main" id="{167BB529-4F9C-4BDA-B06C-A753AF77BEDA}"/>
+              </a:ext>
+            </a:extLst>
+          </p:cNvPr>
+          <p:cNvSpPr txBox="1">
+            <a:spLocks noChangeArrowheads="1"/>
+          </p:cNvSpPr>
+          <p:nvPr/>
+        </p:nvSpPr>
+        <p:spPr bwMode="auto">
+          <a:xfrm>
+            <a:off x="5848350" y="5992813"/>
+            <a:ext cx="1392238" cy="338137"/>
+          </a:xfrm>
+          <a:prstGeom prst="rect">
+            <a:avLst/>
+          </a:prstGeom>
+          <a:noFill/>
+          <a:ln>
+            <a:noFill/>
+          </a:ln>
+          <a:extLst>
+            <a:ext uri="{909E8E84-426E-40DD-AFC4-6F175D3DCCD1}">
+              <a14:hiddenFill xmlns:a14="http://schemas.microsoft.com/office/drawing/2010/main">
+                <a:solidFill>
+                  <a:srgbClr val="FFFFFF"/>
+                </a:solidFill>
+              </a14:hiddenFill>
+            </a:ext>
+            <a:ext uri="{91240B29-F687-4F45-9708-019B960494DF}">
+              <a14:hiddenLine xmlns:a14="http://schemas.microsoft.com/office/drawing/2010/main" w="9525">
+                <a:solidFill>
+                  <a:srgbClr val="000000"/>
+                </a:solidFill>
+                <a:miter lim="800000"/>
+                <a:headEnd/>
+                <a:tailEnd/>
+              </a14:hiddenLine>
+            </a:ext>
+          </a:extLst>
+        </p:spPr>
+        <p:txBody>
+          <a:bodyPr wrap="none">
+            <a:spAutoFit/>
+          </a:bodyPr>
+          <a:lstStyle>
+            <a:lvl1pPr>
+              <a:spcBef>
+                <a:spcPct val="20000"/>
+              </a:spcBef>
+              <a:buChar char="•"/>
+              <a:defRPr sz="3200">
+                <a:solidFill>
+                  <a:schemeClr val="tx1"/>
+                </a:solidFill>
+                <a:latin typeface="Arial" panose="020B0604020202020204" pitchFamily="34" charset="0"/>
+                <a:cs typeface="Arial" panose="020B0604020202020204" pitchFamily="34" charset="0"/>
+              </a:defRPr>
+            </a:lvl1pPr>
+            <a:lvl2pPr marL="742950" indent="-285750">
+              <a:spcBef>
+                <a:spcPct val="20000"/>
+              </a:spcBef>
+              <a:buChar char="–"/>
+              <a:defRPr sz="2800">
+                <a:solidFill>
+                  <a:schemeClr val="tx1"/>
+                </a:solidFill>
+                <a:latin typeface="Arial" panose="020B0604020202020204" pitchFamily="34" charset="0"/>
+                <a:cs typeface="Arial" panose="020B0604020202020204" pitchFamily="34" charset="0"/>
+              </a:defRPr>
+            </a:lvl2pPr>
+            <a:lvl3pPr marL="1143000" indent="-228600">
+              <a:spcBef>
+                <a:spcPct val="20000"/>
+              </a:spcBef>
+              <a:buChar char="•"/>
+              <a:defRPr sz="2400">
+                <a:solidFill>
+                  <a:schemeClr val="tx1"/>
+                </a:solidFill>
+                <a:latin typeface="Arial" panose="020B0604020202020204" pitchFamily="34" charset="0"/>
+                <a:cs typeface="Arial" panose="020B0604020202020204" pitchFamily="34" charset="0"/>
+              </a:defRPr>
+            </a:lvl3pPr>
+            <a:lvl4pPr marL="1600200" indent="-228600">
+              <a:spcBef>
+                <a:spcPct val="20000"/>
+              </a:spcBef>
+              <a:buChar char="–"/>
+              <a:defRPr sz="2000">
+                <a:solidFill>
+                  <a:schemeClr val="tx1"/>
+                </a:solidFill>
+                <a:latin typeface="Arial" panose="020B0604020202020204" pitchFamily="34" charset="0"/>
+                <a:cs typeface="Arial" panose="020B0604020202020204" pitchFamily="34" charset="0"/>
+              </a:defRPr>
+            </a:lvl4pPr>
+            <a:lvl5pPr marL="2057400" indent="-228600">
+              <a:spcBef>
+                <a:spcPct val="20000"/>
+              </a:spcBef>
+              <a:buChar char="»"/>
+              <a:defRPr sz="2000">
+                <a:solidFill>
+                  <a:schemeClr val="tx1"/>
+                </a:solidFill>
+                <a:latin typeface="Arial" panose="020B0604020202020204" pitchFamily="34" charset="0"/>
+                <a:cs typeface="Arial" panose="020B0604020202020204" pitchFamily="34" charset="0"/>
+              </a:defRPr>
+            </a:lvl5pPr>
+            <a:lvl6pPr marL="2514600" indent="-228600" eaLnBrk="0" fontAlgn="base" hangingPunct="0">
+              <a:spcBef>
+                <a:spcPct val="20000"/>
+              </a:spcBef>
+              <a:spcAft>
+                <a:spcPct val="0"/>
+              </a:spcAft>
+              <a:buChar char="»"/>
+              <a:defRPr sz="2000">
+                <a:solidFill>
+                  <a:schemeClr val="tx1"/>
+                </a:solidFill>
+                <a:latin typeface="Arial" panose="020B0604020202020204" pitchFamily="34" charset="0"/>
+                <a:cs typeface="Arial" panose="020B0604020202020204" pitchFamily="34" charset="0"/>
+              </a:defRPr>
+            </a:lvl6pPr>
+            <a:lvl7pPr marL="2971800" indent="-228600" eaLnBrk="0" fontAlgn="base" hangingPunct="0">
+              <a:spcBef>
+                <a:spcPct val="20000"/>
+              </a:spcBef>
+              <a:spcAft>
+                <a:spcPct val="0"/>
+              </a:spcAft>
+              <a:buChar char="»"/>
+              <a:defRPr sz="2000">
+                <a:solidFill>
+                  <a:schemeClr val="tx1"/>
+                </a:solidFill>
+                <a:latin typeface="Arial" panose="020B0604020202020204" pitchFamily="34" charset="0"/>
+                <a:cs typeface="Arial" panose="020B0604020202020204" pitchFamily="34" charset="0"/>
+              </a:defRPr>
+            </a:lvl7pPr>
+            <a:lvl8pPr marL="3429000" indent="-228600" eaLnBrk="0" fontAlgn="base" hangingPunct="0">
+              <a:spcBef>
+                <a:spcPct val="20000"/>
+              </a:spcBef>
+              <a:spcAft>
+                <a:spcPct val="0"/>
+              </a:spcAft>
+              <a:buChar char="»"/>
+              <a:defRPr sz="2000">
+                <a:solidFill>
+                  <a:schemeClr val="tx1"/>
+                </a:solidFill>
+                <a:latin typeface="Arial" panose="020B0604020202020204" pitchFamily="34" charset="0"/>
+                <a:cs typeface="Arial" panose="020B0604020202020204" pitchFamily="34" charset="0"/>
+              </a:defRPr>
+            </a:lvl8pPr>
+            <a:lvl9pPr marL="3886200" indent="-228600" eaLnBrk="0" fontAlgn="base" hangingPunct="0">
+              <a:spcBef>
+                <a:spcPct val="20000"/>
+              </a:spcBef>
+              <a:spcAft>
+                <a:spcPct val="0"/>
+              </a:spcAft>
+              <a:buChar char="»"/>
+              <a:defRPr sz="2000">
+                <a:solidFill>
+                  <a:schemeClr val="tx1"/>
+                </a:solidFill>
+                <a:latin typeface="Arial" panose="020B0604020202020204" pitchFamily="34" charset="0"/>
+                <a:cs typeface="Arial" panose="020B0604020202020204" pitchFamily="34" charset="0"/>
+              </a:defRPr>
+            </a:lvl9pPr>
+          </a:lstStyle>
+          <a:p>
+            <a:pPr eaLnBrk="1" hangingPunct="1">
+              <a:spcBef>
+                <a:spcPct val="0"/>
+              </a:spcBef>
+              <a:buFontTx/>
+              <a:buNone/>
+            </a:pPr>
+            <a:r>
+              <a:rPr lang="en-US" altLang="en-US" sz="1600">
+                <a:latin typeface="Times New Roman" panose="02020603050405020304" pitchFamily="18" charset="0"/>
+                <a:cs typeface="Times New Roman" panose="02020603050405020304" pitchFamily="18" charset="0"/>
+              </a:rPr>
+              <a:t>Figure: Profile</a:t>
+            </a:r>
+          </a:p>
+        </p:txBody>
+      </p:sp>
+      <p:pic>
+        <p:nvPicPr>
+          <p:cNvPr id="12" name="Picture 11">
+            <a:extLst>
+              <a:ext uri="{FF2B5EF4-FFF2-40B4-BE49-F238E27FC236}">
+                <a16:creationId xmlns:a16="http://schemas.microsoft.com/office/drawing/2014/main" id="{C83CD07E-4A5A-4B22-9BA2-19AFBDCB40EB}"/>
+              </a:ext>
+            </a:extLst>
+          </p:cNvPr>
+          <p:cNvPicPr>
+            <a:picLocks noChangeAspect="1"/>
+          </p:cNvPicPr>
+          <p:nvPr/>
+        </p:nvPicPr>
+        <p:blipFill>
+          <a:blip r:embed="rId2"/>
+          <a:stretch>
+            <a:fillRect/>
+          </a:stretch>
+        </p:blipFill>
         <p:spPr>
           <a:xfrm>
-            <a:off x="1485900" y="2514600"/>
-            <a:ext cx="6172200" cy="2971800"/>
+            <a:off x="1763713" y="1628775"/>
+            <a:ext cx="2097087" cy="4219575"/>
           </a:xfrm>
+          <a:prstGeom prst="rect">
+            <a:avLst/>
+          </a:prstGeom>
+          <a:ln>
+            <a:noFill/>
+          </a:ln>
+          <a:effectLst>
+            <a:outerShdw blurRad="190500" algn="tl" rotWithShape="0">
+              <a:srgbClr val="000000">
+                <a:alpha val="70000"/>
+              </a:srgbClr>
+            </a:outerShdw>
+          </a:effectLst>
         </p:spPr>
-        <p:txBody>
-          <a:bodyPr/>
-          <a:lstStyle/>
-          <a:p>
-            <a:pPr marL="0" indent="0">
-              <a:buNone/>
-            </a:pPr>
-            <a:r>
-              <a:rPr lang="en-US" sz="2000" dirty="0"/>
-              <a:t>I will finished up to the detection and evaluation of my proposed work within October </a:t>
-            </a:r>
-            <a:r>
-              <a:rPr lang="bn-BD" sz="2000" dirty="0"/>
-              <a:t>14</a:t>
-            </a:r>
-            <a:r>
-              <a:rPr lang="en-US" sz="2000" dirty="0"/>
-              <a:t>, 2019.</a:t>
-            </a:r>
-          </a:p>
-          <a:p>
-            <a:pPr>
-              <a:buNone/>
-            </a:pPr>
-            <a:r>
-              <a:rPr lang="bn-BD" dirty="0"/>
-              <a:t>   </a:t>
-            </a:r>
-            <a:r>
-              <a:rPr lang="en-US" dirty="0"/>
-              <a:t>    </a:t>
-            </a:r>
-          </a:p>
-        </p:txBody>
-      </p:sp>
+      </p:pic>
+      <p:pic>
+        <p:nvPicPr>
+          <p:cNvPr id="13" name="Picture 12">
+            <a:extLst>
+              <a:ext uri="{FF2B5EF4-FFF2-40B4-BE49-F238E27FC236}">
+                <a16:creationId xmlns:a16="http://schemas.microsoft.com/office/drawing/2014/main" id="{64B51E4F-3542-407C-8381-563493A954A9}"/>
+              </a:ext>
+            </a:extLst>
+          </p:cNvPr>
+          <p:cNvPicPr>
+            <a:picLocks noChangeAspect="1"/>
+          </p:cNvPicPr>
+          <p:nvPr/>
+        </p:nvPicPr>
+        <p:blipFill>
+          <a:blip r:embed="rId3"/>
+          <a:stretch>
+            <a:fillRect/>
+          </a:stretch>
+        </p:blipFill>
+        <p:spPr>
+          <a:xfrm>
+            <a:off x="5505450" y="1628775"/>
+            <a:ext cx="2097088" cy="4219575"/>
+          </a:xfrm>
+          <a:prstGeom prst="rect">
+            <a:avLst/>
+          </a:prstGeom>
+          <a:ln>
+            <a:noFill/>
+          </a:ln>
+          <a:effectLst>
+            <a:outerShdw blurRad="190500" algn="tl" rotWithShape="0">
+              <a:srgbClr val="000000">
+                <a:alpha val="70000"/>
+              </a:srgbClr>
+            </a:outerShdw>
+          </a:effectLst>
+        </p:spPr>
+      </p:pic>
     </p:spTree>
+    <p:extLst>
+      <p:ext uri="{BB962C8B-B14F-4D97-AF65-F5344CB8AC3E}">
+        <p14:creationId xmlns:p14="http://schemas.microsoft.com/office/powerpoint/2010/main" val="1341877122"/>
+      </p:ext>
+    </p:extLst>
   </p:cSld>
   <p:clrMapOvr>
     <a:masterClrMapping/>
@@ -7030,6 +7234,587 @@
 </file>
 
 <file path=ppt/slides/slide11.xml><?xml version="1.0" encoding="utf-8"?>
+<p:sld xmlns:a="http://schemas.openxmlformats.org/drawingml/2006/main" xmlns:r="http://schemas.openxmlformats.org/officeDocument/2006/relationships" xmlns:p="http://schemas.openxmlformats.org/presentationml/2006/main">
+  <p:cSld>
+    <p:spTree>
+      <p:nvGrpSpPr>
+        <p:cNvPr id="1" name=""/>
+        <p:cNvGrpSpPr/>
+        <p:nvPr/>
+      </p:nvGrpSpPr>
+      <p:grpSpPr>
+        <a:xfrm>
+          <a:off x="0" y="0"/>
+          <a:ext cx="0" cy="0"/>
+          <a:chOff x="0" y="0"/>
+          <a:chExt cx="0" cy="0"/>
+        </a:xfrm>
+      </p:grpSpPr>
+      <p:sp>
+        <p:nvSpPr>
+          <p:cNvPr id="4" name="Title 1">
+            <a:extLst>
+              <a:ext uri="{FF2B5EF4-FFF2-40B4-BE49-F238E27FC236}">
+                <a16:creationId xmlns:a16="http://schemas.microsoft.com/office/drawing/2014/main" id="{3C781828-6F18-4BDC-B830-E70437793F7C}"/>
+              </a:ext>
+            </a:extLst>
+          </p:cNvPr>
+          <p:cNvSpPr txBox="1">
+            <a:spLocks/>
+          </p:cNvSpPr>
+          <p:nvPr/>
+        </p:nvSpPr>
+        <p:spPr>
+          <a:xfrm>
+            <a:off x="485633" y="240519"/>
+            <a:ext cx="7950200" cy="533400"/>
+          </a:xfrm>
+          <a:prstGeom prst="rect">
+            <a:avLst/>
+          </a:prstGeom>
+        </p:spPr>
+        <p:txBody>
+          <a:bodyPr vert="horz" lIns="91440" tIns="45720" rIns="91440" bIns="45720" rtlCol="0" anchor="ctr">
+            <a:normAutofit fontScale="90000" lnSpcReduction="10000"/>
+          </a:bodyPr>
+          <a:lstStyle>
+            <a:lvl1pPr algn="ctr" defTabSz="914400" rtl="0" eaLnBrk="1" latinLnBrk="0" hangingPunct="1">
+              <a:spcBef>
+                <a:spcPct val="0"/>
+              </a:spcBef>
+              <a:buNone/>
+              <a:defRPr sz="4400" kern="1200">
+                <a:solidFill>
+                  <a:schemeClr val="tx1"/>
+                </a:solidFill>
+                <a:latin typeface="+mj-lt"/>
+                <a:ea typeface="+mj-ea"/>
+                <a:cs typeface="+mj-cs"/>
+              </a:defRPr>
+            </a:lvl1pPr>
+          </a:lstStyle>
+          <a:p>
+            <a:pPr>
+              <a:defRPr/>
+            </a:pPr>
+            <a:r>
+              <a:rPr lang="en-US" sz="3600">
+                <a:latin typeface="Times New Roman" panose="02020603050405020304" pitchFamily="18" charset="0"/>
+                <a:cs typeface="Times New Roman" panose="02020603050405020304" pitchFamily="18" charset="0"/>
+              </a:rPr>
+              <a:t>Features (Continued)</a:t>
+            </a:r>
+            <a:endParaRPr lang="en-US" sz="3600" dirty="0">
+              <a:latin typeface="Times New Roman" panose="02020603050405020304" pitchFamily="18" charset="0"/>
+              <a:cs typeface="Times New Roman" panose="02020603050405020304" pitchFamily="18" charset="0"/>
+            </a:endParaRPr>
+          </a:p>
+        </p:txBody>
+      </p:sp>
+      <p:sp>
+        <p:nvSpPr>
+          <p:cNvPr id="5" name="TextBox 4">
+            <a:extLst>
+              <a:ext uri="{FF2B5EF4-FFF2-40B4-BE49-F238E27FC236}">
+                <a16:creationId xmlns:a16="http://schemas.microsoft.com/office/drawing/2014/main" id="{A9185B58-5C7C-413B-98F3-E99F1A08938B}"/>
+              </a:ext>
+            </a:extLst>
+          </p:cNvPr>
+          <p:cNvSpPr txBox="1">
+            <a:spLocks noChangeArrowheads="1"/>
+          </p:cNvSpPr>
+          <p:nvPr/>
+        </p:nvSpPr>
+        <p:spPr bwMode="auto">
+          <a:xfrm>
+            <a:off x="1509797" y="5787837"/>
+            <a:ext cx="2382383" cy="338554"/>
+          </a:xfrm>
+          <a:prstGeom prst="rect">
+            <a:avLst/>
+          </a:prstGeom>
+          <a:noFill/>
+          <a:ln>
+            <a:noFill/>
+          </a:ln>
+          <a:extLst>
+            <a:ext uri="{909E8E84-426E-40DD-AFC4-6F175D3DCCD1}">
+              <a14:hiddenFill xmlns:a14="http://schemas.microsoft.com/office/drawing/2010/main">
+                <a:solidFill>
+                  <a:srgbClr val="FFFFFF"/>
+                </a:solidFill>
+              </a14:hiddenFill>
+            </a:ext>
+            <a:ext uri="{91240B29-F687-4F45-9708-019B960494DF}">
+              <a14:hiddenLine xmlns:a14="http://schemas.microsoft.com/office/drawing/2010/main" w="9525">
+                <a:solidFill>
+                  <a:srgbClr val="000000"/>
+                </a:solidFill>
+                <a:miter lim="800000"/>
+                <a:headEnd/>
+                <a:tailEnd/>
+              </a14:hiddenLine>
+            </a:ext>
+          </a:extLst>
+        </p:spPr>
+        <p:txBody>
+          <a:bodyPr wrap="none">
+            <a:spAutoFit/>
+          </a:bodyPr>
+          <a:lstStyle>
+            <a:lvl1pPr>
+              <a:spcBef>
+                <a:spcPct val="20000"/>
+              </a:spcBef>
+              <a:buChar char="•"/>
+              <a:defRPr sz="3200">
+                <a:solidFill>
+                  <a:schemeClr val="tx1"/>
+                </a:solidFill>
+                <a:latin typeface="Arial" panose="020B0604020202020204" pitchFamily="34" charset="0"/>
+                <a:cs typeface="Arial" panose="020B0604020202020204" pitchFamily="34" charset="0"/>
+              </a:defRPr>
+            </a:lvl1pPr>
+            <a:lvl2pPr marL="742950" indent="-285750">
+              <a:spcBef>
+                <a:spcPct val="20000"/>
+              </a:spcBef>
+              <a:buChar char="–"/>
+              <a:defRPr sz="2800">
+                <a:solidFill>
+                  <a:schemeClr val="tx1"/>
+                </a:solidFill>
+                <a:latin typeface="Arial" panose="020B0604020202020204" pitchFamily="34" charset="0"/>
+                <a:cs typeface="Arial" panose="020B0604020202020204" pitchFamily="34" charset="0"/>
+              </a:defRPr>
+            </a:lvl2pPr>
+            <a:lvl3pPr marL="1143000" indent="-228600">
+              <a:spcBef>
+                <a:spcPct val="20000"/>
+              </a:spcBef>
+              <a:buChar char="•"/>
+              <a:defRPr sz="2400">
+                <a:solidFill>
+                  <a:schemeClr val="tx1"/>
+                </a:solidFill>
+                <a:latin typeface="Arial" panose="020B0604020202020204" pitchFamily="34" charset="0"/>
+                <a:cs typeface="Arial" panose="020B0604020202020204" pitchFamily="34" charset="0"/>
+              </a:defRPr>
+            </a:lvl3pPr>
+            <a:lvl4pPr marL="1600200" indent="-228600">
+              <a:spcBef>
+                <a:spcPct val="20000"/>
+              </a:spcBef>
+              <a:buChar char="–"/>
+              <a:defRPr sz="2000">
+                <a:solidFill>
+                  <a:schemeClr val="tx1"/>
+                </a:solidFill>
+                <a:latin typeface="Arial" panose="020B0604020202020204" pitchFamily="34" charset="0"/>
+                <a:cs typeface="Arial" panose="020B0604020202020204" pitchFamily="34" charset="0"/>
+              </a:defRPr>
+            </a:lvl4pPr>
+            <a:lvl5pPr marL="2057400" indent="-228600">
+              <a:spcBef>
+                <a:spcPct val="20000"/>
+              </a:spcBef>
+              <a:buChar char="»"/>
+              <a:defRPr sz="2000">
+                <a:solidFill>
+                  <a:schemeClr val="tx1"/>
+                </a:solidFill>
+                <a:latin typeface="Arial" panose="020B0604020202020204" pitchFamily="34" charset="0"/>
+                <a:cs typeface="Arial" panose="020B0604020202020204" pitchFamily="34" charset="0"/>
+              </a:defRPr>
+            </a:lvl5pPr>
+            <a:lvl6pPr marL="2514600" indent="-228600" eaLnBrk="0" fontAlgn="base" hangingPunct="0">
+              <a:spcBef>
+                <a:spcPct val="20000"/>
+              </a:spcBef>
+              <a:spcAft>
+                <a:spcPct val="0"/>
+              </a:spcAft>
+              <a:buChar char="»"/>
+              <a:defRPr sz="2000">
+                <a:solidFill>
+                  <a:schemeClr val="tx1"/>
+                </a:solidFill>
+                <a:latin typeface="Arial" panose="020B0604020202020204" pitchFamily="34" charset="0"/>
+                <a:cs typeface="Arial" panose="020B0604020202020204" pitchFamily="34" charset="0"/>
+              </a:defRPr>
+            </a:lvl6pPr>
+            <a:lvl7pPr marL="2971800" indent="-228600" eaLnBrk="0" fontAlgn="base" hangingPunct="0">
+              <a:spcBef>
+                <a:spcPct val="20000"/>
+              </a:spcBef>
+              <a:spcAft>
+                <a:spcPct val="0"/>
+              </a:spcAft>
+              <a:buChar char="»"/>
+              <a:defRPr sz="2000">
+                <a:solidFill>
+                  <a:schemeClr val="tx1"/>
+                </a:solidFill>
+                <a:latin typeface="Arial" panose="020B0604020202020204" pitchFamily="34" charset="0"/>
+                <a:cs typeface="Arial" panose="020B0604020202020204" pitchFamily="34" charset="0"/>
+              </a:defRPr>
+            </a:lvl7pPr>
+            <a:lvl8pPr marL="3429000" indent="-228600" eaLnBrk="0" fontAlgn="base" hangingPunct="0">
+              <a:spcBef>
+                <a:spcPct val="20000"/>
+              </a:spcBef>
+              <a:spcAft>
+                <a:spcPct val="0"/>
+              </a:spcAft>
+              <a:buChar char="»"/>
+              <a:defRPr sz="2000">
+                <a:solidFill>
+                  <a:schemeClr val="tx1"/>
+                </a:solidFill>
+                <a:latin typeface="Arial" panose="020B0604020202020204" pitchFamily="34" charset="0"/>
+                <a:cs typeface="Arial" panose="020B0604020202020204" pitchFamily="34" charset="0"/>
+              </a:defRPr>
+            </a:lvl8pPr>
+            <a:lvl9pPr marL="3886200" indent="-228600" eaLnBrk="0" fontAlgn="base" hangingPunct="0">
+              <a:spcBef>
+                <a:spcPct val="20000"/>
+              </a:spcBef>
+              <a:spcAft>
+                <a:spcPct val="0"/>
+              </a:spcAft>
+              <a:buChar char="»"/>
+              <a:defRPr sz="2000">
+                <a:solidFill>
+                  <a:schemeClr val="tx1"/>
+                </a:solidFill>
+                <a:latin typeface="Arial" panose="020B0604020202020204" pitchFamily="34" charset="0"/>
+                <a:cs typeface="Arial" panose="020B0604020202020204" pitchFamily="34" charset="0"/>
+              </a:defRPr>
+            </a:lvl9pPr>
+          </a:lstStyle>
+          <a:p>
+            <a:pPr eaLnBrk="1" hangingPunct="1">
+              <a:spcBef>
+                <a:spcPct val="0"/>
+              </a:spcBef>
+              <a:buFontTx/>
+              <a:buNone/>
+            </a:pPr>
+            <a:r>
+              <a:rPr lang="en-US" altLang="en-US" sz="1600" dirty="0">
+                <a:latin typeface="Times New Roman" panose="02020603050405020304" pitchFamily="18" charset="0"/>
+                <a:cs typeface="Times New Roman" panose="02020603050405020304" pitchFamily="18" charset="0"/>
+              </a:rPr>
+              <a:t>Figure: Pending Food Post</a:t>
+            </a:r>
+          </a:p>
+        </p:txBody>
+      </p:sp>
+      <p:sp>
+        <p:nvSpPr>
+          <p:cNvPr id="6" name="TextBox 11">
+            <a:extLst>
+              <a:ext uri="{FF2B5EF4-FFF2-40B4-BE49-F238E27FC236}">
+                <a16:creationId xmlns:a16="http://schemas.microsoft.com/office/drawing/2014/main" id="{41B8ED07-5A5B-4A26-BD01-A98B16B760F2}"/>
+              </a:ext>
+            </a:extLst>
+          </p:cNvPr>
+          <p:cNvSpPr txBox="1">
+            <a:spLocks noChangeArrowheads="1"/>
+          </p:cNvSpPr>
+          <p:nvPr/>
+        </p:nvSpPr>
+        <p:spPr bwMode="auto">
+          <a:xfrm>
+            <a:off x="5049294" y="5787837"/>
+            <a:ext cx="2092239" cy="338554"/>
+          </a:xfrm>
+          <a:prstGeom prst="rect">
+            <a:avLst/>
+          </a:prstGeom>
+          <a:noFill/>
+          <a:ln>
+            <a:noFill/>
+          </a:ln>
+          <a:extLst>
+            <a:ext uri="{909E8E84-426E-40DD-AFC4-6F175D3DCCD1}">
+              <a14:hiddenFill xmlns:a14="http://schemas.microsoft.com/office/drawing/2010/main">
+                <a:solidFill>
+                  <a:srgbClr val="FFFFFF"/>
+                </a:solidFill>
+              </a14:hiddenFill>
+            </a:ext>
+            <a:ext uri="{91240B29-F687-4F45-9708-019B960494DF}">
+              <a14:hiddenLine xmlns:a14="http://schemas.microsoft.com/office/drawing/2010/main" w="9525">
+                <a:solidFill>
+                  <a:srgbClr val="000000"/>
+                </a:solidFill>
+                <a:miter lim="800000"/>
+                <a:headEnd/>
+                <a:tailEnd/>
+              </a14:hiddenLine>
+            </a:ext>
+          </a:extLst>
+        </p:spPr>
+        <p:txBody>
+          <a:bodyPr wrap="none">
+            <a:spAutoFit/>
+          </a:bodyPr>
+          <a:lstStyle>
+            <a:lvl1pPr>
+              <a:spcBef>
+                <a:spcPct val="20000"/>
+              </a:spcBef>
+              <a:buChar char="•"/>
+              <a:defRPr sz="3200">
+                <a:solidFill>
+                  <a:schemeClr val="tx1"/>
+                </a:solidFill>
+                <a:latin typeface="Arial" panose="020B0604020202020204" pitchFamily="34" charset="0"/>
+                <a:cs typeface="Arial" panose="020B0604020202020204" pitchFamily="34" charset="0"/>
+              </a:defRPr>
+            </a:lvl1pPr>
+            <a:lvl2pPr marL="742950" indent="-285750">
+              <a:spcBef>
+                <a:spcPct val="20000"/>
+              </a:spcBef>
+              <a:buChar char="–"/>
+              <a:defRPr sz="2800">
+                <a:solidFill>
+                  <a:schemeClr val="tx1"/>
+                </a:solidFill>
+                <a:latin typeface="Arial" panose="020B0604020202020204" pitchFamily="34" charset="0"/>
+                <a:cs typeface="Arial" panose="020B0604020202020204" pitchFamily="34" charset="0"/>
+              </a:defRPr>
+            </a:lvl2pPr>
+            <a:lvl3pPr marL="1143000" indent="-228600">
+              <a:spcBef>
+                <a:spcPct val="20000"/>
+              </a:spcBef>
+              <a:buChar char="•"/>
+              <a:defRPr sz="2400">
+                <a:solidFill>
+                  <a:schemeClr val="tx1"/>
+                </a:solidFill>
+                <a:latin typeface="Arial" panose="020B0604020202020204" pitchFamily="34" charset="0"/>
+                <a:cs typeface="Arial" panose="020B0604020202020204" pitchFamily="34" charset="0"/>
+              </a:defRPr>
+            </a:lvl3pPr>
+            <a:lvl4pPr marL="1600200" indent="-228600">
+              <a:spcBef>
+                <a:spcPct val="20000"/>
+              </a:spcBef>
+              <a:buChar char="–"/>
+              <a:defRPr sz="2000">
+                <a:solidFill>
+                  <a:schemeClr val="tx1"/>
+                </a:solidFill>
+                <a:latin typeface="Arial" panose="020B0604020202020204" pitchFamily="34" charset="0"/>
+                <a:cs typeface="Arial" panose="020B0604020202020204" pitchFamily="34" charset="0"/>
+              </a:defRPr>
+            </a:lvl4pPr>
+            <a:lvl5pPr marL="2057400" indent="-228600">
+              <a:spcBef>
+                <a:spcPct val="20000"/>
+              </a:spcBef>
+              <a:buChar char="»"/>
+              <a:defRPr sz="2000">
+                <a:solidFill>
+                  <a:schemeClr val="tx1"/>
+                </a:solidFill>
+                <a:latin typeface="Arial" panose="020B0604020202020204" pitchFamily="34" charset="0"/>
+                <a:cs typeface="Arial" panose="020B0604020202020204" pitchFamily="34" charset="0"/>
+              </a:defRPr>
+            </a:lvl5pPr>
+            <a:lvl6pPr marL="2514600" indent="-228600" eaLnBrk="0" fontAlgn="base" hangingPunct="0">
+              <a:spcBef>
+                <a:spcPct val="20000"/>
+              </a:spcBef>
+              <a:spcAft>
+                <a:spcPct val="0"/>
+              </a:spcAft>
+              <a:buChar char="»"/>
+              <a:defRPr sz="2000">
+                <a:solidFill>
+                  <a:schemeClr val="tx1"/>
+                </a:solidFill>
+                <a:latin typeface="Arial" panose="020B0604020202020204" pitchFamily="34" charset="0"/>
+                <a:cs typeface="Arial" panose="020B0604020202020204" pitchFamily="34" charset="0"/>
+              </a:defRPr>
+            </a:lvl6pPr>
+            <a:lvl7pPr marL="2971800" indent="-228600" eaLnBrk="0" fontAlgn="base" hangingPunct="0">
+              <a:spcBef>
+                <a:spcPct val="20000"/>
+              </a:spcBef>
+              <a:spcAft>
+                <a:spcPct val="0"/>
+              </a:spcAft>
+              <a:buChar char="»"/>
+              <a:defRPr sz="2000">
+                <a:solidFill>
+                  <a:schemeClr val="tx1"/>
+                </a:solidFill>
+                <a:latin typeface="Arial" panose="020B0604020202020204" pitchFamily="34" charset="0"/>
+                <a:cs typeface="Arial" panose="020B0604020202020204" pitchFamily="34" charset="0"/>
+              </a:defRPr>
+            </a:lvl7pPr>
+            <a:lvl8pPr marL="3429000" indent="-228600" eaLnBrk="0" fontAlgn="base" hangingPunct="0">
+              <a:spcBef>
+                <a:spcPct val="20000"/>
+              </a:spcBef>
+              <a:spcAft>
+                <a:spcPct val="0"/>
+              </a:spcAft>
+              <a:buChar char="»"/>
+              <a:defRPr sz="2000">
+                <a:solidFill>
+                  <a:schemeClr val="tx1"/>
+                </a:solidFill>
+                <a:latin typeface="Arial" panose="020B0604020202020204" pitchFamily="34" charset="0"/>
+                <a:cs typeface="Arial" panose="020B0604020202020204" pitchFamily="34" charset="0"/>
+              </a:defRPr>
+            </a:lvl8pPr>
+            <a:lvl9pPr marL="3886200" indent="-228600" eaLnBrk="0" fontAlgn="base" hangingPunct="0">
+              <a:spcBef>
+                <a:spcPct val="20000"/>
+              </a:spcBef>
+              <a:spcAft>
+                <a:spcPct val="0"/>
+              </a:spcAft>
+              <a:buChar char="»"/>
+              <a:defRPr sz="2000">
+                <a:solidFill>
+                  <a:schemeClr val="tx1"/>
+                </a:solidFill>
+                <a:latin typeface="Arial" panose="020B0604020202020204" pitchFamily="34" charset="0"/>
+                <a:cs typeface="Arial" panose="020B0604020202020204" pitchFamily="34" charset="0"/>
+              </a:defRPr>
+            </a:lvl9pPr>
+          </a:lstStyle>
+          <a:p>
+            <a:pPr eaLnBrk="1" hangingPunct="1">
+              <a:spcBef>
+                <a:spcPct val="0"/>
+              </a:spcBef>
+              <a:buFontTx/>
+              <a:buNone/>
+            </a:pPr>
+            <a:r>
+              <a:rPr lang="en-US" altLang="en-US" sz="1600" dirty="0">
+                <a:latin typeface="Times New Roman" panose="02020603050405020304" pitchFamily="18" charset="0"/>
+                <a:cs typeface="Times New Roman" panose="02020603050405020304" pitchFamily="18" charset="0"/>
+              </a:rPr>
+              <a:t>Figure: Collected Food</a:t>
+            </a:r>
+          </a:p>
+        </p:txBody>
+      </p:sp>
+      <p:pic>
+        <p:nvPicPr>
+          <p:cNvPr id="10" name="Picture 9">
+            <a:extLst>
+              <a:ext uri="{FF2B5EF4-FFF2-40B4-BE49-F238E27FC236}">
+                <a16:creationId xmlns:a16="http://schemas.microsoft.com/office/drawing/2014/main" id="{A9AEFD3B-A15F-4820-84F0-B0D9566EFB95}"/>
+              </a:ext>
+            </a:extLst>
+          </p:cNvPr>
+          <p:cNvPicPr>
+            <a:picLocks noChangeAspect="1"/>
+          </p:cNvPicPr>
+          <p:nvPr/>
+        </p:nvPicPr>
+        <p:blipFill>
+          <a:blip r:embed="rId2" cstate="print">
+            <a:extLst>
+              <a:ext uri="{28A0092B-C50C-407E-A947-70E740481C1C}">
+                <a14:useLocalDpi xmlns:a14="http://schemas.microsoft.com/office/drawing/2010/main" val="0"/>
+              </a:ext>
+            </a:extLst>
+          </a:blip>
+          <a:stretch>
+            <a:fillRect/>
+          </a:stretch>
+        </p:blipFill>
+        <p:spPr>
+          <a:xfrm>
+            <a:off x="5032234" y="1423206"/>
+            <a:ext cx="2097087" cy="4219575"/>
+          </a:xfrm>
+          <a:prstGeom prst="rect">
+            <a:avLst/>
+          </a:prstGeom>
+          <a:ln>
+            <a:noFill/>
+          </a:ln>
+          <a:effectLst>
+            <a:outerShdw blurRad="190500" algn="tl" rotWithShape="0">
+              <a:srgbClr val="000000">
+                <a:alpha val="70000"/>
+              </a:srgbClr>
+            </a:outerShdw>
+          </a:effectLst>
+        </p:spPr>
+      </p:pic>
+      <p:pic>
+        <p:nvPicPr>
+          <p:cNvPr id="12" name="Picture 11">
+            <a:extLst>
+              <a:ext uri="{FF2B5EF4-FFF2-40B4-BE49-F238E27FC236}">
+                <a16:creationId xmlns:a16="http://schemas.microsoft.com/office/drawing/2014/main" id="{A6D65515-EF5F-4462-A9A5-B4E1103E6FF3}"/>
+              </a:ext>
+            </a:extLst>
+          </p:cNvPr>
+          <p:cNvPicPr>
+            <a:picLocks noChangeAspect="1"/>
+          </p:cNvPicPr>
+          <p:nvPr/>
+        </p:nvPicPr>
+        <p:blipFill>
+          <a:blip r:embed="rId3" cstate="print">
+            <a:extLst>
+              <a:ext uri="{28A0092B-C50C-407E-A947-70E740481C1C}">
+                <a14:useLocalDpi xmlns:a14="http://schemas.microsoft.com/office/drawing/2010/main" val="0"/>
+              </a:ext>
+            </a:extLst>
+          </a:blip>
+          <a:stretch>
+            <a:fillRect/>
+          </a:stretch>
+        </p:blipFill>
+        <p:spPr>
+          <a:xfrm>
+            <a:off x="1672287" y="1421997"/>
+            <a:ext cx="2097087" cy="4191214"/>
+          </a:xfrm>
+          <a:prstGeom prst="rect">
+            <a:avLst/>
+          </a:prstGeom>
+          <a:ln>
+            <a:noFill/>
+          </a:ln>
+          <a:effectLst>
+            <a:outerShdw blurRad="190500" algn="tl" rotWithShape="0">
+              <a:srgbClr val="000000">
+                <a:alpha val="70000"/>
+              </a:srgbClr>
+            </a:outerShdw>
+          </a:effectLst>
+        </p:spPr>
+      </p:pic>
+    </p:spTree>
+    <p:extLst>
+      <p:ext uri="{BB962C8B-B14F-4D97-AF65-F5344CB8AC3E}">
+        <p14:creationId xmlns:p14="http://schemas.microsoft.com/office/powerpoint/2010/main" val="3010976986"/>
+      </p:ext>
+    </p:extLst>
+  </p:cSld>
+  <p:clrMapOvr>
+    <a:masterClrMapping/>
+  </p:clrMapOvr>
+</p:sld>
+</file>
+
+<file path=ppt/slides/slide12.xml><?xml version="1.0" encoding="utf-8"?>
 <p:sld xmlns:a="http://schemas.openxmlformats.org/drawingml/2006/main" xmlns:r="http://schemas.openxmlformats.org/officeDocument/2006/relationships" xmlns:p="http://schemas.openxmlformats.org/presentationml/2006/main">
   <p:cSld>
     <p:spTree>
@@ -7095,7 +7880,7 @@
         </p:nvSpPr>
         <p:spPr>
           <a:xfrm>
-            <a:off x="571500" y="2057400"/>
+            <a:off x="571500" y="1447800"/>
             <a:ext cx="8001000" cy="4191000"/>
           </a:xfrm>
         </p:spPr>
@@ -7104,6 +7889,33 @@
             <a:noAutofit/>
           </a:bodyPr>
           <a:lstStyle/>
+          <a:p>
+            <a:pPr marL="0" indent="0" algn="just">
+              <a:lnSpc>
+                <a:spcPct val="150000"/>
+              </a:lnSpc>
+              <a:spcBef>
+                <a:spcPts val="0"/>
+              </a:spcBef>
+              <a:buNone/>
+              <a:tabLst>
+                <a:tab pos="5257800" algn="l"/>
+              </a:tabLst>
+            </a:pPr>
+            <a:r>
+              <a:rPr lang="en-US" altLang="en-US" sz="1800" dirty="0">
+                <a:latin typeface="Times New Roman" panose="02020603050405020304" pitchFamily="18" charset="0"/>
+                <a:cs typeface="Times New Roman" panose="02020603050405020304" pitchFamily="18" charset="0"/>
+              </a:rPr>
+              <a:t>If we want to compete with the world, we have to improve our abilities and contribute to digitalize and improve our society. For this very reason, we chose to develop this project which will help a lot of people.</a:t>
+            </a:r>
+            <a:endParaRPr lang="en-US" sz="1800" b="0" i="0" u="none" strike="noStrike" baseline="0" dirty="0">
+              <a:solidFill>
+                <a:srgbClr val="000000"/>
+              </a:solidFill>
+              <a:latin typeface="Times New Roman" panose="02020603050405020304" pitchFamily="18" charset="0"/>
+            </a:endParaRPr>
+          </a:p>
           <a:p>
             <a:pPr marL="0" marR="0" indent="0" algn="just">
               <a:lnSpc>
@@ -7121,37 +7933,13 @@
               </a:tabLst>
             </a:pPr>
             <a:r>
-              <a:rPr lang="en-US" sz="2000" dirty="0">
+              <a:rPr lang="en-US" sz="1800" b="0" i="0" u="none" strike="noStrike" baseline="0" dirty="0">
                 <a:solidFill>
                   <a:srgbClr val="000000"/>
                 </a:solidFill>
-                <a:effectLst/>
-                <a:latin typeface="Arial" panose="020B0604020202020204" pitchFamily="34" charset="0"/>
-                <a:ea typeface="MS Mincho" panose="02020609040205080304" pitchFamily="49" charset="-128"/>
+                <a:latin typeface="Times New Roman" panose="02020603050405020304" pitchFamily="18" charset="0"/>
               </a:rPr>
-              <a:t>To become a developed country, the country must rely on technology. Using technology in </a:t>
-            </a:r>
-            <a:r>
-              <a:rPr lang="en-US" sz="2000" dirty="0">
-                <a:solidFill>
-                  <a:srgbClr val="000000"/>
-                </a:solidFill>
-                <a:effectLst/>
-                <a:latin typeface="Arial" panose="020B0604020202020204" pitchFamily="34" charset="0"/>
-                <a:ea typeface="Times New Roman" panose="02020603050405020304" pitchFamily="18" charset="0"/>
-              </a:rPr>
-              <a:t>environment &amp; geography will</a:t>
-            </a:r>
-            <a:r>
-              <a:rPr lang="en-US" sz="2000" dirty="0">
-                <a:solidFill>
-                  <a:srgbClr val="000000"/>
-                </a:solidFill>
-                <a:effectLst/>
-                <a:latin typeface="Arial" panose="020B0604020202020204" pitchFamily="34" charset="0"/>
-                <a:ea typeface="MS Mincho" panose="02020609040205080304" pitchFamily="49" charset="-128"/>
-              </a:rPr>
-              <a:t> make a nation one step ahead to become a developed nation. If everyone uses a smart online based weather app, they will be benefitted in many ways as mentioned in the purpose of this application.</a:t>
+              <a:t>The objective of this project was to implement approaches to waste management in the foodservice industry with the aim to identify innovations and to discuss their implications for food waste management. A key finding is that many companies are not actively innovating in the waste domain. They are however increasingly aware of the economic and social importance of food waste management. As the study shows, there are only a few low- or zero-waste restaurants. This application consequently provides agents to deliver food to poor, approach to waste issues pertaining to food service firms.</a:t>
             </a:r>
             <a:endParaRPr lang="en-US" sz="2000" dirty="0">
               <a:effectLst/>
@@ -7174,7 +7962,7 @@
 </p:sld>
 </file>
 
-<file path=ppt/slides/slide12.xml><?xml version="1.0" encoding="utf-8"?>
+<file path=ppt/slides/slide13.xml><?xml version="1.0" encoding="utf-8"?>
 <p:sld xmlns:a="http://schemas.openxmlformats.org/drawingml/2006/main" xmlns:r="http://schemas.openxmlformats.org/officeDocument/2006/relationships" xmlns:p="http://schemas.openxmlformats.org/presentationml/2006/main">
   <p:cSld>
     <p:spTree>
@@ -7419,7 +8207,7 @@
         </p:nvSpPr>
         <p:spPr>
           <a:xfrm>
-            <a:off x="2590800" y="1403992"/>
+            <a:off x="3028666" y="1752600"/>
             <a:ext cx="6096000" cy="4722172"/>
           </a:xfrm>
         </p:spPr>
@@ -7429,12 +8217,8 @@
           </a:bodyPr>
           <a:lstStyle/>
           <a:p>
-            <a:pPr marL="457200" indent="-457200">
-              <a:buFont typeface="+mj-lt"/>
-              <a:buAutoNum type="arabicParenR"/>
-            </a:pPr>
-            <a:r>
-              <a:rPr lang="en-US" sz="2400" dirty="0">
+            <a:r>
+              <a:rPr lang="en-US" altLang="en-US" sz="2400" dirty="0">
                 <a:latin typeface="Times New Roman" panose="02020603050405020304" pitchFamily="18" charset="0"/>
                 <a:cs typeface="Times New Roman" panose="02020603050405020304" pitchFamily="18" charset="0"/>
               </a:rPr>
@@ -7442,100 +8226,40 @@
             </a:r>
           </a:p>
           <a:p>
-            <a:pPr marL="457200" indent="-457200">
-              <a:buFont typeface="+mj-lt"/>
-              <a:buAutoNum type="arabicParenR"/>
-            </a:pPr>
-            <a:r>
-              <a:rPr lang="en-US" sz="2400" dirty="0">
+            <a:r>
+              <a:rPr lang="en-US" altLang="en-US" sz="2400" dirty="0">
                 <a:latin typeface="Times New Roman" panose="02020603050405020304" pitchFamily="18" charset="0"/>
                 <a:cs typeface="Times New Roman" panose="02020603050405020304" pitchFamily="18" charset="0"/>
               </a:rPr>
-              <a:t>Related Works</a:t>
-            </a:r>
-          </a:p>
-          <a:p>
-            <a:pPr marL="457200" indent="-457200">
-              <a:buFont typeface="+mj-lt"/>
-              <a:buAutoNum type="arabicParenR"/>
-            </a:pPr>
-            <a:r>
-              <a:rPr lang="en-US" sz="2400" dirty="0">
+              <a:t>Motivation</a:t>
+            </a:r>
+          </a:p>
+          <a:p>
+            <a:r>
+              <a:rPr lang="en-US" altLang="en-US" sz="2400" dirty="0">
                 <a:latin typeface="Times New Roman" panose="02020603050405020304" pitchFamily="18" charset="0"/>
                 <a:cs typeface="Times New Roman" panose="02020603050405020304" pitchFamily="18" charset="0"/>
               </a:rPr>
-              <a:t>Motivation for The Work</a:t>
-            </a:r>
-          </a:p>
-          <a:p>
-            <a:pPr marL="457200" indent="-457200">
-              <a:buFont typeface="+mj-lt"/>
-              <a:buAutoNum type="arabicParenR"/>
-            </a:pPr>
-            <a:r>
-              <a:rPr lang="en-US" sz="2400" dirty="0">
+              <a:t>Objectives</a:t>
+            </a:r>
+          </a:p>
+          <a:p>
+            <a:r>
+              <a:rPr lang="en-US" altLang="en-US" sz="2400" dirty="0">
                 <a:latin typeface="Times New Roman" panose="02020603050405020304" pitchFamily="18" charset="0"/>
                 <a:cs typeface="Times New Roman" panose="02020603050405020304" pitchFamily="18" charset="0"/>
               </a:rPr>
-              <a:t>Objective</a:t>
-            </a:r>
-          </a:p>
-          <a:p>
-            <a:pPr marL="457200" indent="-457200">
-              <a:buFont typeface="+mj-lt"/>
-              <a:buAutoNum type="arabicParenR"/>
-            </a:pPr>
-            <a:r>
-              <a:rPr lang="en-US" sz="2400" dirty="0">
-                <a:latin typeface="Times New Roman" panose="02020603050405020304" pitchFamily="18" charset="0"/>
-                <a:cs typeface="Times New Roman" panose="02020603050405020304" pitchFamily="18" charset="0"/>
-              </a:rPr>
-              <a:t>Approach</a:t>
-            </a:r>
-          </a:p>
-          <a:p>
-            <a:pPr marL="457200" indent="-457200">
-              <a:buFont typeface="+mj-lt"/>
-              <a:buAutoNum type="arabicParenR"/>
-            </a:pPr>
-            <a:r>
-              <a:rPr lang="en-US" sz="2400" dirty="0">
-                <a:latin typeface="Times New Roman" panose="02020603050405020304" pitchFamily="18" charset="0"/>
-                <a:cs typeface="Times New Roman" panose="02020603050405020304" pitchFamily="18" charset="0"/>
-              </a:rPr>
-              <a:t>How works the system</a:t>
-            </a:r>
-          </a:p>
-          <a:p>
-            <a:pPr marL="457200" indent="-457200">
-              <a:buFont typeface="+mj-lt"/>
-              <a:buAutoNum type="arabicParenR"/>
-            </a:pPr>
-            <a:r>
-              <a:rPr lang="en-US" sz="2400" dirty="0">
-                <a:latin typeface="Times New Roman" panose="02020603050405020304" pitchFamily="18" charset="0"/>
-                <a:cs typeface="Times New Roman" panose="02020603050405020304" pitchFamily="18" charset="0"/>
-              </a:rPr>
-              <a:t>Date of completion </a:t>
-            </a:r>
-          </a:p>
-          <a:p>
-            <a:pPr marL="457200" indent="-457200">
-              <a:buFont typeface="+mj-lt"/>
-              <a:buAutoNum type="arabicParenR"/>
-            </a:pPr>
-            <a:r>
-              <a:rPr lang="en-US" sz="2400" dirty="0">
+              <a:t>Features</a:t>
+            </a:r>
+          </a:p>
+          <a:p>
+            <a:r>
+              <a:rPr lang="en-US" altLang="en-US" sz="2400" dirty="0">
                 <a:latin typeface="Times New Roman" panose="02020603050405020304" pitchFamily="18" charset="0"/>
                 <a:cs typeface="Times New Roman" panose="02020603050405020304" pitchFamily="18" charset="0"/>
               </a:rPr>
               <a:t>Conclusion</a:t>
             </a:r>
-          </a:p>
-          <a:p>
-            <a:pPr>
-              <a:buNone/>
-            </a:pPr>
             <a:endParaRPr lang="en-US" sz="2400" dirty="0"/>
           </a:p>
           <a:p>
@@ -7561,527 +8285,6 @@
       <p:transition/>
     </mc:Fallback>
   </mc:AlternateContent>
-  <p:timing>
-    <p:tnLst>
-      <p:par>
-        <p:cTn id="1" dur="indefinite" restart="never" nodeType="tmRoot">
-          <p:childTnLst>
-            <p:seq concurrent="1" nextAc="seek">
-              <p:cTn id="2" dur="indefinite" nodeType="mainSeq">
-                <p:childTnLst>
-                  <p:par>
-                    <p:cTn id="3" fill="hold">
-                      <p:stCondLst>
-                        <p:cond delay="indefinite"/>
-                      </p:stCondLst>
-                      <p:childTnLst>
-                        <p:par>
-                          <p:cTn id="4" fill="hold">
-                            <p:stCondLst>
-                              <p:cond delay="0"/>
-                            </p:stCondLst>
-                            <p:childTnLst>
-                              <p:par>
-                                <p:cTn id="5" presetID="14" presetClass="entr" presetSubtype="10" fill="hold" grpId="0" nodeType="clickEffect">
-                                  <p:stCondLst>
-                                    <p:cond delay="0"/>
-                                  </p:stCondLst>
-                                  <p:childTnLst>
-                                    <p:set>
-                                      <p:cBhvr>
-                                        <p:cTn id="6" dur="1" fill="hold">
-                                          <p:stCondLst>
-                                            <p:cond delay="0"/>
-                                          </p:stCondLst>
-                                        </p:cTn>
-                                        <p:tgtEl>
-                                          <p:spTgt spid="3">
-                                            <p:txEl>
-                                              <p:pRg st="0" end="0"/>
-                                            </p:txEl>
-                                          </p:spTgt>
-                                        </p:tgtEl>
-                                        <p:attrNameLst>
-                                          <p:attrName>style.visibility</p:attrName>
-                                        </p:attrNameLst>
-                                      </p:cBhvr>
-                                      <p:to>
-                                        <p:strVal val="visible"/>
-                                      </p:to>
-                                    </p:set>
-                                    <p:animEffect transition="in" filter="randombar(horizontal)">
-                                      <p:cBhvr>
-                                        <p:cTn id="7" dur="500"/>
-                                        <p:tgtEl>
-                                          <p:spTgt spid="3">
-                                            <p:txEl>
-                                              <p:pRg st="0" end="0"/>
-                                            </p:txEl>
-                                          </p:spTgt>
-                                        </p:tgtEl>
-                                      </p:cBhvr>
-                                    </p:animEffect>
-                                  </p:childTnLst>
-                                </p:cTn>
-                              </p:par>
-                            </p:childTnLst>
-                          </p:cTn>
-                        </p:par>
-                      </p:childTnLst>
-                    </p:cTn>
-                  </p:par>
-                  <p:par>
-                    <p:cTn id="8" fill="hold">
-                      <p:stCondLst>
-                        <p:cond delay="indefinite"/>
-                      </p:stCondLst>
-                      <p:childTnLst>
-                        <p:par>
-                          <p:cTn id="9" fill="hold">
-                            <p:stCondLst>
-                              <p:cond delay="0"/>
-                            </p:stCondLst>
-                            <p:childTnLst>
-                              <p:par>
-                                <p:cTn id="10" presetID="14" presetClass="entr" presetSubtype="10" fill="hold" grpId="0" nodeType="clickEffect">
-                                  <p:stCondLst>
-                                    <p:cond delay="0"/>
-                                  </p:stCondLst>
-                                  <p:childTnLst>
-                                    <p:set>
-                                      <p:cBhvr>
-                                        <p:cTn id="11" dur="1" fill="hold">
-                                          <p:stCondLst>
-                                            <p:cond delay="0"/>
-                                          </p:stCondLst>
-                                        </p:cTn>
-                                        <p:tgtEl>
-                                          <p:spTgt spid="3">
-                                            <p:txEl>
-                                              <p:pRg st="1" end="1"/>
-                                            </p:txEl>
-                                          </p:spTgt>
-                                        </p:tgtEl>
-                                        <p:attrNameLst>
-                                          <p:attrName>style.visibility</p:attrName>
-                                        </p:attrNameLst>
-                                      </p:cBhvr>
-                                      <p:to>
-                                        <p:strVal val="visible"/>
-                                      </p:to>
-                                    </p:set>
-                                    <p:animEffect transition="in" filter="randombar(horizontal)">
-                                      <p:cBhvr>
-                                        <p:cTn id="12" dur="500"/>
-                                        <p:tgtEl>
-                                          <p:spTgt spid="3">
-                                            <p:txEl>
-                                              <p:pRg st="1" end="1"/>
-                                            </p:txEl>
-                                          </p:spTgt>
-                                        </p:tgtEl>
-                                      </p:cBhvr>
-                                    </p:animEffect>
-                                  </p:childTnLst>
-                                </p:cTn>
-                              </p:par>
-                            </p:childTnLst>
-                          </p:cTn>
-                        </p:par>
-                      </p:childTnLst>
-                    </p:cTn>
-                  </p:par>
-                  <p:par>
-                    <p:cTn id="13" fill="hold">
-                      <p:stCondLst>
-                        <p:cond delay="indefinite"/>
-                      </p:stCondLst>
-                      <p:childTnLst>
-                        <p:par>
-                          <p:cTn id="14" fill="hold">
-                            <p:stCondLst>
-                              <p:cond delay="0"/>
-                            </p:stCondLst>
-                            <p:childTnLst>
-                              <p:par>
-                                <p:cTn id="15" presetID="14" presetClass="entr" presetSubtype="10" fill="hold" grpId="0" nodeType="clickEffect">
-                                  <p:stCondLst>
-                                    <p:cond delay="0"/>
-                                  </p:stCondLst>
-                                  <p:childTnLst>
-                                    <p:set>
-                                      <p:cBhvr>
-                                        <p:cTn id="16" dur="1" fill="hold">
-                                          <p:stCondLst>
-                                            <p:cond delay="0"/>
-                                          </p:stCondLst>
-                                        </p:cTn>
-                                        <p:tgtEl>
-                                          <p:spTgt spid="3">
-                                            <p:txEl>
-                                              <p:pRg st="2" end="2"/>
-                                            </p:txEl>
-                                          </p:spTgt>
-                                        </p:tgtEl>
-                                        <p:attrNameLst>
-                                          <p:attrName>style.visibility</p:attrName>
-                                        </p:attrNameLst>
-                                      </p:cBhvr>
-                                      <p:to>
-                                        <p:strVal val="visible"/>
-                                      </p:to>
-                                    </p:set>
-                                    <p:animEffect transition="in" filter="randombar(horizontal)">
-                                      <p:cBhvr>
-                                        <p:cTn id="17" dur="500"/>
-                                        <p:tgtEl>
-                                          <p:spTgt spid="3">
-                                            <p:txEl>
-                                              <p:pRg st="2" end="2"/>
-                                            </p:txEl>
-                                          </p:spTgt>
-                                        </p:tgtEl>
-                                      </p:cBhvr>
-                                    </p:animEffect>
-                                  </p:childTnLst>
-                                </p:cTn>
-                              </p:par>
-                            </p:childTnLst>
-                          </p:cTn>
-                        </p:par>
-                      </p:childTnLst>
-                    </p:cTn>
-                  </p:par>
-                  <p:par>
-                    <p:cTn id="18" fill="hold">
-                      <p:stCondLst>
-                        <p:cond delay="indefinite"/>
-                      </p:stCondLst>
-                      <p:childTnLst>
-                        <p:par>
-                          <p:cTn id="19" fill="hold">
-                            <p:stCondLst>
-                              <p:cond delay="0"/>
-                            </p:stCondLst>
-                            <p:childTnLst>
-                              <p:par>
-                                <p:cTn id="20" presetID="14" presetClass="entr" presetSubtype="10" fill="hold" grpId="0" nodeType="clickEffect">
-                                  <p:stCondLst>
-                                    <p:cond delay="0"/>
-                                  </p:stCondLst>
-                                  <p:childTnLst>
-                                    <p:set>
-                                      <p:cBhvr>
-                                        <p:cTn id="21" dur="1" fill="hold">
-                                          <p:stCondLst>
-                                            <p:cond delay="0"/>
-                                          </p:stCondLst>
-                                        </p:cTn>
-                                        <p:tgtEl>
-                                          <p:spTgt spid="3">
-                                            <p:txEl>
-                                              <p:pRg st="3" end="3"/>
-                                            </p:txEl>
-                                          </p:spTgt>
-                                        </p:tgtEl>
-                                        <p:attrNameLst>
-                                          <p:attrName>style.visibility</p:attrName>
-                                        </p:attrNameLst>
-                                      </p:cBhvr>
-                                      <p:to>
-                                        <p:strVal val="visible"/>
-                                      </p:to>
-                                    </p:set>
-                                    <p:animEffect transition="in" filter="randombar(horizontal)">
-                                      <p:cBhvr>
-                                        <p:cTn id="22" dur="500"/>
-                                        <p:tgtEl>
-                                          <p:spTgt spid="3">
-                                            <p:txEl>
-                                              <p:pRg st="3" end="3"/>
-                                            </p:txEl>
-                                          </p:spTgt>
-                                        </p:tgtEl>
-                                      </p:cBhvr>
-                                    </p:animEffect>
-                                  </p:childTnLst>
-                                </p:cTn>
-                              </p:par>
-                            </p:childTnLst>
-                          </p:cTn>
-                        </p:par>
-                      </p:childTnLst>
-                    </p:cTn>
-                  </p:par>
-                  <p:par>
-                    <p:cTn id="23" fill="hold">
-                      <p:stCondLst>
-                        <p:cond delay="indefinite"/>
-                      </p:stCondLst>
-                      <p:childTnLst>
-                        <p:par>
-                          <p:cTn id="24" fill="hold">
-                            <p:stCondLst>
-                              <p:cond delay="0"/>
-                            </p:stCondLst>
-                            <p:childTnLst>
-                              <p:par>
-                                <p:cTn id="25" presetID="14" presetClass="entr" presetSubtype="10" fill="hold" grpId="0" nodeType="clickEffect">
-                                  <p:stCondLst>
-                                    <p:cond delay="0"/>
-                                  </p:stCondLst>
-                                  <p:childTnLst>
-                                    <p:set>
-                                      <p:cBhvr>
-                                        <p:cTn id="26" dur="1" fill="hold">
-                                          <p:stCondLst>
-                                            <p:cond delay="0"/>
-                                          </p:stCondLst>
-                                        </p:cTn>
-                                        <p:tgtEl>
-                                          <p:spTgt spid="3">
-                                            <p:txEl>
-                                              <p:pRg st="4" end="4"/>
-                                            </p:txEl>
-                                          </p:spTgt>
-                                        </p:tgtEl>
-                                        <p:attrNameLst>
-                                          <p:attrName>style.visibility</p:attrName>
-                                        </p:attrNameLst>
-                                      </p:cBhvr>
-                                      <p:to>
-                                        <p:strVal val="visible"/>
-                                      </p:to>
-                                    </p:set>
-                                    <p:animEffect transition="in" filter="randombar(horizontal)">
-                                      <p:cBhvr>
-                                        <p:cTn id="27" dur="500"/>
-                                        <p:tgtEl>
-                                          <p:spTgt spid="3">
-                                            <p:txEl>
-                                              <p:pRg st="4" end="4"/>
-                                            </p:txEl>
-                                          </p:spTgt>
-                                        </p:tgtEl>
-                                      </p:cBhvr>
-                                    </p:animEffect>
-                                  </p:childTnLst>
-                                </p:cTn>
-                              </p:par>
-                            </p:childTnLst>
-                          </p:cTn>
-                        </p:par>
-                      </p:childTnLst>
-                    </p:cTn>
-                  </p:par>
-                  <p:par>
-                    <p:cTn id="28" fill="hold">
-                      <p:stCondLst>
-                        <p:cond delay="indefinite"/>
-                      </p:stCondLst>
-                      <p:childTnLst>
-                        <p:par>
-                          <p:cTn id="29" fill="hold">
-                            <p:stCondLst>
-                              <p:cond delay="0"/>
-                            </p:stCondLst>
-                            <p:childTnLst>
-                              <p:par>
-                                <p:cTn id="30" presetID="14" presetClass="entr" presetSubtype="10" fill="hold" grpId="0" nodeType="clickEffect">
-                                  <p:stCondLst>
-                                    <p:cond delay="0"/>
-                                  </p:stCondLst>
-                                  <p:childTnLst>
-                                    <p:set>
-                                      <p:cBhvr>
-                                        <p:cTn id="31" dur="1" fill="hold">
-                                          <p:stCondLst>
-                                            <p:cond delay="0"/>
-                                          </p:stCondLst>
-                                        </p:cTn>
-                                        <p:tgtEl>
-                                          <p:spTgt spid="3">
-                                            <p:txEl>
-                                              <p:pRg st="5" end="5"/>
-                                            </p:txEl>
-                                          </p:spTgt>
-                                        </p:tgtEl>
-                                        <p:attrNameLst>
-                                          <p:attrName>style.visibility</p:attrName>
-                                        </p:attrNameLst>
-                                      </p:cBhvr>
-                                      <p:to>
-                                        <p:strVal val="visible"/>
-                                      </p:to>
-                                    </p:set>
-                                    <p:animEffect transition="in" filter="randombar(horizontal)">
-                                      <p:cBhvr>
-                                        <p:cTn id="32" dur="500"/>
-                                        <p:tgtEl>
-                                          <p:spTgt spid="3">
-                                            <p:txEl>
-                                              <p:pRg st="5" end="5"/>
-                                            </p:txEl>
-                                          </p:spTgt>
-                                        </p:tgtEl>
-                                      </p:cBhvr>
-                                    </p:animEffect>
-                                  </p:childTnLst>
-                                </p:cTn>
-                              </p:par>
-                            </p:childTnLst>
-                          </p:cTn>
-                        </p:par>
-                      </p:childTnLst>
-                    </p:cTn>
-                  </p:par>
-                  <p:par>
-                    <p:cTn id="33" fill="hold">
-                      <p:stCondLst>
-                        <p:cond delay="indefinite"/>
-                      </p:stCondLst>
-                      <p:childTnLst>
-                        <p:par>
-                          <p:cTn id="34" fill="hold">
-                            <p:stCondLst>
-                              <p:cond delay="0"/>
-                            </p:stCondLst>
-                            <p:childTnLst>
-                              <p:par>
-                                <p:cTn id="35" presetID="14" presetClass="entr" presetSubtype="10" fill="hold" grpId="0" nodeType="clickEffect">
-                                  <p:stCondLst>
-                                    <p:cond delay="0"/>
-                                  </p:stCondLst>
-                                  <p:childTnLst>
-                                    <p:set>
-                                      <p:cBhvr>
-                                        <p:cTn id="36" dur="1" fill="hold">
-                                          <p:stCondLst>
-                                            <p:cond delay="0"/>
-                                          </p:stCondLst>
-                                        </p:cTn>
-                                        <p:tgtEl>
-                                          <p:spTgt spid="3">
-                                            <p:txEl>
-                                              <p:pRg st="6" end="6"/>
-                                            </p:txEl>
-                                          </p:spTgt>
-                                        </p:tgtEl>
-                                        <p:attrNameLst>
-                                          <p:attrName>style.visibility</p:attrName>
-                                        </p:attrNameLst>
-                                      </p:cBhvr>
-                                      <p:to>
-                                        <p:strVal val="visible"/>
-                                      </p:to>
-                                    </p:set>
-                                    <p:animEffect transition="in" filter="randombar(horizontal)">
-                                      <p:cBhvr>
-                                        <p:cTn id="37" dur="500"/>
-                                        <p:tgtEl>
-                                          <p:spTgt spid="3">
-                                            <p:txEl>
-                                              <p:pRg st="6" end="6"/>
-                                            </p:txEl>
-                                          </p:spTgt>
-                                        </p:tgtEl>
-                                      </p:cBhvr>
-                                    </p:animEffect>
-                                  </p:childTnLst>
-                                </p:cTn>
-                              </p:par>
-                            </p:childTnLst>
-                          </p:cTn>
-                        </p:par>
-                      </p:childTnLst>
-                    </p:cTn>
-                  </p:par>
-                  <p:par>
-                    <p:cTn id="38" fill="hold">
-                      <p:stCondLst>
-                        <p:cond delay="indefinite"/>
-                      </p:stCondLst>
-                      <p:childTnLst>
-                        <p:par>
-                          <p:cTn id="39" fill="hold">
-                            <p:stCondLst>
-                              <p:cond delay="0"/>
-                            </p:stCondLst>
-                            <p:childTnLst>
-                              <p:par>
-                                <p:cTn id="40" presetID="14" presetClass="entr" presetSubtype="10" fill="hold" grpId="0" nodeType="clickEffect">
-                                  <p:stCondLst>
-                                    <p:cond delay="0"/>
-                                  </p:stCondLst>
-                                  <p:childTnLst>
-                                    <p:set>
-                                      <p:cBhvr>
-                                        <p:cTn id="41" dur="1" fill="hold">
-                                          <p:stCondLst>
-                                            <p:cond delay="0"/>
-                                          </p:stCondLst>
-                                        </p:cTn>
-                                        <p:tgtEl>
-                                          <p:spTgt spid="3">
-                                            <p:txEl>
-                                              <p:pRg st="7" end="7"/>
-                                            </p:txEl>
-                                          </p:spTgt>
-                                        </p:tgtEl>
-                                        <p:attrNameLst>
-                                          <p:attrName>style.visibility</p:attrName>
-                                        </p:attrNameLst>
-                                      </p:cBhvr>
-                                      <p:to>
-                                        <p:strVal val="visible"/>
-                                      </p:to>
-                                    </p:set>
-                                    <p:animEffect transition="in" filter="randombar(horizontal)">
-                                      <p:cBhvr>
-                                        <p:cTn id="42" dur="500"/>
-                                        <p:tgtEl>
-                                          <p:spTgt spid="3">
-                                            <p:txEl>
-                                              <p:pRg st="7" end="7"/>
-                                            </p:txEl>
-                                          </p:spTgt>
-                                        </p:tgtEl>
-                                      </p:cBhvr>
-                                    </p:animEffect>
-                                  </p:childTnLst>
-                                </p:cTn>
-                              </p:par>
-                            </p:childTnLst>
-                          </p:cTn>
-                        </p:par>
-                      </p:childTnLst>
-                    </p:cTn>
-                  </p:par>
-                </p:childTnLst>
-              </p:cTn>
-              <p:prevCondLst>
-                <p:cond evt="onPrev" delay="0">
-                  <p:tgtEl>
-                    <p:sldTgt/>
-                  </p:tgtEl>
-                </p:cond>
-              </p:prevCondLst>
-              <p:nextCondLst>
-                <p:cond evt="onNext" delay="0">
-                  <p:tgtEl>
-                    <p:sldTgt/>
-                  </p:tgtEl>
-                </p:cond>
-              </p:nextCondLst>
-            </p:seq>
-          </p:childTnLst>
-        </p:cTn>
-      </p:par>
-    </p:tnLst>
-    <p:bldLst>
-      <p:bldP spid="3" grpId="0" uiExpand="1" build="p"/>
-    </p:bldLst>
-  </p:timing>
 </p:sld>
 </file>
 
@@ -8125,7 +8328,7 @@
           <a:lstStyle/>
           <a:p>
             <a:r>
-              <a:rPr lang="en-US" b="1" dirty="0">
+              <a:rPr lang="en-US" dirty="0">
                 <a:latin typeface="Times New Roman" panose="02020603050405020304" pitchFamily="18" charset="0"/>
                 <a:cs typeface="Times New Roman" panose="02020603050405020304" pitchFamily="18" charset="0"/>
               </a:rPr>
@@ -8150,8 +8353,8 @@
         </p:nvSpPr>
         <p:spPr>
           <a:xfrm>
-            <a:off x="2819401" y="2590800"/>
-            <a:ext cx="5029200" cy="2819400"/>
+            <a:off x="914400" y="2590800"/>
+            <a:ext cx="7543800" cy="3124200"/>
           </a:xfrm>
         </p:spPr>
         <p:txBody>
@@ -8160,63 +8363,22 @@
           </a:bodyPr>
           <a:lstStyle/>
           <a:p>
-            <a:pPr>
-              <a:buFont typeface="Wingdings" panose="05000000000000000000" pitchFamily="2" charset="2"/>
-              <a:buChar char="v"/>
+            <a:pPr marL="0" indent="0" algn="just">
+              <a:buNone/>
             </a:pPr>
             <a:r>
-              <a:rPr lang="en-US" sz="2000">
+              <a:rPr lang="en-US" altLang="en-US" sz="2000" dirty="0">
                 <a:latin typeface="Times New Roman" panose="02020603050405020304" pitchFamily="18" charset="0"/>
+                <a:ea typeface="MS Mincho" panose="02020609040205080304" pitchFamily="49" charset="-128"/>
                 <a:cs typeface="Times New Roman" panose="02020603050405020304" pitchFamily="18" charset="0"/>
               </a:rPr>
-              <a:t>Weather Forecasting </a:t>
-            </a:r>
-            <a:r>
-              <a:rPr lang="en-US" sz="2000" dirty="0">
-                <a:latin typeface="Times New Roman" panose="02020603050405020304" pitchFamily="18" charset="0"/>
-                <a:cs typeface="Times New Roman" panose="02020603050405020304" pitchFamily="18" charset="0"/>
-              </a:rPr>
-              <a:t>Android Application</a:t>
-            </a:r>
-          </a:p>
-          <a:p>
-            <a:pPr>
-              <a:buFont typeface="Wingdings" panose="05000000000000000000" pitchFamily="2" charset="2"/>
-              <a:buChar char="v"/>
-            </a:pPr>
-            <a:r>
-              <a:rPr lang="en-US" sz="2000" dirty="0">
-                <a:latin typeface="Times New Roman" panose="02020603050405020304" pitchFamily="18" charset="0"/>
-                <a:cs typeface="Times New Roman" panose="02020603050405020304" pitchFamily="18" charset="0"/>
-              </a:rPr>
-              <a:t>5 Days Forecasting</a:t>
-            </a:r>
-          </a:p>
-          <a:p>
-            <a:pPr>
-              <a:buFont typeface="Wingdings" panose="05000000000000000000" pitchFamily="2" charset="2"/>
-              <a:buChar char="v"/>
-            </a:pPr>
-            <a:r>
-              <a:rPr lang="en-US" sz="2000" dirty="0">
-                <a:latin typeface="Times New Roman" panose="02020603050405020304" pitchFamily="18" charset="0"/>
-                <a:cs typeface="Times New Roman" panose="02020603050405020304" pitchFamily="18" charset="0"/>
-              </a:rPr>
-              <a:t>Daily weather update</a:t>
-            </a:r>
-          </a:p>
-          <a:p>
-            <a:pPr>
-              <a:buFont typeface="Wingdings" panose="05000000000000000000" pitchFamily="2" charset="2"/>
-              <a:buChar char="v"/>
-            </a:pPr>
-            <a:r>
-              <a:rPr lang="en-US" sz="2000" dirty="0">
-                <a:latin typeface="Times New Roman" panose="02020603050405020304" pitchFamily="18" charset="0"/>
-                <a:cs typeface="Times New Roman" panose="02020603050405020304" pitchFamily="18" charset="0"/>
-              </a:rPr>
-              <a:t>City wise weather information</a:t>
-            </a:r>
+              <a:t>Food Waste Management is an online software system of donating food to the foodless people around the country.</a:t>
+            </a:r>
+            <a:endParaRPr lang="en-GB" altLang="en-US" sz="2000" dirty="0">
+              <a:latin typeface="Times New Roman" panose="02020603050405020304" pitchFamily="18" charset="0"/>
+              <a:ea typeface="MS Mincho" panose="02020609040205080304" pitchFamily="49" charset="-128"/>
+              <a:cs typeface="Times New Roman" panose="02020603050405020304" pitchFamily="18" charset="0"/>
+            </a:endParaRPr>
           </a:p>
         </p:txBody>
       </p:sp>
@@ -8302,8 +8464,8 @@
         </p:nvSpPr>
         <p:spPr>
           <a:xfrm>
-            <a:off x="1447799" y="1676400"/>
-            <a:ext cx="6324601" cy="4267200"/>
+            <a:off x="590550" y="1371600"/>
+            <a:ext cx="7962900" cy="4800600"/>
           </a:xfrm>
         </p:spPr>
         <p:txBody>
@@ -8312,444 +8474,359 @@
           </a:bodyPr>
           <a:lstStyle/>
           <a:p>
-            <a:pPr marL="0" lvl="0" indent="0">
+            <a:pPr marL="0" lvl="0" indent="0" algn="just">
               <a:buNone/>
             </a:pPr>
-            <a:endParaRPr lang="en-US" sz="2000" b="1" dirty="0">
-              <a:latin typeface="Times New Roman" panose="02020603050405020304" pitchFamily="18" charset="0"/>
-              <a:cs typeface="Times New Roman" panose="02020603050405020304" pitchFamily="18" charset="0"/>
-            </a:endParaRPr>
-          </a:p>
-          <a:p>
-            <a:pPr marL="0" indent="0">
+            <a:r>
+              <a:rPr lang="en-US" sz="1800" b="0" i="0" u="none" strike="noStrike" baseline="0" dirty="0">
+                <a:solidFill>
+                  <a:srgbClr val="000000"/>
+                </a:solidFill>
+                <a:latin typeface="Times New Roman" panose="02020603050405020304" pitchFamily="18" charset="0"/>
+              </a:rPr>
+              <a:t>Weather Forecast is an android application which is implemented to provide service in environment &amp; geography sector. In Bangladesh, some of the examples of similar applications of Weather Forecast are: nosh, OLIO, </a:t>
+            </a:r>
+            <a:r>
+              <a:rPr lang="en-US" sz="1800" b="0" i="0" u="none" strike="noStrike" baseline="0" dirty="0" err="1">
+                <a:solidFill>
+                  <a:srgbClr val="323232"/>
+                </a:solidFill>
+                <a:latin typeface="Times New Roman" panose="02020603050405020304" pitchFamily="18" charset="0"/>
+              </a:rPr>
+              <a:t>ShareTheMeal</a:t>
+            </a:r>
+            <a:r>
+              <a:rPr lang="en-US" sz="1800" b="0" i="0" u="none" strike="noStrike" baseline="0" dirty="0">
+                <a:solidFill>
+                  <a:srgbClr val="323232"/>
+                </a:solidFill>
+                <a:latin typeface="Times New Roman" panose="02020603050405020304" pitchFamily="18" charset="0"/>
+              </a:rPr>
+              <a:t>: </a:t>
+            </a:r>
+            <a:r>
+              <a:rPr lang="en-US" sz="1800" b="0" i="0" u="none" strike="noStrike" baseline="0" dirty="0">
+                <a:solidFill>
+                  <a:srgbClr val="202020"/>
+                </a:solidFill>
+                <a:latin typeface="Times New Roman" panose="02020603050405020304" pitchFamily="18" charset="0"/>
+              </a:rPr>
+              <a:t>Charity Donate</a:t>
+            </a:r>
+            <a:r>
+              <a:rPr lang="en-US" sz="1800" b="1" i="0" u="none" strike="noStrike" baseline="0" dirty="0">
+                <a:solidFill>
+                  <a:srgbClr val="323232"/>
+                </a:solidFill>
+                <a:latin typeface="Times New Roman" panose="02020603050405020304" pitchFamily="18" charset="0"/>
+              </a:rPr>
+              <a:t>, </a:t>
+            </a:r>
+            <a:r>
+              <a:rPr lang="en-US" sz="1800" b="0" i="0" u="none" strike="noStrike" baseline="0" dirty="0">
+                <a:solidFill>
+                  <a:srgbClr val="323232"/>
+                </a:solidFill>
+                <a:latin typeface="Times New Roman" panose="02020603050405020304" pitchFamily="18" charset="0"/>
+              </a:rPr>
+              <a:t>Foodbank, </a:t>
+            </a:r>
+            <a:r>
+              <a:rPr lang="en-US" sz="1800" dirty="0" err="1">
+                <a:solidFill>
+                  <a:srgbClr val="383838"/>
+                </a:solidFill>
+                <a:latin typeface="Times New Roman" panose="02020603050405020304" pitchFamily="18" charset="0"/>
+              </a:rPr>
+              <a:t>GoMkt</a:t>
+            </a:r>
+            <a:r>
+              <a:rPr lang="en-US" sz="1800" b="0" i="0" u="none" strike="noStrike" baseline="0" dirty="0">
+                <a:solidFill>
+                  <a:srgbClr val="383838"/>
+                </a:solidFill>
+                <a:latin typeface="Times New Roman" panose="02020603050405020304" pitchFamily="18" charset="0"/>
+              </a:rPr>
+              <a:t> etc.</a:t>
+            </a:r>
+          </a:p>
+          <a:p>
+            <a:pPr marL="0" lvl="0" indent="0" algn="just">
               <a:buNone/>
             </a:pPr>
-            <a:r>
-              <a:rPr lang="en-US" sz="2000" b="1" dirty="0">
-                <a:latin typeface="Times New Roman" panose="02020603050405020304" pitchFamily="18" charset="0"/>
-                <a:ea typeface="Tahoma" panose="020B0604030504040204" pitchFamily="34" charset="0"/>
-                <a:cs typeface="Times New Roman" panose="02020603050405020304" pitchFamily="18" charset="0"/>
-              </a:rPr>
-              <a:t>Title: </a:t>
-            </a:r>
-            <a:r>
-              <a:rPr lang="bn-IN" sz="2000" b="1" dirty="0">
-                <a:latin typeface="Times New Roman" panose="02020603050405020304" pitchFamily="18" charset="0"/>
-                <a:ea typeface="Tahoma" panose="020B0604030504040204" pitchFamily="34" charset="0"/>
-                <a:cs typeface="Times New Roman" panose="02020603050405020304" pitchFamily="18" charset="0"/>
-              </a:rPr>
-              <a:t> </a:t>
-            </a:r>
-            <a:r>
-              <a:rPr lang="bn-IN" sz="1800" b="1" dirty="0">
-                <a:latin typeface="Times New Roman" panose="02020603050405020304" pitchFamily="18" charset="0"/>
-                <a:ea typeface="Tahoma" panose="020B0604030504040204" pitchFamily="34" charset="0"/>
-                <a:cs typeface="Times New Roman" panose="02020603050405020304" pitchFamily="18" charset="0"/>
-              </a:rPr>
-              <a:t>“</a:t>
-            </a:r>
-            <a:r>
-              <a:rPr lang="en-US" sz="1800" b="1" dirty="0" err="1">
-                <a:solidFill>
-                  <a:srgbClr val="000000"/>
-                </a:solidFill>
-                <a:effectLst/>
-                <a:latin typeface="Nirmala UI" panose="020B0502040204020203" pitchFamily="34" charset="0"/>
-                <a:ea typeface="Times New Roman" panose="02020603050405020304" pitchFamily="18" charset="0"/>
-              </a:rPr>
-              <a:t>আবহাওয়া</a:t>
-            </a:r>
-            <a:r>
-              <a:rPr lang="bn-IN" sz="1800" b="1" dirty="0">
-                <a:latin typeface="Times New Roman" panose="02020603050405020304" pitchFamily="18" charset="0"/>
-                <a:ea typeface="Tahoma" panose="020B0604030504040204" pitchFamily="34" charset="0"/>
-                <a:cs typeface="Times New Roman" panose="02020603050405020304" pitchFamily="18" charset="0"/>
-              </a:rPr>
-              <a:t>”</a:t>
-            </a:r>
-          </a:p>
-          <a:p>
-            <a:pPr marL="0" indent="0">
-              <a:buNone/>
-            </a:pPr>
-            <a:r>
-              <a:rPr lang="en-US" sz="2000" b="1" dirty="0">
-                <a:latin typeface="Times New Roman" panose="02020603050405020304" pitchFamily="18" charset="0"/>
-                <a:ea typeface="Tahoma" panose="020B0604030504040204" pitchFamily="34" charset="0"/>
-                <a:cs typeface="Times New Roman" panose="02020603050405020304" pitchFamily="18" charset="0"/>
-              </a:rPr>
-              <a:t>Type: </a:t>
-            </a:r>
-            <a:r>
-              <a:rPr lang="en-US" sz="2000" dirty="0">
-                <a:latin typeface="Times New Roman" panose="02020603050405020304" pitchFamily="18" charset="0"/>
-                <a:ea typeface="Tahoma" panose="020B0604030504040204" pitchFamily="34" charset="0"/>
-                <a:cs typeface="Times New Roman" panose="02020603050405020304" pitchFamily="18" charset="0"/>
-              </a:rPr>
-              <a:t>Android Application</a:t>
-            </a:r>
-            <a:endParaRPr lang="en-US" sz="2000" dirty="0">
-              <a:latin typeface="Times New Roman" panose="02020603050405020304" pitchFamily="18" charset="0"/>
-              <a:cs typeface="Times New Roman" panose="02020603050405020304" pitchFamily="18" charset="0"/>
-            </a:endParaRPr>
-          </a:p>
-          <a:p>
-            <a:pPr marL="0" indent="0">
-              <a:buNone/>
-            </a:pPr>
-            <a:endParaRPr lang="en-US" sz="2000" dirty="0">
+            <a:endParaRPr lang="en-US" sz="1800" dirty="0">
+              <a:solidFill>
+                <a:srgbClr val="383838"/>
+              </a:solidFill>
               <a:latin typeface="Times New Roman" panose="02020603050405020304" pitchFamily="18" charset="0"/>
               <a:ea typeface="Tahoma" panose="020B0604030504040204" pitchFamily="34" charset="0"/>
               <a:cs typeface="Times New Roman" panose="02020603050405020304" pitchFamily="18" charset="0"/>
             </a:endParaRPr>
           </a:p>
           <a:p>
+            <a:r>
+              <a:rPr lang="en-US" sz="1800" b="1" i="0" u="none" strike="noStrike" baseline="0" dirty="0">
+                <a:solidFill>
+                  <a:srgbClr val="202020"/>
+                </a:solidFill>
+                <a:latin typeface="Times New Roman" panose="02020603050405020304" pitchFamily="18" charset="0"/>
+              </a:rPr>
+              <a:t>OLIO </a:t>
+            </a:r>
+            <a:endParaRPr lang="en-US" sz="1800" dirty="0">
+              <a:solidFill>
+                <a:srgbClr val="202020"/>
+              </a:solidFill>
+              <a:latin typeface="Times New Roman" panose="02020603050405020304" pitchFamily="18" charset="0"/>
+            </a:endParaRPr>
+          </a:p>
+          <a:p>
             <a:pPr marL="0" indent="0">
               <a:buNone/>
             </a:pPr>
-            <a:endParaRPr lang="en-US" sz="2000" dirty="0">
+            <a:r>
+              <a:rPr lang="en-US" sz="1800" b="0" i="0" u="none" strike="noStrike" baseline="0" dirty="0">
+                <a:solidFill>
+                  <a:srgbClr val="202020"/>
+                </a:solidFill>
+                <a:latin typeface="Times New Roman" panose="02020603050405020304" pitchFamily="18" charset="0"/>
+              </a:rPr>
+              <a:t>      </a:t>
+            </a:r>
+            <a:r>
+              <a:rPr lang="en-US" sz="1800" b="0" i="0" u="none" strike="noStrike" baseline="0" dirty="0">
+                <a:solidFill>
+                  <a:srgbClr val="323232"/>
+                </a:solidFill>
+                <a:latin typeface="Times New Roman" panose="02020603050405020304" pitchFamily="18" charset="0"/>
+              </a:rPr>
+              <a:t>OLIO gives the opportunity to share food and item's preventing waste and saving</a:t>
+            </a:r>
+          </a:p>
+          <a:p>
+            <a:pPr marL="0" indent="0">
+              <a:buNone/>
+            </a:pPr>
+            <a:r>
+              <a:rPr lang="en-US" sz="1800" b="0" i="0" u="none" strike="noStrike" baseline="0" dirty="0">
+                <a:solidFill>
+                  <a:srgbClr val="202020"/>
+                </a:solidFill>
+                <a:latin typeface="Times New Roman" panose="02020603050405020304" pitchFamily="18" charset="0"/>
+              </a:rPr>
+              <a:t>      </a:t>
+            </a:r>
+            <a:r>
+              <a:rPr lang="en-US" sz="1800" b="0" i="0" u="none" strike="noStrike" baseline="0" dirty="0">
+                <a:solidFill>
+                  <a:srgbClr val="323232"/>
+                </a:solidFill>
+                <a:latin typeface="Times New Roman" panose="02020603050405020304" pitchFamily="18" charset="0"/>
+              </a:rPr>
+              <a:t>money</a:t>
+            </a:r>
+            <a:r>
+              <a:rPr lang="en-US" sz="1800" b="0" i="0" u="none" strike="noStrike" baseline="0" dirty="0">
+                <a:solidFill>
+                  <a:srgbClr val="383838"/>
+                </a:solidFill>
+                <a:latin typeface="Times New Roman" panose="02020603050405020304" pitchFamily="18" charset="0"/>
+              </a:rPr>
+              <a:t>. </a:t>
+            </a:r>
+            <a:r>
+              <a:rPr lang="en-US" sz="1800" b="0" i="0" u="none" strike="noStrike" baseline="0" dirty="0">
+                <a:solidFill>
+                  <a:srgbClr val="323232"/>
+                </a:solidFill>
+                <a:latin typeface="Times New Roman" panose="02020603050405020304" pitchFamily="18" charset="0"/>
+              </a:rPr>
+              <a:t>It serves free stuff, borrow things, and shop homemade directly from</a:t>
+            </a:r>
+          </a:p>
+          <a:p>
+            <a:pPr marL="0" indent="0">
+              <a:buNone/>
+            </a:pPr>
+            <a:r>
+              <a:rPr lang="en-US" sz="1800" b="0" i="0" u="none" strike="noStrike" baseline="0" dirty="0">
+                <a:solidFill>
+                  <a:srgbClr val="202020"/>
+                </a:solidFill>
+                <a:latin typeface="Times New Roman" panose="02020603050405020304" pitchFamily="18" charset="0"/>
+              </a:rPr>
+              <a:t> </a:t>
+            </a:r>
+            <a:r>
+              <a:rPr lang="en-US" sz="1800" dirty="0">
+                <a:solidFill>
+                  <a:srgbClr val="323232"/>
+                </a:solidFill>
+                <a:latin typeface="Times New Roman" panose="02020603050405020304" pitchFamily="18" charset="0"/>
+              </a:rPr>
+              <a:t>     </a:t>
+            </a:r>
+            <a:r>
+              <a:rPr lang="en-US" sz="1800" b="0" i="0" u="none" strike="noStrike" baseline="0" dirty="0">
+                <a:solidFill>
+                  <a:srgbClr val="323232"/>
+                </a:solidFill>
+                <a:latin typeface="Times New Roman" panose="02020603050405020304" pitchFamily="18" charset="0"/>
+              </a:rPr>
+              <a:t>neighbors. </a:t>
+            </a:r>
+          </a:p>
+          <a:p>
+            <a:pPr marL="0" indent="0">
+              <a:buNone/>
+            </a:pPr>
+            <a:endParaRPr lang="en-US" sz="1800" b="0" i="0" u="none" strike="noStrike" baseline="0" dirty="0">
+              <a:solidFill>
+                <a:srgbClr val="000000"/>
+              </a:solidFill>
               <a:latin typeface="Times New Roman" panose="02020603050405020304" pitchFamily="18" charset="0"/>
-              <a:ea typeface="Tahoma" panose="020B0604030504040204" pitchFamily="34" charset="0"/>
-              <a:cs typeface="Times New Roman" panose="02020603050405020304" pitchFamily="18" charset="0"/>
+            </a:endParaRPr>
+          </a:p>
+          <a:p>
+            <a:r>
+              <a:rPr lang="en-US" sz="1800" b="1" i="0" u="none" strike="noStrike" baseline="0" dirty="0">
+                <a:solidFill>
+                  <a:srgbClr val="383838"/>
+                </a:solidFill>
+                <a:latin typeface="Times New Roman" panose="02020603050405020304" pitchFamily="18" charset="0"/>
+              </a:rPr>
+              <a:t>nosh </a:t>
+            </a:r>
+            <a:endParaRPr lang="en-US" sz="1800" b="0" i="0" u="none" strike="noStrike" baseline="0" dirty="0">
+              <a:solidFill>
+                <a:srgbClr val="383838"/>
+              </a:solidFill>
+              <a:latin typeface="Times New Roman" panose="02020603050405020304" pitchFamily="18" charset="0"/>
+            </a:endParaRPr>
+          </a:p>
+          <a:p>
+            <a:pPr marL="0" indent="0">
+              <a:buNone/>
+            </a:pPr>
+            <a:r>
+              <a:rPr lang="en-US" sz="1800" b="0" i="0" u="none" strike="noStrike" baseline="0" dirty="0">
+                <a:solidFill>
+                  <a:srgbClr val="323232"/>
+                </a:solidFill>
+                <a:latin typeface="Times New Roman" panose="02020603050405020304" pitchFamily="18" charset="0"/>
+              </a:rPr>
+              <a:t>      With the nosh app, you can now track your food inventory, medicines and expiry</a:t>
+            </a:r>
+          </a:p>
+          <a:p>
+            <a:pPr marL="0" indent="0">
+              <a:buNone/>
+            </a:pPr>
+            <a:r>
+              <a:rPr lang="en-US" sz="1800" dirty="0">
+                <a:solidFill>
+                  <a:srgbClr val="323232"/>
+                </a:solidFill>
+                <a:latin typeface="Times New Roman" panose="02020603050405020304" pitchFamily="18" charset="0"/>
+              </a:rPr>
+              <a:t>      </a:t>
+            </a:r>
+            <a:r>
+              <a:rPr lang="en-US" sz="1800" b="0" i="0" u="none" strike="noStrike" baseline="0" dirty="0">
+                <a:solidFill>
+                  <a:srgbClr val="323232"/>
+                </a:solidFill>
+                <a:latin typeface="Times New Roman" panose="02020603050405020304" pitchFamily="18" charset="0"/>
+              </a:rPr>
+              <a:t>date or use by or best before date while you get recipe suggestions on your food</a:t>
+            </a:r>
+          </a:p>
+          <a:p>
+            <a:pPr marL="0" indent="0">
+              <a:buNone/>
+            </a:pPr>
+            <a:r>
+              <a:rPr lang="en-US" sz="1800" dirty="0">
+                <a:solidFill>
+                  <a:srgbClr val="323232"/>
+                </a:solidFill>
+                <a:latin typeface="Times New Roman" panose="02020603050405020304" pitchFamily="18" charset="0"/>
+              </a:rPr>
+              <a:t>      </a:t>
+            </a:r>
+            <a:r>
+              <a:rPr lang="en-US" sz="1800" b="0" i="0" u="none" strike="noStrike" baseline="0" dirty="0">
+                <a:solidFill>
+                  <a:srgbClr val="323232"/>
+                </a:solidFill>
+                <a:latin typeface="Times New Roman" panose="02020603050405020304" pitchFamily="18" charset="0"/>
+              </a:rPr>
+              <a:t>inventory, do shopping planning, and reduce food waste in the household. Nosh</a:t>
+            </a:r>
+          </a:p>
+          <a:p>
+            <a:pPr marL="0" indent="0">
+              <a:buNone/>
+            </a:pPr>
+            <a:r>
+              <a:rPr lang="en-US" sz="1800" dirty="0">
+                <a:solidFill>
+                  <a:srgbClr val="323232"/>
+                </a:solidFill>
+                <a:latin typeface="Times New Roman" panose="02020603050405020304" pitchFamily="18" charset="0"/>
+              </a:rPr>
+              <a:t>      </a:t>
+            </a:r>
+            <a:r>
+              <a:rPr lang="en-US" sz="1800" b="0" i="0" u="none" strike="noStrike" baseline="0" dirty="0">
+                <a:solidFill>
+                  <a:srgbClr val="323232"/>
+                </a:solidFill>
+                <a:latin typeface="Times New Roman" panose="02020603050405020304" pitchFamily="18" charset="0"/>
+              </a:rPr>
+              <a:t>is powered by Artificial Intelligence (AI) which also keeps track of your food</a:t>
+            </a:r>
+          </a:p>
+          <a:p>
+            <a:pPr marL="0" indent="0">
+              <a:buNone/>
+            </a:pPr>
+            <a:r>
+              <a:rPr lang="en-US" sz="1800" dirty="0">
+                <a:solidFill>
+                  <a:srgbClr val="323232"/>
+                </a:solidFill>
+                <a:latin typeface="Times New Roman" panose="02020603050405020304" pitchFamily="18" charset="0"/>
+              </a:rPr>
+              <a:t>      </a:t>
+            </a:r>
+            <a:r>
+              <a:rPr lang="en-US" sz="1800" b="0" i="0" u="none" strike="noStrike" baseline="0" dirty="0">
+                <a:solidFill>
+                  <a:srgbClr val="323232"/>
+                </a:solidFill>
+                <a:latin typeface="Times New Roman" panose="02020603050405020304" pitchFamily="18" charset="0"/>
+              </a:rPr>
+              <a:t>buying and wasting habits to reduce food waste and save money in the process</a:t>
+            </a:r>
+            <a:r>
+              <a:rPr lang="en-US" sz="1800" b="0" i="0" u="none" strike="noStrike" baseline="0" dirty="0">
+                <a:solidFill>
+                  <a:srgbClr val="383838"/>
+                </a:solidFill>
+                <a:latin typeface="Times New Roman" panose="02020603050405020304" pitchFamily="18" charset="0"/>
+              </a:rPr>
+              <a:t>. </a:t>
+            </a:r>
+            <a:endParaRPr lang="en-US" sz="1800" b="0" i="0" u="none" strike="noStrike" baseline="0" dirty="0">
+              <a:solidFill>
+                <a:srgbClr val="000000"/>
+              </a:solidFill>
+              <a:latin typeface="Times New Roman" panose="02020603050405020304" pitchFamily="18" charset="0"/>
             </a:endParaRPr>
           </a:p>
         </p:txBody>
       </p:sp>
-      <p:graphicFrame>
-        <p:nvGraphicFramePr>
-          <p:cNvPr id="4" name="Table 4">
-            <a:extLst>
-              <a:ext uri="{FF2B5EF4-FFF2-40B4-BE49-F238E27FC236}">
-                <a16:creationId xmlns:a16="http://schemas.microsoft.com/office/drawing/2014/main" id="{01570158-EC40-418E-AF2F-D126D8A26EFB}"/>
-              </a:ext>
-            </a:extLst>
-          </p:cNvPr>
-          <p:cNvGraphicFramePr>
-            <a:graphicFrameLocks noGrp="1"/>
-          </p:cNvGraphicFramePr>
-          <p:nvPr>
-            <p:extLst>
-              <p:ext uri="{D42A27DB-BD31-4B8C-83A1-F6EECF244321}">
-                <p14:modId xmlns:p14="http://schemas.microsoft.com/office/powerpoint/2010/main" val="1073743514"/>
-              </p:ext>
-            </p:extLst>
-          </p:nvPr>
-        </p:nvGraphicFramePr>
-        <p:xfrm>
-          <a:off x="1371600" y="3068320"/>
-          <a:ext cx="6781800" cy="2722880"/>
-        </p:xfrm>
-        <a:graphic>
-          <a:graphicData uri="http://schemas.openxmlformats.org/drawingml/2006/table">
-            <a:tbl>
-              <a:tblPr firstRow="1" bandRow="1">
-                <a:tableStyleId>{5940675A-B579-460E-94D1-54222C63F5DA}</a:tableStyleId>
-              </a:tblPr>
-              <a:tblGrid>
-                <a:gridCol w="3390900">
-                  <a:extLst>
-                    <a:ext uri="{9D8B030D-6E8A-4147-A177-3AD203B41FA5}">
-                      <a16:colId xmlns:a16="http://schemas.microsoft.com/office/drawing/2014/main" val="4242147457"/>
-                    </a:ext>
-                  </a:extLst>
-                </a:gridCol>
-                <a:gridCol w="3390900">
-                  <a:extLst>
-                    <a:ext uri="{9D8B030D-6E8A-4147-A177-3AD203B41FA5}">
-                      <a16:colId xmlns:a16="http://schemas.microsoft.com/office/drawing/2014/main" val="901600574"/>
-                    </a:ext>
-                  </a:extLst>
-                </a:gridCol>
-              </a:tblGrid>
-              <a:tr h="894080">
-                <a:tc>
-                  <a:txBody>
-                    <a:bodyPr/>
-                    <a:lstStyle/>
-                    <a:p>
-                      <a:pPr marL="0" marR="0" algn="ctr">
-                        <a:lnSpc>
-                          <a:spcPct val="115000"/>
-                        </a:lnSpc>
-                        <a:spcBef>
-                          <a:spcPts val="0"/>
-                        </a:spcBef>
-                        <a:spcAft>
-                          <a:spcPts val="0"/>
-                        </a:spcAft>
-                        <a:tabLst>
-                          <a:tab pos="5257800" algn="l"/>
-                        </a:tabLst>
-                      </a:pPr>
-                      <a:endParaRPr lang="en-US" sz="1800" dirty="0">
-                        <a:solidFill>
-                          <a:srgbClr val="000000"/>
-                        </a:solidFill>
-                        <a:effectLst/>
-                        <a:latin typeface="Arial" panose="020B0604020202020204" pitchFamily="34" charset="0"/>
-                        <a:ea typeface="MS Mincho" panose="02020609040205080304" pitchFamily="49" charset="-128"/>
-                      </a:endParaRPr>
-                    </a:p>
-                    <a:p>
-                      <a:pPr marL="0" marR="0" algn="ctr">
-                        <a:lnSpc>
-                          <a:spcPct val="115000"/>
-                        </a:lnSpc>
-                        <a:spcBef>
-                          <a:spcPts val="0"/>
-                        </a:spcBef>
-                        <a:spcAft>
-                          <a:spcPts val="0"/>
-                        </a:spcAft>
-                        <a:tabLst>
-                          <a:tab pos="5257800" algn="l"/>
-                        </a:tabLst>
-                      </a:pPr>
-                      <a:r>
-                        <a:rPr lang="en-US" sz="1800" dirty="0">
-                          <a:solidFill>
-                            <a:srgbClr val="000000"/>
-                          </a:solidFill>
-                          <a:effectLst/>
-                          <a:latin typeface="Arial" panose="020B0604020202020204" pitchFamily="34" charset="0"/>
-                          <a:ea typeface="MS Mincho" panose="02020609040205080304" pitchFamily="49" charset="-128"/>
-                        </a:rPr>
-                        <a:t>Their Work Principle</a:t>
-                      </a:r>
-                      <a:endParaRPr lang="en-US" sz="1800" dirty="0">
-                        <a:effectLst/>
-                        <a:latin typeface="Times New Roman" panose="02020603050405020304" pitchFamily="18" charset="0"/>
-                        <a:ea typeface="Times New Roman" panose="02020603050405020304" pitchFamily="18" charset="0"/>
-                      </a:endParaRPr>
-                    </a:p>
-                  </a:txBody>
-                  <a:tcPr marL="68580" marR="68580" marT="0" marB="0"/>
-                </a:tc>
-                <a:tc>
-                  <a:txBody>
-                    <a:bodyPr/>
-                    <a:lstStyle/>
-                    <a:p>
-                      <a:pPr marL="0" marR="0" algn="ctr">
-                        <a:lnSpc>
-                          <a:spcPct val="115000"/>
-                        </a:lnSpc>
-                        <a:spcBef>
-                          <a:spcPts val="0"/>
-                        </a:spcBef>
-                        <a:spcAft>
-                          <a:spcPts val="0"/>
-                        </a:spcAft>
-                        <a:tabLst>
-                          <a:tab pos="5257800" algn="l"/>
-                        </a:tabLst>
-                      </a:pPr>
-                      <a:endParaRPr lang="en-US" sz="1800" dirty="0">
-                        <a:solidFill>
-                          <a:srgbClr val="000000"/>
-                        </a:solidFill>
-                        <a:effectLst/>
-                        <a:latin typeface="Arial" panose="020B0604020202020204" pitchFamily="34" charset="0"/>
-                        <a:ea typeface="MS Mincho" panose="02020609040205080304" pitchFamily="49" charset="-128"/>
-                      </a:endParaRPr>
-                    </a:p>
-                    <a:p>
-                      <a:pPr marL="0" marR="0" algn="ctr">
-                        <a:lnSpc>
-                          <a:spcPct val="115000"/>
-                        </a:lnSpc>
-                        <a:spcBef>
-                          <a:spcPts val="0"/>
-                        </a:spcBef>
-                        <a:spcAft>
-                          <a:spcPts val="0"/>
-                        </a:spcAft>
-                        <a:tabLst>
-                          <a:tab pos="5257800" algn="l"/>
-                        </a:tabLst>
-                      </a:pPr>
-                      <a:r>
-                        <a:rPr lang="en-US" sz="1800" dirty="0">
-                          <a:solidFill>
-                            <a:srgbClr val="000000"/>
-                          </a:solidFill>
-                          <a:effectLst/>
-                          <a:latin typeface="Arial" panose="020B0604020202020204" pitchFamily="34" charset="0"/>
-                          <a:ea typeface="MS Mincho" panose="02020609040205080304" pitchFamily="49" charset="-128"/>
-                        </a:rPr>
-                        <a:t>Our Work Principle</a:t>
-                      </a:r>
-                      <a:endParaRPr lang="en-US" sz="1800" dirty="0">
-                        <a:effectLst/>
-                        <a:latin typeface="Times New Roman" panose="02020603050405020304" pitchFamily="18" charset="0"/>
-                        <a:ea typeface="Times New Roman" panose="02020603050405020304" pitchFamily="18" charset="0"/>
-                      </a:endParaRPr>
-                    </a:p>
-                  </a:txBody>
-                  <a:tcPr marL="68580" marR="68580" marT="0" marB="0"/>
-                </a:tc>
-                <a:extLst>
-                  <a:ext uri="{0D108BD9-81ED-4DB2-BD59-A6C34878D82A}">
-                    <a16:rowId xmlns:a16="http://schemas.microsoft.com/office/drawing/2014/main" val="437803067"/>
-                  </a:ext>
-                </a:extLst>
-              </a:tr>
-              <a:tr h="1828800">
-                <a:tc>
-                  <a:txBody>
-                    <a:bodyPr/>
-                    <a:lstStyle/>
-                    <a:p>
-                      <a:pPr marL="0" marR="0" algn="just">
-                        <a:lnSpc>
-                          <a:spcPct val="115000"/>
-                        </a:lnSpc>
-                        <a:spcBef>
-                          <a:spcPts val="0"/>
-                        </a:spcBef>
-                        <a:spcAft>
-                          <a:spcPts val="0"/>
-                        </a:spcAft>
-                        <a:tabLst>
-                          <a:tab pos="5257800" algn="l"/>
-                        </a:tabLst>
-                      </a:pPr>
-                      <a:endParaRPr lang="en-US" sz="1800" dirty="0">
-                        <a:solidFill>
-                          <a:srgbClr val="000000"/>
-                        </a:solidFill>
-                        <a:effectLst/>
-                        <a:latin typeface="Arial" panose="020B0604020202020204" pitchFamily="34" charset="0"/>
-                        <a:ea typeface="MS Mincho" panose="02020609040205080304" pitchFamily="49" charset="-128"/>
-                      </a:endParaRPr>
-                    </a:p>
-                    <a:p>
-                      <a:pPr marL="0" marR="0" algn="just">
-                        <a:lnSpc>
-                          <a:spcPct val="115000"/>
-                        </a:lnSpc>
-                        <a:spcBef>
-                          <a:spcPts val="0"/>
-                        </a:spcBef>
-                        <a:spcAft>
-                          <a:spcPts val="0"/>
-                        </a:spcAft>
-                        <a:tabLst>
-                          <a:tab pos="5257800" algn="l"/>
-                        </a:tabLst>
-                      </a:pPr>
-                      <a:r>
-                        <a:rPr lang="en-US" sz="1800" dirty="0">
-                          <a:solidFill>
-                            <a:srgbClr val="000000"/>
-                          </a:solidFill>
-                          <a:effectLst/>
-                          <a:latin typeface="Arial" panose="020B0604020202020204" pitchFamily="34" charset="0"/>
-                          <a:ea typeface="MS Mincho" panose="02020609040205080304" pitchFamily="49" charset="-128"/>
-                        </a:rPr>
-                        <a:t>Detect weather of today, tomorrow and four days of weather prediction.</a:t>
-                      </a:r>
-                      <a:endParaRPr lang="en-US" sz="1800" dirty="0">
-                        <a:effectLst/>
-                        <a:latin typeface="Times New Roman" panose="02020603050405020304" pitchFamily="18" charset="0"/>
-                        <a:ea typeface="Times New Roman" panose="02020603050405020304" pitchFamily="18" charset="0"/>
-                      </a:endParaRPr>
-                    </a:p>
-                  </a:txBody>
-                  <a:tcPr marL="68580" marR="68580" marT="0" marB="0"/>
-                </a:tc>
-                <a:tc>
-                  <a:txBody>
-                    <a:bodyPr/>
-                    <a:lstStyle/>
-                    <a:p>
-                      <a:pPr marL="0" marR="0" algn="just">
-                        <a:lnSpc>
-                          <a:spcPct val="115000"/>
-                        </a:lnSpc>
-                        <a:spcBef>
-                          <a:spcPts val="0"/>
-                        </a:spcBef>
-                        <a:spcAft>
-                          <a:spcPts val="0"/>
-                        </a:spcAft>
-                        <a:tabLst>
-                          <a:tab pos="5257800" algn="l"/>
-                        </a:tabLst>
-                      </a:pPr>
-                      <a:endParaRPr lang="en-US" sz="1800" dirty="0">
-                        <a:solidFill>
-                          <a:srgbClr val="000000"/>
-                        </a:solidFill>
-                        <a:effectLst/>
-                        <a:latin typeface="Arial" panose="020B0604020202020204" pitchFamily="34" charset="0"/>
-                        <a:ea typeface="MS Mincho" panose="02020609040205080304" pitchFamily="49" charset="-128"/>
-                      </a:endParaRPr>
-                    </a:p>
-                    <a:p>
-                      <a:pPr marL="0" marR="0" algn="just">
-                        <a:lnSpc>
-                          <a:spcPct val="115000"/>
-                        </a:lnSpc>
-                        <a:spcBef>
-                          <a:spcPts val="0"/>
-                        </a:spcBef>
-                        <a:spcAft>
-                          <a:spcPts val="0"/>
-                        </a:spcAft>
-                        <a:tabLst>
-                          <a:tab pos="5257800" algn="l"/>
-                        </a:tabLst>
-                      </a:pPr>
-                      <a:r>
-                        <a:rPr lang="en-US" sz="1800" dirty="0">
-                          <a:solidFill>
-                            <a:srgbClr val="000000"/>
-                          </a:solidFill>
-                          <a:effectLst/>
-                          <a:latin typeface="Arial" panose="020B0604020202020204" pitchFamily="34" charset="0"/>
-                          <a:ea typeface="MS Mincho" panose="02020609040205080304" pitchFamily="49" charset="-128"/>
-                        </a:rPr>
-                        <a:t>Detect weather of today and five days (</a:t>
-                      </a:r>
-                      <a:r>
-                        <a:rPr lang="en-US" sz="1800" dirty="0">
-                          <a:effectLst/>
-                          <a:latin typeface="Arial" panose="020B0604020202020204" pitchFamily="34" charset="0"/>
-                          <a:ea typeface="Times New Roman" panose="02020603050405020304" pitchFamily="18" charset="0"/>
-                        </a:rPr>
-                        <a:t>three hours interval)</a:t>
-                      </a:r>
-                      <a:r>
-                        <a:rPr lang="en-US" sz="1800" dirty="0">
-                          <a:solidFill>
-                            <a:srgbClr val="000000"/>
-                          </a:solidFill>
-                          <a:effectLst/>
-                          <a:latin typeface="Arial" panose="020B0604020202020204" pitchFamily="34" charset="0"/>
-                          <a:ea typeface="MS Mincho" panose="02020609040205080304" pitchFamily="49" charset="-128"/>
-                        </a:rPr>
-                        <a:t> of weather prediction.</a:t>
-                      </a:r>
-                      <a:endParaRPr lang="en-US" sz="1800" dirty="0">
-                        <a:effectLst/>
-                        <a:latin typeface="Times New Roman" panose="02020603050405020304" pitchFamily="18" charset="0"/>
-                        <a:ea typeface="Times New Roman" panose="02020603050405020304" pitchFamily="18" charset="0"/>
-                      </a:endParaRPr>
-                    </a:p>
-                  </a:txBody>
-                  <a:tcPr marL="68580" marR="68580" marT="0" marB="0"/>
-                </a:tc>
-                <a:extLst>
-                  <a:ext uri="{0D108BD9-81ED-4DB2-BD59-A6C34878D82A}">
-                    <a16:rowId xmlns:a16="http://schemas.microsoft.com/office/drawing/2014/main" val="3072751933"/>
-                  </a:ext>
-                </a:extLst>
-              </a:tr>
-            </a:tbl>
-          </a:graphicData>
-        </a:graphic>
-      </p:graphicFrame>
     </p:spTree>
     <p:extLst>
       <p:ext uri="{BB962C8B-B14F-4D97-AF65-F5344CB8AC3E}">
@@ -8782,7 +8859,13 @@
       </p:grpSpPr>
       <p:sp>
         <p:nvSpPr>
-          <p:cNvPr id="2" name="Title 1"/>
+          <p:cNvPr id="2" name="Title 1">
+            <a:extLst>
+              <a:ext uri="{FF2B5EF4-FFF2-40B4-BE49-F238E27FC236}">
+                <a16:creationId xmlns:a16="http://schemas.microsoft.com/office/drawing/2014/main" id="{A5A82E56-2D67-4306-BE97-BBD822E1A281}"/>
+              </a:ext>
+            </a:extLst>
+          </p:cNvPr>
           <p:cNvSpPr>
             <a:spLocks noGrp="1"/>
           </p:cNvSpPr>
@@ -8792,30 +8875,33 @@
         </p:nvSpPr>
         <p:spPr>
           <a:xfrm>
-            <a:off x="427629" y="228600"/>
-            <a:ext cx="8229600" cy="1295400"/>
+            <a:off x="457200" y="152400"/>
+            <a:ext cx="8229600" cy="1143000"/>
           </a:xfrm>
         </p:spPr>
         <p:txBody>
-          <a:bodyPr>
-            <a:normAutofit/>
-          </a:bodyPr>
+          <a:bodyPr/>
           <a:lstStyle/>
           <a:p>
             <a:r>
-              <a:rPr lang="en-US" sz="4900" b="1" dirty="0">
+              <a:rPr lang="en-US" dirty="0">
                 <a:latin typeface="Times New Roman" panose="02020603050405020304" pitchFamily="18" charset="0"/>
                 <a:cs typeface="Times New Roman" panose="02020603050405020304" pitchFamily="18" charset="0"/>
               </a:rPr>
-              <a:t>Motivation</a:t>
-            </a:r>
-            <a:endParaRPr lang="en-US" dirty="0"/>
+              <a:t>Continued…</a:t>
+            </a:r>
           </a:p>
         </p:txBody>
       </p:sp>
       <p:sp>
         <p:nvSpPr>
-          <p:cNvPr id="3" name="Content Placeholder 2"/>
+          <p:cNvPr id="3" name="Content Placeholder 2">
+            <a:extLst>
+              <a:ext uri="{FF2B5EF4-FFF2-40B4-BE49-F238E27FC236}">
+                <a16:creationId xmlns:a16="http://schemas.microsoft.com/office/drawing/2014/main" id="{990AD48A-82AB-4D04-A331-3EC05510BBCA}"/>
+              </a:ext>
+            </a:extLst>
+          </p:cNvPr>
           <p:cNvSpPr>
             <a:spLocks noGrp="1"/>
           </p:cNvSpPr>
@@ -8825,8 +8911,8 @@
         </p:nvSpPr>
         <p:spPr>
           <a:xfrm>
-            <a:off x="1295400" y="2286000"/>
-            <a:ext cx="7014949" cy="4343400"/>
+            <a:off x="457200" y="1295400"/>
+            <a:ext cx="8686800" cy="4525963"/>
           </a:xfrm>
         </p:spPr>
         <p:txBody>
@@ -8835,103 +8921,334 @@
           </a:bodyPr>
           <a:lstStyle/>
           <a:p>
-            <a:pPr marR="0" algn="just">
-              <a:lnSpc>
-                <a:spcPct val="150000"/>
-              </a:lnSpc>
-              <a:spcBef>
-                <a:spcPts val="0"/>
-              </a:spcBef>
-              <a:spcAft>
-                <a:spcPts val="0"/>
-              </a:spcAft>
-              <a:buFont typeface="Wingdings" panose="05000000000000000000" pitchFamily="2" charset="2"/>
-              <a:buChar char="v"/>
+            <a:pPr algn="just"/>
+            <a:r>
+              <a:rPr lang="en-US" sz="1800" b="1" i="0" u="none" strike="noStrike" baseline="0" dirty="0">
+                <a:solidFill>
+                  <a:srgbClr val="202020"/>
+                </a:solidFill>
+                <a:latin typeface="Times New Roman" panose="02020603050405020304" pitchFamily="18" charset="0"/>
+              </a:rPr>
+              <a:t>Foodbank </a:t>
+            </a:r>
+            <a:endParaRPr lang="en-US" sz="1800" dirty="0">
+              <a:solidFill>
+                <a:srgbClr val="202020"/>
+              </a:solidFill>
+              <a:latin typeface="Times New Roman" panose="02020603050405020304" pitchFamily="18" charset="0"/>
+            </a:endParaRPr>
+          </a:p>
+          <a:p>
+            <a:pPr marL="0" indent="0" algn="just">
+              <a:buNone/>
             </a:pPr>
             <a:r>
               <a:rPr lang="en-US" sz="1800" dirty="0">
                 <a:solidFill>
-                  <a:srgbClr val="000000"/>
-                </a:solidFill>
-                <a:effectLst/>
-                <a:latin typeface="Arial" panose="020B0604020202020204" pitchFamily="34" charset="0"/>
-                <a:ea typeface="Arial" panose="020B0604020202020204" pitchFamily="34" charset="0"/>
+                  <a:srgbClr val="202020"/>
+                </a:solidFill>
+                <a:latin typeface="Times New Roman" panose="02020603050405020304" pitchFamily="18" charset="0"/>
               </a:rPr>
-              <a:t>Rainfall Prediction.</a:t>
-            </a:r>
-            <a:endParaRPr lang="en-US" sz="1800" dirty="0">
+              <a:t>      </a:t>
+            </a:r>
+            <a:r>
+              <a:rPr lang="en-US" sz="1800" b="0" i="0" u="none" strike="noStrike" baseline="0" dirty="0">
+                <a:solidFill>
+                  <a:srgbClr val="323232"/>
+                </a:solidFill>
+                <a:latin typeface="Times New Roman" panose="02020603050405020304" pitchFamily="18" charset="0"/>
+              </a:rPr>
+              <a:t>Food is donated Schools, churches, businesses and individuals donate non</a:t>
+            </a:r>
+          </a:p>
+          <a:p>
+            <a:pPr marL="0" indent="0" algn="just">
+              <a:buNone/>
+            </a:pPr>
+            <a:r>
+              <a:rPr lang="en-US" sz="1800" dirty="0">
+                <a:solidFill>
+                  <a:srgbClr val="323232"/>
+                </a:solidFill>
+                <a:latin typeface="Times New Roman" panose="02020603050405020304" pitchFamily="18" charset="0"/>
+              </a:rPr>
+              <a:t>      </a:t>
+            </a:r>
+            <a:r>
+              <a:rPr lang="en-US" sz="1800" b="0" i="0" u="none" strike="noStrike" baseline="0" dirty="0">
+                <a:solidFill>
+                  <a:srgbClr val="323232"/>
+                </a:solidFill>
+                <a:latin typeface="Times New Roman" panose="02020603050405020304" pitchFamily="18" charset="0"/>
+              </a:rPr>
+              <a:t>perishable, in-date food to a Foodbank. Food is also collected at 'Supermarket</a:t>
+            </a:r>
+          </a:p>
+          <a:p>
+            <a:pPr marL="0" indent="0" algn="just">
+              <a:buNone/>
+            </a:pPr>
+            <a:r>
+              <a:rPr lang="en-US" sz="1800" dirty="0">
+                <a:solidFill>
+                  <a:srgbClr val="323232"/>
+                </a:solidFill>
+                <a:latin typeface="Times New Roman" panose="02020603050405020304" pitchFamily="18" charset="0"/>
+              </a:rPr>
+              <a:t>      </a:t>
+            </a:r>
+            <a:r>
+              <a:rPr lang="en-US" sz="1800" b="0" i="0" u="none" strike="noStrike" baseline="0" dirty="0">
+                <a:solidFill>
+                  <a:srgbClr val="323232"/>
+                </a:solidFill>
+                <a:latin typeface="Times New Roman" panose="02020603050405020304" pitchFamily="18" charset="0"/>
+              </a:rPr>
+              <a:t>Collections': These are events held at supermarkets where volunteers give shoppers</a:t>
+            </a:r>
+          </a:p>
+          <a:p>
+            <a:pPr marL="0" indent="0" algn="just">
+              <a:buNone/>
+            </a:pPr>
+            <a:r>
+              <a:rPr lang="en-US" sz="1800" dirty="0">
+                <a:solidFill>
+                  <a:srgbClr val="323232"/>
+                </a:solidFill>
+                <a:latin typeface="Times New Roman" panose="02020603050405020304" pitchFamily="18" charset="0"/>
+              </a:rPr>
+              <a:t>      </a:t>
+            </a:r>
+            <a:r>
+              <a:rPr lang="en-US" sz="1800" b="0" i="0" u="none" strike="noStrike" baseline="0" dirty="0">
+                <a:solidFill>
+                  <a:srgbClr val="323232"/>
+                </a:solidFill>
+                <a:latin typeface="Times New Roman" panose="02020603050405020304" pitchFamily="18" charset="0"/>
+              </a:rPr>
+              <a:t>a 'Foodbank shopping list' and ask them to buy an extra item or two for local people</a:t>
+            </a:r>
+          </a:p>
+          <a:p>
+            <a:pPr marL="0" indent="0" algn="just">
+              <a:buNone/>
+            </a:pPr>
+            <a:r>
+              <a:rPr lang="en-US" sz="1800" dirty="0">
+                <a:solidFill>
+                  <a:srgbClr val="323232"/>
+                </a:solidFill>
+                <a:latin typeface="Times New Roman" panose="02020603050405020304" pitchFamily="18" charset="0"/>
+              </a:rPr>
+              <a:t>      </a:t>
+            </a:r>
+            <a:r>
+              <a:rPr lang="en-US" sz="1800" b="0" i="0" u="none" strike="noStrike" baseline="0" dirty="0">
+                <a:solidFill>
+                  <a:srgbClr val="323232"/>
+                </a:solidFill>
+                <a:latin typeface="Times New Roman" panose="02020603050405020304" pitchFamily="18" charset="0"/>
+              </a:rPr>
+              <a:t>in crisis. Food is sorted and stored Volunteers sort food to check that it's in-date and</a:t>
+            </a:r>
+          </a:p>
+          <a:p>
+            <a:pPr marL="0" indent="0" algn="just">
+              <a:buNone/>
+            </a:pPr>
+            <a:r>
+              <a:rPr lang="en-US" sz="1800" dirty="0">
+                <a:solidFill>
+                  <a:srgbClr val="323232"/>
+                </a:solidFill>
+                <a:latin typeface="Times New Roman" panose="02020603050405020304" pitchFamily="18" charset="0"/>
+              </a:rPr>
+              <a:t>      </a:t>
+            </a:r>
+            <a:r>
+              <a:rPr lang="en-US" sz="1800" b="0" i="0" u="none" strike="noStrike" baseline="0" dirty="0">
+                <a:solidFill>
+                  <a:srgbClr val="323232"/>
+                </a:solidFill>
+                <a:latin typeface="Times New Roman" panose="02020603050405020304" pitchFamily="18" charset="0"/>
+              </a:rPr>
+              <a:t>pack it into boxes ready to be given to people in need.</a:t>
+            </a:r>
+            <a:endParaRPr lang="en-US" sz="1800" b="0" i="0" u="none" strike="noStrike" baseline="0" dirty="0">
+              <a:solidFill>
+                <a:srgbClr val="000000"/>
+              </a:solidFill>
               <a:latin typeface="Times New Roman" panose="02020603050405020304" pitchFamily="18" charset="0"/>
-              <a:ea typeface="Arial" panose="020B0604020202020204" pitchFamily="34" charset="0"/>
             </a:endParaRPr>
           </a:p>
           <a:p>
-            <a:pPr marR="0" algn="just">
-              <a:lnSpc>
-                <a:spcPct val="150000"/>
-              </a:lnSpc>
-              <a:spcBef>
-                <a:spcPts val="0"/>
-              </a:spcBef>
-              <a:spcAft>
-                <a:spcPts val="0"/>
-              </a:spcAft>
-              <a:buFont typeface="Wingdings" panose="05000000000000000000" pitchFamily="2" charset="2"/>
-              <a:buChar char="v"/>
+            <a:pPr algn="just"/>
+            <a:endParaRPr lang="en-US" sz="1800" b="0" i="0" u="none" strike="noStrike" baseline="0" dirty="0">
+              <a:latin typeface="Times New Roman" panose="02020603050405020304" pitchFamily="18" charset="0"/>
+            </a:endParaRPr>
+          </a:p>
+          <a:p>
+            <a:pPr algn="just"/>
+            <a:r>
+              <a:rPr lang="en-US" sz="1800" b="1" i="0" u="none" strike="noStrike" baseline="0" dirty="0" err="1">
+                <a:solidFill>
+                  <a:srgbClr val="323232"/>
+                </a:solidFill>
+                <a:latin typeface="Times New Roman" panose="02020603050405020304" pitchFamily="18" charset="0"/>
+              </a:rPr>
+              <a:t>ShareTheMeal</a:t>
+            </a:r>
+            <a:r>
+              <a:rPr lang="en-US" sz="1800" b="1" i="0" u="none" strike="noStrike" baseline="0" dirty="0">
+                <a:solidFill>
+                  <a:srgbClr val="323232"/>
+                </a:solidFill>
+                <a:latin typeface="Times New Roman" panose="02020603050405020304" pitchFamily="18" charset="0"/>
+              </a:rPr>
+              <a:t>: </a:t>
+            </a:r>
+            <a:r>
+              <a:rPr lang="en-US" sz="1800" b="1" i="0" u="none" strike="noStrike" baseline="0" dirty="0">
+                <a:solidFill>
+                  <a:srgbClr val="202020"/>
+                </a:solidFill>
+                <a:latin typeface="Times New Roman" panose="02020603050405020304" pitchFamily="18" charset="0"/>
+              </a:rPr>
+              <a:t>Charity Donate </a:t>
+            </a:r>
+            <a:endParaRPr lang="en-US" sz="1800" b="0" i="0" u="none" strike="noStrike" baseline="0" dirty="0">
+              <a:solidFill>
+                <a:srgbClr val="000000"/>
+              </a:solidFill>
+              <a:latin typeface="Times New Roman" panose="02020603050405020304" pitchFamily="18" charset="0"/>
+            </a:endParaRPr>
+          </a:p>
+          <a:p>
+            <a:pPr marL="0" indent="0" algn="just">
+              <a:buNone/>
             </a:pPr>
             <a:r>
+              <a:rPr lang="en-US" sz="1800" b="0" i="0" u="none" strike="noStrike" baseline="0" dirty="0">
+                <a:solidFill>
+                  <a:srgbClr val="323232"/>
+                </a:solidFill>
+                <a:latin typeface="Times New Roman" panose="02020603050405020304" pitchFamily="18" charset="0"/>
+              </a:rPr>
+              <a:t>      </a:t>
+            </a:r>
+            <a:r>
+              <a:rPr lang="en-US" sz="1800" b="0" i="0" u="none" strike="noStrike" baseline="0" dirty="0" err="1">
+                <a:solidFill>
+                  <a:srgbClr val="323232"/>
+                </a:solidFill>
+                <a:latin typeface="Times New Roman" panose="02020603050405020304" pitchFamily="18" charset="0"/>
+              </a:rPr>
+              <a:t>ShareTheMeal</a:t>
+            </a:r>
+            <a:r>
+              <a:rPr lang="en-US" sz="1800" b="0" i="0" u="none" strike="noStrike" baseline="0" dirty="0">
+                <a:solidFill>
+                  <a:srgbClr val="323232"/>
+                </a:solidFill>
+                <a:latin typeface="Times New Roman" panose="02020603050405020304" pitchFamily="18" charset="0"/>
+              </a:rPr>
+              <a:t> is the charity app from the World Food Program that allows you to</a:t>
+            </a:r>
+          </a:p>
+          <a:p>
+            <a:pPr marL="0" indent="0" algn="just">
+              <a:buNone/>
+            </a:pPr>
+            <a:r>
               <a:rPr lang="en-US" sz="1800" dirty="0">
                 <a:solidFill>
-                  <a:srgbClr val="000000"/>
-                </a:solidFill>
-                <a:effectLst/>
-                <a:latin typeface="Arial" panose="020B0604020202020204" pitchFamily="34" charset="0"/>
-                <a:ea typeface="Arial" panose="020B0604020202020204" pitchFamily="34" charset="0"/>
+                  <a:srgbClr val="323232"/>
+                </a:solidFill>
+                <a:latin typeface="Times New Roman" panose="02020603050405020304" pitchFamily="18" charset="0"/>
               </a:rPr>
-              <a:t>Well organized weather forecast for Bangladesh.</a:t>
-            </a:r>
-            <a:endParaRPr lang="en-US" sz="1800" dirty="0">
-              <a:effectLst/>
-              <a:latin typeface="Times New Roman" panose="02020603050405020304" pitchFamily="18" charset="0"/>
-              <a:ea typeface="Times New Roman" panose="02020603050405020304" pitchFamily="18" charset="0"/>
-            </a:endParaRPr>
-          </a:p>
-          <a:p>
-            <a:pPr marR="0" algn="just">
-              <a:lnSpc>
-                <a:spcPct val="150000"/>
-              </a:lnSpc>
-              <a:spcBef>
-                <a:spcPts val="0"/>
-              </a:spcBef>
-              <a:spcAft>
-                <a:spcPts val="0"/>
-              </a:spcAft>
-              <a:buFont typeface="Wingdings" panose="05000000000000000000" pitchFamily="2" charset="2"/>
-              <a:buChar char="v"/>
+              <a:t>      </a:t>
+            </a:r>
+            <a:r>
+              <a:rPr lang="en-US" sz="1800" b="0" i="0" u="none" strike="noStrike" baseline="0" dirty="0">
+                <a:solidFill>
+                  <a:srgbClr val="323232"/>
+                </a:solidFill>
+                <a:latin typeface="Times New Roman" panose="02020603050405020304" pitchFamily="18" charset="0"/>
+              </a:rPr>
+              <a:t>feed a hungry child with a tap on your phone. As the world faces a record number of</a:t>
+            </a:r>
+          </a:p>
+          <a:p>
+            <a:pPr marL="0" indent="0" algn="just">
+              <a:buNone/>
             </a:pPr>
             <a:r>
               <a:rPr lang="en-US" sz="1800" dirty="0">
                 <a:solidFill>
-                  <a:srgbClr val="000000"/>
-                </a:solidFill>
-                <a:effectLst/>
-                <a:latin typeface="Arial" panose="020B0604020202020204" pitchFamily="34" charset="0"/>
-                <a:ea typeface="Arial" panose="020B0604020202020204" pitchFamily="34" charset="0"/>
+                  <a:srgbClr val="323232"/>
+                </a:solidFill>
+                <a:latin typeface="Times New Roman" panose="02020603050405020304" pitchFamily="18" charset="0"/>
               </a:rPr>
-              <a:t>No need to check google for weather over and over again.</a:t>
-            </a:r>
-            <a:endParaRPr lang="en-US" sz="1800" dirty="0">
-              <a:effectLst/>
-              <a:latin typeface="Times New Roman" panose="02020603050405020304" pitchFamily="18" charset="0"/>
-              <a:ea typeface="Times New Roman" panose="02020603050405020304" pitchFamily="18" charset="0"/>
-            </a:endParaRPr>
+              <a:t>      </a:t>
+            </a:r>
+            <a:r>
+              <a:rPr lang="en-US" sz="1800" b="0" i="0" u="none" strike="noStrike" baseline="0" dirty="0">
+                <a:solidFill>
+                  <a:srgbClr val="323232"/>
+                </a:solidFill>
+                <a:latin typeface="Times New Roman" panose="02020603050405020304" pitchFamily="18" charset="0"/>
+              </a:rPr>
+              <a:t>emergencies, the rate of hunger is increasing. The good news is hunger is entirely</a:t>
+            </a:r>
+          </a:p>
+          <a:p>
+            <a:pPr marL="0" indent="0" algn="just">
+              <a:buNone/>
+            </a:pPr>
+            <a:r>
+              <a:rPr lang="en-US" sz="1800" dirty="0">
+                <a:solidFill>
+                  <a:srgbClr val="323232"/>
+                </a:solidFill>
+                <a:latin typeface="Times New Roman" panose="02020603050405020304" pitchFamily="18" charset="0"/>
+              </a:rPr>
+              <a:t>      </a:t>
+            </a:r>
+            <a:r>
+              <a:rPr lang="en-US" sz="1800" b="0" i="0" u="none" strike="noStrike" baseline="0" dirty="0">
+                <a:solidFill>
+                  <a:srgbClr val="323232"/>
+                </a:solidFill>
+                <a:latin typeface="Times New Roman" panose="02020603050405020304" pitchFamily="18" charset="0"/>
+              </a:rPr>
+              <a:t>solvable. </a:t>
+            </a:r>
+            <a:r>
+              <a:rPr lang="en-US" sz="1800" b="0" i="0" u="none" strike="noStrike" baseline="0" dirty="0" err="1">
+                <a:solidFill>
+                  <a:srgbClr val="323232"/>
+                </a:solidFill>
+                <a:latin typeface="Times New Roman" panose="02020603050405020304" pitchFamily="18" charset="0"/>
+              </a:rPr>
+              <a:t>ShareTheMeal</a:t>
+            </a:r>
+            <a:r>
+              <a:rPr lang="en-US" sz="1800" b="0" i="0" u="none" strike="noStrike" baseline="0" dirty="0">
+                <a:solidFill>
+                  <a:srgbClr val="323232"/>
+                </a:solidFill>
+                <a:latin typeface="Times New Roman" panose="02020603050405020304" pitchFamily="18" charset="0"/>
+              </a:rPr>
+              <a:t> is part of the United Nations World Food Program.</a:t>
+            </a:r>
           </a:p>
         </p:txBody>
       </p:sp>
     </p:spTree>
     <p:extLst>
       <p:ext uri="{BB962C8B-B14F-4D97-AF65-F5344CB8AC3E}">
-        <p14:creationId xmlns:p14="http://schemas.microsoft.com/office/powerpoint/2010/main" val="3649238120"/>
+        <p14:creationId xmlns:p14="http://schemas.microsoft.com/office/powerpoint/2010/main" val="2238491631"/>
       </p:ext>
     </p:extLst>
   </p:cSld>
@@ -8970,23 +9287,24 @@
         </p:nvSpPr>
         <p:spPr>
           <a:xfrm>
-            <a:off x="152400" y="530534"/>
-            <a:ext cx="8229600" cy="792162"/>
+            <a:off x="427629" y="228600"/>
+            <a:ext cx="8229600" cy="1295400"/>
           </a:xfrm>
         </p:spPr>
         <p:txBody>
           <a:bodyPr>
-            <a:noAutofit/>
+            <a:normAutofit/>
           </a:bodyPr>
           <a:lstStyle/>
           <a:p>
             <a:r>
-              <a:rPr lang="en-US" sz="4000" b="1" dirty="0">
+              <a:rPr lang="en-US" dirty="0">
                 <a:latin typeface="Times New Roman" panose="02020603050405020304" pitchFamily="18" charset="0"/>
                 <a:cs typeface="Times New Roman" panose="02020603050405020304" pitchFamily="18" charset="0"/>
               </a:rPr>
-              <a:t>Objective</a:t>
-            </a:r>
+              <a:t>Motivation</a:t>
+            </a:r>
+            <a:endParaRPr lang="en-US" dirty="0"/>
           </a:p>
         </p:txBody>
       </p:sp>
@@ -9002,8 +9320,8 @@
         </p:nvSpPr>
         <p:spPr>
           <a:xfrm>
-            <a:off x="914400" y="1447800"/>
-            <a:ext cx="7315200" cy="5029200"/>
+            <a:off x="1295400" y="2286000"/>
+            <a:ext cx="7014949" cy="4343400"/>
           </a:xfrm>
         </p:spPr>
         <p:txBody>
@@ -9012,7 +9330,29 @@
           </a:bodyPr>
           <a:lstStyle/>
           <a:p>
-            <a:pPr marR="0" algn="just">
+            <a:pPr marL="0" indent="0" algn="just">
+              <a:lnSpc>
+                <a:spcPct val="150000"/>
+              </a:lnSpc>
+              <a:spcBef>
+                <a:spcPts val="0"/>
+              </a:spcBef>
+              <a:buNone/>
+            </a:pPr>
+            <a:r>
+              <a:rPr lang="en-US" altLang="en-US" sz="1800" dirty="0">
+                <a:latin typeface="Times New Roman" panose="02020603050405020304" pitchFamily="18" charset="0"/>
+                <a:cs typeface="Times New Roman" panose="02020603050405020304" pitchFamily="18" charset="0"/>
+              </a:rPr>
+              <a:t>There are many foodless people around the country. They can hardly afford food for their family and themselves as well. So we took a step to reach food to those helpless people from the wasted food of restaurant, community centers and party centers. </a:t>
+            </a:r>
+            <a:endParaRPr lang="en-GB" altLang="en-US" sz="1800" dirty="0">
+              <a:latin typeface="Times New Roman" panose="02020603050405020304" pitchFamily="18" charset="0"/>
+              <a:cs typeface="Times New Roman" panose="02020603050405020304" pitchFamily="18" charset="0"/>
+            </a:endParaRPr>
+          </a:p>
+          <a:p>
+            <a:pPr marL="0" marR="0" indent="0" algn="just">
               <a:lnSpc>
                 <a:spcPct val="150000"/>
               </a:lnSpc>
@@ -9022,156 +9362,20 @@
               <a:spcAft>
                 <a:spcPts val="0"/>
               </a:spcAft>
-              <a:buFont typeface="Wingdings" panose="05000000000000000000" pitchFamily="2" charset="2"/>
-              <a:buChar char="v"/>
+              <a:buNone/>
             </a:pPr>
-            <a:r>
-              <a:rPr lang="en-US" sz="1800" dirty="0">
-                <a:solidFill>
-                  <a:srgbClr val="000000"/>
-                </a:solidFill>
-                <a:effectLst/>
-                <a:latin typeface="Arial" panose="020B0604020202020204" pitchFamily="34" charset="0"/>
-                <a:ea typeface="Arial" panose="020B0604020202020204" pitchFamily="34" charset="0"/>
-              </a:rPr>
-              <a:t>Helps people prepare if they need to take extra gear to prepare for the weather (i.e., umbrella, rain coat, sun screen).</a:t>
-            </a:r>
             <a:endParaRPr lang="en-US" sz="1800" dirty="0">
               <a:effectLst/>
               <a:latin typeface="Times New Roman" panose="02020603050405020304" pitchFamily="18" charset="0"/>
               <a:ea typeface="Times New Roman" panose="02020603050405020304" pitchFamily="18" charset="0"/>
             </a:endParaRPr>
           </a:p>
-          <a:p>
-            <a:pPr marR="0" algn="just">
-              <a:lnSpc>
-                <a:spcPct val="150000"/>
-              </a:lnSpc>
-              <a:spcBef>
-                <a:spcPts val="0"/>
-              </a:spcBef>
-              <a:spcAft>
-                <a:spcPts val="0"/>
-              </a:spcAft>
-              <a:buFont typeface="Wingdings" panose="05000000000000000000" pitchFamily="2" charset="2"/>
-              <a:buChar char="v"/>
-            </a:pPr>
-            <a:r>
-              <a:rPr lang="en-US" sz="1800" dirty="0">
-                <a:solidFill>
-                  <a:srgbClr val="000000"/>
-                </a:solidFill>
-                <a:effectLst/>
-                <a:latin typeface="Arial" panose="020B0604020202020204" pitchFamily="34" charset="0"/>
-                <a:ea typeface="Arial" panose="020B0604020202020204" pitchFamily="34" charset="0"/>
-              </a:rPr>
-              <a:t>Helps people plan outdoor activities (i.e., to see if rain/storms/cold weather will impact outdoor event)</a:t>
-            </a:r>
-            <a:endParaRPr lang="en-US" sz="1800" dirty="0">
-              <a:effectLst/>
-              <a:latin typeface="Times New Roman" panose="02020603050405020304" pitchFamily="18" charset="0"/>
-              <a:ea typeface="Times New Roman" panose="02020603050405020304" pitchFamily="18" charset="0"/>
-            </a:endParaRPr>
-          </a:p>
-          <a:p>
-            <a:pPr marR="0" algn="just">
-              <a:lnSpc>
-                <a:spcPct val="150000"/>
-              </a:lnSpc>
-              <a:spcBef>
-                <a:spcPts val="0"/>
-              </a:spcBef>
-              <a:spcAft>
-                <a:spcPts val="0"/>
-              </a:spcAft>
-              <a:buFont typeface="Wingdings" panose="05000000000000000000" pitchFamily="2" charset="2"/>
-              <a:buChar char="v"/>
-            </a:pPr>
-            <a:r>
-              <a:rPr lang="en-US" sz="1800" dirty="0">
-                <a:solidFill>
-                  <a:srgbClr val="000000"/>
-                </a:solidFill>
-                <a:effectLst/>
-                <a:latin typeface="Arial" panose="020B0604020202020204" pitchFamily="34" charset="0"/>
-                <a:ea typeface="Arial" panose="020B0604020202020204" pitchFamily="34" charset="0"/>
-              </a:rPr>
-              <a:t>Helps curious people to know what sort of weather can be expected (i.e., severe storms).</a:t>
-            </a:r>
-            <a:endParaRPr lang="en-US" sz="1800" dirty="0">
-              <a:effectLst/>
-              <a:latin typeface="Times New Roman" panose="02020603050405020304" pitchFamily="18" charset="0"/>
-              <a:ea typeface="Times New Roman" panose="02020603050405020304" pitchFamily="18" charset="0"/>
-            </a:endParaRPr>
-          </a:p>
-          <a:p>
-            <a:pPr marR="0" algn="just">
-              <a:lnSpc>
-                <a:spcPct val="150000"/>
-              </a:lnSpc>
-              <a:spcBef>
-                <a:spcPts val="0"/>
-              </a:spcBef>
-              <a:spcAft>
-                <a:spcPts val="0"/>
-              </a:spcAft>
-              <a:buFont typeface="Wingdings" panose="05000000000000000000" pitchFamily="2" charset="2"/>
-              <a:buChar char="v"/>
-            </a:pPr>
-            <a:r>
-              <a:rPr lang="en-US" sz="1800" dirty="0">
-                <a:solidFill>
-                  <a:srgbClr val="000000"/>
-                </a:solidFill>
-                <a:effectLst/>
-                <a:latin typeface="Arial" panose="020B0604020202020204" pitchFamily="34" charset="0"/>
-                <a:ea typeface="Arial" panose="020B0604020202020204" pitchFamily="34" charset="0"/>
-              </a:rPr>
-              <a:t>Helps businesses plan for transportation hazards that can result from the weather (i.e., fog, storms, clouds as it relates to driving and flying for example).</a:t>
-            </a:r>
-            <a:endParaRPr lang="en-US" sz="1800" dirty="0">
-              <a:effectLst/>
-              <a:latin typeface="Times New Roman" panose="02020603050405020304" pitchFamily="18" charset="0"/>
-              <a:ea typeface="Times New Roman" panose="02020603050405020304" pitchFamily="18" charset="0"/>
-            </a:endParaRPr>
-          </a:p>
-          <a:p>
-            <a:pPr marR="0" algn="just">
-              <a:lnSpc>
-                <a:spcPct val="150000"/>
-              </a:lnSpc>
-              <a:spcBef>
-                <a:spcPts val="0"/>
-              </a:spcBef>
-              <a:spcAft>
-                <a:spcPts val="0"/>
-              </a:spcAft>
-              <a:buFont typeface="Wingdings" panose="05000000000000000000" pitchFamily="2" charset="2"/>
-              <a:buChar char="v"/>
-            </a:pPr>
-            <a:r>
-              <a:rPr lang="en-US" sz="1800" dirty="0">
-                <a:solidFill>
-                  <a:srgbClr val="000000"/>
-                </a:solidFill>
-                <a:effectLst/>
-                <a:latin typeface="Arial" panose="020B0604020202020204" pitchFamily="34" charset="0"/>
-                <a:ea typeface="Arial" panose="020B0604020202020204" pitchFamily="34" charset="0"/>
-              </a:rPr>
-              <a:t>Helps people with health-related issues to plan the day (i.e., allergies, asthma, heat stress).</a:t>
-            </a:r>
-            <a:endParaRPr lang="en-US" sz="1800" dirty="0">
-              <a:effectLst/>
-              <a:latin typeface="Times New Roman" panose="02020603050405020304" pitchFamily="18" charset="0"/>
-              <a:ea typeface="Times New Roman" panose="02020603050405020304" pitchFamily="18" charset="0"/>
-            </a:endParaRPr>
-          </a:p>
         </p:txBody>
       </p:sp>
     </p:spTree>
     <p:extLst>
       <p:ext uri="{BB962C8B-B14F-4D97-AF65-F5344CB8AC3E}">
-        <p14:creationId xmlns:p14="http://schemas.microsoft.com/office/powerpoint/2010/main" val="1690209850"/>
+        <p14:creationId xmlns:p14="http://schemas.microsoft.com/office/powerpoint/2010/main" val="3649238120"/>
       </p:ext>
     </p:extLst>
   </p:cSld>
@@ -9210,6 +9414,145 @@
         </p:nvSpPr>
         <p:spPr>
           <a:xfrm>
+            <a:off x="152400" y="530534"/>
+            <a:ext cx="8229600" cy="792162"/>
+          </a:xfrm>
+        </p:spPr>
+        <p:txBody>
+          <a:bodyPr>
+            <a:noAutofit/>
+          </a:bodyPr>
+          <a:lstStyle/>
+          <a:p>
+            <a:r>
+              <a:rPr lang="en-US" sz="4000" dirty="0">
+                <a:latin typeface="Times New Roman" panose="02020603050405020304" pitchFamily="18" charset="0"/>
+                <a:cs typeface="Times New Roman" panose="02020603050405020304" pitchFamily="18" charset="0"/>
+              </a:rPr>
+              <a:t>Objective</a:t>
+            </a:r>
+          </a:p>
+        </p:txBody>
+      </p:sp>
+      <p:sp>
+        <p:nvSpPr>
+          <p:cNvPr id="3" name="Content Placeholder 2"/>
+          <p:cNvSpPr>
+            <a:spLocks noGrp="1"/>
+          </p:cNvSpPr>
+          <p:nvPr>
+            <p:ph idx="1"/>
+          </p:nvPr>
+        </p:nvSpPr>
+        <p:spPr>
+          <a:xfrm>
+            <a:off x="914400" y="2209800"/>
+            <a:ext cx="7315200" cy="4267200"/>
+          </a:xfrm>
+        </p:spPr>
+        <p:txBody>
+          <a:bodyPr>
+            <a:noAutofit/>
+          </a:bodyPr>
+          <a:lstStyle/>
+          <a:p>
+            <a:pPr algn="just" eaLnBrk="1" hangingPunct="1">
+              <a:defRPr/>
+            </a:pPr>
+            <a:r>
+              <a:rPr lang="en-GB" altLang="en-US" sz="1800" dirty="0">
+                <a:latin typeface="Times New Roman" panose="02020603050405020304" pitchFamily="18" charset="0"/>
+                <a:cs typeface="Times New Roman" panose="02020603050405020304" pitchFamily="18" charset="0"/>
+              </a:rPr>
+              <a:t>Doners will post the food detail, pick location address, quantity of people available for donated food</a:t>
+            </a:r>
+          </a:p>
+          <a:p>
+            <a:pPr marL="0" indent="0" algn="just" eaLnBrk="1" hangingPunct="1">
+              <a:buFont typeface="Wingdings" panose="05000000000000000000" pitchFamily="2" charset="2"/>
+              <a:buNone/>
+              <a:defRPr/>
+            </a:pPr>
+            <a:endParaRPr lang="en-GB" altLang="en-US" sz="1800" dirty="0">
+              <a:latin typeface="Times New Roman" panose="02020603050405020304" pitchFamily="18" charset="0"/>
+              <a:cs typeface="Times New Roman" panose="02020603050405020304" pitchFamily="18" charset="0"/>
+            </a:endParaRPr>
+          </a:p>
+          <a:p>
+            <a:pPr algn="just" eaLnBrk="1" hangingPunct="1">
+              <a:defRPr/>
+            </a:pPr>
+            <a:r>
+              <a:rPr lang="en-GB" altLang="en-US" sz="1800" dirty="0">
+                <a:latin typeface="Times New Roman" panose="02020603050405020304" pitchFamily="18" charset="0"/>
+                <a:cs typeface="Times New Roman" panose="02020603050405020304" pitchFamily="18" charset="0"/>
+              </a:rPr>
+              <a:t>Our agents will buy or take those foods from the pick address and reach to the foodless people</a:t>
+            </a:r>
+          </a:p>
+          <a:p>
+            <a:pPr marL="0" marR="0" indent="0" algn="just">
+              <a:lnSpc>
+                <a:spcPct val="150000"/>
+              </a:lnSpc>
+              <a:spcBef>
+                <a:spcPts val="0"/>
+              </a:spcBef>
+              <a:spcAft>
+                <a:spcPts val="0"/>
+              </a:spcAft>
+              <a:buNone/>
+            </a:pPr>
+            <a:endParaRPr lang="en-US" sz="1800" dirty="0">
+              <a:effectLst/>
+              <a:latin typeface="Times New Roman" panose="02020603050405020304" pitchFamily="18" charset="0"/>
+              <a:ea typeface="Times New Roman" panose="02020603050405020304" pitchFamily="18" charset="0"/>
+            </a:endParaRPr>
+          </a:p>
+        </p:txBody>
+      </p:sp>
+    </p:spTree>
+    <p:extLst>
+      <p:ext uri="{BB962C8B-B14F-4D97-AF65-F5344CB8AC3E}">
+        <p14:creationId xmlns:p14="http://schemas.microsoft.com/office/powerpoint/2010/main" val="1690209850"/>
+      </p:ext>
+    </p:extLst>
+  </p:cSld>
+  <p:clrMapOvr>
+    <a:masterClrMapping/>
+  </p:clrMapOvr>
+</p:sld>
+</file>
+
+<file path=ppt/slides/slide8.xml><?xml version="1.0" encoding="utf-8"?>
+<p:sld xmlns:a="http://schemas.openxmlformats.org/drawingml/2006/main" xmlns:r="http://schemas.openxmlformats.org/officeDocument/2006/relationships" xmlns:p="http://schemas.openxmlformats.org/presentationml/2006/main">
+  <p:cSld>
+    <p:spTree>
+      <p:nvGrpSpPr>
+        <p:cNvPr id="1" name=""/>
+        <p:cNvGrpSpPr/>
+        <p:nvPr/>
+      </p:nvGrpSpPr>
+      <p:grpSpPr>
+        <a:xfrm>
+          <a:off x="0" y="0"/>
+          <a:ext cx="0" cy="0"/>
+          <a:chOff x="0" y="0"/>
+          <a:chExt cx="0" cy="0"/>
+        </a:xfrm>
+      </p:grpSpPr>
+      <p:sp>
+        <p:nvSpPr>
+          <p:cNvPr id="2" name="Title 1"/>
+          <p:cNvSpPr>
+            <a:spLocks noGrp="1"/>
+          </p:cNvSpPr>
+          <p:nvPr>
+            <p:ph type="title"/>
+          </p:nvPr>
+        </p:nvSpPr>
+        <p:spPr>
+          <a:xfrm>
             <a:off x="457200" y="685800"/>
             <a:ext cx="8229600" cy="556418"/>
           </a:xfrm>
@@ -9221,7 +9564,7 @@
           <a:lstStyle/>
           <a:p>
             <a:r>
-              <a:rPr lang="en-US" b="1" dirty="0">
+              <a:rPr lang="en-US" dirty="0">
                 <a:latin typeface="Times New Roman" panose="02020603050405020304" pitchFamily="18" charset="0"/>
                 <a:cs typeface="Times New Roman" panose="02020603050405020304" pitchFamily="18" charset="0"/>
               </a:rPr>
@@ -9246,14 +9589,14 @@
           <p:nvPr>
             <p:extLst>
               <p:ext uri="{D42A27DB-BD31-4B8C-83A1-F6EECF244321}">
-                <p14:modId xmlns:p14="http://schemas.microsoft.com/office/powerpoint/2010/main" val="3682267020"/>
+                <p14:modId xmlns:p14="http://schemas.microsoft.com/office/powerpoint/2010/main" val="4256985353"/>
               </p:ext>
             </p:extLst>
           </p:nvPr>
         </p:nvGraphicFramePr>
         <p:xfrm>
           <a:off x="358538" y="2438376"/>
-          <a:ext cx="8426924" cy="2953627"/>
+          <a:ext cx="8426924" cy="3090811"/>
         </p:xfrm>
         <a:graphic>
           <a:graphicData uri="http://schemas.openxmlformats.org/drawingml/2006/table">
@@ -9291,7 +9634,7 @@
                   </a:extLst>
                 </a:gridCol>
               </a:tblGrid>
-              <a:tr h="984592">
+              <a:tr h="1121776">
                 <a:tc>
                   <a:txBody>
                     <a:bodyPr/>
@@ -9322,7 +9665,7 @@
                       <a:pPr algn="ctr"/>
                       <a:r>
                         <a:rPr lang="en-US" sz="2000" b="1" dirty="0"/>
-                        <a:t>Backend</a:t>
+                        <a:t>Backend Language</a:t>
                       </a:r>
                     </a:p>
                   </a:txBody>
@@ -9358,7 +9701,7 @@
                       <a:pPr algn="ctr"/>
                       <a:r>
                         <a:rPr lang="en-US" sz="2000" b="1" dirty="0"/>
-                        <a:t>Database/API</a:t>
+                        <a:t>Database</a:t>
                       </a:r>
                     </a:p>
                   </a:txBody>
@@ -9401,7 +9744,7 @@
                       <a:pPr algn="ctr"/>
                       <a:r>
                         <a:rPr lang="en-US" dirty="0"/>
-                        <a:t>Java</a:t>
+                        <a:t>Kotlin</a:t>
                       </a:r>
                     </a:p>
                   </a:txBody>
@@ -9436,10 +9779,9 @@
                     <a:p>
                       <a:pPr algn="ctr"/>
                       <a:r>
-                        <a:rPr lang="en-US" dirty="0" err="1"/>
-                        <a:t>OpenWeather</a:t>
+                        <a:rPr lang="en-US" dirty="0"/>
+                        <a:t>Firebase</a:t>
                       </a:r>
-                      <a:endParaRPr lang="en-US" dirty="0"/>
                     </a:p>
                   </a:txBody>
                   <a:tcPr/>
@@ -9492,10 +9834,10 @@
       </p:pic>
       <p:pic>
         <p:nvPicPr>
-          <p:cNvPr id="10" name="Picture 9">
+          <p:cNvPr id="11" name="Picture 10">
             <a:extLst>
               <a:ext uri="{FF2B5EF4-FFF2-40B4-BE49-F238E27FC236}">
-                <a16:creationId xmlns:a16="http://schemas.microsoft.com/office/drawing/2014/main" id="{B37E3727-936F-44E0-8852-54D067225C80}"/>
+                <a16:creationId xmlns:a16="http://schemas.microsoft.com/office/drawing/2014/main" id="{108A3A28-B217-4E82-8934-19F10FEDB387}"/>
               </a:ext>
             </a:extLst>
           </p:cNvPr>
@@ -9518,8 +9860,8 @@
         </p:blipFill>
         <p:spPr>
           <a:xfrm>
-            <a:off x="3200400" y="4346686"/>
-            <a:ext cx="1041902" cy="781427"/>
+            <a:off x="4724400" y="4367032"/>
+            <a:ext cx="821854" cy="821854"/>
           </a:xfrm>
           <a:prstGeom prst="rect">
             <a:avLst/>
@@ -9528,15 +9870,15 @@
       </p:pic>
       <p:pic>
         <p:nvPicPr>
-          <p:cNvPr id="11" name="Picture 10">
+          <p:cNvPr id="1026" name="Picture 2" descr="Firebase Brand Guidelines">
             <a:extLst>
               <a:ext uri="{FF2B5EF4-FFF2-40B4-BE49-F238E27FC236}">
-                <a16:creationId xmlns:a16="http://schemas.microsoft.com/office/drawing/2014/main" id="{108A3A28-B217-4E82-8934-19F10FEDB387}"/>
+                <a16:creationId xmlns:a16="http://schemas.microsoft.com/office/drawing/2014/main" id="{E776FC15-9797-42B4-AC17-E94D22B6EBEE}"/>
               </a:ext>
             </a:extLst>
           </p:cNvPr>
           <p:cNvPicPr>
-            <a:picLocks noChangeAspect="1"/>
+            <a:picLocks noChangeAspect="1" noChangeArrowheads="1"/>
           </p:cNvPicPr>
           <p:nvPr/>
         </p:nvPicPr>
@@ -9548,31 +9890,42 @@
               </a:ext>
             </a:extLst>
           </a:blip>
+          <a:srcRect/>
           <a:stretch>
             <a:fillRect/>
           </a:stretch>
         </p:blipFill>
-        <p:spPr>
+        <p:spPr bwMode="auto">
           <a:xfrm>
-            <a:off x="4724400" y="4367032"/>
-            <a:ext cx="821854" cy="821854"/>
+            <a:off x="7084164" y="4315592"/>
+            <a:ext cx="597284" cy="812521"/>
           </a:xfrm>
           <a:prstGeom prst="rect">
             <a:avLst/>
           </a:prstGeom>
+          <a:noFill/>
+          <a:extLst>
+            <a:ext uri="{909E8E84-426E-40DD-AFC4-6F175D3DCCD1}">
+              <a14:hiddenFill xmlns:a14="http://schemas.microsoft.com/office/drawing/2010/main">
+                <a:solidFill>
+                  <a:srgbClr val="FFFFFF"/>
+                </a:solidFill>
+              </a14:hiddenFill>
+            </a:ext>
+          </a:extLst>
         </p:spPr>
       </p:pic>
       <p:pic>
         <p:nvPicPr>
-          <p:cNvPr id="7" name="Picture 6">
+          <p:cNvPr id="1028" name="Picture 4">
             <a:extLst>
               <a:ext uri="{FF2B5EF4-FFF2-40B4-BE49-F238E27FC236}">
-                <a16:creationId xmlns:a16="http://schemas.microsoft.com/office/drawing/2014/main" id="{8499FE66-E21D-46B4-95B8-4844D243C66A}"/>
+                <a16:creationId xmlns:a16="http://schemas.microsoft.com/office/drawing/2014/main" id="{75DB09A4-77EB-4EB1-B96A-8775A8250AF0}"/>
               </a:ext>
             </a:extLst>
           </p:cNvPr>
           <p:cNvPicPr>
-            <a:picLocks noChangeAspect="1"/>
+            <a:picLocks noChangeAspect="1" noChangeArrowheads="1"/>
           </p:cNvPicPr>
           <p:nvPr/>
         </p:nvPicPr>
@@ -9584,18 +9937,29 @@
               </a:ext>
             </a:extLst>
           </a:blip>
+          <a:srcRect/>
           <a:stretch>
             <a:fillRect/>
           </a:stretch>
         </p:blipFill>
-        <p:spPr>
+        <p:spPr bwMode="auto">
           <a:xfrm>
-            <a:off x="6437545" y="4311396"/>
-            <a:ext cx="1831470" cy="781427"/>
+            <a:off x="3312462" y="4442313"/>
+            <a:ext cx="685800" cy="685800"/>
           </a:xfrm>
           <a:prstGeom prst="rect">
             <a:avLst/>
           </a:prstGeom>
+          <a:noFill/>
+          <a:extLst>
+            <a:ext uri="{909E8E84-426E-40DD-AFC4-6F175D3DCCD1}">
+              <a14:hiddenFill xmlns:a14="http://schemas.microsoft.com/office/drawing/2010/main">
+                <a:solidFill>
+                  <a:srgbClr val="FFFFFF"/>
+                </a:solidFill>
+              </a14:hiddenFill>
+            </a:ext>
+          </a:extLst>
         </p:spPr>
       </p:pic>
     </p:spTree>
@@ -9611,7 +9975,7 @@
 </p:sld>
 </file>
 
-<file path=ppt/slides/slide8.xml><?xml version="1.0" encoding="utf-8"?>
+<file path=ppt/slides/slide9.xml><?xml version="1.0" encoding="utf-8"?>
 <p:sld xmlns:a="http://schemas.openxmlformats.org/drawingml/2006/main" xmlns:r="http://schemas.openxmlformats.org/officeDocument/2006/relationships" xmlns:p="http://schemas.openxmlformats.org/presentationml/2006/main">
   <p:cSld>
     <p:spTree>
@@ -9640,7 +10004,7 @@
         </p:nvSpPr>
         <p:spPr>
           <a:xfrm>
-            <a:off x="990599" y="-94653"/>
+            <a:off x="1219200" y="244475"/>
             <a:ext cx="7315201" cy="884238"/>
           </a:xfrm>
         </p:spPr>
@@ -9652,25 +10016,419 @@
           <a:p>
             <a:pPr algn="l"/>
             <a:r>
-              <a:rPr lang="en-US" sz="2800" b="1" dirty="0">
+              <a:rPr lang="en-US" sz="2800" dirty="0">
                 <a:latin typeface="Times New Roman" panose="02020603050405020304" pitchFamily="18" charset="0"/>
                 <a:cs typeface="Times New Roman" panose="02020603050405020304" pitchFamily="18" charset="0"/>
               </a:rPr>
               <a:t>How the proposed system will work (Feature)</a:t>
             </a:r>
-            <a:endParaRPr lang="en-US" sz="2800" dirty="0">
-              <a:latin typeface="Times New Roman" panose="02020603050405020304" pitchFamily="18" charset="0"/>
-              <a:cs typeface="Times New Roman" panose="02020603050405020304" pitchFamily="18" charset="0"/>
-            </a:endParaRPr>
+          </a:p>
+        </p:txBody>
+      </p:sp>
+      <p:sp>
+        <p:nvSpPr>
+          <p:cNvPr id="8" name="TextBox 9">
+            <a:extLst>
+              <a:ext uri="{FF2B5EF4-FFF2-40B4-BE49-F238E27FC236}">
+                <a16:creationId xmlns:a16="http://schemas.microsoft.com/office/drawing/2014/main" id="{F55A84B2-5077-4070-912D-05EE7F15BE6E}"/>
+              </a:ext>
+            </a:extLst>
+          </p:cNvPr>
+          <p:cNvSpPr txBox="1">
+            <a:spLocks noChangeArrowheads="1"/>
+          </p:cNvSpPr>
+          <p:nvPr/>
+        </p:nvSpPr>
+        <p:spPr bwMode="auto">
+          <a:xfrm>
+            <a:off x="2041525" y="5637212"/>
+            <a:ext cx="1320800" cy="338138"/>
+          </a:xfrm>
+          <a:prstGeom prst="rect">
+            <a:avLst/>
+          </a:prstGeom>
+          <a:noFill/>
+          <a:ln>
+            <a:noFill/>
+          </a:ln>
+          <a:extLst>
+            <a:ext uri="{909E8E84-426E-40DD-AFC4-6F175D3DCCD1}">
+              <a14:hiddenFill xmlns:a14="http://schemas.microsoft.com/office/drawing/2010/main">
+                <a:solidFill>
+                  <a:srgbClr val="FFFFFF"/>
+                </a:solidFill>
+              </a14:hiddenFill>
+            </a:ext>
+            <a:ext uri="{91240B29-F687-4F45-9708-019B960494DF}">
+              <a14:hiddenLine xmlns:a14="http://schemas.microsoft.com/office/drawing/2010/main" w="9525">
+                <a:solidFill>
+                  <a:srgbClr val="000000"/>
+                </a:solidFill>
+                <a:miter lim="800000"/>
+                <a:headEnd/>
+                <a:tailEnd/>
+              </a14:hiddenLine>
+            </a:ext>
+          </a:extLst>
+        </p:spPr>
+        <p:txBody>
+          <a:bodyPr wrap="none">
+            <a:spAutoFit/>
+          </a:bodyPr>
+          <a:lstStyle>
+            <a:lvl1pPr>
+              <a:spcBef>
+                <a:spcPct val="20000"/>
+              </a:spcBef>
+              <a:buChar char="•"/>
+              <a:defRPr sz="3200">
+                <a:solidFill>
+                  <a:schemeClr val="tx1"/>
+                </a:solidFill>
+                <a:latin typeface="Arial" panose="020B0604020202020204" pitchFamily="34" charset="0"/>
+                <a:cs typeface="Arial" panose="020B0604020202020204" pitchFamily="34" charset="0"/>
+              </a:defRPr>
+            </a:lvl1pPr>
+            <a:lvl2pPr marL="742950" indent="-285750">
+              <a:spcBef>
+                <a:spcPct val="20000"/>
+              </a:spcBef>
+              <a:buChar char="–"/>
+              <a:defRPr sz="2800">
+                <a:solidFill>
+                  <a:schemeClr val="tx1"/>
+                </a:solidFill>
+                <a:latin typeface="Arial" panose="020B0604020202020204" pitchFamily="34" charset="0"/>
+                <a:cs typeface="Arial" panose="020B0604020202020204" pitchFamily="34" charset="0"/>
+              </a:defRPr>
+            </a:lvl2pPr>
+            <a:lvl3pPr marL="1143000" indent="-228600">
+              <a:spcBef>
+                <a:spcPct val="20000"/>
+              </a:spcBef>
+              <a:buChar char="•"/>
+              <a:defRPr sz="2400">
+                <a:solidFill>
+                  <a:schemeClr val="tx1"/>
+                </a:solidFill>
+                <a:latin typeface="Arial" panose="020B0604020202020204" pitchFamily="34" charset="0"/>
+                <a:cs typeface="Arial" panose="020B0604020202020204" pitchFamily="34" charset="0"/>
+              </a:defRPr>
+            </a:lvl3pPr>
+            <a:lvl4pPr marL="1600200" indent="-228600">
+              <a:spcBef>
+                <a:spcPct val="20000"/>
+              </a:spcBef>
+              <a:buChar char="–"/>
+              <a:defRPr sz="2000">
+                <a:solidFill>
+                  <a:schemeClr val="tx1"/>
+                </a:solidFill>
+                <a:latin typeface="Arial" panose="020B0604020202020204" pitchFamily="34" charset="0"/>
+                <a:cs typeface="Arial" panose="020B0604020202020204" pitchFamily="34" charset="0"/>
+              </a:defRPr>
+            </a:lvl4pPr>
+            <a:lvl5pPr marL="2057400" indent="-228600">
+              <a:spcBef>
+                <a:spcPct val="20000"/>
+              </a:spcBef>
+              <a:buChar char="»"/>
+              <a:defRPr sz="2000">
+                <a:solidFill>
+                  <a:schemeClr val="tx1"/>
+                </a:solidFill>
+                <a:latin typeface="Arial" panose="020B0604020202020204" pitchFamily="34" charset="0"/>
+                <a:cs typeface="Arial" panose="020B0604020202020204" pitchFamily="34" charset="0"/>
+              </a:defRPr>
+            </a:lvl5pPr>
+            <a:lvl6pPr marL="2514600" indent="-228600" eaLnBrk="0" fontAlgn="base" hangingPunct="0">
+              <a:spcBef>
+                <a:spcPct val="20000"/>
+              </a:spcBef>
+              <a:spcAft>
+                <a:spcPct val="0"/>
+              </a:spcAft>
+              <a:buChar char="»"/>
+              <a:defRPr sz="2000">
+                <a:solidFill>
+                  <a:schemeClr val="tx1"/>
+                </a:solidFill>
+                <a:latin typeface="Arial" panose="020B0604020202020204" pitchFamily="34" charset="0"/>
+                <a:cs typeface="Arial" panose="020B0604020202020204" pitchFamily="34" charset="0"/>
+              </a:defRPr>
+            </a:lvl6pPr>
+            <a:lvl7pPr marL="2971800" indent="-228600" eaLnBrk="0" fontAlgn="base" hangingPunct="0">
+              <a:spcBef>
+                <a:spcPct val="20000"/>
+              </a:spcBef>
+              <a:spcAft>
+                <a:spcPct val="0"/>
+              </a:spcAft>
+              <a:buChar char="»"/>
+              <a:defRPr sz="2000">
+                <a:solidFill>
+                  <a:schemeClr val="tx1"/>
+                </a:solidFill>
+                <a:latin typeface="Arial" panose="020B0604020202020204" pitchFamily="34" charset="0"/>
+                <a:cs typeface="Arial" panose="020B0604020202020204" pitchFamily="34" charset="0"/>
+              </a:defRPr>
+            </a:lvl7pPr>
+            <a:lvl8pPr marL="3429000" indent="-228600" eaLnBrk="0" fontAlgn="base" hangingPunct="0">
+              <a:spcBef>
+                <a:spcPct val="20000"/>
+              </a:spcBef>
+              <a:spcAft>
+                <a:spcPct val="0"/>
+              </a:spcAft>
+              <a:buChar char="»"/>
+              <a:defRPr sz="2000">
+                <a:solidFill>
+                  <a:schemeClr val="tx1"/>
+                </a:solidFill>
+                <a:latin typeface="Arial" panose="020B0604020202020204" pitchFamily="34" charset="0"/>
+                <a:cs typeface="Arial" panose="020B0604020202020204" pitchFamily="34" charset="0"/>
+              </a:defRPr>
+            </a:lvl8pPr>
+            <a:lvl9pPr marL="3886200" indent="-228600" eaLnBrk="0" fontAlgn="base" hangingPunct="0">
+              <a:spcBef>
+                <a:spcPct val="20000"/>
+              </a:spcBef>
+              <a:spcAft>
+                <a:spcPct val="0"/>
+              </a:spcAft>
+              <a:buChar char="»"/>
+              <a:defRPr sz="2000">
+                <a:solidFill>
+                  <a:schemeClr val="tx1"/>
+                </a:solidFill>
+                <a:latin typeface="Arial" panose="020B0604020202020204" pitchFamily="34" charset="0"/>
+                <a:cs typeface="Arial" panose="020B0604020202020204" pitchFamily="34" charset="0"/>
+              </a:defRPr>
+            </a:lvl9pPr>
+          </a:lstStyle>
+          <a:p>
+            <a:pPr eaLnBrk="1" hangingPunct="1">
+              <a:spcBef>
+                <a:spcPct val="0"/>
+              </a:spcBef>
+              <a:buFontTx/>
+              <a:buNone/>
+            </a:pPr>
+            <a:r>
+              <a:rPr lang="en-US" altLang="en-US" sz="1600">
+                <a:latin typeface="Times New Roman" panose="02020603050405020304" pitchFamily="18" charset="0"/>
+                <a:cs typeface="Times New Roman" panose="02020603050405020304" pitchFamily="18" charset="0"/>
+              </a:rPr>
+              <a:t>Figure: Login</a:t>
+            </a:r>
+          </a:p>
+        </p:txBody>
+      </p:sp>
+      <p:sp>
+        <p:nvSpPr>
+          <p:cNvPr id="9" name="TextBox 11">
+            <a:extLst>
+              <a:ext uri="{FF2B5EF4-FFF2-40B4-BE49-F238E27FC236}">
+                <a16:creationId xmlns:a16="http://schemas.microsoft.com/office/drawing/2014/main" id="{970E3704-DFC3-4776-B458-AEA73E806785}"/>
+              </a:ext>
+            </a:extLst>
+          </p:cNvPr>
+          <p:cNvSpPr txBox="1">
+            <a:spLocks noChangeArrowheads="1"/>
+          </p:cNvSpPr>
+          <p:nvPr/>
+        </p:nvSpPr>
+        <p:spPr bwMode="auto">
+          <a:xfrm>
+            <a:off x="5743575" y="5637212"/>
+            <a:ext cx="1412875" cy="338138"/>
+          </a:xfrm>
+          <a:prstGeom prst="rect">
+            <a:avLst/>
+          </a:prstGeom>
+          <a:noFill/>
+          <a:ln>
+            <a:noFill/>
+          </a:ln>
+          <a:extLst>
+            <a:ext uri="{909E8E84-426E-40DD-AFC4-6F175D3DCCD1}">
+              <a14:hiddenFill xmlns:a14="http://schemas.microsoft.com/office/drawing/2010/main">
+                <a:solidFill>
+                  <a:srgbClr val="FFFFFF"/>
+                </a:solidFill>
+              </a14:hiddenFill>
+            </a:ext>
+            <a:ext uri="{91240B29-F687-4F45-9708-019B960494DF}">
+              <a14:hiddenLine xmlns:a14="http://schemas.microsoft.com/office/drawing/2010/main" w="9525">
+                <a:solidFill>
+                  <a:srgbClr val="000000"/>
+                </a:solidFill>
+                <a:miter lim="800000"/>
+                <a:headEnd/>
+                <a:tailEnd/>
+              </a14:hiddenLine>
+            </a:ext>
+          </a:extLst>
+        </p:spPr>
+        <p:txBody>
+          <a:bodyPr wrap="none">
+            <a:spAutoFit/>
+          </a:bodyPr>
+          <a:lstStyle>
+            <a:lvl1pPr>
+              <a:spcBef>
+                <a:spcPct val="20000"/>
+              </a:spcBef>
+              <a:buChar char="•"/>
+              <a:defRPr sz="3200">
+                <a:solidFill>
+                  <a:schemeClr val="tx1"/>
+                </a:solidFill>
+                <a:latin typeface="Arial" panose="020B0604020202020204" pitchFamily="34" charset="0"/>
+                <a:cs typeface="Arial" panose="020B0604020202020204" pitchFamily="34" charset="0"/>
+              </a:defRPr>
+            </a:lvl1pPr>
+            <a:lvl2pPr marL="742950" indent="-285750">
+              <a:spcBef>
+                <a:spcPct val="20000"/>
+              </a:spcBef>
+              <a:buChar char="–"/>
+              <a:defRPr sz="2800">
+                <a:solidFill>
+                  <a:schemeClr val="tx1"/>
+                </a:solidFill>
+                <a:latin typeface="Arial" panose="020B0604020202020204" pitchFamily="34" charset="0"/>
+                <a:cs typeface="Arial" panose="020B0604020202020204" pitchFamily="34" charset="0"/>
+              </a:defRPr>
+            </a:lvl2pPr>
+            <a:lvl3pPr marL="1143000" indent="-228600">
+              <a:spcBef>
+                <a:spcPct val="20000"/>
+              </a:spcBef>
+              <a:buChar char="•"/>
+              <a:defRPr sz="2400">
+                <a:solidFill>
+                  <a:schemeClr val="tx1"/>
+                </a:solidFill>
+                <a:latin typeface="Arial" panose="020B0604020202020204" pitchFamily="34" charset="0"/>
+                <a:cs typeface="Arial" panose="020B0604020202020204" pitchFamily="34" charset="0"/>
+              </a:defRPr>
+            </a:lvl3pPr>
+            <a:lvl4pPr marL="1600200" indent="-228600">
+              <a:spcBef>
+                <a:spcPct val="20000"/>
+              </a:spcBef>
+              <a:buChar char="–"/>
+              <a:defRPr sz="2000">
+                <a:solidFill>
+                  <a:schemeClr val="tx1"/>
+                </a:solidFill>
+                <a:latin typeface="Arial" panose="020B0604020202020204" pitchFamily="34" charset="0"/>
+                <a:cs typeface="Arial" panose="020B0604020202020204" pitchFamily="34" charset="0"/>
+              </a:defRPr>
+            </a:lvl4pPr>
+            <a:lvl5pPr marL="2057400" indent="-228600">
+              <a:spcBef>
+                <a:spcPct val="20000"/>
+              </a:spcBef>
+              <a:buChar char="»"/>
+              <a:defRPr sz="2000">
+                <a:solidFill>
+                  <a:schemeClr val="tx1"/>
+                </a:solidFill>
+                <a:latin typeface="Arial" panose="020B0604020202020204" pitchFamily="34" charset="0"/>
+                <a:cs typeface="Arial" panose="020B0604020202020204" pitchFamily="34" charset="0"/>
+              </a:defRPr>
+            </a:lvl5pPr>
+            <a:lvl6pPr marL="2514600" indent="-228600" eaLnBrk="0" fontAlgn="base" hangingPunct="0">
+              <a:spcBef>
+                <a:spcPct val="20000"/>
+              </a:spcBef>
+              <a:spcAft>
+                <a:spcPct val="0"/>
+              </a:spcAft>
+              <a:buChar char="»"/>
+              <a:defRPr sz="2000">
+                <a:solidFill>
+                  <a:schemeClr val="tx1"/>
+                </a:solidFill>
+                <a:latin typeface="Arial" panose="020B0604020202020204" pitchFamily="34" charset="0"/>
+                <a:cs typeface="Arial" panose="020B0604020202020204" pitchFamily="34" charset="0"/>
+              </a:defRPr>
+            </a:lvl6pPr>
+            <a:lvl7pPr marL="2971800" indent="-228600" eaLnBrk="0" fontAlgn="base" hangingPunct="0">
+              <a:spcBef>
+                <a:spcPct val="20000"/>
+              </a:spcBef>
+              <a:spcAft>
+                <a:spcPct val="0"/>
+              </a:spcAft>
+              <a:buChar char="»"/>
+              <a:defRPr sz="2000">
+                <a:solidFill>
+                  <a:schemeClr val="tx1"/>
+                </a:solidFill>
+                <a:latin typeface="Arial" panose="020B0604020202020204" pitchFamily="34" charset="0"/>
+                <a:cs typeface="Arial" panose="020B0604020202020204" pitchFamily="34" charset="0"/>
+              </a:defRPr>
+            </a:lvl7pPr>
+            <a:lvl8pPr marL="3429000" indent="-228600" eaLnBrk="0" fontAlgn="base" hangingPunct="0">
+              <a:spcBef>
+                <a:spcPct val="20000"/>
+              </a:spcBef>
+              <a:spcAft>
+                <a:spcPct val="0"/>
+              </a:spcAft>
+              <a:buChar char="»"/>
+              <a:defRPr sz="2000">
+                <a:solidFill>
+                  <a:schemeClr val="tx1"/>
+                </a:solidFill>
+                <a:latin typeface="Arial" panose="020B0604020202020204" pitchFamily="34" charset="0"/>
+                <a:cs typeface="Arial" panose="020B0604020202020204" pitchFamily="34" charset="0"/>
+              </a:defRPr>
+            </a:lvl8pPr>
+            <a:lvl9pPr marL="3886200" indent="-228600" eaLnBrk="0" fontAlgn="base" hangingPunct="0">
+              <a:spcBef>
+                <a:spcPct val="20000"/>
+              </a:spcBef>
+              <a:spcAft>
+                <a:spcPct val="0"/>
+              </a:spcAft>
+              <a:buChar char="»"/>
+              <a:defRPr sz="2000">
+                <a:solidFill>
+                  <a:schemeClr val="tx1"/>
+                </a:solidFill>
+                <a:latin typeface="Arial" panose="020B0604020202020204" pitchFamily="34" charset="0"/>
+                <a:cs typeface="Arial" panose="020B0604020202020204" pitchFamily="34" charset="0"/>
+              </a:defRPr>
+            </a:lvl9pPr>
+          </a:lstStyle>
+          <a:p>
+            <a:pPr eaLnBrk="1" hangingPunct="1">
+              <a:spcBef>
+                <a:spcPct val="0"/>
+              </a:spcBef>
+              <a:buFontTx/>
+              <a:buNone/>
+            </a:pPr>
+            <a:r>
+              <a:rPr lang="en-US" altLang="en-US" sz="1600">
+                <a:latin typeface="Times New Roman" panose="02020603050405020304" pitchFamily="18" charset="0"/>
+                <a:cs typeface="Times New Roman" panose="02020603050405020304" pitchFamily="18" charset="0"/>
+              </a:rPr>
+              <a:t>Figure: Signup</a:t>
+            </a:r>
           </a:p>
         </p:txBody>
       </p:sp>
       <p:pic>
         <p:nvPicPr>
-          <p:cNvPr id="7" name="Picture 6">
+          <p:cNvPr id="13" name="Picture 12">
             <a:extLst>
               <a:ext uri="{FF2B5EF4-FFF2-40B4-BE49-F238E27FC236}">
-                <a16:creationId xmlns:a16="http://schemas.microsoft.com/office/drawing/2014/main" id="{BB2E11E0-DEB3-4849-A045-DD1269DD17A5}"/>
+                <a16:creationId xmlns:a16="http://schemas.microsoft.com/office/drawing/2014/main" id="{7BABA888-9CB8-4D79-8565-6978C16853FE}"/>
               </a:ext>
             </a:extLst>
           </p:cNvPr>
@@ -9680,38 +10438,37 @@
           <p:nvPr/>
         </p:nvPicPr>
         <p:blipFill>
-          <a:blip r:embed="rId2" cstate="print">
-            <a:extLst>
-              <a:ext uri="{28A0092B-C50C-407E-A947-70E740481C1C}">
-                <a14:useLocalDpi xmlns:a14="http://schemas.microsoft.com/office/drawing/2010/main" val="0"/>
-              </a:ext>
-            </a:extLst>
-          </a:blip>
-          <a:srcRect/>
+          <a:blip r:embed="rId2"/>
           <a:stretch>
             <a:fillRect/>
           </a:stretch>
         </p:blipFill>
-        <p:spPr bwMode="auto">
+        <p:spPr>
           <a:xfrm>
-            <a:off x="1240808" y="789585"/>
-            <a:ext cx="2842863" cy="5508959"/>
+            <a:off x="1600200" y="1273175"/>
+            <a:ext cx="2203450" cy="4219575"/>
           </a:xfrm>
           <a:prstGeom prst="rect">
             <a:avLst/>
           </a:prstGeom>
-          <a:noFill/>
           <a:ln>
             <a:noFill/>
           </a:ln>
+          <a:effectLst>
+            <a:outerShdw blurRad="190500" algn="tl" rotWithShape="0">
+              <a:srgbClr val="000000">
+                <a:alpha val="70000"/>
+              </a:srgbClr>
+            </a:outerShdw>
+          </a:effectLst>
         </p:spPr>
       </p:pic>
       <p:pic>
         <p:nvPicPr>
-          <p:cNvPr id="10" name="Picture 9">
+          <p:cNvPr id="14" name="Picture 13">
             <a:extLst>
               <a:ext uri="{FF2B5EF4-FFF2-40B4-BE49-F238E27FC236}">
-                <a16:creationId xmlns:a16="http://schemas.microsoft.com/office/drawing/2014/main" id="{B6C23E5C-681C-4745-AC47-745F3A38FC20}"/>
+                <a16:creationId xmlns:a16="http://schemas.microsoft.com/office/drawing/2014/main" id="{005FC65B-8A6D-4063-88A7-9479C93B0778}"/>
               </a:ext>
             </a:extLst>
           </p:cNvPr>
@@ -9721,142 +10478,31 @@
           <p:nvPr/>
         </p:nvPicPr>
         <p:blipFill>
-          <a:blip r:embed="rId3" cstate="print">
-            <a:extLst>
-              <a:ext uri="{28A0092B-C50C-407E-A947-70E740481C1C}">
-                <a14:useLocalDpi xmlns:a14="http://schemas.microsoft.com/office/drawing/2010/main" val="0"/>
-              </a:ext>
-            </a:extLst>
-          </a:blip>
-          <a:srcRect/>
+          <a:blip r:embed="rId3"/>
           <a:stretch>
             <a:fillRect/>
           </a:stretch>
         </p:blipFill>
-        <p:spPr bwMode="auto">
+        <p:spPr>
           <a:xfrm>
-            <a:off x="4908505" y="789585"/>
-            <a:ext cx="2872432" cy="5508959"/>
+            <a:off x="5210175" y="1273175"/>
+            <a:ext cx="2203450" cy="4219575"/>
           </a:xfrm>
           <a:prstGeom prst="rect">
             <a:avLst/>
           </a:prstGeom>
-          <a:noFill/>
           <a:ln>
             <a:noFill/>
           </a:ln>
+          <a:effectLst>
+            <a:outerShdw blurRad="190500" algn="tl" rotWithShape="0">
+              <a:srgbClr val="000000">
+                <a:alpha val="70000"/>
+              </a:srgbClr>
+            </a:outerShdw>
+          </a:effectLst>
         </p:spPr>
       </p:pic>
-      <p:sp>
-        <p:nvSpPr>
-          <p:cNvPr id="11" name="Title 1">
-            <a:extLst>
-              <a:ext uri="{FF2B5EF4-FFF2-40B4-BE49-F238E27FC236}">
-                <a16:creationId xmlns:a16="http://schemas.microsoft.com/office/drawing/2014/main" id="{4655F499-BF8D-415F-91B6-4313D22E55B9}"/>
-              </a:ext>
-            </a:extLst>
-          </p:cNvPr>
-          <p:cNvSpPr txBox="1">
-            <a:spLocks/>
-          </p:cNvSpPr>
-          <p:nvPr/>
-        </p:nvSpPr>
-        <p:spPr>
-          <a:xfrm>
-            <a:off x="1443039" y="6068415"/>
-            <a:ext cx="2438400" cy="884238"/>
-          </a:xfrm>
-          <a:prstGeom prst="rect">
-            <a:avLst/>
-          </a:prstGeom>
-        </p:spPr>
-        <p:txBody>
-          <a:bodyPr vert="horz" lIns="91440" tIns="45720" rIns="91440" bIns="45720" rtlCol="0" anchor="ctr">
-            <a:noAutofit/>
-          </a:bodyPr>
-          <a:lstStyle>
-            <a:lvl1pPr algn="ctr" defTabSz="914400" rtl="0" eaLnBrk="1" latinLnBrk="0" hangingPunct="1">
-              <a:spcBef>
-                <a:spcPct val="0"/>
-              </a:spcBef>
-              <a:buNone/>
-              <a:defRPr sz="4400" kern="1200">
-                <a:solidFill>
-                  <a:schemeClr val="tx1"/>
-                </a:solidFill>
-                <a:latin typeface="+mj-lt"/>
-                <a:ea typeface="+mj-ea"/>
-                <a:cs typeface="+mj-cs"/>
-              </a:defRPr>
-            </a:lvl1pPr>
-          </a:lstStyle>
-          <a:p>
-            <a:pPr algn="l"/>
-            <a:r>
-              <a:rPr lang="en-US" sz="1800" dirty="0">
-                <a:latin typeface="Times New Roman" panose="02020603050405020304" pitchFamily="18" charset="0"/>
-                <a:cs typeface="Times New Roman" panose="02020603050405020304" pitchFamily="18" charset="0"/>
-              </a:rPr>
-              <a:t>Weather of Dhaka City</a:t>
-            </a:r>
-          </a:p>
-        </p:txBody>
-      </p:sp>
-      <p:sp>
-        <p:nvSpPr>
-          <p:cNvPr id="12" name="Title 1">
-            <a:extLst>
-              <a:ext uri="{FF2B5EF4-FFF2-40B4-BE49-F238E27FC236}">
-                <a16:creationId xmlns:a16="http://schemas.microsoft.com/office/drawing/2014/main" id="{2A4E28A1-880E-4063-8EDD-3A73EC12058C}"/>
-              </a:ext>
-            </a:extLst>
-          </p:cNvPr>
-          <p:cNvSpPr txBox="1">
-            <a:spLocks/>
-          </p:cNvSpPr>
-          <p:nvPr/>
-        </p:nvSpPr>
-        <p:spPr>
-          <a:xfrm>
-            <a:off x="5228444" y="6068415"/>
-            <a:ext cx="2483469" cy="884238"/>
-          </a:xfrm>
-          <a:prstGeom prst="rect">
-            <a:avLst/>
-          </a:prstGeom>
-        </p:spPr>
-        <p:txBody>
-          <a:bodyPr vert="horz" lIns="91440" tIns="45720" rIns="91440" bIns="45720" rtlCol="0" anchor="ctr">
-            <a:noAutofit/>
-          </a:bodyPr>
-          <a:lstStyle>
-            <a:lvl1pPr algn="ctr" defTabSz="914400" rtl="0" eaLnBrk="1" latinLnBrk="0" hangingPunct="1">
-              <a:spcBef>
-                <a:spcPct val="0"/>
-              </a:spcBef>
-              <a:buNone/>
-              <a:defRPr sz="4400" kern="1200">
-                <a:solidFill>
-                  <a:schemeClr val="tx1"/>
-                </a:solidFill>
-                <a:latin typeface="+mj-lt"/>
-                <a:ea typeface="+mj-ea"/>
-                <a:cs typeface="+mj-cs"/>
-              </a:defRPr>
-            </a:lvl1pPr>
-          </a:lstStyle>
-          <a:p>
-            <a:pPr algn="l"/>
-            <a:r>
-              <a:rPr lang="en-US" sz="1800" dirty="0">
-                <a:latin typeface="Times New Roman" panose="02020603050405020304" pitchFamily="18" charset="0"/>
-                <a:cs typeface="Times New Roman" panose="02020603050405020304" pitchFamily="18" charset="0"/>
-              </a:rPr>
-              <a:t>Weather of Chittagong</a:t>
-            </a:r>
-          </a:p>
-        </p:txBody>
-      </p:sp>
     </p:spTree>
     <p:extLst>
       <p:ext uri="{BB962C8B-B14F-4D97-AF65-F5344CB8AC3E}">
@@ -9867,286 +10513,6 @@
   <p:clrMapOvr>
     <a:masterClrMapping/>
   </p:clrMapOvr>
-</p:sld>
-</file>
-
-<file path=ppt/slides/slide9.xml><?xml version="1.0" encoding="utf-8"?>
-<p:sld xmlns:a="http://schemas.openxmlformats.org/drawingml/2006/main" xmlns:r="http://schemas.openxmlformats.org/officeDocument/2006/relationships" xmlns:p="http://schemas.openxmlformats.org/presentationml/2006/main">
-  <p:cSld>
-    <p:spTree>
-      <p:nvGrpSpPr>
-        <p:cNvPr id="1" name=""/>
-        <p:cNvGrpSpPr/>
-        <p:nvPr/>
-      </p:nvGrpSpPr>
-      <p:grpSpPr>
-        <a:xfrm>
-          <a:off x="0" y="0"/>
-          <a:ext cx="0" cy="0"/>
-          <a:chOff x="0" y="0"/>
-          <a:chExt cx="0" cy="0"/>
-        </a:xfrm>
-      </p:grpSpPr>
-      <p:sp>
-        <p:nvSpPr>
-          <p:cNvPr id="2" name="Title 1">
-            <a:extLst>
-              <a:ext uri="{FF2B5EF4-FFF2-40B4-BE49-F238E27FC236}">
-                <a16:creationId xmlns:a16="http://schemas.microsoft.com/office/drawing/2014/main" id="{6A2FE05B-03BF-4C3B-BA8A-A33A0244733A}"/>
-              </a:ext>
-            </a:extLst>
-          </p:cNvPr>
-          <p:cNvSpPr>
-            <a:spLocks noGrp="1"/>
-          </p:cNvSpPr>
-          <p:nvPr>
-            <p:ph type="title"/>
-          </p:nvPr>
-        </p:nvSpPr>
-        <p:spPr>
-          <a:xfrm>
-            <a:off x="473969" y="47198"/>
-            <a:ext cx="8229600" cy="609600"/>
-          </a:xfrm>
-        </p:spPr>
-        <p:txBody>
-          <a:bodyPr>
-            <a:normAutofit/>
-          </a:bodyPr>
-          <a:lstStyle/>
-          <a:p>
-            <a:r>
-              <a:rPr lang="en-US" sz="3200" b="1" dirty="0">
-                <a:latin typeface="Times New Roman" panose="02020603050405020304" pitchFamily="18" charset="0"/>
-                <a:cs typeface="Times New Roman" panose="02020603050405020304" pitchFamily="18" charset="0"/>
-              </a:rPr>
-              <a:t>Feature (continue…)</a:t>
-            </a:r>
-            <a:endParaRPr lang="en-US" sz="3200" dirty="0"/>
-          </a:p>
-        </p:txBody>
-      </p:sp>
-      <p:sp>
-        <p:nvSpPr>
-          <p:cNvPr id="4" name="Content Placeholder 2">
-            <a:extLst>
-              <a:ext uri="{FF2B5EF4-FFF2-40B4-BE49-F238E27FC236}">
-                <a16:creationId xmlns:a16="http://schemas.microsoft.com/office/drawing/2014/main" id="{8458B944-4E9D-4DE9-90BA-B87A22E5D588}"/>
-              </a:ext>
-            </a:extLst>
-          </p:cNvPr>
-          <p:cNvSpPr>
-            <a:spLocks noGrp="1"/>
-          </p:cNvSpPr>
-          <p:nvPr>
-            <p:ph idx="1"/>
-          </p:nvPr>
-        </p:nvSpPr>
-        <p:spPr>
-          <a:xfrm>
-            <a:off x="2391545" y="6300229"/>
-            <a:ext cx="4394447" cy="425003"/>
-          </a:xfrm>
-        </p:spPr>
-        <p:txBody>
-          <a:bodyPr>
-            <a:normAutofit fontScale="92500" lnSpcReduction="10000"/>
-          </a:bodyPr>
-          <a:lstStyle/>
-          <a:p>
-            <a:pPr marL="0" indent="0" algn="just">
-              <a:buNone/>
-            </a:pPr>
-            <a:r>
-              <a:rPr lang="en-US" sz="2400" dirty="0"/>
-              <a:t>5 Days Forecast with 3 hours Interval</a:t>
-            </a:r>
-          </a:p>
-        </p:txBody>
-      </p:sp>
-      <p:pic>
-        <p:nvPicPr>
-          <p:cNvPr id="8" name="Picture 7">
-            <a:extLst>
-              <a:ext uri="{FF2B5EF4-FFF2-40B4-BE49-F238E27FC236}">
-                <a16:creationId xmlns:a16="http://schemas.microsoft.com/office/drawing/2014/main" id="{C201A552-8E8E-4CB4-94FB-C56E5CA7A6C6}"/>
-              </a:ext>
-            </a:extLst>
-          </p:cNvPr>
-          <p:cNvPicPr>
-            <a:picLocks noChangeAspect="1"/>
-          </p:cNvPicPr>
-          <p:nvPr/>
-        </p:nvPicPr>
-        <p:blipFill>
-          <a:blip r:embed="rId2" cstate="print">
-            <a:extLst>
-              <a:ext uri="{28A0092B-C50C-407E-A947-70E740481C1C}">
-                <a14:useLocalDpi xmlns:a14="http://schemas.microsoft.com/office/drawing/2010/main" val="0"/>
-              </a:ext>
-            </a:extLst>
-          </a:blip>
-          <a:srcRect/>
-          <a:stretch>
-            <a:fillRect/>
-          </a:stretch>
-        </p:blipFill>
-        <p:spPr bwMode="auto">
-          <a:xfrm>
-            <a:off x="2971800" y="771992"/>
-            <a:ext cx="2924721" cy="5544403"/>
-          </a:xfrm>
-          <a:prstGeom prst="rect">
-            <a:avLst/>
-          </a:prstGeom>
-          <a:noFill/>
-          <a:ln>
-            <a:noFill/>
-          </a:ln>
-        </p:spPr>
-      </p:pic>
-    </p:spTree>
-    <p:extLst>
-      <p:ext uri="{BB962C8B-B14F-4D97-AF65-F5344CB8AC3E}">
-        <p14:creationId xmlns:p14="http://schemas.microsoft.com/office/powerpoint/2010/main" val="1341877122"/>
-      </p:ext>
-    </p:extLst>
-  </p:cSld>
-  <p:clrMapOvr>
-    <a:masterClrMapping/>
-  </p:clrMapOvr>
-  <p:timing>
-    <p:tnLst>
-      <p:par>
-        <p:cTn id="1" dur="indefinite" restart="never" nodeType="tmRoot">
-          <p:childTnLst>
-            <p:seq concurrent="1" nextAc="seek">
-              <p:cTn id="2" dur="indefinite" nodeType="mainSeq">
-                <p:childTnLst>
-                  <p:par>
-                    <p:cTn id="3" fill="hold">
-                      <p:stCondLst>
-                        <p:cond delay="indefinite"/>
-                      </p:stCondLst>
-                      <p:childTnLst>
-                        <p:par>
-                          <p:cTn id="4" fill="hold">
-                            <p:stCondLst>
-                              <p:cond delay="0"/>
-                            </p:stCondLst>
-                            <p:childTnLst>
-                              <p:par>
-                                <p:cTn id="5" presetID="30" presetClass="emph" presetSubtype="0" fill="hold" grpId="0" nodeType="clickEffect">
-                                  <p:stCondLst>
-                                    <p:cond delay="0"/>
-                                  </p:stCondLst>
-                                  <p:childTnLst>
-                                    <p:animClr clrSpc="hsl" dir="cw">
-                                      <p:cBhvr override="childStyle">
-                                        <p:cTn id="6" dur="500" fill="hold"/>
-                                        <p:tgtEl>
-                                          <p:spTgt spid="4">
-                                            <p:txEl>
-                                              <p:pRg st="0" end="0"/>
-                                            </p:txEl>
-                                          </p:spTgt>
-                                        </p:tgtEl>
-                                        <p:attrNameLst>
-                                          <p:attrName>style.color</p:attrName>
-                                        </p:attrNameLst>
-                                      </p:cBhvr>
-                                      <p:by>
-                                        <p:hsl h="0" s="12549" l="25098"/>
-                                      </p:by>
-                                    </p:animClr>
-                                    <p:animClr clrSpc="hsl" dir="cw">
-                                      <p:cBhvr>
-                                        <p:cTn id="7" dur="500" fill="hold"/>
-                                        <p:tgtEl>
-                                          <p:spTgt spid="4">
-                                            <p:txEl>
-                                              <p:pRg st="0" end="0"/>
-                                            </p:txEl>
-                                          </p:spTgt>
-                                        </p:tgtEl>
-                                        <p:attrNameLst>
-                                          <p:attrName>fillcolor</p:attrName>
-                                        </p:attrNameLst>
-                                      </p:cBhvr>
-                                      <p:by>
-                                        <p:hsl h="0" s="12549" l="25098"/>
-                                      </p:by>
-                                    </p:animClr>
-                                    <p:animClr clrSpc="hsl" dir="cw">
-                                      <p:cBhvr>
-                                        <p:cTn id="8" dur="500" fill="hold"/>
-                                        <p:tgtEl>
-                                          <p:spTgt spid="4">
-                                            <p:txEl>
-                                              <p:pRg st="0" end="0"/>
-                                            </p:txEl>
-                                          </p:spTgt>
-                                        </p:tgtEl>
-                                        <p:attrNameLst>
-                                          <p:attrName>stroke.color</p:attrName>
-                                        </p:attrNameLst>
-                                      </p:cBhvr>
-                                      <p:by>
-                                        <p:hsl h="0" s="12549" l="25098"/>
-                                      </p:by>
-                                    </p:animClr>
-                                    <p:set>
-                                      <p:cBhvr>
-                                        <p:cTn id="9" dur="500" fill="hold"/>
-                                        <p:tgtEl>
-                                          <p:spTgt spid="4">
-                                            <p:txEl>
-                                              <p:pRg st="0" end="0"/>
-                                            </p:txEl>
-                                          </p:spTgt>
-                                        </p:tgtEl>
-                                        <p:attrNameLst>
-                                          <p:attrName>fill.type</p:attrName>
-                                        </p:attrNameLst>
-                                      </p:cBhvr>
-                                      <p:to>
-                                        <p:strVal val="solid"/>
-                                      </p:to>
-                                    </p:set>
-                                  </p:childTnLst>
-                                </p:cTn>
-                              </p:par>
-                            </p:childTnLst>
-                          </p:cTn>
-                        </p:par>
-                      </p:childTnLst>
-                    </p:cTn>
-                  </p:par>
-                </p:childTnLst>
-              </p:cTn>
-              <p:prevCondLst>
-                <p:cond evt="onPrev" delay="0">
-                  <p:tgtEl>
-                    <p:sldTgt/>
-                  </p:tgtEl>
-                </p:cond>
-              </p:prevCondLst>
-              <p:nextCondLst>
-                <p:cond evt="onNext" delay="0">
-                  <p:tgtEl>
-                    <p:sldTgt/>
-                  </p:tgtEl>
-                </p:cond>
-              </p:nextCondLst>
-            </p:seq>
-          </p:childTnLst>
-        </p:cTn>
-      </p:par>
-    </p:tnLst>
-    <p:bldLst>
-      <p:bldP spid="4" grpId="0" build="p"/>
-    </p:bldLst>
-  </p:timing>
 </p:sld>
 </file>
 

--- a/Donate Us Files/food waste management.pptx
+++ b/Donate Us Files/food waste management.pptx
@@ -9,15 +9,19 @@
     <p:sldId id="257" r:id="rId3"/>
     <p:sldId id="272" r:id="rId4"/>
     <p:sldId id="275" r:id="rId5"/>
-    <p:sldId id="293" r:id="rId6"/>
-    <p:sldId id="269" r:id="rId7"/>
-    <p:sldId id="277" r:id="rId8"/>
-    <p:sldId id="279" r:id="rId9"/>
-    <p:sldId id="286" r:id="rId10"/>
-    <p:sldId id="292" r:id="rId11"/>
-    <p:sldId id="294" r:id="rId12"/>
-    <p:sldId id="291" r:id="rId13"/>
-    <p:sldId id="265" r:id="rId14"/>
+    <p:sldId id="269" r:id="rId6"/>
+    <p:sldId id="277" r:id="rId7"/>
+    <p:sldId id="296" r:id="rId8"/>
+    <p:sldId id="297" r:id="rId9"/>
+    <p:sldId id="298" r:id="rId10"/>
+    <p:sldId id="299" r:id="rId11"/>
+    <p:sldId id="279" r:id="rId12"/>
+    <p:sldId id="286" r:id="rId13"/>
+    <p:sldId id="292" r:id="rId14"/>
+    <p:sldId id="294" r:id="rId15"/>
+    <p:sldId id="295" r:id="rId16"/>
+    <p:sldId id="291" r:id="rId17"/>
+    <p:sldId id="265" r:id="rId18"/>
   </p:sldIdLst>
   <p:sldSz cx="9144000" cy="6858000" type="screen4x3"/>
   <p:notesSz cx="6858000" cy="9144000"/>
@@ -3099,7 +3103,7 @@
           <a:p>
             <a:fld id="{B36FC2EA-69B1-4914-8073-6B31831340D4}" type="datetimeFigureOut">
               <a:rPr lang="en-US" smtClean="0"/>
-              <a:t>3/21/2022</a:t>
+              <a:t>3/28/2022</a:t>
             </a:fld>
             <a:endParaRPr lang="en-US"/>
           </a:p>
@@ -3267,7 +3271,7 @@
           <a:p>
             <a:fld id="{B36FC2EA-69B1-4914-8073-6B31831340D4}" type="datetimeFigureOut">
               <a:rPr lang="en-US" smtClean="0"/>
-              <a:t>3/21/2022</a:t>
+              <a:t>3/28/2022</a:t>
             </a:fld>
             <a:endParaRPr lang="en-US"/>
           </a:p>
@@ -3445,7 +3449,7 @@
           <a:p>
             <a:fld id="{B36FC2EA-69B1-4914-8073-6B31831340D4}" type="datetimeFigureOut">
               <a:rPr lang="en-US" smtClean="0"/>
-              <a:t>3/21/2022</a:t>
+              <a:t>3/28/2022</a:t>
             </a:fld>
             <a:endParaRPr lang="en-US"/>
           </a:p>
@@ -3613,7 +3617,7 @@
           <a:p>
             <a:fld id="{B36FC2EA-69B1-4914-8073-6B31831340D4}" type="datetimeFigureOut">
               <a:rPr lang="en-US" smtClean="0"/>
-              <a:t>3/21/2022</a:t>
+              <a:t>3/28/2022</a:t>
             </a:fld>
             <a:endParaRPr lang="en-US"/>
           </a:p>
@@ -3858,7 +3862,7 @@
           <a:p>
             <a:fld id="{B36FC2EA-69B1-4914-8073-6B31831340D4}" type="datetimeFigureOut">
               <a:rPr lang="en-US" smtClean="0"/>
-              <a:t>3/21/2022</a:t>
+              <a:t>3/28/2022</a:t>
             </a:fld>
             <a:endParaRPr lang="en-US"/>
           </a:p>
@@ -4143,7 +4147,7 @@
           <a:p>
             <a:fld id="{B36FC2EA-69B1-4914-8073-6B31831340D4}" type="datetimeFigureOut">
               <a:rPr lang="en-US" smtClean="0"/>
-              <a:t>3/21/2022</a:t>
+              <a:t>3/28/2022</a:t>
             </a:fld>
             <a:endParaRPr lang="en-US"/>
           </a:p>
@@ -4562,7 +4566,7 @@
           <a:p>
             <a:fld id="{B36FC2EA-69B1-4914-8073-6B31831340D4}" type="datetimeFigureOut">
               <a:rPr lang="en-US" smtClean="0"/>
-              <a:t>3/21/2022</a:t>
+              <a:t>3/28/2022</a:t>
             </a:fld>
             <a:endParaRPr lang="en-US"/>
           </a:p>
@@ -4679,7 +4683,7 @@
           <a:p>
             <a:fld id="{B36FC2EA-69B1-4914-8073-6B31831340D4}" type="datetimeFigureOut">
               <a:rPr lang="en-US" smtClean="0"/>
-              <a:t>3/21/2022</a:t>
+              <a:t>3/28/2022</a:t>
             </a:fld>
             <a:endParaRPr lang="en-US"/>
           </a:p>
@@ -4774,7 +4778,7 @@
           <a:p>
             <a:fld id="{B36FC2EA-69B1-4914-8073-6B31831340D4}" type="datetimeFigureOut">
               <a:rPr lang="en-US" smtClean="0"/>
-              <a:t>3/21/2022</a:t>
+              <a:t>3/28/2022</a:t>
             </a:fld>
             <a:endParaRPr lang="en-US"/>
           </a:p>
@@ -5049,7 +5053,7 @@
           <a:p>
             <a:fld id="{B36FC2EA-69B1-4914-8073-6B31831340D4}" type="datetimeFigureOut">
               <a:rPr lang="en-US" smtClean="0"/>
-              <a:t>3/21/2022</a:t>
+              <a:t>3/28/2022</a:t>
             </a:fld>
             <a:endParaRPr lang="en-US"/>
           </a:p>
@@ -5301,7 +5305,7 @@
           <a:p>
             <a:fld id="{B36FC2EA-69B1-4914-8073-6B31831340D4}" type="datetimeFigureOut">
               <a:rPr lang="en-US" smtClean="0"/>
-              <a:t>3/21/2022</a:t>
+              <a:t>3/28/2022</a:t>
             </a:fld>
             <a:endParaRPr lang="en-US"/>
           </a:p>
@@ -5512,7 +5516,7 @@
           <a:p>
             <a:fld id="{B36FC2EA-69B1-4914-8073-6B31831340D4}" type="datetimeFigureOut">
               <a:rPr lang="en-US" smtClean="0"/>
-              <a:t>3/21/2022</a:t>
+              <a:t>3/28/2022</a:t>
             </a:fld>
             <a:endParaRPr lang="en-US"/>
           </a:p>
@@ -6700,10 +6704,10 @@
       </p:grpSpPr>
       <p:sp>
         <p:nvSpPr>
-          <p:cNvPr id="9" name="Title 1">
+          <p:cNvPr id="10" name="Title 1">
             <a:extLst>
               <a:ext uri="{FF2B5EF4-FFF2-40B4-BE49-F238E27FC236}">
-                <a16:creationId xmlns:a16="http://schemas.microsoft.com/office/drawing/2014/main" id="{4259F78E-A3BC-41E1-84AF-9A4101819AE8}"/>
+                <a16:creationId xmlns:a16="http://schemas.microsoft.com/office/drawing/2014/main" id="{6CE00460-5759-4F8E-B668-EA6426D85940}"/>
               </a:ext>
             </a:extLst>
           </p:cNvPr>
@@ -6716,50 +6720,49 @@
         </p:nvSpPr>
         <p:spPr>
           <a:xfrm>
-            <a:off x="596900" y="446088"/>
-            <a:ext cx="7950200" cy="533400"/>
+            <a:off x="609600" y="457200"/>
+            <a:ext cx="8229600" cy="792162"/>
           </a:xfrm>
         </p:spPr>
         <p:txBody>
-          <a:bodyPr rtlCol="0">
-            <a:normAutofit fontScale="90000"/>
+          <a:bodyPr>
+            <a:noAutofit/>
           </a:bodyPr>
           <a:lstStyle/>
           <a:p>
-            <a:pPr eaLnBrk="1" fontAlgn="auto" hangingPunct="1">
-              <a:spcAft>
-                <a:spcPts val="0"/>
-              </a:spcAft>
-              <a:defRPr/>
-            </a:pPr>
-            <a:r>
-              <a:rPr lang="en-US" sz="3600" dirty="0">
+            <a:r>
+              <a:rPr lang="en-US" sz="3200" dirty="0">
+                <a:effectLst/>
                 <a:latin typeface="Times New Roman" panose="02020603050405020304" pitchFamily="18" charset="0"/>
-                <a:cs typeface="Times New Roman" panose="02020603050405020304" pitchFamily="18" charset="0"/>
+                <a:ea typeface="Calibri" panose="020F0502020204030204" pitchFamily="34" charset="0"/>
               </a:rPr>
-              <a:t>Features (Continued)</a:t>
-            </a:r>
+              <a:t>Proposed Diagram</a:t>
+            </a:r>
+            <a:endParaRPr lang="en-US" sz="3200" dirty="0">
+              <a:latin typeface="Times New Roman" panose="02020603050405020304" pitchFamily="18" charset="0"/>
+              <a:cs typeface="Times New Roman" panose="02020603050405020304" pitchFamily="18" charset="0"/>
+            </a:endParaRPr>
           </a:p>
         </p:txBody>
       </p:sp>
       <p:sp>
         <p:nvSpPr>
-          <p:cNvPr id="10" name="TextBox 9">
+          <p:cNvPr id="2" name="Rectangle 2">
             <a:extLst>
               <a:ext uri="{FF2B5EF4-FFF2-40B4-BE49-F238E27FC236}">
-                <a16:creationId xmlns:a16="http://schemas.microsoft.com/office/drawing/2014/main" id="{BBE08B61-AB7A-4A64-8744-F284E5FCEE2F}"/>
+                <a16:creationId xmlns:a16="http://schemas.microsoft.com/office/drawing/2014/main" id="{44B4795C-F8CB-4CF1-BC00-6B6A2CD45827}"/>
               </a:ext>
             </a:extLst>
           </p:cNvPr>
-          <p:cNvSpPr txBox="1">
+          <p:cNvSpPr>
             <a:spLocks noChangeArrowheads="1"/>
           </p:cNvSpPr>
           <p:nvPr/>
         </p:nvSpPr>
         <p:spPr bwMode="auto">
           <a:xfrm>
-            <a:off x="1763713" y="5992813"/>
-            <a:ext cx="1897062" cy="338137"/>
+            <a:off x="1219200" y="1066800"/>
+            <a:ext cx="9144000" cy="457200"/>
           </a:xfrm>
           <a:prstGeom prst="rect">
             <a:avLst/>
@@ -6768,197 +6771,67 @@
           <a:ln>
             <a:noFill/>
           </a:ln>
+          <a:effectLst/>
           <a:extLst>
             <a:ext uri="{909E8E84-426E-40DD-AFC4-6F175D3DCCD1}">
               <a14:hiddenFill xmlns:a14="http://schemas.microsoft.com/office/drawing/2010/main">
                 <a:solidFill>
-                  <a:srgbClr val="FFFFFF"/>
+                  <a:schemeClr val="accent1"/>
                 </a:solidFill>
               </a14:hiddenFill>
             </a:ext>
             <a:ext uri="{91240B29-F687-4F45-9708-019B960494DF}">
               <a14:hiddenLine xmlns:a14="http://schemas.microsoft.com/office/drawing/2010/main" w="9525">
                 <a:solidFill>
-                  <a:srgbClr val="000000"/>
+                  <a:schemeClr val="tx1"/>
                 </a:solidFill>
                 <a:miter lim="800000"/>
                 <a:headEnd/>
                 <a:tailEnd/>
               </a14:hiddenLine>
             </a:ext>
+            <a:ext uri="{AF507438-7753-43E0-B8FC-AC1667EBCBE1}">
+              <a14:hiddenEffects xmlns:a14="http://schemas.microsoft.com/office/drawing/2010/main">
+                <a:effectLst>
+                  <a:outerShdw dist="35921" dir="2700000" algn="ctr" rotWithShape="0">
+                    <a:schemeClr val="bg2"/>
+                  </a:outerShdw>
+                </a:effectLst>
+              </a14:hiddenEffects>
+            </a:ext>
           </a:extLst>
         </p:spPr>
         <p:txBody>
-          <a:bodyPr wrap="none">
+          <a:bodyPr vert="horz" wrap="none" lIns="91440" tIns="45720" rIns="91440" bIns="45720" numCol="1" anchor="ctr" anchorCtr="0" compatLnSpc="1">
+            <a:prstTxWarp prst="textNoShape">
+              <a:avLst/>
+            </a:prstTxWarp>
             <a:spAutoFit/>
           </a:bodyPr>
-          <a:lstStyle>
-            <a:lvl1pPr>
-              <a:spcBef>
-                <a:spcPct val="20000"/>
-              </a:spcBef>
-              <a:buChar char="•"/>
-              <a:defRPr sz="3200">
-                <a:solidFill>
-                  <a:schemeClr val="tx1"/>
-                </a:solidFill>
-                <a:latin typeface="Arial" panose="020B0604020202020204" pitchFamily="34" charset="0"/>
-                <a:cs typeface="Arial" panose="020B0604020202020204" pitchFamily="34" charset="0"/>
-              </a:defRPr>
-            </a:lvl1pPr>
-            <a:lvl2pPr marL="742950" indent="-285750">
-              <a:spcBef>
-                <a:spcPct val="20000"/>
-              </a:spcBef>
-              <a:buChar char="–"/>
-              <a:defRPr sz="2800">
-                <a:solidFill>
-                  <a:schemeClr val="tx1"/>
-                </a:solidFill>
-                <a:latin typeface="Arial" panose="020B0604020202020204" pitchFamily="34" charset="0"/>
-                <a:cs typeface="Arial" panose="020B0604020202020204" pitchFamily="34" charset="0"/>
-              </a:defRPr>
-            </a:lvl2pPr>
-            <a:lvl3pPr marL="1143000" indent="-228600">
-              <a:spcBef>
-                <a:spcPct val="20000"/>
-              </a:spcBef>
-              <a:buChar char="•"/>
-              <a:defRPr sz="2400">
-                <a:solidFill>
-                  <a:schemeClr val="tx1"/>
-                </a:solidFill>
-                <a:latin typeface="Arial" panose="020B0604020202020204" pitchFamily="34" charset="0"/>
-                <a:cs typeface="Arial" panose="020B0604020202020204" pitchFamily="34" charset="0"/>
-              </a:defRPr>
-            </a:lvl3pPr>
-            <a:lvl4pPr marL="1600200" indent="-228600">
-              <a:spcBef>
-                <a:spcPct val="20000"/>
-              </a:spcBef>
-              <a:buChar char="–"/>
-              <a:defRPr sz="2000">
-                <a:solidFill>
-                  <a:schemeClr val="tx1"/>
-                </a:solidFill>
-                <a:latin typeface="Arial" panose="020B0604020202020204" pitchFamily="34" charset="0"/>
-                <a:cs typeface="Arial" panose="020B0604020202020204" pitchFamily="34" charset="0"/>
-              </a:defRPr>
-            </a:lvl4pPr>
-            <a:lvl5pPr marL="2057400" indent="-228600">
-              <a:spcBef>
-                <a:spcPct val="20000"/>
-              </a:spcBef>
-              <a:buChar char="»"/>
-              <a:defRPr sz="2000">
-                <a:solidFill>
-                  <a:schemeClr val="tx1"/>
-                </a:solidFill>
-                <a:latin typeface="Arial" panose="020B0604020202020204" pitchFamily="34" charset="0"/>
-                <a:cs typeface="Arial" panose="020B0604020202020204" pitchFamily="34" charset="0"/>
-              </a:defRPr>
-            </a:lvl5pPr>
-            <a:lvl6pPr marL="2514600" indent="-228600" eaLnBrk="0" fontAlgn="base" hangingPunct="0">
-              <a:spcBef>
-                <a:spcPct val="20000"/>
-              </a:spcBef>
-              <a:spcAft>
-                <a:spcPct val="0"/>
-              </a:spcAft>
-              <a:buChar char="»"/>
-              <a:defRPr sz="2000">
-                <a:solidFill>
-                  <a:schemeClr val="tx1"/>
-                </a:solidFill>
-                <a:latin typeface="Arial" panose="020B0604020202020204" pitchFamily="34" charset="0"/>
-                <a:cs typeface="Arial" panose="020B0604020202020204" pitchFamily="34" charset="0"/>
-              </a:defRPr>
-            </a:lvl6pPr>
-            <a:lvl7pPr marL="2971800" indent="-228600" eaLnBrk="0" fontAlgn="base" hangingPunct="0">
-              <a:spcBef>
-                <a:spcPct val="20000"/>
-              </a:spcBef>
-              <a:spcAft>
-                <a:spcPct val="0"/>
-              </a:spcAft>
-              <a:buChar char="»"/>
-              <a:defRPr sz="2000">
-                <a:solidFill>
-                  <a:schemeClr val="tx1"/>
-                </a:solidFill>
-                <a:latin typeface="Arial" panose="020B0604020202020204" pitchFamily="34" charset="0"/>
-                <a:cs typeface="Arial" panose="020B0604020202020204" pitchFamily="34" charset="0"/>
-              </a:defRPr>
-            </a:lvl7pPr>
-            <a:lvl8pPr marL="3429000" indent="-228600" eaLnBrk="0" fontAlgn="base" hangingPunct="0">
-              <a:spcBef>
-                <a:spcPct val="20000"/>
-              </a:spcBef>
-              <a:spcAft>
-                <a:spcPct val="0"/>
-              </a:spcAft>
-              <a:buChar char="»"/>
-              <a:defRPr sz="2000">
-                <a:solidFill>
-                  <a:schemeClr val="tx1"/>
-                </a:solidFill>
-                <a:latin typeface="Arial" panose="020B0604020202020204" pitchFamily="34" charset="0"/>
-                <a:cs typeface="Arial" panose="020B0604020202020204" pitchFamily="34" charset="0"/>
-              </a:defRPr>
-            </a:lvl8pPr>
-            <a:lvl9pPr marL="3886200" indent="-228600" eaLnBrk="0" fontAlgn="base" hangingPunct="0">
-              <a:spcBef>
-                <a:spcPct val="20000"/>
-              </a:spcBef>
-              <a:spcAft>
-                <a:spcPct val="0"/>
-              </a:spcAft>
-              <a:buChar char="»"/>
-              <a:defRPr sz="2000">
-                <a:solidFill>
-                  <a:schemeClr val="tx1"/>
-                </a:solidFill>
-                <a:latin typeface="Arial" panose="020B0604020202020204" pitchFamily="34" charset="0"/>
-                <a:cs typeface="Arial" panose="020B0604020202020204" pitchFamily="34" charset="0"/>
-              </a:defRPr>
-            </a:lvl9pPr>
-          </a:lstStyle>
-          <a:p>
-            <a:pPr eaLnBrk="1" hangingPunct="1">
-              <a:spcBef>
-                <a:spcPct val="0"/>
-              </a:spcBef>
-              <a:buFontTx/>
-              <a:buNone/>
-            </a:pPr>
-            <a:r>
-              <a:rPr lang="en-US" altLang="en-US" sz="1600">
-                <a:latin typeface="Times New Roman" panose="02020603050405020304" pitchFamily="18" charset="0"/>
-                <a:cs typeface="Times New Roman" panose="02020603050405020304" pitchFamily="18" charset="0"/>
-              </a:rPr>
-              <a:t>Figure: Donate Food</a:t>
-            </a:r>
+          <a:lstStyle/>
+          <a:p>
+            <a:endParaRPr lang="en-US"/>
           </a:p>
         </p:txBody>
       </p:sp>
       <p:sp>
         <p:nvSpPr>
-          <p:cNvPr id="11" name="TextBox 11">
+          <p:cNvPr id="3" name="Rectangle 3">
             <a:extLst>
               <a:ext uri="{FF2B5EF4-FFF2-40B4-BE49-F238E27FC236}">
-                <a16:creationId xmlns:a16="http://schemas.microsoft.com/office/drawing/2014/main" id="{167BB529-4F9C-4BDA-B06C-A753AF77BEDA}"/>
+                <a16:creationId xmlns:a16="http://schemas.microsoft.com/office/drawing/2014/main" id="{961481BF-3156-438B-B0A3-C138A1398446}"/>
               </a:ext>
             </a:extLst>
           </p:cNvPr>
-          <p:cNvSpPr txBox="1">
+          <p:cNvSpPr>
             <a:spLocks noChangeArrowheads="1"/>
           </p:cNvSpPr>
           <p:nvPr/>
         </p:nvSpPr>
         <p:spPr bwMode="auto">
           <a:xfrm>
-            <a:off x="5848350" y="5992813"/>
-            <a:ext cx="1392238" cy="338137"/>
+            <a:off x="380999" y="5606534"/>
+            <a:ext cx="8382000" cy="369332"/>
           </a:xfrm>
           <a:prstGeom prst="rect">
             <a:avLst/>
@@ -6967,185 +6840,251 @@
           <a:ln>
             <a:noFill/>
           </a:ln>
+          <a:effectLst/>
           <a:extLst>
             <a:ext uri="{909E8E84-426E-40DD-AFC4-6F175D3DCCD1}">
               <a14:hiddenFill xmlns:a14="http://schemas.microsoft.com/office/drawing/2010/main">
                 <a:solidFill>
-                  <a:srgbClr val="FFFFFF"/>
+                  <a:schemeClr val="accent1"/>
                 </a:solidFill>
               </a14:hiddenFill>
             </a:ext>
             <a:ext uri="{91240B29-F687-4F45-9708-019B960494DF}">
               <a14:hiddenLine xmlns:a14="http://schemas.microsoft.com/office/drawing/2010/main" w="9525">
                 <a:solidFill>
-                  <a:srgbClr val="000000"/>
+                  <a:schemeClr val="tx1"/>
                 </a:solidFill>
                 <a:miter lim="800000"/>
                 <a:headEnd/>
                 <a:tailEnd/>
               </a14:hiddenLine>
             </a:ext>
+            <a:ext uri="{AF507438-7753-43E0-B8FC-AC1667EBCBE1}">
+              <a14:hiddenEffects xmlns:a14="http://schemas.microsoft.com/office/drawing/2010/main">
+                <a:effectLst>
+                  <a:outerShdw dist="35921" dir="2700000" algn="ctr" rotWithShape="0">
+                    <a:schemeClr val="bg2"/>
+                  </a:outerShdw>
+                </a:effectLst>
+              </a14:hiddenEffects>
+            </a:ext>
           </a:extLst>
         </p:spPr>
         <p:txBody>
-          <a:bodyPr wrap="none">
+          <a:bodyPr vert="horz" wrap="square" lIns="91440" tIns="45720" rIns="91440" bIns="45720" numCol="1" anchor="ctr" anchorCtr="0" compatLnSpc="1">
+            <a:prstTxWarp prst="textNoShape">
+              <a:avLst/>
+            </a:prstTxWarp>
             <a:spAutoFit/>
           </a:bodyPr>
           <a:lstStyle>
-            <a:lvl1pPr>
+            <a:lvl1pPr eaLnBrk="0" fontAlgn="base" hangingPunct="0">
               <a:spcBef>
-                <a:spcPct val="20000"/>
-              </a:spcBef>
-              <a:buChar char="•"/>
-              <a:defRPr sz="3200">
-                <a:solidFill>
-                  <a:schemeClr val="tx1"/>
-                </a:solidFill>
-                <a:latin typeface="Arial" panose="020B0604020202020204" pitchFamily="34" charset="0"/>
-                <a:cs typeface="Arial" panose="020B0604020202020204" pitchFamily="34" charset="0"/>
-              </a:defRPr>
-            </a:lvl1pPr>
-            <a:lvl2pPr marL="742950" indent="-285750">
-              <a:spcBef>
-                <a:spcPct val="20000"/>
-              </a:spcBef>
-              <a:buChar char="–"/>
-              <a:defRPr sz="2800">
-                <a:solidFill>
-                  <a:schemeClr val="tx1"/>
-                </a:solidFill>
-                <a:latin typeface="Arial" panose="020B0604020202020204" pitchFamily="34" charset="0"/>
-                <a:cs typeface="Arial" panose="020B0604020202020204" pitchFamily="34" charset="0"/>
-              </a:defRPr>
-            </a:lvl2pPr>
-            <a:lvl3pPr marL="1143000" indent="-228600">
-              <a:spcBef>
-                <a:spcPct val="20000"/>
-              </a:spcBef>
-              <a:buChar char="•"/>
-              <a:defRPr sz="2400">
-                <a:solidFill>
-                  <a:schemeClr val="tx1"/>
-                </a:solidFill>
-                <a:latin typeface="Arial" panose="020B0604020202020204" pitchFamily="34" charset="0"/>
-                <a:cs typeface="Arial" panose="020B0604020202020204" pitchFamily="34" charset="0"/>
-              </a:defRPr>
-            </a:lvl3pPr>
-            <a:lvl4pPr marL="1600200" indent="-228600">
-              <a:spcBef>
-                <a:spcPct val="20000"/>
-              </a:spcBef>
-              <a:buChar char="–"/>
-              <a:defRPr sz="2000">
-                <a:solidFill>
-                  <a:schemeClr val="tx1"/>
-                </a:solidFill>
-                <a:latin typeface="Arial" panose="020B0604020202020204" pitchFamily="34" charset="0"/>
-                <a:cs typeface="Arial" panose="020B0604020202020204" pitchFamily="34" charset="0"/>
-              </a:defRPr>
-            </a:lvl4pPr>
-            <a:lvl5pPr marL="2057400" indent="-228600">
-              <a:spcBef>
-                <a:spcPct val="20000"/>
-              </a:spcBef>
-              <a:buChar char="»"/>
-              <a:defRPr sz="2000">
-                <a:solidFill>
-                  <a:schemeClr val="tx1"/>
-                </a:solidFill>
-                <a:latin typeface="Arial" panose="020B0604020202020204" pitchFamily="34" charset="0"/>
-                <a:cs typeface="Arial" panose="020B0604020202020204" pitchFamily="34" charset="0"/>
-              </a:defRPr>
-            </a:lvl5pPr>
-            <a:lvl6pPr marL="2514600" indent="-228600" eaLnBrk="0" fontAlgn="base" hangingPunct="0">
-              <a:spcBef>
-                <a:spcPct val="20000"/>
+                <a:spcPct val="0"/>
               </a:spcBef>
               <a:spcAft>
                 <a:spcPct val="0"/>
               </a:spcAft>
-              <a:buChar char="»"/>
-              <a:defRPr sz="2000">
+              <a:tabLst>
+                <a:tab pos="1371600" algn="l"/>
+              </a:tabLst>
+              <a:defRPr>
                 <a:solidFill>
                   <a:schemeClr val="tx1"/>
                 </a:solidFill>
                 <a:latin typeface="Arial" panose="020B0604020202020204" pitchFamily="34" charset="0"/>
-                <a:cs typeface="Arial" panose="020B0604020202020204" pitchFamily="34" charset="0"/>
               </a:defRPr>
-            </a:lvl6pPr>
-            <a:lvl7pPr marL="2971800" indent="-228600" eaLnBrk="0" fontAlgn="base" hangingPunct="0">
+            </a:lvl1pPr>
+            <a:lvl2pPr eaLnBrk="0" fontAlgn="base" hangingPunct="0">
               <a:spcBef>
-                <a:spcPct val="20000"/>
+                <a:spcPct val="0"/>
               </a:spcBef>
               <a:spcAft>
                 <a:spcPct val="0"/>
               </a:spcAft>
-              <a:buChar char="»"/>
-              <a:defRPr sz="2000">
+              <a:tabLst>
+                <a:tab pos="1371600" algn="l"/>
+              </a:tabLst>
+              <a:defRPr>
                 <a:solidFill>
                   <a:schemeClr val="tx1"/>
                 </a:solidFill>
                 <a:latin typeface="Arial" panose="020B0604020202020204" pitchFamily="34" charset="0"/>
-                <a:cs typeface="Arial" panose="020B0604020202020204" pitchFamily="34" charset="0"/>
               </a:defRPr>
-            </a:lvl7pPr>
-            <a:lvl8pPr marL="3429000" indent="-228600" eaLnBrk="0" fontAlgn="base" hangingPunct="0">
+            </a:lvl2pPr>
+            <a:lvl3pPr eaLnBrk="0" fontAlgn="base" hangingPunct="0">
               <a:spcBef>
-                <a:spcPct val="20000"/>
+                <a:spcPct val="0"/>
               </a:spcBef>
               <a:spcAft>
                 <a:spcPct val="0"/>
               </a:spcAft>
-              <a:buChar char="»"/>
-              <a:defRPr sz="2000">
+              <a:tabLst>
+                <a:tab pos="1371600" algn="l"/>
+              </a:tabLst>
+              <a:defRPr>
                 <a:solidFill>
                   <a:schemeClr val="tx1"/>
                 </a:solidFill>
                 <a:latin typeface="Arial" panose="020B0604020202020204" pitchFamily="34" charset="0"/>
-                <a:cs typeface="Arial" panose="020B0604020202020204" pitchFamily="34" charset="0"/>
               </a:defRPr>
-            </a:lvl8pPr>
-            <a:lvl9pPr marL="3886200" indent="-228600" eaLnBrk="0" fontAlgn="base" hangingPunct="0">
+            </a:lvl3pPr>
+            <a:lvl4pPr eaLnBrk="0" fontAlgn="base" hangingPunct="0">
               <a:spcBef>
-                <a:spcPct val="20000"/>
+                <a:spcPct val="0"/>
               </a:spcBef>
               <a:spcAft>
                 <a:spcPct val="0"/>
               </a:spcAft>
-              <a:buChar char="»"/>
-              <a:defRPr sz="2000">
+              <a:tabLst>
+                <a:tab pos="1371600" algn="l"/>
+              </a:tabLst>
+              <a:defRPr>
                 <a:solidFill>
                   <a:schemeClr val="tx1"/>
                 </a:solidFill>
                 <a:latin typeface="Arial" panose="020B0604020202020204" pitchFamily="34" charset="0"/>
-                <a:cs typeface="Arial" panose="020B0604020202020204" pitchFamily="34" charset="0"/>
+              </a:defRPr>
+            </a:lvl4pPr>
+            <a:lvl5pPr eaLnBrk="0" fontAlgn="base" hangingPunct="0">
+              <a:spcBef>
+                <a:spcPct val="0"/>
+              </a:spcBef>
+              <a:spcAft>
+                <a:spcPct val="0"/>
+              </a:spcAft>
+              <a:tabLst>
+                <a:tab pos="1371600" algn="l"/>
+              </a:tabLst>
+              <a:defRPr>
+                <a:solidFill>
+                  <a:schemeClr val="tx1"/>
+                </a:solidFill>
+                <a:latin typeface="Arial" panose="020B0604020202020204" pitchFamily="34" charset="0"/>
+              </a:defRPr>
+            </a:lvl5pPr>
+            <a:lvl6pPr eaLnBrk="0" fontAlgn="base" hangingPunct="0">
+              <a:spcBef>
+                <a:spcPct val="0"/>
+              </a:spcBef>
+              <a:spcAft>
+                <a:spcPct val="0"/>
+              </a:spcAft>
+              <a:tabLst>
+                <a:tab pos="1371600" algn="l"/>
+              </a:tabLst>
+              <a:defRPr>
+                <a:solidFill>
+                  <a:schemeClr val="tx1"/>
+                </a:solidFill>
+                <a:latin typeface="Arial" panose="020B0604020202020204" pitchFamily="34" charset="0"/>
+              </a:defRPr>
+            </a:lvl6pPr>
+            <a:lvl7pPr eaLnBrk="0" fontAlgn="base" hangingPunct="0">
+              <a:spcBef>
+                <a:spcPct val="0"/>
+              </a:spcBef>
+              <a:spcAft>
+                <a:spcPct val="0"/>
+              </a:spcAft>
+              <a:tabLst>
+                <a:tab pos="1371600" algn="l"/>
+              </a:tabLst>
+              <a:defRPr>
+                <a:solidFill>
+                  <a:schemeClr val="tx1"/>
+                </a:solidFill>
+                <a:latin typeface="Arial" panose="020B0604020202020204" pitchFamily="34" charset="0"/>
+              </a:defRPr>
+            </a:lvl7pPr>
+            <a:lvl8pPr eaLnBrk="0" fontAlgn="base" hangingPunct="0">
+              <a:spcBef>
+                <a:spcPct val="0"/>
+              </a:spcBef>
+              <a:spcAft>
+                <a:spcPct val="0"/>
+              </a:spcAft>
+              <a:tabLst>
+                <a:tab pos="1371600" algn="l"/>
+              </a:tabLst>
+              <a:defRPr>
+                <a:solidFill>
+                  <a:schemeClr val="tx1"/>
+                </a:solidFill>
+                <a:latin typeface="Arial" panose="020B0604020202020204" pitchFamily="34" charset="0"/>
+              </a:defRPr>
+            </a:lvl8pPr>
+            <a:lvl9pPr eaLnBrk="0" fontAlgn="base" hangingPunct="0">
+              <a:spcBef>
+                <a:spcPct val="0"/>
+              </a:spcBef>
+              <a:spcAft>
+                <a:spcPct val="0"/>
+              </a:spcAft>
+              <a:tabLst>
+                <a:tab pos="1371600" algn="l"/>
+              </a:tabLst>
+              <a:defRPr>
+                <a:solidFill>
+                  <a:schemeClr val="tx1"/>
+                </a:solidFill>
+                <a:latin typeface="Arial" panose="020B0604020202020204" pitchFamily="34" charset="0"/>
               </a:defRPr>
             </a:lvl9pPr>
           </a:lstStyle>
           <a:p>
-            <a:pPr eaLnBrk="1" hangingPunct="1">
+            <a:pPr marL="0" marR="0" lvl="0" indent="0" algn="ctr" defTabSz="914400" rtl="0" eaLnBrk="0" fontAlgn="base" latinLnBrk="0" hangingPunct="0">
+              <a:lnSpc>
+                <a:spcPct val="100000"/>
+              </a:lnSpc>
               <a:spcBef>
                 <a:spcPct val="0"/>
               </a:spcBef>
+              <a:spcAft>
+                <a:spcPct val="0"/>
+              </a:spcAft>
+              <a:buClrTx/>
+              <a:buSzTx/>
               <a:buFontTx/>
               <a:buNone/>
+              <a:tabLst>
+                <a:tab pos="1371600" algn="l"/>
+              </a:tabLst>
             </a:pPr>
             <a:r>
-              <a:rPr lang="en-US" altLang="en-US" sz="1600">
+              <a:rPr kumimoji="0" lang="en-US" altLang="en-US" b="0" i="0" u="none" strike="noStrike" cap="none" normalizeH="0" baseline="0" dirty="0">
+                <a:ln>
+                  <a:noFill/>
+                </a:ln>
+                <a:solidFill>
+                  <a:schemeClr val="tx1"/>
+                </a:solidFill>
+                <a:effectLst/>
                 <a:latin typeface="Times New Roman" panose="02020603050405020304" pitchFamily="18" charset="0"/>
+                <a:ea typeface="Calibri" panose="020F0502020204030204" pitchFamily="34" charset="0"/>
                 <a:cs typeface="Times New Roman" panose="02020603050405020304" pitchFamily="18" charset="0"/>
               </a:rPr>
-              <a:t>Figure: Profile</a:t>
-            </a:r>
+              <a:t>Figure: Proposed Diagram</a:t>
+            </a:r>
+            <a:endParaRPr kumimoji="0" lang="en-US" altLang="en-US" b="0" i="0" u="none" strike="noStrike" cap="none" normalizeH="0" baseline="0" dirty="0">
+              <a:ln>
+                <a:noFill/>
+              </a:ln>
+              <a:solidFill>
+                <a:schemeClr val="tx1"/>
+              </a:solidFill>
+              <a:effectLst/>
+              <a:latin typeface="Arial" panose="020B0604020202020204" pitchFamily="34" charset="0"/>
+            </a:endParaRPr>
           </a:p>
         </p:txBody>
       </p:sp>
       <p:pic>
         <p:nvPicPr>
-          <p:cNvPr id="12" name="Picture 11">
+          <p:cNvPr id="6" name="Picture 5">
             <a:extLst>
               <a:ext uri="{FF2B5EF4-FFF2-40B4-BE49-F238E27FC236}">
-                <a16:creationId xmlns:a16="http://schemas.microsoft.com/office/drawing/2014/main" id="{C83CD07E-4A5A-4B22-9BA2-19AFBDCB40EB}"/>
+                <a16:creationId xmlns:a16="http://schemas.microsoft.com/office/drawing/2014/main" id="{5B1613AD-B4C6-4C53-B0A4-71910AD78304}"/>
               </a:ext>
             </a:extLst>
           </p:cNvPr>
@@ -7155,75 +7094,36 @@
           <p:nvPr/>
         </p:nvPicPr>
         <p:blipFill>
-          <a:blip r:embed="rId2"/>
+          <a:blip r:embed="rId2">
+            <a:extLst>
+              <a:ext uri="{28A0092B-C50C-407E-A947-70E740481C1C}">
+                <a14:useLocalDpi xmlns:a14="http://schemas.microsoft.com/office/drawing/2010/main" val="0"/>
+              </a:ext>
+            </a:extLst>
+          </a:blip>
+          <a:srcRect/>
           <a:stretch>
             <a:fillRect/>
           </a:stretch>
         </p:blipFill>
-        <p:spPr>
+        <p:spPr bwMode="auto">
           <a:xfrm>
-            <a:off x="1763713" y="1628775"/>
-            <a:ext cx="2097087" cy="4219575"/>
+            <a:off x="1050765" y="1338686"/>
+            <a:ext cx="7042468" cy="4093671"/>
           </a:xfrm>
           <a:prstGeom prst="rect">
             <a:avLst/>
           </a:prstGeom>
+          <a:noFill/>
           <a:ln>
             <a:noFill/>
           </a:ln>
-          <a:effectLst>
-            <a:outerShdw blurRad="190500" algn="tl" rotWithShape="0">
-              <a:srgbClr val="000000">
-                <a:alpha val="70000"/>
-              </a:srgbClr>
-            </a:outerShdw>
-          </a:effectLst>
-        </p:spPr>
-      </p:pic>
-      <p:pic>
-        <p:nvPicPr>
-          <p:cNvPr id="13" name="Picture 12">
-            <a:extLst>
-              <a:ext uri="{FF2B5EF4-FFF2-40B4-BE49-F238E27FC236}">
-                <a16:creationId xmlns:a16="http://schemas.microsoft.com/office/drawing/2014/main" id="{64B51E4F-3542-407C-8381-563493A954A9}"/>
-              </a:ext>
-            </a:extLst>
-          </p:cNvPr>
-          <p:cNvPicPr>
-            <a:picLocks noChangeAspect="1"/>
-          </p:cNvPicPr>
-          <p:nvPr/>
-        </p:nvPicPr>
-        <p:blipFill>
-          <a:blip r:embed="rId3"/>
-          <a:stretch>
-            <a:fillRect/>
-          </a:stretch>
-        </p:blipFill>
-        <p:spPr>
-          <a:xfrm>
-            <a:off x="5505450" y="1628775"/>
-            <a:ext cx="2097088" cy="4219575"/>
-          </a:xfrm>
-          <a:prstGeom prst="rect">
-            <a:avLst/>
-          </a:prstGeom>
-          <a:ln>
-            <a:noFill/>
-          </a:ln>
-          <a:effectLst>
-            <a:outerShdw blurRad="190500" algn="tl" rotWithShape="0">
-              <a:srgbClr val="000000">
-                <a:alpha val="70000"/>
-              </a:srgbClr>
-            </a:outerShdw>
-          </a:effectLst>
         </p:spPr>
       </p:pic>
     </p:spTree>
     <p:extLst>
       <p:ext uri="{BB962C8B-B14F-4D97-AF65-F5344CB8AC3E}">
-        <p14:creationId xmlns:p14="http://schemas.microsoft.com/office/powerpoint/2010/main" val="1341877122"/>
+        <p14:creationId xmlns:p14="http://schemas.microsoft.com/office/powerpoint/2010/main" val="466546721"/>
       </p:ext>
     </p:extLst>
   </p:cSld>
@@ -7234,2297 +7134,6 @@
 </file>
 
 <file path=ppt/slides/slide11.xml><?xml version="1.0" encoding="utf-8"?>
-<p:sld xmlns:a="http://schemas.openxmlformats.org/drawingml/2006/main" xmlns:r="http://schemas.openxmlformats.org/officeDocument/2006/relationships" xmlns:p="http://schemas.openxmlformats.org/presentationml/2006/main">
-  <p:cSld>
-    <p:spTree>
-      <p:nvGrpSpPr>
-        <p:cNvPr id="1" name=""/>
-        <p:cNvGrpSpPr/>
-        <p:nvPr/>
-      </p:nvGrpSpPr>
-      <p:grpSpPr>
-        <a:xfrm>
-          <a:off x="0" y="0"/>
-          <a:ext cx="0" cy="0"/>
-          <a:chOff x="0" y="0"/>
-          <a:chExt cx="0" cy="0"/>
-        </a:xfrm>
-      </p:grpSpPr>
-      <p:sp>
-        <p:nvSpPr>
-          <p:cNvPr id="4" name="Title 1">
-            <a:extLst>
-              <a:ext uri="{FF2B5EF4-FFF2-40B4-BE49-F238E27FC236}">
-                <a16:creationId xmlns:a16="http://schemas.microsoft.com/office/drawing/2014/main" id="{3C781828-6F18-4BDC-B830-E70437793F7C}"/>
-              </a:ext>
-            </a:extLst>
-          </p:cNvPr>
-          <p:cNvSpPr txBox="1">
-            <a:spLocks/>
-          </p:cNvSpPr>
-          <p:nvPr/>
-        </p:nvSpPr>
-        <p:spPr>
-          <a:xfrm>
-            <a:off x="485633" y="240519"/>
-            <a:ext cx="7950200" cy="533400"/>
-          </a:xfrm>
-          <a:prstGeom prst="rect">
-            <a:avLst/>
-          </a:prstGeom>
-        </p:spPr>
-        <p:txBody>
-          <a:bodyPr vert="horz" lIns="91440" tIns="45720" rIns="91440" bIns="45720" rtlCol="0" anchor="ctr">
-            <a:normAutofit fontScale="90000" lnSpcReduction="10000"/>
-          </a:bodyPr>
-          <a:lstStyle>
-            <a:lvl1pPr algn="ctr" defTabSz="914400" rtl="0" eaLnBrk="1" latinLnBrk="0" hangingPunct="1">
-              <a:spcBef>
-                <a:spcPct val="0"/>
-              </a:spcBef>
-              <a:buNone/>
-              <a:defRPr sz="4400" kern="1200">
-                <a:solidFill>
-                  <a:schemeClr val="tx1"/>
-                </a:solidFill>
-                <a:latin typeface="+mj-lt"/>
-                <a:ea typeface="+mj-ea"/>
-                <a:cs typeface="+mj-cs"/>
-              </a:defRPr>
-            </a:lvl1pPr>
-          </a:lstStyle>
-          <a:p>
-            <a:pPr>
-              <a:defRPr/>
-            </a:pPr>
-            <a:r>
-              <a:rPr lang="en-US" sz="3600">
-                <a:latin typeface="Times New Roman" panose="02020603050405020304" pitchFamily="18" charset="0"/>
-                <a:cs typeface="Times New Roman" panose="02020603050405020304" pitchFamily="18" charset="0"/>
-              </a:rPr>
-              <a:t>Features (Continued)</a:t>
-            </a:r>
-            <a:endParaRPr lang="en-US" sz="3600" dirty="0">
-              <a:latin typeface="Times New Roman" panose="02020603050405020304" pitchFamily="18" charset="0"/>
-              <a:cs typeface="Times New Roman" panose="02020603050405020304" pitchFamily="18" charset="0"/>
-            </a:endParaRPr>
-          </a:p>
-        </p:txBody>
-      </p:sp>
-      <p:sp>
-        <p:nvSpPr>
-          <p:cNvPr id="5" name="TextBox 4">
-            <a:extLst>
-              <a:ext uri="{FF2B5EF4-FFF2-40B4-BE49-F238E27FC236}">
-                <a16:creationId xmlns:a16="http://schemas.microsoft.com/office/drawing/2014/main" id="{A9185B58-5C7C-413B-98F3-E99F1A08938B}"/>
-              </a:ext>
-            </a:extLst>
-          </p:cNvPr>
-          <p:cNvSpPr txBox="1">
-            <a:spLocks noChangeArrowheads="1"/>
-          </p:cNvSpPr>
-          <p:nvPr/>
-        </p:nvSpPr>
-        <p:spPr bwMode="auto">
-          <a:xfrm>
-            <a:off x="1509797" y="5787837"/>
-            <a:ext cx="2382383" cy="338554"/>
-          </a:xfrm>
-          <a:prstGeom prst="rect">
-            <a:avLst/>
-          </a:prstGeom>
-          <a:noFill/>
-          <a:ln>
-            <a:noFill/>
-          </a:ln>
-          <a:extLst>
-            <a:ext uri="{909E8E84-426E-40DD-AFC4-6F175D3DCCD1}">
-              <a14:hiddenFill xmlns:a14="http://schemas.microsoft.com/office/drawing/2010/main">
-                <a:solidFill>
-                  <a:srgbClr val="FFFFFF"/>
-                </a:solidFill>
-              </a14:hiddenFill>
-            </a:ext>
-            <a:ext uri="{91240B29-F687-4F45-9708-019B960494DF}">
-              <a14:hiddenLine xmlns:a14="http://schemas.microsoft.com/office/drawing/2010/main" w="9525">
-                <a:solidFill>
-                  <a:srgbClr val="000000"/>
-                </a:solidFill>
-                <a:miter lim="800000"/>
-                <a:headEnd/>
-                <a:tailEnd/>
-              </a14:hiddenLine>
-            </a:ext>
-          </a:extLst>
-        </p:spPr>
-        <p:txBody>
-          <a:bodyPr wrap="none">
-            <a:spAutoFit/>
-          </a:bodyPr>
-          <a:lstStyle>
-            <a:lvl1pPr>
-              <a:spcBef>
-                <a:spcPct val="20000"/>
-              </a:spcBef>
-              <a:buChar char="•"/>
-              <a:defRPr sz="3200">
-                <a:solidFill>
-                  <a:schemeClr val="tx1"/>
-                </a:solidFill>
-                <a:latin typeface="Arial" panose="020B0604020202020204" pitchFamily="34" charset="0"/>
-                <a:cs typeface="Arial" panose="020B0604020202020204" pitchFamily="34" charset="0"/>
-              </a:defRPr>
-            </a:lvl1pPr>
-            <a:lvl2pPr marL="742950" indent="-285750">
-              <a:spcBef>
-                <a:spcPct val="20000"/>
-              </a:spcBef>
-              <a:buChar char="–"/>
-              <a:defRPr sz="2800">
-                <a:solidFill>
-                  <a:schemeClr val="tx1"/>
-                </a:solidFill>
-                <a:latin typeface="Arial" panose="020B0604020202020204" pitchFamily="34" charset="0"/>
-                <a:cs typeface="Arial" panose="020B0604020202020204" pitchFamily="34" charset="0"/>
-              </a:defRPr>
-            </a:lvl2pPr>
-            <a:lvl3pPr marL="1143000" indent="-228600">
-              <a:spcBef>
-                <a:spcPct val="20000"/>
-              </a:spcBef>
-              <a:buChar char="•"/>
-              <a:defRPr sz="2400">
-                <a:solidFill>
-                  <a:schemeClr val="tx1"/>
-                </a:solidFill>
-                <a:latin typeface="Arial" panose="020B0604020202020204" pitchFamily="34" charset="0"/>
-                <a:cs typeface="Arial" panose="020B0604020202020204" pitchFamily="34" charset="0"/>
-              </a:defRPr>
-            </a:lvl3pPr>
-            <a:lvl4pPr marL="1600200" indent="-228600">
-              <a:spcBef>
-                <a:spcPct val="20000"/>
-              </a:spcBef>
-              <a:buChar char="–"/>
-              <a:defRPr sz="2000">
-                <a:solidFill>
-                  <a:schemeClr val="tx1"/>
-                </a:solidFill>
-                <a:latin typeface="Arial" panose="020B0604020202020204" pitchFamily="34" charset="0"/>
-                <a:cs typeface="Arial" panose="020B0604020202020204" pitchFamily="34" charset="0"/>
-              </a:defRPr>
-            </a:lvl4pPr>
-            <a:lvl5pPr marL="2057400" indent="-228600">
-              <a:spcBef>
-                <a:spcPct val="20000"/>
-              </a:spcBef>
-              <a:buChar char="»"/>
-              <a:defRPr sz="2000">
-                <a:solidFill>
-                  <a:schemeClr val="tx1"/>
-                </a:solidFill>
-                <a:latin typeface="Arial" panose="020B0604020202020204" pitchFamily="34" charset="0"/>
-                <a:cs typeface="Arial" panose="020B0604020202020204" pitchFamily="34" charset="0"/>
-              </a:defRPr>
-            </a:lvl5pPr>
-            <a:lvl6pPr marL="2514600" indent="-228600" eaLnBrk="0" fontAlgn="base" hangingPunct="0">
-              <a:spcBef>
-                <a:spcPct val="20000"/>
-              </a:spcBef>
-              <a:spcAft>
-                <a:spcPct val="0"/>
-              </a:spcAft>
-              <a:buChar char="»"/>
-              <a:defRPr sz="2000">
-                <a:solidFill>
-                  <a:schemeClr val="tx1"/>
-                </a:solidFill>
-                <a:latin typeface="Arial" panose="020B0604020202020204" pitchFamily="34" charset="0"/>
-                <a:cs typeface="Arial" panose="020B0604020202020204" pitchFamily="34" charset="0"/>
-              </a:defRPr>
-            </a:lvl6pPr>
-            <a:lvl7pPr marL="2971800" indent="-228600" eaLnBrk="0" fontAlgn="base" hangingPunct="0">
-              <a:spcBef>
-                <a:spcPct val="20000"/>
-              </a:spcBef>
-              <a:spcAft>
-                <a:spcPct val="0"/>
-              </a:spcAft>
-              <a:buChar char="»"/>
-              <a:defRPr sz="2000">
-                <a:solidFill>
-                  <a:schemeClr val="tx1"/>
-                </a:solidFill>
-                <a:latin typeface="Arial" panose="020B0604020202020204" pitchFamily="34" charset="0"/>
-                <a:cs typeface="Arial" panose="020B0604020202020204" pitchFamily="34" charset="0"/>
-              </a:defRPr>
-            </a:lvl7pPr>
-            <a:lvl8pPr marL="3429000" indent="-228600" eaLnBrk="0" fontAlgn="base" hangingPunct="0">
-              <a:spcBef>
-                <a:spcPct val="20000"/>
-              </a:spcBef>
-              <a:spcAft>
-                <a:spcPct val="0"/>
-              </a:spcAft>
-              <a:buChar char="»"/>
-              <a:defRPr sz="2000">
-                <a:solidFill>
-                  <a:schemeClr val="tx1"/>
-                </a:solidFill>
-                <a:latin typeface="Arial" panose="020B0604020202020204" pitchFamily="34" charset="0"/>
-                <a:cs typeface="Arial" panose="020B0604020202020204" pitchFamily="34" charset="0"/>
-              </a:defRPr>
-            </a:lvl8pPr>
-            <a:lvl9pPr marL="3886200" indent="-228600" eaLnBrk="0" fontAlgn="base" hangingPunct="0">
-              <a:spcBef>
-                <a:spcPct val="20000"/>
-              </a:spcBef>
-              <a:spcAft>
-                <a:spcPct val="0"/>
-              </a:spcAft>
-              <a:buChar char="»"/>
-              <a:defRPr sz="2000">
-                <a:solidFill>
-                  <a:schemeClr val="tx1"/>
-                </a:solidFill>
-                <a:latin typeface="Arial" panose="020B0604020202020204" pitchFamily="34" charset="0"/>
-                <a:cs typeface="Arial" panose="020B0604020202020204" pitchFamily="34" charset="0"/>
-              </a:defRPr>
-            </a:lvl9pPr>
-          </a:lstStyle>
-          <a:p>
-            <a:pPr eaLnBrk="1" hangingPunct="1">
-              <a:spcBef>
-                <a:spcPct val="0"/>
-              </a:spcBef>
-              <a:buFontTx/>
-              <a:buNone/>
-            </a:pPr>
-            <a:r>
-              <a:rPr lang="en-US" altLang="en-US" sz="1600" dirty="0">
-                <a:latin typeface="Times New Roman" panose="02020603050405020304" pitchFamily="18" charset="0"/>
-                <a:cs typeface="Times New Roman" panose="02020603050405020304" pitchFamily="18" charset="0"/>
-              </a:rPr>
-              <a:t>Figure: Pending Food Post</a:t>
-            </a:r>
-          </a:p>
-        </p:txBody>
-      </p:sp>
-      <p:sp>
-        <p:nvSpPr>
-          <p:cNvPr id="6" name="TextBox 11">
-            <a:extLst>
-              <a:ext uri="{FF2B5EF4-FFF2-40B4-BE49-F238E27FC236}">
-                <a16:creationId xmlns:a16="http://schemas.microsoft.com/office/drawing/2014/main" id="{41B8ED07-5A5B-4A26-BD01-A98B16B760F2}"/>
-              </a:ext>
-            </a:extLst>
-          </p:cNvPr>
-          <p:cNvSpPr txBox="1">
-            <a:spLocks noChangeArrowheads="1"/>
-          </p:cNvSpPr>
-          <p:nvPr/>
-        </p:nvSpPr>
-        <p:spPr bwMode="auto">
-          <a:xfrm>
-            <a:off x="5049294" y="5787837"/>
-            <a:ext cx="2092239" cy="338554"/>
-          </a:xfrm>
-          <a:prstGeom prst="rect">
-            <a:avLst/>
-          </a:prstGeom>
-          <a:noFill/>
-          <a:ln>
-            <a:noFill/>
-          </a:ln>
-          <a:extLst>
-            <a:ext uri="{909E8E84-426E-40DD-AFC4-6F175D3DCCD1}">
-              <a14:hiddenFill xmlns:a14="http://schemas.microsoft.com/office/drawing/2010/main">
-                <a:solidFill>
-                  <a:srgbClr val="FFFFFF"/>
-                </a:solidFill>
-              </a14:hiddenFill>
-            </a:ext>
-            <a:ext uri="{91240B29-F687-4F45-9708-019B960494DF}">
-              <a14:hiddenLine xmlns:a14="http://schemas.microsoft.com/office/drawing/2010/main" w="9525">
-                <a:solidFill>
-                  <a:srgbClr val="000000"/>
-                </a:solidFill>
-                <a:miter lim="800000"/>
-                <a:headEnd/>
-                <a:tailEnd/>
-              </a14:hiddenLine>
-            </a:ext>
-          </a:extLst>
-        </p:spPr>
-        <p:txBody>
-          <a:bodyPr wrap="none">
-            <a:spAutoFit/>
-          </a:bodyPr>
-          <a:lstStyle>
-            <a:lvl1pPr>
-              <a:spcBef>
-                <a:spcPct val="20000"/>
-              </a:spcBef>
-              <a:buChar char="•"/>
-              <a:defRPr sz="3200">
-                <a:solidFill>
-                  <a:schemeClr val="tx1"/>
-                </a:solidFill>
-                <a:latin typeface="Arial" panose="020B0604020202020204" pitchFamily="34" charset="0"/>
-                <a:cs typeface="Arial" panose="020B0604020202020204" pitchFamily="34" charset="0"/>
-              </a:defRPr>
-            </a:lvl1pPr>
-            <a:lvl2pPr marL="742950" indent="-285750">
-              <a:spcBef>
-                <a:spcPct val="20000"/>
-              </a:spcBef>
-              <a:buChar char="–"/>
-              <a:defRPr sz="2800">
-                <a:solidFill>
-                  <a:schemeClr val="tx1"/>
-                </a:solidFill>
-                <a:latin typeface="Arial" panose="020B0604020202020204" pitchFamily="34" charset="0"/>
-                <a:cs typeface="Arial" panose="020B0604020202020204" pitchFamily="34" charset="0"/>
-              </a:defRPr>
-            </a:lvl2pPr>
-            <a:lvl3pPr marL="1143000" indent="-228600">
-              <a:spcBef>
-                <a:spcPct val="20000"/>
-              </a:spcBef>
-              <a:buChar char="•"/>
-              <a:defRPr sz="2400">
-                <a:solidFill>
-                  <a:schemeClr val="tx1"/>
-                </a:solidFill>
-                <a:latin typeface="Arial" panose="020B0604020202020204" pitchFamily="34" charset="0"/>
-                <a:cs typeface="Arial" panose="020B0604020202020204" pitchFamily="34" charset="0"/>
-              </a:defRPr>
-            </a:lvl3pPr>
-            <a:lvl4pPr marL="1600200" indent="-228600">
-              <a:spcBef>
-                <a:spcPct val="20000"/>
-              </a:spcBef>
-              <a:buChar char="–"/>
-              <a:defRPr sz="2000">
-                <a:solidFill>
-                  <a:schemeClr val="tx1"/>
-                </a:solidFill>
-                <a:latin typeface="Arial" panose="020B0604020202020204" pitchFamily="34" charset="0"/>
-                <a:cs typeface="Arial" panose="020B0604020202020204" pitchFamily="34" charset="0"/>
-              </a:defRPr>
-            </a:lvl4pPr>
-            <a:lvl5pPr marL="2057400" indent="-228600">
-              <a:spcBef>
-                <a:spcPct val="20000"/>
-              </a:spcBef>
-              <a:buChar char="»"/>
-              <a:defRPr sz="2000">
-                <a:solidFill>
-                  <a:schemeClr val="tx1"/>
-                </a:solidFill>
-                <a:latin typeface="Arial" panose="020B0604020202020204" pitchFamily="34" charset="0"/>
-                <a:cs typeface="Arial" panose="020B0604020202020204" pitchFamily="34" charset="0"/>
-              </a:defRPr>
-            </a:lvl5pPr>
-            <a:lvl6pPr marL="2514600" indent="-228600" eaLnBrk="0" fontAlgn="base" hangingPunct="0">
-              <a:spcBef>
-                <a:spcPct val="20000"/>
-              </a:spcBef>
-              <a:spcAft>
-                <a:spcPct val="0"/>
-              </a:spcAft>
-              <a:buChar char="»"/>
-              <a:defRPr sz="2000">
-                <a:solidFill>
-                  <a:schemeClr val="tx1"/>
-                </a:solidFill>
-                <a:latin typeface="Arial" panose="020B0604020202020204" pitchFamily="34" charset="0"/>
-                <a:cs typeface="Arial" panose="020B0604020202020204" pitchFamily="34" charset="0"/>
-              </a:defRPr>
-            </a:lvl6pPr>
-            <a:lvl7pPr marL="2971800" indent="-228600" eaLnBrk="0" fontAlgn="base" hangingPunct="0">
-              <a:spcBef>
-                <a:spcPct val="20000"/>
-              </a:spcBef>
-              <a:spcAft>
-                <a:spcPct val="0"/>
-              </a:spcAft>
-              <a:buChar char="»"/>
-              <a:defRPr sz="2000">
-                <a:solidFill>
-                  <a:schemeClr val="tx1"/>
-                </a:solidFill>
-                <a:latin typeface="Arial" panose="020B0604020202020204" pitchFamily="34" charset="0"/>
-                <a:cs typeface="Arial" panose="020B0604020202020204" pitchFamily="34" charset="0"/>
-              </a:defRPr>
-            </a:lvl7pPr>
-            <a:lvl8pPr marL="3429000" indent="-228600" eaLnBrk="0" fontAlgn="base" hangingPunct="0">
-              <a:spcBef>
-                <a:spcPct val="20000"/>
-              </a:spcBef>
-              <a:spcAft>
-                <a:spcPct val="0"/>
-              </a:spcAft>
-              <a:buChar char="»"/>
-              <a:defRPr sz="2000">
-                <a:solidFill>
-                  <a:schemeClr val="tx1"/>
-                </a:solidFill>
-                <a:latin typeface="Arial" panose="020B0604020202020204" pitchFamily="34" charset="0"/>
-                <a:cs typeface="Arial" panose="020B0604020202020204" pitchFamily="34" charset="0"/>
-              </a:defRPr>
-            </a:lvl8pPr>
-            <a:lvl9pPr marL="3886200" indent="-228600" eaLnBrk="0" fontAlgn="base" hangingPunct="0">
-              <a:spcBef>
-                <a:spcPct val="20000"/>
-              </a:spcBef>
-              <a:spcAft>
-                <a:spcPct val="0"/>
-              </a:spcAft>
-              <a:buChar char="»"/>
-              <a:defRPr sz="2000">
-                <a:solidFill>
-                  <a:schemeClr val="tx1"/>
-                </a:solidFill>
-                <a:latin typeface="Arial" panose="020B0604020202020204" pitchFamily="34" charset="0"/>
-                <a:cs typeface="Arial" panose="020B0604020202020204" pitchFamily="34" charset="0"/>
-              </a:defRPr>
-            </a:lvl9pPr>
-          </a:lstStyle>
-          <a:p>
-            <a:pPr eaLnBrk="1" hangingPunct="1">
-              <a:spcBef>
-                <a:spcPct val="0"/>
-              </a:spcBef>
-              <a:buFontTx/>
-              <a:buNone/>
-            </a:pPr>
-            <a:r>
-              <a:rPr lang="en-US" altLang="en-US" sz="1600" dirty="0">
-                <a:latin typeface="Times New Roman" panose="02020603050405020304" pitchFamily="18" charset="0"/>
-                <a:cs typeface="Times New Roman" panose="02020603050405020304" pitchFamily="18" charset="0"/>
-              </a:rPr>
-              <a:t>Figure: Collected Food</a:t>
-            </a:r>
-          </a:p>
-        </p:txBody>
-      </p:sp>
-      <p:pic>
-        <p:nvPicPr>
-          <p:cNvPr id="10" name="Picture 9">
-            <a:extLst>
-              <a:ext uri="{FF2B5EF4-FFF2-40B4-BE49-F238E27FC236}">
-                <a16:creationId xmlns:a16="http://schemas.microsoft.com/office/drawing/2014/main" id="{A9AEFD3B-A15F-4820-84F0-B0D9566EFB95}"/>
-              </a:ext>
-            </a:extLst>
-          </p:cNvPr>
-          <p:cNvPicPr>
-            <a:picLocks noChangeAspect="1"/>
-          </p:cNvPicPr>
-          <p:nvPr/>
-        </p:nvPicPr>
-        <p:blipFill>
-          <a:blip r:embed="rId2" cstate="print">
-            <a:extLst>
-              <a:ext uri="{28A0092B-C50C-407E-A947-70E740481C1C}">
-                <a14:useLocalDpi xmlns:a14="http://schemas.microsoft.com/office/drawing/2010/main" val="0"/>
-              </a:ext>
-            </a:extLst>
-          </a:blip>
-          <a:stretch>
-            <a:fillRect/>
-          </a:stretch>
-        </p:blipFill>
-        <p:spPr>
-          <a:xfrm>
-            <a:off x="5032234" y="1423206"/>
-            <a:ext cx="2097087" cy="4219575"/>
-          </a:xfrm>
-          <a:prstGeom prst="rect">
-            <a:avLst/>
-          </a:prstGeom>
-          <a:ln>
-            <a:noFill/>
-          </a:ln>
-          <a:effectLst>
-            <a:outerShdw blurRad="190500" algn="tl" rotWithShape="0">
-              <a:srgbClr val="000000">
-                <a:alpha val="70000"/>
-              </a:srgbClr>
-            </a:outerShdw>
-          </a:effectLst>
-        </p:spPr>
-      </p:pic>
-      <p:pic>
-        <p:nvPicPr>
-          <p:cNvPr id="12" name="Picture 11">
-            <a:extLst>
-              <a:ext uri="{FF2B5EF4-FFF2-40B4-BE49-F238E27FC236}">
-                <a16:creationId xmlns:a16="http://schemas.microsoft.com/office/drawing/2014/main" id="{A6D65515-EF5F-4462-A9A5-B4E1103E6FF3}"/>
-              </a:ext>
-            </a:extLst>
-          </p:cNvPr>
-          <p:cNvPicPr>
-            <a:picLocks noChangeAspect="1"/>
-          </p:cNvPicPr>
-          <p:nvPr/>
-        </p:nvPicPr>
-        <p:blipFill>
-          <a:blip r:embed="rId3" cstate="print">
-            <a:extLst>
-              <a:ext uri="{28A0092B-C50C-407E-A947-70E740481C1C}">
-                <a14:useLocalDpi xmlns:a14="http://schemas.microsoft.com/office/drawing/2010/main" val="0"/>
-              </a:ext>
-            </a:extLst>
-          </a:blip>
-          <a:stretch>
-            <a:fillRect/>
-          </a:stretch>
-        </p:blipFill>
-        <p:spPr>
-          <a:xfrm>
-            <a:off x="1672287" y="1421997"/>
-            <a:ext cx="2097087" cy="4191214"/>
-          </a:xfrm>
-          <a:prstGeom prst="rect">
-            <a:avLst/>
-          </a:prstGeom>
-          <a:ln>
-            <a:noFill/>
-          </a:ln>
-          <a:effectLst>
-            <a:outerShdw blurRad="190500" algn="tl" rotWithShape="0">
-              <a:srgbClr val="000000">
-                <a:alpha val="70000"/>
-              </a:srgbClr>
-            </a:outerShdw>
-          </a:effectLst>
-        </p:spPr>
-      </p:pic>
-    </p:spTree>
-    <p:extLst>
-      <p:ext uri="{BB962C8B-B14F-4D97-AF65-F5344CB8AC3E}">
-        <p14:creationId xmlns:p14="http://schemas.microsoft.com/office/powerpoint/2010/main" val="3010976986"/>
-      </p:ext>
-    </p:extLst>
-  </p:cSld>
-  <p:clrMapOvr>
-    <a:masterClrMapping/>
-  </p:clrMapOvr>
-</p:sld>
-</file>
-
-<file path=ppt/slides/slide12.xml><?xml version="1.0" encoding="utf-8"?>
-<p:sld xmlns:a="http://schemas.openxmlformats.org/drawingml/2006/main" xmlns:r="http://schemas.openxmlformats.org/officeDocument/2006/relationships" xmlns:p="http://schemas.openxmlformats.org/presentationml/2006/main">
-  <p:cSld>
-    <p:spTree>
-      <p:nvGrpSpPr>
-        <p:cNvPr id="1" name=""/>
-        <p:cNvGrpSpPr/>
-        <p:nvPr/>
-      </p:nvGrpSpPr>
-      <p:grpSpPr>
-        <a:xfrm>
-          <a:off x="0" y="0"/>
-          <a:ext cx="0" cy="0"/>
-          <a:chOff x="0" y="0"/>
-          <a:chExt cx="0" cy="0"/>
-        </a:xfrm>
-      </p:grpSpPr>
-      <p:sp>
-        <p:nvSpPr>
-          <p:cNvPr id="2" name="Title 1"/>
-          <p:cNvSpPr>
-            <a:spLocks noGrp="1"/>
-          </p:cNvSpPr>
-          <p:nvPr>
-            <p:ph type="title"/>
-          </p:nvPr>
-        </p:nvSpPr>
-        <p:spPr>
-          <a:xfrm>
-            <a:off x="457200" y="304800"/>
-            <a:ext cx="8229600" cy="1143000"/>
-          </a:xfrm>
-        </p:spPr>
-        <p:txBody>
-          <a:bodyPr/>
-          <a:lstStyle/>
-          <a:p>
-            <a:r>
-              <a:rPr lang="en-US" sz="4000" dirty="0">
-                <a:latin typeface="Times New Roman" panose="02020603050405020304" pitchFamily="18" charset="0"/>
-                <a:cs typeface="Times New Roman" panose="02020603050405020304" pitchFamily="18" charset="0"/>
-              </a:rPr>
-              <a:t>Conclus</a:t>
-            </a:r>
-            <a:r>
-              <a:rPr lang="en-US" dirty="0">
-                <a:latin typeface="Times New Roman" panose="02020603050405020304" pitchFamily="18" charset="0"/>
-                <a:cs typeface="Times New Roman" panose="02020603050405020304" pitchFamily="18" charset="0"/>
-              </a:rPr>
-              <a:t>ion</a:t>
-            </a:r>
-          </a:p>
-        </p:txBody>
-      </p:sp>
-      <p:sp>
-        <p:nvSpPr>
-          <p:cNvPr id="3" name="Content Placeholder 2"/>
-          <p:cNvSpPr>
-            <a:spLocks noGrp="1"/>
-          </p:cNvSpPr>
-          <p:nvPr>
-            <p:ph idx="1"/>
-          </p:nvPr>
-        </p:nvSpPr>
-        <p:spPr>
-          <a:xfrm>
-            <a:off x="571500" y="1447800"/>
-            <a:ext cx="8001000" cy="4191000"/>
-          </a:xfrm>
-        </p:spPr>
-        <p:txBody>
-          <a:bodyPr>
-            <a:noAutofit/>
-          </a:bodyPr>
-          <a:lstStyle/>
-          <a:p>
-            <a:pPr marL="0" indent="0" algn="just">
-              <a:lnSpc>
-                <a:spcPct val="150000"/>
-              </a:lnSpc>
-              <a:spcBef>
-                <a:spcPts val="0"/>
-              </a:spcBef>
-              <a:buNone/>
-              <a:tabLst>
-                <a:tab pos="5257800" algn="l"/>
-              </a:tabLst>
-            </a:pPr>
-            <a:r>
-              <a:rPr lang="en-US" altLang="en-US" sz="1800" dirty="0">
-                <a:latin typeface="Times New Roman" panose="02020603050405020304" pitchFamily="18" charset="0"/>
-                <a:cs typeface="Times New Roman" panose="02020603050405020304" pitchFamily="18" charset="0"/>
-              </a:rPr>
-              <a:t>If we want to compete with the world, we have to improve our abilities and contribute to digitalize and improve our society. For this very reason, we chose to develop this project which will help a lot of people.</a:t>
-            </a:r>
-            <a:endParaRPr lang="en-US" sz="1800" b="0" i="0" u="none" strike="noStrike" baseline="0" dirty="0">
-              <a:solidFill>
-                <a:srgbClr val="000000"/>
-              </a:solidFill>
-              <a:latin typeface="Times New Roman" panose="02020603050405020304" pitchFamily="18" charset="0"/>
-            </a:endParaRPr>
-          </a:p>
-          <a:p>
-            <a:pPr marL="0" marR="0" indent="0" algn="just">
-              <a:lnSpc>
-                <a:spcPct val="150000"/>
-              </a:lnSpc>
-              <a:spcBef>
-                <a:spcPts val="0"/>
-              </a:spcBef>
-              <a:spcAft>
-                <a:spcPts val="0"/>
-              </a:spcAft>
-              <a:buNone/>
-              <a:tabLst>
-                <a:tab pos="5257800" algn="l"/>
-              </a:tabLst>
-            </a:pPr>
-            <a:r>
-              <a:rPr lang="en-US" sz="1800" b="0" i="0" u="none" strike="noStrike" baseline="0" dirty="0">
-                <a:solidFill>
-                  <a:srgbClr val="000000"/>
-                </a:solidFill>
-                <a:latin typeface="Times New Roman" panose="02020603050405020304" pitchFamily="18" charset="0"/>
-              </a:rPr>
-              <a:t>The objective of this project was to implement approaches to waste management in the foodservice industry with the aim to identify innovations and to discuss their implications for food waste management. A key finding is that many companies are not actively innovating in the waste domain. They are however increasingly aware of the economic and social importance of food waste management. As the study shows, there are only a few low- or zero-waste restaurants. This application consequently provides agents to deliver food to poor, approach to waste issues pertaining to food service firms.</a:t>
-            </a:r>
-            <a:endParaRPr lang="en-US" sz="2000" dirty="0">
-              <a:effectLst/>
-              <a:latin typeface="Times New Roman" panose="02020603050405020304" pitchFamily="18" charset="0"/>
-              <a:ea typeface="Times New Roman" panose="02020603050405020304" pitchFamily="18" charset="0"/>
-            </a:endParaRPr>
-          </a:p>
-        </p:txBody>
-      </p:sp>
-    </p:spTree>
-    <p:extLst>
-      <p:ext uri="{BB962C8B-B14F-4D97-AF65-F5344CB8AC3E}">
-        <p14:creationId xmlns:p14="http://schemas.microsoft.com/office/powerpoint/2010/main" val="1236775969"/>
-      </p:ext>
-    </p:extLst>
-  </p:cSld>
-  <p:clrMapOvr>
-    <a:masterClrMapping/>
-  </p:clrMapOvr>
-</p:sld>
-</file>
-
-<file path=ppt/slides/slide13.xml><?xml version="1.0" encoding="utf-8"?>
-<p:sld xmlns:a="http://schemas.openxmlformats.org/drawingml/2006/main" xmlns:r="http://schemas.openxmlformats.org/officeDocument/2006/relationships" xmlns:p="http://schemas.openxmlformats.org/presentationml/2006/main">
-  <p:cSld>
-    <p:spTree>
-      <p:nvGrpSpPr>
-        <p:cNvPr id="1" name=""/>
-        <p:cNvGrpSpPr/>
-        <p:nvPr/>
-      </p:nvGrpSpPr>
-      <p:grpSpPr>
-        <a:xfrm>
-          <a:off x="0" y="0"/>
-          <a:ext cx="0" cy="0"/>
-          <a:chOff x="0" y="0"/>
-          <a:chExt cx="0" cy="0"/>
-        </a:xfrm>
-      </p:grpSpPr>
-      <p:sp>
-        <p:nvSpPr>
-          <p:cNvPr id="2" name="Title 1"/>
-          <p:cNvSpPr>
-            <a:spLocks noGrp="1"/>
-          </p:cNvSpPr>
-          <p:nvPr>
-            <p:ph type="title"/>
-          </p:nvPr>
-        </p:nvSpPr>
-        <p:spPr>
-          <a:xfrm>
-            <a:off x="457200" y="2286000"/>
-            <a:ext cx="8229600" cy="1143000"/>
-          </a:xfrm>
-        </p:spPr>
-        <p:txBody>
-          <a:bodyPr>
-            <a:noAutofit/>
-          </a:bodyPr>
-          <a:lstStyle/>
-          <a:p>
-            <a:r>
-              <a:rPr lang="en-US" sz="8000" dirty="0"/>
-              <a:t>Thank you</a:t>
-            </a:r>
-          </a:p>
-        </p:txBody>
-      </p:sp>
-    </p:spTree>
-  </p:cSld>
-  <p:clrMapOvr>
-    <a:masterClrMapping/>
-  </p:clrMapOvr>
-  <p:timing>
-    <p:tnLst>
-      <p:par>
-        <p:cTn id="1" dur="indefinite" restart="never" nodeType="tmRoot">
-          <p:childTnLst>
-            <p:seq concurrent="1" nextAc="seek">
-              <p:cTn id="2" dur="indefinite" nodeType="mainSeq">
-                <p:childTnLst>
-                  <p:par>
-                    <p:cTn id="3" fill="hold">
-                      <p:stCondLst>
-                        <p:cond delay="indefinite"/>
-                      </p:stCondLst>
-                      <p:childTnLst>
-                        <p:par>
-                          <p:cTn id="4" fill="hold">
-                            <p:stCondLst>
-                              <p:cond delay="0"/>
-                            </p:stCondLst>
-                            <p:childTnLst>
-                              <p:par>
-                                <p:cTn id="5" presetID="42" presetClass="entr" presetSubtype="0" fill="hold" grpId="0" nodeType="clickEffect">
-                                  <p:stCondLst>
-                                    <p:cond delay="0"/>
-                                  </p:stCondLst>
-                                  <p:childTnLst>
-                                    <p:set>
-                                      <p:cBhvr>
-                                        <p:cTn id="6" dur="1" fill="hold">
-                                          <p:stCondLst>
-                                            <p:cond delay="0"/>
-                                          </p:stCondLst>
-                                        </p:cTn>
-                                        <p:tgtEl>
-                                          <p:spTgt spid="2"/>
-                                        </p:tgtEl>
-                                        <p:attrNameLst>
-                                          <p:attrName>style.visibility</p:attrName>
-                                        </p:attrNameLst>
-                                      </p:cBhvr>
-                                      <p:to>
-                                        <p:strVal val="visible"/>
-                                      </p:to>
-                                    </p:set>
-                                    <p:animEffect transition="in" filter="fade">
-                                      <p:cBhvr>
-                                        <p:cTn id="7" dur="1000"/>
-                                        <p:tgtEl>
-                                          <p:spTgt spid="2"/>
-                                        </p:tgtEl>
-                                      </p:cBhvr>
-                                    </p:animEffect>
-                                    <p:anim calcmode="lin" valueType="num">
-                                      <p:cBhvr>
-                                        <p:cTn id="8" dur="1000" fill="hold"/>
-                                        <p:tgtEl>
-                                          <p:spTgt spid="2"/>
-                                        </p:tgtEl>
-                                        <p:attrNameLst>
-                                          <p:attrName>ppt_x</p:attrName>
-                                        </p:attrNameLst>
-                                      </p:cBhvr>
-                                      <p:tavLst>
-                                        <p:tav tm="0">
-                                          <p:val>
-                                            <p:strVal val="#ppt_x"/>
-                                          </p:val>
-                                        </p:tav>
-                                        <p:tav tm="100000">
-                                          <p:val>
-                                            <p:strVal val="#ppt_x"/>
-                                          </p:val>
-                                        </p:tav>
-                                      </p:tavLst>
-                                    </p:anim>
-                                    <p:anim calcmode="lin" valueType="num">
-                                      <p:cBhvr>
-                                        <p:cTn id="9" dur="1000" fill="hold"/>
-                                        <p:tgtEl>
-                                          <p:spTgt spid="2"/>
-                                        </p:tgtEl>
-                                        <p:attrNameLst>
-                                          <p:attrName>ppt_y</p:attrName>
-                                        </p:attrNameLst>
-                                      </p:cBhvr>
-                                      <p:tavLst>
-                                        <p:tav tm="0">
-                                          <p:val>
-                                            <p:strVal val="#ppt_y+.1"/>
-                                          </p:val>
-                                        </p:tav>
-                                        <p:tav tm="100000">
-                                          <p:val>
-                                            <p:strVal val="#ppt_y"/>
-                                          </p:val>
-                                        </p:tav>
-                                      </p:tavLst>
-                                    </p:anim>
-                                  </p:childTnLst>
-                                </p:cTn>
-                              </p:par>
-                            </p:childTnLst>
-                          </p:cTn>
-                        </p:par>
-                      </p:childTnLst>
-                    </p:cTn>
-                  </p:par>
-                </p:childTnLst>
-              </p:cTn>
-              <p:prevCondLst>
-                <p:cond evt="onPrev" delay="0">
-                  <p:tgtEl>
-                    <p:sldTgt/>
-                  </p:tgtEl>
-                </p:cond>
-              </p:prevCondLst>
-              <p:nextCondLst>
-                <p:cond evt="onNext" delay="0">
-                  <p:tgtEl>
-                    <p:sldTgt/>
-                  </p:tgtEl>
-                </p:cond>
-              </p:nextCondLst>
-            </p:seq>
-          </p:childTnLst>
-        </p:cTn>
-      </p:par>
-    </p:tnLst>
-    <p:bldLst>
-      <p:bldP spid="2" grpId="0"/>
-    </p:bldLst>
-  </p:timing>
-</p:sld>
-</file>
-
-<file path=ppt/slides/slide2.xml><?xml version="1.0" encoding="utf-8"?>
-<p:sld xmlns:a="http://schemas.openxmlformats.org/drawingml/2006/main" xmlns:r="http://schemas.openxmlformats.org/officeDocument/2006/relationships" xmlns:p="http://schemas.openxmlformats.org/presentationml/2006/main">
-  <p:cSld>
-    <p:spTree>
-      <p:nvGrpSpPr>
-        <p:cNvPr id="1" name=""/>
-        <p:cNvGrpSpPr/>
-        <p:nvPr/>
-      </p:nvGrpSpPr>
-      <p:grpSpPr>
-        <a:xfrm>
-          <a:off x="0" y="0"/>
-          <a:ext cx="0" cy="0"/>
-          <a:chOff x="0" y="0"/>
-          <a:chExt cx="0" cy="0"/>
-        </a:xfrm>
-      </p:grpSpPr>
-      <p:sp>
-        <p:nvSpPr>
-          <p:cNvPr id="2" name="Title 1"/>
-          <p:cNvSpPr>
-            <a:spLocks noGrp="1"/>
-          </p:cNvSpPr>
-          <p:nvPr>
-            <p:ph type="title"/>
-          </p:nvPr>
-        </p:nvSpPr>
-        <p:spPr>
-          <a:xfrm>
-            <a:off x="457200" y="260991"/>
-            <a:ext cx="8229600" cy="1143000"/>
-          </a:xfrm>
-        </p:spPr>
-        <p:txBody>
-          <a:bodyPr/>
-          <a:lstStyle/>
-          <a:p>
-            <a:r>
-              <a:rPr lang="en-US" dirty="0">
-                <a:latin typeface="Times New Roman" panose="02020603050405020304" pitchFamily="18" charset="0"/>
-                <a:cs typeface="Times New Roman" panose="02020603050405020304" pitchFamily="18" charset="0"/>
-              </a:rPr>
-              <a:t>Outline</a:t>
-            </a:r>
-          </a:p>
-        </p:txBody>
-      </p:sp>
-      <p:sp>
-        <p:nvSpPr>
-          <p:cNvPr id="3" name="Content Placeholder 2"/>
-          <p:cNvSpPr>
-            <a:spLocks noGrp="1"/>
-          </p:cNvSpPr>
-          <p:nvPr>
-            <p:ph idx="1"/>
-          </p:nvPr>
-        </p:nvSpPr>
-        <p:spPr>
-          <a:xfrm>
-            <a:off x="3028666" y="1752600"/>
-            <a:ext cx="6096000" cy="4722172"/>
-          </a:xfrm>
-        </p:spPr>
-        <p:txBody>
-          <a:bodyPr>
-            <a:normAutofit/>
-          </a:bodyPr>
-          <a:lstStyle/>
-          <a:p>
-            <a:r>
-              <a:rPr lang="en-US" altLang="en-US" sz="2400" dirty="0">
-                <a:latin typeface="Times New Roman" panose="02020603050405020304" pitchFamily="18" charset="0"/>
-                <a:cs typeface="Times New Roman" panose="02020603050405020304" pitchFamily="18" charset="0"/>
-              </a:rPr>
-              <a:t>Introduction</a:t>
-            </a:r>
-          </a:p>
-          <a:p>
-            <a:r>
-              <a:rPr lang="en-US" altLang="en-US" sz="2400" dirty="0">
-                <a:latin typeface="Times New Roman" panose="02020603050405020304" pitchFamily="18" charset="0"/>
-                <a:cs typeface="Times New Roman" panose="02020603050405020304" pitchFamily="18" charset="0"/>
-              </a:rPr>
-              <a:t>Motivation</a:t>
-            </a:r>
-          </a:p>
-          <a:p>
-            <a:r>
-              <a:rPr lang="en-US" altLang="en-US" sz="2400" dirty="0">
-                <a:latin typeface="Times New Roman" panose="02020603050405020304" pitchFamily="18" charset="0"/>
-                <a:cs typeface="Times New Roman" panose="02020603050405020304" pitchFamily="18" charset="0"/>
-              </a:rPr>
-              <a:t>Objectives</a:t>
-            </a:r>
-          </a:p>
-          <a:p>
-            <a:r>
-              <a:rPr lang="en-US" altLang="en-US" sz="2400" dirty="0">
-                <a:latin typeface="Times New Roman" panose="02020603050405020304" pitchFamily="18" charset="0"/>
-                <a:cs typeface="Times New Roman" panose="02020603050405020304" pitchFamily="18" charset="0"/>
-              </a:rPr>
-              <a:t>Features</a:t>
-            </a:r>
-          </a:p>
-          <a:p>
-            <a:r>
-              <a:rPr lang="en-US" altLang="en-US" sz="2400" dirty="0">
-                <a:latin typeface="Times New Roman" panose="02020603050405020304" pitchFamily="18" charset="0"/>
-                <a:cs typeface="Times New Roman" panose="02020603050405020304" pitchFamily="18" charset="0"/>
-              </a:rPr>
-              <a:t>Conclusion</a:t>
-            </a:r>
-            <a:endParaRPr lang="en-US" sz="2400" dirty="0"/>
-          </a:p>
-          <a:p>
-            <a:pPr>
-              <a:buNone/>
-            </a:pPr>
-            <a:endParaRPr lang="en-US" sz="2400" dirty="0">
-              <a:latin typeface="+mj-lt"/>
-            </a:endParaRPr>
-          </a:p>
-        </p:txBody>
-      </p:sp>
-    </p:spTree>
-  </p:cSld>
-  <p:clrMapOvr>
-    <a:masterClrMapping/>
-  </p:clrMapOvr>
-  <mc:AlternateContent xmlns:mc="http://schemas.openxmlformats.org/markup-compatibility/2006" xmlns:p14="http://schemas.microsoft.com/office/powerpoint/2010/main">
-    <mc:Choice Requires="p14">
-      <p:transition p14:dur="10"/>
-    </mc:Choice>
-    <mc:Fallback xmlns="">
-      <p:transition/>
-    </mc:Fallback>
-  </mc:AlternateContent>
-</p:sld>
-</file>
-
-<file path=ppt/slides/slide3.xml><?xml version="1.0" encoding="utf-8"?>
-<p:sld xmlns:a="http://schemas.openxmlformats.org/drawingml/2006/main" xmlns:r="http://schemas.openxmlformats.org/officeDocument/2006/relationships" xmlns:p="http://schemas.openxmlformats.org/presentationml/2006/main">
-  <p:cSld>
-    <p:spTree>
-      <p:nvGrpSpPr>
-        <p:cNvPr id="1" name=""/>
-        <p:cNvGrpSpPr/>
-        <p:nvPr/>
-      </p:nvGrpSpPr>
-      <p:grpSpPr>
-        <a:xfrm>
-          <a:off x="0" y="0"/>
-          <a:ext cx="0" cy="0"/>
-          <a:chOff x="0" y="0"/>
-          <a:chExt cx="0" cy="0"/>
-        </a:xfrm>
-      </p:grpSpPr>
-      <p:sp>
-        <p:nvSpPr>
-          <p:cNvPr id="2" name="Title 1"/>
-          <p:cNvSpPr>
-            <a:spLocks noGrp="1"/>
-          </p:cNvSpPr>
-          <p:nvPr>
-            <p:ph type="title"/>
-          </p:nvPr>
-        </p:nvSpPr>
-        <p:spPr>
-          <a:xfrm>
-            <a:off x="457200" y="533400"/>
-            <a:ext cx="8229600" cy="838200"/>
-          </a:xfrm>
-        </p:spPr>
-        <p:txBody>
-          <a:bodyPr>
-            <a:normAutofit/>
-          </a:bodyPr>
-          <a:lstStyle/>
-          <a:p>
-            <a:r>
-              <a:rPr lang="en-US" dirty="0">
-                <a:latin typeface="Times New Roman" panose="02020603050405020304" pitchFamily="18" charset="0"/>
-                <a:cs typeface="Times New Roman" panose="02020603050405020304" pitchFamily="18" charset="0"/>
-              </a:rPr>
-              <a:t>Introduction</a:t>
-            </a:r>
-            <a:endParaRPr lang="en-US" sz="3600" dirty="0">
-              <a:latin typeface="Times New Roman" panose="02020603050405020304" pitchFamily="18" charset="0"/>
-              <a:cs typeface="Times New Roman" panose="02020603050405020304" pitchFamily="18" charset="0"/>
-            </a:endParaRPr>
-          </a:p>
-        </p:txBody>
-      </p:sp>
-      <p:sp>
-        <p:nvSpPr>
-          <p:cNvPr id="3" name="Content Placeholder 2"/>
-          <p:cNvSpPr>
-            <a:spLocks noGrp="1"/>
-          </p:cNvSpPr>
-          <p:nvPr>
-            <p:ph idx="1"/>
-          </p:nvPr>
-        </p:nvSpPr>
-        <p:spPr>
-          <a:xfrm>
-            <a:off x="914400" y="2590800"/>
-            <a:ext cx="7543800" cy="3124200"/>
-          </a:xfrm>
-        </p:spPr>
-        <p:txBody>
-          <a:bodyPr>
-            <a:noAutofit/>
-          </a:bodyPr>
-          <a:lstStyle/>
-          <a:p>
-            <a:pPr marL="0" indent="0" algn="just">
-              <a:buNone/>
-            </a:pPr>
-            <a:r>
-              <a:rPr lang="en-US" altLang="en-US" sz="2000" dirty="0">
-                <a:latin typeface="Times New Roman" panose="02020603050405020304" pitchFamily="18" charset="0"/>
-                <a:ea typeface="MS Mincho" panose="02020609040205080304" pitchFamily="49" charset="-128"/>
-                <a:cs typeface="Times New Roman" panose="02020603050405020304" pitchFamily="18" charset="0"/>
-              </a:rPr>
-              <a:t>Food Waste Management is an online software system of donating food to the foodless people around the country.</a:t>
-            </a:r>
-            <a:endParaRPr lang="en-GB" altLang="en-US" sz="2000" dirty="0">
-              <a:latin typeface="Times New Roman" panose="02020603050405020304" pitchFamily="18" charset="0"/>
-              <a:ea typeface="MS Mincho" panose="02020609040205080304" pitchFamily="49" charset="-128"/>
-              <a:cs typeface="Times New Roman" panose="02020603050405020304" pitchFamily="18" charset="0"/>
-            </a:endParaRPr>
-          </a:p>
-        </p:txBody>
-      </p:sp>
-    </p:spTree>
-    <p:extLst>
-      <p:ext uri="{BB962C8B-B14F-4D97-AF65-F5344CB8AC3E}">
-        <p14:creationId xmlns:p14="http://schemas.microsoft.com/office/powerpoint/2010/main" val="2665907703"/>
-      </p:ext>
-    </p:extLst>
-  </p:cSld>
-  <p:clrMapOvr>
-    <a:masterClrMapping/>
-  </p:clrMapOvr>
-  <mc:AlternateContent xmlns:mc="http://schemas.openxmlformats.org/markup-compatibility/2006" xmlns:p14="http://schemas.microsoft.com/office/powerpoint/2010/main">
-    <mc:Choice Requires="p14">
-      <p:transition p14:dur="10"/>
-    </mc:Choice>
-    <mc:Fallback xmlns="">
-      <p:transition/>
-    </mc:Fallback>
-  </mc:AlternateContent>
-</p:sld>
-</file>
-
-<file path=ppt/slides/slide4.xml><?xml version="1.0" encoding="utf-8"?>
-<p:sld xmlns:a="http://schemas.openxmlformats.org/drawingml/2006/main" xmlns:r="http://schemas.openxmlformats.org/officeDocument/2006/relationships" xmlns:p="http://schemas.openxmlformats.org/presentationml/2006/main">
-  <p:cSld>
-    <p:spTree>
-      <p:nvGrpSpPr>
-        <p:cNvPr id="1" name=""/>
-        <p:cNvGrpSpPr/>
-        <p:nvPr/>
-      </p:nvGrpSpPr>
-      <p:grpSpPr>
-        <a:xfrm>
-          <a:off x="0" y="0"/>
-          <a:ext cx="0" cy="0"/>
-          <a:chOff x="0" y="0"/>
-          <a:chExt cx="0" cy="0"/>
-        </a:xfrm>
-      </p:grpSpPr>
-      <p:sp>
-        <p:nvSpPr>
-          <p:cNvPr id="2" name="Title 1"/>
-          <p:cNvSpPr>
-            <a:spLocks noGrp="1"/>
-          </p:cNvSpPr>
-          <p:nvPr>
-            <p:ph type="title"/>
-          </p:nvPr>
-        </p:nvSpPr>
-        <p:spPr>
-          <a:xfrm>
-            <a:off x="304800" y="533400"/>
-            <a:ext cx="8229600" cy="639762"/>
-          </a:xfrm>
-        </p:spPr>
-        <p:txBody>
-          <a:bodyPr>
-            <a:noAutofit/>
-          </a:bodyPr>
-          <a:lstStyle/>
-          <a:p>
-            <a:r>
-              <a:rPr lang="en-US" dirty="0">
-                <a:latin typeface="Times New Roman" panose="02020603050405020304" pitchFamily="18" charset="0"/>
-                <a:cs typeface="Times New Roman" panose="02020603050405020304" pitchFamily="18" charset="0"/>
-              </a:rPr>
-              <a:t>Related Works</a:t>
-            </a:r>
-          </a:p>
-        </p:txBody>
-      </p:sp>
-      <p:sp>
-        <p:nvSpPr>
-          <p:cNvPr id="3" name="Content Placeholder 2"/>
-          <p:cNvSpPr>
-            <a:spLocks noGrp="1"/>
-          </p:cNvSpPr>
-          <p:nvPr>
-            <p:ph idx="1"/>
-          </p:nvPr>
-        </p:nvSpPr>
-        <p:spPr>
-          <a:xfrm>
-            <a:off x="590550" y="1371600"/>
-            <a:ext cx="7962900" cy="4800600"/>
-          </a:xfrm>
-        </p:spPr>
-        <p:txBody>
-          <a:bodyPr>
-            <a:noAutofit/>
-          </a:bodyPr>
-          <a:lstStyle/>
-          <a:p>
-            <a:pPr marL="0" lvl="0" indent="0" algn="just">
-              <a:buNone/>
-            </a:pPr>
-            <a:r>
-              <a:rPr lang="en-US" sz="1800" b="0" i="0" u="none" strike="noStrike" baseline="0" dirty="0">
-                <a:solidFill>
-                  <a:srgbClr val="000000"/>
-                </a:solidFill>
-                <a:latin typeface="Times New Roman" panose="02020603050405020304" pitchFamily="18" charset="0"/>
-              </a:rPr>
-              <a:t>Weather Forecast is an android application which is implemented to provide service in environment &amp; geography sector. In Bangladesh, some of the examples of similar applications of Weather Forecast are: nosh, OLIO, </a:t>
-            </a:r>
-            <a:r>
-              <a:rPr lang="en-US" sz="1800" b="0" i="0" u="none" strike="noStrike" baseline="0" dirty="0" err="1">
-                <a:solidFill>
-                  <a:srgbClr val="323232"/>
-                </a:solidFill>
-                <a:latin typeface="Times New Roman" panose="02020603050405020304" pitchFamily="18" charset="0"/>
-              </a:rPr>
-              <a:t>ShareTheMeal</a:t>
-            </a:r>
-            <a:r>
-              <a:rPr lang="en-US" sz="1800" b="0" i="0" u="none" strike="noStrike" baseline="0" dirty="0">
-                <a:solidFill>
-                  <a:srgbClr val="323232"/>
-                </a:solidFill>
-                <a:latin typeface="Times New Roman" panose="02020603050405020304" pitchFamily="18" charset="0"/>
-              </a:rPr>
-              <a:t>: </a:t>
-            </a:r>
-            <a:r>
-              <a:rPr lang="en-US" sz="1800" b="0" i="0" u="none" strike="noStrike" baseline="0" dirty="0">
-                <a:solidFill>
-                  <a:srgbClr val="202020"/>
-                </a:solidFill>
-                <a:latin typeface="Times New Roman" panose="02020603050405020304" pitchFamily="18" charset="0"/>
-              </a:rPr>
-              <a:t>Charity Donate</a:t>
-            </a:r>
-            <a:r>
-              <a:rPr lang="en-US" sz="1800" b="1" i="0" u="none" strike="noStrike" baseline="0" dirty="0">
-                <a:solidFill>
-                  <a:srgbClr val="323232"/>
-                </a:solidFill>
-                <a:latin typeface="Times New Roman" panose="02020603050405020304" pitchFamily="18" charset="0"/>
-              </a:rPr>
-              <a:t>, </a:t>
-            </a:r>
-            <a:r>
-              <a:rPr lang="en-US" sz="1800" b="0" i="0" u="none" strike="noStrike" baseline="0" dirty="0">
-                <a:solidFill>
-                  <a:srgbClr val="323232"/>
-                </a:solidFill>
-                <a:latin typeface="Times New Roman" panose="02020603050405020304" pitchFamily="18" charset="0"/>
-              </a:rPr>
-              <a:t>Foodbank, </a:t>
-            </a:r>
-            <a:r>
-              <a:rPr lang="en-US" sz="1800" dirty="0" err="1">
-                <a:solidFill>
-                  <a:srgbClr val="383838"/>
-                </a:solidFill>
-                <a:latin typeface="Times New Roman" panose="02020603050405020304" pitchFamily="18" charset="0"/>
-              </a:rPr>
-              <a:t>GoMkt</a:t>
-            </a:r>
-            <a:r>
-              <a:rPr lang="en-US" sz="1800" b="0" i="0" u="none" strike="noStrike" baseline="0" dirty="0">
-                <a:solidFill>
-                  <a:srgbClr val="383838"/>
-                </a:solidFill>
-                <a:latin typeface="Times New Roman" panose="02020603050405020304" pitchFamily="18" charset="0"/>
-              </a:rPr>
-              <a:t> etc.</a:t>
-            </a:r>
-          </a:p>
-          <a:p>
-            <a:pPr marL="0" lvl="0" indent="0" algn="just">
-              <a:buNone/>
-            </a:pPr>
-            <a:endParaRPr lang="en-US" sz="1800" dirty="0">
-              <a:solidFill>
-                <a:srgbClr val="383838"/>
-              </a:solidFill>
-              <a:latin typeface="Times New Roman" panose="02020603050405020304" pitchFamily="18" charset="0"/>
-              <a:ea typeface="Tahoma" panose="020B0604030504040204" pitchFamily="34" charset="0"/>
-              <a:cs typeface="Times New Roman" panose="02020603050405020304" pitchFamily="18" charset="0"/>
-            </a:endParaRPr>
-          </a:p>
-          <a:p>
-            <a:r>
-              <a:rPr lang="en-US" sz="1800" b="1" i="0" u="none" strike="noStrike" baseline="0" dirty="0">
-                <a:solidFill>
-                  <a:srgbClr val="202020"/>
-                </a:solidFill>
-                <a:latin typeface="Times New Roman" panose="02020603050405020304" pitchFamily="18" charset="0"/>
-              </a:rPr>
-              <a:t>OLIO </a:t>
-            </a:r>
-            <a:endParaRPr lang="en-US" sz="1800" dirty="0">
-              <a:solidFill>
-                <a:srgbClr val="202020"/>
-              </a:solidFill>
-              <a:latin typeface="Times New Roman" panose="02020603050405020304" pitchFamily="18" charset="0"/>
-            </a:endParaRPr>
-          </a:p>
-          <a:p>
-            <a:pPr marL="0" indent="0">
-              <a:buNone/>
-            </a:pPr>
-            <a:r>
-              <a:rPr lang="en-US" sz="1800" b="0" i="0" u="none" strike="noStrike" baseline="0" dirty="0">
-                <a:solidFill>
-                  <a:srgbClr val="202020"/>
-                </a:solidFill>
-                <a:latin typeface="Times New Roman" panose="02020603050405020304" pitchFamily="18" charset="0"/>
-              </a:rPr>
-              <a:t>      </a:t>
-            </a:r>
-            <a:r>
-              <a:rPr lang="en-US" sz="1800" b="0" i="0" u="none" strike="noStrike" baseline="0" dirty="0">
-                <a:solidFill>
-                  <a:srgbClr val="323232"/>
-                </a:solidFill>
-                <a:latin typeface="Times New Roman" panose="02020603050405020304" pitchFamily="18" charset="0"/>
-              </a:rPr>
-              <a:t>OLIO gives the opportunity to share food and item's preventing waste and saving</a:t>
-            </a:r>
-          </a:p>
-          <a:p>
-            <a:pPr marL="0" indent="0">
-              <a:buNone/>
-            </a:pPr>
-            <a:r>
-              <a:rPr lang="en-US" sz="1800" b="0" i="0" u="none" strike="noStrike" baseline="0" dirty="0">
-                <a:solidFill>
-                  <a:srgbClr val="202020"/>
-                </a:solidFill>
-                <a:latin typeface="Times New Roman" panose="02020603050405020304" pitchFamily="18" charset="0"/>
-              </a:rPr>
-              <a:t>      </a:t>
-            </a:r>
-            <a:r>
-              <a:rPr lang="en-US" sz="1800" b="0" i="0" u="none" strike="noStrike" baseline="0" dirty="0">
-                <a:solidFill>
-                  <a:srgbClr val="323232"/>
-                </a:solidFill>
-                <a:latin typeface="Times New Roman" panose="02020603050405020304" pitchFamily="18" charset="0"/>
-              </a:rPr>
-              <a:t>money</a:t>
-            </a:r>
-            <a:r>
-              <a:rPr lang="en-US" sz="1800" b="0" i="0" u="none" strike="noStrike" baseline="0" dirty="0">
-                <a:solidFill>
-                  <a:srgbClr val="383838"/>
-                </a:solidFill>
-                <a:latin typeface="Times New Roman" panose="02020603050405020304" pitchFamily="18" charset="0"/>
-              </a:rPr>
-              <a:t>. </a:t>
-            </a:r>
-            <a:r>
-              <a:rPr lang="en-US" sz="1800" b="0" i="0" u="none" strike="noStrike" baseline="0" dirty="0">
-                <a:solidFill>
-                  <a:srgbClr val="323232"/>
-                </a:solidFill>
-                <a:latin typeface="Times New Roman" panose="02020603050405020304" pitchFamily="18" charset="0"/>
-              </a:rPr>
-              <a:t>It serves free stuff, borrow things, and shop homemade directly from</a:t>
-            </a:r>
-          </a:p>
-          <a:p>
-            <a:pPr marL="0" indent="0">
-              <a:buNone/>
-            </a:pPr>
-            <a:r>
-              <a:rPr lang="en-US" sz="1800" b="0" i="0" u="none" strike="noStrike" baseline="0" dirty="0">
-                <a:solidFill>
-                  <a:srgbClr val="202020"/>
-                </a:solidFill>
-                <a:latin typeface="Times New Roman" panose="02020603050405020304" pitchFamily="18" charset="0"/>
-              </a:rPr>
-              <a:t> </a:t>
-            </a:r>
-            <a:r>
-              <a:rPr lang="en-US" sz="1800" dirty="0">
-                <a:solidFill>
-                  <a:srgbClr val="323232"/>
-                </a:solidFill>
-                <a:latin typeface="Times New Roman" panose="02020603050405020304" pitchFamily="18" charset="0"/>
-              </a:rPr>
-              <a:t>     </a:t>
-            </a:r>
-            <a:r>
-              <a:rPr lang="en-US" sz="1800" b="0" i="0" u="none" strike="noStrike" baseline="0" dirty="0">
-                <a:solidFill>
-                  <a:srgbClr val="323232"/>
-                </a:solidFill>
-                <a:latin typeface="Times New Roman" panose="02020603050405020304" pitchFamily="18" charset="0"/>
-              </a:rPr>
-              <a:t>neighbors. </a:t>
-            </a:r>
-          </a:p>
-          <a:p>
-            <a:pPr marL="0" indent="0">
-              <a:buNone/>
-            </a:pPr>
-            <a:endParaRPr lang="en-US" sz="1800" b="0" i="0" u="none" strike="noStrike" baseline="0" dirty="0">
-              <a:solidFill>
-                <a:srgbClr val="000000"/>
-              </a:solidFill>
-              <a:latin typeface="Times New Roman" panose="02020603050405020304" pitchFamily="18" charset="0"/>
-            </a:endParaRPr>
-          </a:p>
-          <a:p>
-            <a:r>
-              <a:rPr lang="en-US" sz="1800" b="1" i="0" u="none" strike="noStrike" baseline="0" dirty="0">
-                <a:solidFill>
-                  <a:srgbClr val="383838"/>
-                </a:solidFill>
-                <a:latin typeface="Times New Roman" panose="02020603050405020304" pitchFamily="18" charset="0"/>
-              </a:rPr>
-              <a:t>nosh </a:t>
-            </a:r>
-            <a:endParaRPr lang="en-US" sz="1800" b="0" i="0" u="none" strike="noStrike" baseline="0" dirty="0">
-              <a:solidFill>
-                <a:srgbClr val="383838"/>
-              </a:solidFill>
-              <a:latin typeface="Times New Roman" panose="02020603050405020304" pitchFamily="18" charset="0"/>
-            </a:endParaRPr>
-          </a:p>
-          <a:p>
-            <a:pPr marL="0" indent="0">
-              <a:buNone/>
-            </a:pPr>
-            <a:r>
-              <a:rPr lang="en-US" sz="1800" b="0" i="0" u="none" strike="noStrike" baseline="0" dirty="0">
-                <a:solidFill>
-                  <a:srgbClr val="323232"/>
-                </a:solidFill>
-                <a:latin typeface="Times New Roman" panose="02020603050405020304" pitchFamily="18" charset="0"/>
-              </a:rPr>
-              <a:t>      With the nosh app, you can now track your food inventory, medicines and expiry</a:t>
-            </a:r>
-          </a:p>
-          <a:p>
-            <a:pPr marL="0" indent="0">
-              <a:buNone/>
-            </a:pPr>
-            <a:r>
-              <a:rPr lang="en-US" sz="1800" dirty="0">
-                <a:solidFill>
-                  <a:srgbClr val="323232"/>
-                </a:solidFill>
-                <a:latin typeface="Times New Roman" panose="02020603050405020304" pitchFamily="18" charset="0"/>
-              </a:rPr>
-              <a:t>      </a:t>
-            </a:r>
-            <a:r>
-              <a:rPr lang="en-US" sz="1800" b="0" i="0" u="none" strike="noStrike" baseline="0" dirty="0">
-                <a:solidFill>
-                  <a:srgbClr val="323232"/>
-                </a:solidFill>
-                <a:latin typeface="Times New Roman" panose="02020603050405020304" pitchFamily="18" charset="0"/>
-              </a:rPr>
-              <a:t>date or use by or best before date while you get recipe suggestions on your food</a:t>
-            </a:r>
-          </a:p>
-          <a:p>
-            <a:pPr marL="0" indent="0">
-              <a:buNone/>
-            </a:pPr>
-            <a:r>
-              <a:rPr lang="en-US" sz="1800" dirty="0">
-                <a:solidFill>
-                  <a:srgbClr val="323232"/>
-                </a:solidFill>
-                <a:latin typeface="Times New Roman" panose="02020603050405020304" pitchFamily="18" charset="0"/>
-              </a:rPr>
-              <a:t>      </a:t>
-            </a:r>
-            <a:r>
-              <a:rPr lang="en-US" sz="1800" b="0" i="0" u="none" strike="noStrike" baseline="0" dirty="0">
-                <a:solidFill>
-                  <a:srgbClr val="323232"/>
-                </a:solidFill>
-                <a:latin typeface="Times New Roman" panose="02020603050405020304" pitchFamily="18" charset="0"/>
-              </a:rPr>
-              <a:t>inventory, do shopping planning, and reduce food waste in the household. Nosh</a:t>
-            </a:r>
-          </a:p>
-          <a:p>
-            <a:pPr marL="0" indent="0">
-              <a:buNone/>
-            </a:pPr>
-            <a:r>
-              <a:rPr lang="en-US" sz="1800" dirty="0">
-                <a:solidFill>
-                  <a:srgbClr val="323232"/>
-                </a:solidFill>
-                <a:latin typeface="Times New Roman" panose="02020603050405020304" pitchFamily="18" charset="0"/>
-              </a:rPr>
-              <a:t>      </a:t>
-            </a:r>
-            <a:r>
-              <a:rPr lang="en-US" sz="1800" b="0" i="0" u="none" strike="noStrike" baseline="0" dirty="0">
-                <a:solidFill>
-                  <a:srgbClr val="323232"/>
-                </a:solidFill>
-                <a:latin typeface="Times New Roman" panose="02020603050405020304" pitchFamily="18" charset="0"/>
-              </a:rPr>
-              <a:t>is powered by Artificial Intelligence (AI) which also keeps track of your food</a:t>
-            </a:r>
-          </a:p>
-          <a:p>
-            <a:pPr marL="0" indent="0">
-              <a:buNone/>
-            </a:pPr>
-            <a:r>
-              <a:rPr lang="en-US" sz="1800" dirty="0">
-                <a:solidFill>
-                  <a:srgbClr val="323232"/>
-                </a:solidFill>
-                <a:latin typeface="Times New Roman" panose="02020603050405020304" pitchFamily="18" charset="0"/>
-              </a:rPr>
-              <a:t>      </a:t>
-            </a:r>
-            <a:r>
-              <a:rPr lang="en-US" sz="1800" b="0" i="0" u="none" strike="noStrike" baseline="0" dirty="0">
-                <a:solidFill>
-                  <a:srgbClr val="323232"/>
-                </a:solidFill>
-                <a:latin typeface="Times New Roman" panose="02020603050405020304" pitchFamily="18" charset="0"/>
-              </a:rPr>
-              <a:t>buying and wasting habits to reduce food waste and save money in the process</a:t>
-            </a:r>
-            <a:r>
-              <a:rPr lang="en-US" sz="1800" b="0" i="0" u="none" strike="noStrike" baseline="0" dirty="0">
-                <a:solidFill>
-                  <a:srgbClr val="383838"/>
-                </a:solidFill>
-                <a:latin typeface="Times New Roman" panose="02020603050405020304" pitchFamily="18" charset="0"/>
-              </a:rPr>
-              <a:t>. </a:t>
-            </a:r>
-            <a:endParaRPr lang="en-US" sz="1800" b="0" i="0" u="none" strike="noStrike" baseline="0" dirty="0">
-              <a:solidFill>
-                <a:srgbClr val="000000"/>
-              </a:solidFill>
-              <a:latin typeface="Times New Roman" panose="02020603050405020304" pitchFamily="18" charset="0"/>
-            </a:endParaRPr>
-          </a:p>
-        </p:txBody>
-      </p:sp>
-    </p:spTree>
-    <p:extLst>
-      <p:ext uri="{BB962C8B-B14F-4D97-AF65-F5344CB8AC3E}">
-        <p14:creationId xmlns:p14="http://schemas.microsoft.com/office/powerpoint/2010/main" val="2856947340"/>
-      </p:ext>
-    </p:extLst>
-  </p:cSld>
-  <p:clrMapOvr>
-    <a:masterClrMapping/>
-  </p:clrMapOvr>
-</p:sld>
-</file>
-
-<file path=ppt/slides/slide5.xml><?xml version="1.0" encoding="utf-8"?>
-<p:sld xmlns:a="http://schemas.openxmlformats.org/drawingml/2006/main" xmlns:r="http://schemas.openxmlformats.org/officeDocument/2006/relationships" xmlns:p="http://schemas.openxmlformats.org/presentationml/2006/main">
-  <p:cSld>
-    <p:spTree>
-      <p:nvGrpSpPr>
-        <p:cNvPr id="1" name=""/>
-        <p:cNvGrpSpPr/>
-        <p:nvPr/>
-      </p:nvGrpSpPr>
-      <p:grpSpPr>
-        <a:xfrm>
-          <a:off x="0" y="0"/>
-          <a:ext cx="0" cy="0"/>
-          <a:chOff x="0" y="0"/>
-          <a:chExt cx="0" cy="0"/>
-        </a:xfrm>
-      </p:grpSpPr>
-      <p:sp>
-        <p:nvSpPr>
-          <p:cNvPr id="2" name="Title 1">
-            <a:extLst>
-              <a:ext uri="{FF2B5EF4-FFF2-40B4-BE49-F238E27FC236}">
-                <a16:creationId xmlns:a16="http://schemas.microsoft.com/office/drawing/2014/main" id="{A5A82E56-2D67-4306-BE97-BBD822E1A281}"/>
-              </a:ext>
-            </a:extLst>
-          </p:cNvPr>
-          <p:cNvSpPr>
-            <a:spLocks noGrp="1"/>
-          </p:cNvSpPr>
-          <p:nvPr>
-            <p:ph type="title"/>
-          </p:nvPr>
-        </p:nvSpPr>
-        <p:spPr>
-          <a:xfrm>
-            <a:off x="457200" y="152400"/>
-            <a:ext cx="8229600" cy="1143000"/>
-          </a:xfrm>
-        </p:spPr>
-        <p:txBody>
-          <a:bodyPr/>
-          <a:lstStyle/>
-          <a:p>
-            <a:r>
-              <a:rPr lang="en-US" dirty="0">
-                <a:latin typeface="Times New Roman" panose="02020603050405020304" pitchFamily="18" charset="0"/>
-                <a:cs typeface="Times New Roman" panose="02020603050405020304" pitchFamily="18" charset="0"/>
-              </a:rPr>
-              <a:t>Continued…</a:t>
-            </a:r>
-          </a:p>
-        </p:txBody>
-      </p:sp>
-      <p:sp>
-        <p:nvSpPr>
-          <p:cNvPr id="3" name="Content Placeholder 2">
-            <a:extLst>
-              <a:ext uri="{FF2B5EF4-FFF2-40B4-BE49-F238E27FC236}">
-                <a16:creationId xmlns:a16="http://schemas.microsoft.com/office/drawing/2014/main" id="{990AD48A-82AB-4D04-A331-3EC05510BBCA}"/>
-              </a:ext>
-            </a:extLst>
-          </p:cNvPr>
-          <p:cNvSpPr>
-            <a:spLocks noGrp="1"/>
-          </p:cNvSpPr>
-          <p:nvPr>
-            <p:ph idx="1"/>
-          </p:nvPr>
-        </p:nvSpPr>
-        <p:spPr>
-          <a:xfrm>
-            <a:off x="457200" y="1295400"/>
-            <a:ext cx="8686800" cy="4525963"/>
-          </a:xfrm>
-        </p:spPr>
-        <p:txBody>
-          <a:bodyPr>
-            <a:noAutofit/>
-          </a:bodyPr>
-          <a:lstStyle/>
-          <a:p>
-            <a:pPr algn="just"/>
-            <a:r>
-              <a:rPr lang="en-US" sz="1800" b="1" i="0" u="none" strike="noStrike" baseline="0" dirty="0">
-                <a:solidFill>
-                  <a:srgbClr val="202020"/>
-                </a:solidFill>
-                <a:latin typeface="Times New Roman" panose="02020603050405020304" pitchFamily="18" charset="0"/>
-              </a:rPr>
-              <a:t>Foodbank </a:t>
-            </a:r>
-            <a:endParaRPr lang="en-US" sz="1800" dirty="0">
-              <a:solidFill>
-                <a:srgbClr val="202020"/>
-              </a:solidFill>
-              <a:latin typeface="Times New Roman" panose="02020603050405020304" pitchFamily="18" charset="0"/>
-            </a:endParaRPr>
-          </a:p>
-          <a:p>
-            <a:pPr marL="0" indent="0" algn="just">
-              <a:buNone/>
-            </a:pPr>
-            <a:r>
-              <a:rPr lang="en-US" sz="1800" dirty="0">
-                <a:solidFill>
-                  <a:srgbClr val="202020"/>
-                </a:solidFill>
-                <a:latin typeface="Times New Roman" panose="02020603050405020304" pitchFamily="18" charset="0"/>
-              </a:rPr>
-              <a:t>      </a:t>
-            </a:r>
-            <a:r>
-              <a:rPr lang="en-US" sz="1800" b="0" i="0" u="none" strike="noStrike" baseline="0" dirty="0">
-                <a:solidFill>
-                  <a:srgbClr val="323232"/>
-                </a:solidFill>
-                <a:latin typeface="Times New Roman" panose="02020603050405020304" pitchFamily="18" charset="0"/>
-              </a:rPr>
-              <a:t>Food is donated Schools, churches, businesses and individuals donate non</a:t>
-            </a:r>
-          </a:p>
-          <a:p>
-            <a:pPr marL="0" indent="0" algn="just">
-              <a:buNone/>
-            </a:pPr>
-            <a:r>
-              <a:rPr lang="en-US" sz="1800" dirty="0">
-                <a:solidFill>
-                  <a:srgbClr val="323232"/>
-                </a:solidFill>
-                <a:latin typeface="Times New Roman" panose="02020603050405020304" pitchFamily="18" charset="0"/>
-              </a:rPr>
-              <a:t>      </a:t>
-            </a:r>
-            <a:r>
-              <a:rPr lang="en-US" sz="1800" b="0" i="0" u="none" strike="noStrike" baseline="0" dirty="0">
-                <a:solidFill>
-                  <a:srgbClr val="323232"/>
-                </a:solidFill>
-                <a:latin typeface="Times New Roman" panose="02020603050405020304" pitchFamily="18" charset="0"/>
-              </a:rPr>
-              <a:t>perishable, in-date food to a Foodbank. Food is also collected at 'Supermarket</a:t>
-            </a:r>
-          </a:p>
-          <a:p>
-            <a:pPr marL="0" indent="0" algn="just">
-              <a:buNone/>
-            </a:pPr>
-            <a:r>
-              <a:rPr lang="en-US" sz="1800" dirty="0">
-                <a:solidFill>
-                  <a:srgbClr val="323232"/>
-                </a:solidFill>
-                <a:latin typeface="Times New Roman" panose="02020603050405020304" pitchFamily="18" charset="0"/>
-              </a:rPr>
-              <a:t>      </a:t>
-            </a:r>
-            <a:r>
-              <a:rPr lang="en-US" sz="1800" b="0" i="0" u="none" strike="noStrike" baseline="0" dirty="0">
-                <a:solidFill>
-                  <a:srgbClr val="323232"/>
-                </a:solidFill>
-                <a:latin typeface="Times New Roman" panose="02020603050405020304" pitchFamily="18" charset="0"/>
-              </a:rPr>
-              <a:t>Collections': These are events held at supermarkets where volunteers give shoppers</a:t>
-            </a:r>
-          </a:p>
-          <a:p>
-            <a:pPr marL="0" indent="0" algn="just">
-              <a:buNone/>
-            </a:pPr>
-            <a:r>
-              <a:rPr lang="en-US" sz="1800" dirty="0">
-                <a:solidFill>
-                  <a:srgbClr val="323232"/>
-                </a:solidFill>
-                <a:latin typeface="Times New Roman" panose="02020603050405020304" pitchFamily="18" charset="0"/>
-              </a:rPr>
-              <a:t>      </a:t>
-            </a:r>
-            <a:r>
-              <a:rPr lang="en-US" sz="1800" b="0" i="0" u="none" strike="noStrike" baseline="0" dirty="0">
-                <a:solidFill>
-                  <a:srgbClr val="323232"/>
-                </a:solidFill>
-                <a:latin typeface="Times New Roman" panose="02020603050405020304" pitchFamily="18" charset="0"/>
-              </a:rPr>
-              <a:t>a 'Foodbank shopping list' and ask them to buy an extra item or two for local people</a:t>
-            </a:r>
-          </a:p>
-          <a:p>
-            <a:pPr marL="0" indent="0" algn="just">
-              <a:buNone/>
-            </a:pPr>
-            <a:r>
-              <a:rPr lang="en-US" sz="1800" dirty="0">
-                <a:solidFill>
-                  <a:srgbClr val="323232"/>
-                </a:solidFill>
-                <a:latin typeface="Times New Roman" panose="02020603050405020304" pitchFamily="18" charset="0"/>
-              </a:rPr>
-              <a:t>      </a:t>
-            </a:r>
-            <a:r>
-              <a:rPr lang="en-US" sz="1800" b="0" i="0" u="none" strike="noStrike" baseline="0" dirty="0">
-                <a:solidFill>
-                  <a:srgbClr val="323232"/>
-                </a:solidFill>
-                <a:latin typeface="Times New Roman" panose="02020603050405020304" pitchFamily="18" charset="0"/>
-              </a:rPr>
-              <a:t>in crisis. Food is sorted and stored Volunteers sort food to check that it's in-date and</a:t>
-            </a:r>
-          </a:p>
-          <a:p>
-            <a:pPr marL="0" indent="0" algn="just">
-              <a:buNone/>
-            </a:pPr>
-            <a:r>
-              <a:rPr lang="en-US" sz="1800" dirty="0">
-                <a:solidFill>
-                  <a:srgbClr val="323232"/>
-                </a:solidFill>
-                <a:latin typeface="Times New Roman" panose="02020603050405020304" pitchFamily="18" charset="0"/>
-              </a:rPr>
-              <a:t>      </a:t>
-            </a:r>
-            <a:r>
-              <a:rPr lang="en-US" sz="1800" b="0" i="0" u="none" strike="noStrike" baseline="0" dirty="0">
-                <a:solidFill>
-                  <a:srgbClr val="323232"/>
-                </a:solidFill>
-                <a:latin typeface="Times New Roman" panose="02020603050405020304" pitchFamily="18" charset="0"/>
-              </a:rPr>
-              <a:t>pack it into boxes ready to be given to people in need.</a:t>
-            </a:r>
-            <a:endParaRPr lang="en-US" sz="1800" b="0" i="0" u="none" strike="noStrike" baseline="0" dirty="0">
-              <a:solidFill>
-                <a:srgbClr val="000000"/>
-              </a:solidFill>
-              <a:latin typeface="Times New Roman" panose="02020603050405020304" pitchFamily="18" charset="0"/>
-            </a:endParaRPr>
-          </a:p>
-          <a:p>
-            <a:pPr algn="just"/>
-            <a:endParaRPr lang="en-US" sz="1800" b="0" i="0" u="none" strike="noStrike" baseline="0" dirty="0">
-              <a:latin typeface="Times New Roman" panose="02020603050405020304" pitchFamily="18" charset="0"/>
-            </a:endParaRPr>
-          </a:p>
-          <a:p>
-            <a:pPr algn="just"/>
-            <a:r>
-              <a:rPr lang="en-US" sz="1800" b="1" i="0" u="none" strike="noStrike" baseline="0" dirty="0" err="1">
-                <a:solidFill>
-                  <a:srgbClr val="323232"/>
-                </a:solidFill>
-                <a:latin typeface="Times New Roman" panose="02020603050405020304" pitchFamily="18" charset="0"/>
-              </a:rPr>
-              <a:t>ShareTheMeal</a:t>
-            </a:r>
-            <a:r>
-              <a:rPr lang="en-US" sz="1800" b="1" i="0" u="none" strike="noStrike" baseline="0" dirty="0">
-                <a:solidFill>
-                  <a:srgbClr val="323232"/>
-                </a:solidFill>
-                <a:latin typeface="Times New Roman" panose="02020603050405020304" pitchFamily="18" charset="0"/>
-              </a:rPr>
-              <a:t>: </a:t>
-            </a:r>
-            <a:r>
-              <a:rPr lang="en-US" sz="1800" b="1" i="0" u="none" strike="noStrike" baseline="0" dirty="0">
-                <a:solidFill>
-                  <a:srgbClr val="202020"/>
-                </a:solidFill>
-                <a:latin typeface="Times New Roman" panose="02020603050405020304" pitchFamily="18" charset="0"/>
-              </a:rPr>
-              <a:t>Charity Donate </a:t>
-            </a:r>
-            <a:endParaRPr lang="en-US" sz="1800" b="0" i="0" u="none" strike="noStrike" baseline="0" dirty="0">
-              <a:solidFill>
-                <a:srgbClr val="000000"/>
-              </a:solidFill>
-              <a:latin typeface="Times New Roman" panose="02020603050405020304" pitchFamily="18" charset="0"/>
-            </a:endParaRPr>
-          </a:p>
-          <a:p>
-            <a:pPr marL="0" indent="0" algn="just">
-              <a:buNone/>
-            </a:pPr>
-            <a:r>
-              <a:rPr lang="en-US" sz="1800" b="0" i="0" u="none" strike="noStrike" baseline="0" dirty="0">
-                <a:solidFill>
-                  <a:srgbClr val="323232"/>
-                </a:solidFill>
-                <a:latin typeface="Times New Roman" panose="02020603050405020304" pitchFamily="18" charset="0"/>
-              </a:rPr>
-              <a:t>      </a:t>
-            </a:r>
-            <a:r>
-              <a:rPr lang="en-US" sz="1800" b="0" i="0" u="none" strike="noStrike" baseline="0" dirty="0" err="1">
-                <a:solidFill>
-                  <a:srgbClr val="323232"/>
-                </a:solidFill>
-                <a:latin typeface="Times New Roman" panose="02020603050405020304" pitchFamily="18" charset="0"/>
-              </a:rPr>
-              <a:t>ShareTheMeal</a:t>
-            </a:r>
-            <a:r>
-              <a:rPr lang="en-US" sz="1800" b="0" i="0" u="none" strike="noStrike" baseline="0" dirty="0">
-                <a:solidFill>
-                  <a:srgbClr val="323232"/>
-                </a:solidFill>
-                <a:latin typeface="Times New Roman" panose="02020603050405020304" pitchFamily="18" charset="0"/>
-              </a:rPr>
-              <a:t> is the charity app from the World Food Program that allows you to</a:t>
-            </a:r>
-          </a:p>
-          <a:p>
-            <a:pPr marL="0" indent="0" algn="just">
-              <a:buNone/>
-            </a:pPr>
-            <a:r>
-              <a:rPr lang="en-US" sz="1800" dirty="0">
-                <a:solidFill>
-                  <a:srgbClr val="323232"/>
-                </a:solidFill>
-                <a:latin typeface="Times New Roman" panose="02020603050405020304" pitchFamily="18" charset="0"/>
-              </a:rPr>
-              <a:t>      </a:t>
-            </a:r>
-            <a:r>
-              <a:rPr lang="en-US" sz="1800" b="0" i="0" u="none" strike="noStrike" baseline="0" dirty="0">
-                <a:solidFill>
-                  <a:srgbClr val="323232"/>
-                </a:solidFill>
-                <a:latin typeface="Times New Roman" panose="02020603050405020304" pitchFamily="18" charset="0"/>
-              </a:rPr>
-              <a:t>feed a hungry child with a tap on your phone. As the world faces a record number of</a:t>
-            </a:r>
-          </a:p>
-          <a:p>
-            <a:pPr marL="0" indent="0" algn="just">
-              <a:buNone/>
-            </a:pPr>
-            <a:r>
-              <a:rPr lang="en-US" sz="1800" dirty="0">
-                <a:solidFill>
-                  <a:srgbClr val="323232"/>
-                </a:solidFill>
-                <a:latin typeface="Times New Roman" panose="02020603050405020304" pitchFamily="18" charset="0"/>
-              </a:rPr>
-              <a:t>      </a:t>
-            </a:r>
-            <a:r>
-              <a:rPr lang="en-US" sz="1800" b="0" i="0" u="none" strike="noStrike" baseline="0" dirty="0">
-                <a:solidFill>
-                  <a:srgbClr val="323232"/>
-                </a:solidFill>
-                <a:latin typeface="Times New Roman" panose="02020603050405020304" pitchFamily="18" charset="0"/>
-              </a:rPr>
-              <a:t>emergencies, the rate of hunger is increasing. The good news is hunger is entirely</a:t>
-            </a:r>
-          </a:p>
-          <a:p>
-            <a:pPr marL="0" indent="0" algn="just">
-              <a:buNone/>
-            </a:pPr>
-            <a:r>
-              <a:rPr lang="en-US" sz="1800" dirty="0">
-                <a:solidFill>
-                  <a:srgbClr val="323232"/>
-                </a:solidFill>
-                <a:latin typeface="Times New Roman" panose="02020603050405020304" pitchFamily="18" charset="0"/>
-              </a:rPr>
-              <a:t>      </a:t>
-            </a:r>
-            <a:r>
-              <a:rPr lang="en-US" sz="1800" b="0" i="0" u="none" strike="noStrike" baseline="0" dirty="0">
-                <a:solidFill>
-                  <a:srgbClr val="323232"/>
-                </a:solidFill>
-                <a:latin typeface="Times New Roman" panose="02020603050405020304" pitchFamily="18" charset="0"/>
-              </a:rPr>
-              <a:t>solvable. </a:t>
-            </a:r>
-            <a:r>
-              <a:rPr lang="en-US" sz="1800" b="0" i="0" u="none" strike="noStrike" baseline="0" dirty="0" err="1">
-                <a:solidFill>
-                  <a:srgbClr val="323232"/>
-                </a:solidFill>
-                <a:latin typeface="Times New Roman" panose="02020603050405020304" pitchFamily="18" charset="0"/>
-              </a:rPr>
-              <a:t>ShareTheMeal</a:t>
-            </a:r>
-            <a:r>
-              <a:rPr lang="en-US" sz="1800" b="0" i="0" u="none" strike="noStrike" baseline="0" dirty="0">
-                <a:solidFill>
-                  <a:srgbClr val="323232"/>
-                </a:solidFill>
-                <a:latin typeface="Times New Roman" panose="02020603050405020304" pitchFamily="18" charset="0"/>
-              </a:rPr>
-              <a:t> is part of the United Nations World Food Program.</a:t>
-            </a:r>
-          </a:p>
-        </p:txBody>
-      </p:sp>
-    </p:spTree>
-    <p:extLst>
-      <p:ext uri="{BB962C8B-B14F-4D97-AF65-F5344CB8AC3E}">
-        <p14:creationId xmlns:p14="http://schemas.microsoft.com/office/powerpoint/2010/main" val="2238491631"/>
-      </p:ext>
-    </p:extLst>
-  </p:cSld>
-  <p:clrMapOvr>
-    <a:masterClrMapping/>
-  </p:clrMapOvr>
-</p:sld>
-</file>
-
-<file path=ppt/slides/slide6.xml><?xml version="1.0" encoding="utf-8"?>
-<p:sld xmlns:a="http://schemas.openxmlformats.org/drawingml/2006/main" xmlns:r="http://schemas.openxmlformats.org/officeDocument/2006/relationships" xmlns:p="http://schemas.openxmlformats.org/presentationml/2006/main">
-  <p:cSld>
-    <p:spTree>
-      <p:nvGrpSpPr>
-        <p:cNvPr id="1" name=""/>
-        <p:cNvGrpSpPr/>
-        <p:nvPr/>
-      </p:nvGrpSpPr>
-      <p:grpSpPr>
-        <a:xfrm>
-          <a:off x="0" y="0"/>
-          <a:ext cx="0" cy="0"/>
-          <a:chOff x="0" y="0"/>
-          <a:chExt cx="0" cy="0"/>
-        </a:xfrm>
-      </p:grpSpPr>
-      <p:sp>
-        <p:nvSpPr>
-          <p:cNvPr id="2" name="Title 1"/>
-          <p:cNvSpPr>
-            <a:spLocks noGrp="1"/>
-          </p:cNvSpPr>
-          <p:nvPr>
-            <p:ph type="title"/>
-          </p:nvPr>
-        </p:nvSpPr>
-        <p:spPr>
-          <a:xfrm>
-            <a:off x="427629" y="228600"/>
-            <a:ext cx="8229600" cy="1295400"/>
-          </a:xfrm>
-        </p:spPr>
-        <p:txBody>
-          <a:bodyPr>
-            <a:normAutofit/>
-          </a:bodyPr>
-          <a:lstStyle/>
-          <a:p>
-            <a:r>
-              <a:rPr lang="en-US" dirty="0">
-                <a:latin typeface="Times New Roman" panose="02020603050405020304" pitchFamily="18" charset="0"/>
-                <a:cs typeface="Times New Roman" panose="02020603050405020304" pitchFamily="18" charset="0"/>
-              </a:rPr>
-              <a:t>Motivation</a:t>
-            </a:r>
-            <a:endParaRPr lang="en-US" dirty="0"/>
-          </a:p>
-        </p:txBody>
-      </p:sp>
-      <p:sp>
-        <p:nvSpPr>
-          <p:cNvPr id="3" name="Content Placeholder 2"/>
-          <p:cNvSpPr>
-            <a:spLocks noGrp="1"/>
-          </p:cNvSpPr>
-          <p:nvPr>
-            <p:ph idx="1"/>
-          </p:nvPr>
-        </p:nvSpPr>
-        <p:spPr>
-          <a:xfrm>
-            <a:off x="1295400" y="2286000"/>
-            <a:ext cx="7014949" cy="4343400"/>
-          </a:xfrm>
-        </p:spPr>
-        <p:txBody>
-          <a:bodyPr>
-            <a:noAutofit/>
-          </a:bodyPr>
-          <a:lstStyle/>
-          <a:p>
-            <a:pPr marL="0" indent="0" algn="just">
-              <a:lnSpc>
-                <a:spcPct val="150000"/>
-              </a:lnSpc>
-              <a:spcBef>
-                <a:spcPts val="0"/>
-              </a:spcBef>
-              <a:buNone/>
-            </a:pPr>
-            <a:r>
-              <a:rPr lang="en-US" altLang="en-US" sz="1800" dirty="0">
-                <a:latin typeface="Times New Roman" panose="02020603050405020304" pitchFamily="18" charset="0"/>
-                <a:cs typeface="Times New Roman" panose="02020603050405020304" pitchFamily="18" charset="0"/>
-              </a:rPr>
-              <a:t>There are many foodless people around the country. They can hardly afford food for their family and themselves as well. So we took a step to reach food to those helpless people from the wasted food of restaurant, community centers and party centers. </a:t>
-            </a:r>
-            <a:endParaRPr lang="en-GB" altLang="en-US" sz="1800" dirty="0">
-              <a:latin typeface="Times New Roman" panose="02020603050405020304" pitchFamily="18" charset="0"/>
-              <a:cs typeface="Times New Roman" panose="02020603050405020304" pitchFamily="18" charset="0"/>
-            </a:endParaRPr>
-          </a:p>
-          <a:p>
-            <a:pPr marL="0" marR="0" indent="0" algn="just">
-              <a:lnSpc>
-                <a:spcPct val="150000"/>
-              </a:lnSpc>
-              <a:spcBef>
-                <a:spcPts val="0"/>
-              </a:spcBef>
-              <a:spcAft>
-                <a:spcPts val="0"/>
-              </a:spcAft>
-              <a:buNone/>
-            </a:pPr>
-            <a:endParaRPr lang="en-US" sz="1800" dirty="0">
-              <a:effectLst/>
-              <a:latin typeface="Times New Roman" panose="02020603050405020304" pitchFamily="18" charset="0"/>
-              <a:ea typeface="Times New Roman" panose="02020603050405020304" pitchFamily="18" charset="0"/>
-            </a:endParaRPr>
-          </a:p>
-        </p:txBody>
-      </p:sp>
-    </p:spTree>
-    <p:extLst>
-      <p:ext uri="{BB962C8B-B14F-4D97-AF65-F5344CB8AC3E}">
-        <p14:creationId xmlns:p14="http://schemas.microsoft.com/office/powerpoint/2010/main" val="3649238120"/>
-      </p:ext>
-    </p:extLst>
-  </p:cSld>
-  <p:clrMapOvr>
-    <a:masterClrMapping/>
-  </p:clrMapOvr>
-</p:sld>
-</file>
-
-<file path=ppt/slides/slide7.xml><?xml version="1.0" encoding="utf-8"?>
-<p:sld xmlns:a="http://schemas.openxmlformats.org/drawingml/2006/main" xmlns:r="http://schemas.openxmlformats.org/officeDocument/2006/relationships" xmlns:p="http://schemas.openxmlformats.org/presentationml/2006/main">
-  <p:cSld>
-    <p:spTree>
-      <p:nvGrpSpPr>
-        <p:cNvPr id="1" name=""/>
-        <p:cNvGrpSpPr/>
-        <p:nvPr/>
-      </p:nvGrpSpPr>
-      <p:grpSpPr>
-        <a:xfrm>
-          <a:off x="0" y="0"/>
-          <a:ext cx="0" cy="0"/>
-          <a:chOff x="0" y="0"/>
-          <a:chExt cx="0" cy="0"/>
-        </a:xfrm>
-      </p:grpSpPr>
-      <p:sp>
-        <p:nvSpPr>
-          <p:cNvPr id="2" name="Title 1"/>
-          <p:cNvSpPr>
-            <a:spLocks noGrp="1"/>
-          </p:cNvSpPr>
-          <p:nvPr>
-            <p:ph type="title"/>
-          </p:nvPr>
-        </p:nvSpPr>
-        <p:spPr>
-          <a:xfrm>
-            <a:off x="152400" y="530534"/>
-            <a:ext cx="8229600" cy="792162"/>
-          </a:xfrm>
-        </p:spPr>
-        <p:txBody>
-          <a:bodyPr>
-            <a:noAutofit/>
-          </a:bodyPr>
-          <a:lstStyle/>
-          <a:p>
-            <a:r>
-              <a:rPr lang="en-US" sz="4000" dirty="0">
-                <a:latin typeface="Times New Roman" panose="02020603050405020304" pitchFamily="18" charset="0"/>
-                <a:cs typeface="Times New Roman" panose="02020603050405020304" pitchFamily="18" charset="0"/>
-              </a:rPr>
-              <a:t>Objective</a:t>
-            </a:r>
-          </a:p>
-        </p:txBody>
-      </p:sp>
-      <p:sp>
-        <p:nvSpPr>
-          <p:cNvPr id="3" name="Content Placeholder 2"/>
-          <p:cNvSpPr>
-            <a:spLocks noGrp="1"/>
-          </p:cNvSpPr>
-          <p:nvPr>
-            <p:ph idx="1"/>
-          </p:nvPr>
-        </p:nvSpPr>
-        <p:spPr>
-          <a:xfrm>
-            <a:off x="914400" y="2209800"/>
-            <a:ext cx="7315200" cy="4267200"/>
-          </a:xfrm>
-        </p:spPr>
-        <p:txBody>
-          <a:bodyPr>
-            <a:noAutofit/>
-          </a:bodyPr>
-          <a:lstStyle/>
-          <a:p>
-            <a:pPr algn="just" eaLnBrk="1" hangingPunct="1">
-              <a:defRPr/>
-            </a:pPr>
-            <a:r>
-              <a:rPr lang="en-GB" altLang="en-US" sz="1800" dirty="0">
-                <a:latin typeface="Times New Roman" panose="02020603050405020304" pitchFamily="18" charset="0"/>
-                <a:cs typeface="Times New Roman" panose="02020603050405020304" pitchFamily="18" charset="0"/>
-              </a:rPr>
-              <a:t>Doners will post the food detail, pick location address, quantity of people available for donated food</a:t>
-            </a:r>
-          </a:p>
-          <a:p>
-            <a:pPr marL="0" indent="0" algn="just" eaLnBrk="1" hangingPunct="1">
-              <a:buFont typeface="Wingdings" panose="05000000000000000000" pitchFamily="2" charset="2"/>
-              <a:buNone/>
-              <a:defRPr/>
-            </a:pPr>
-            <a:endParaRPr lang="en-GB" altLang="en-US" sz="1800" dirty="0">
-              <a:latin typeface="Times New Roman" panose="02020603050405020304" pitchFamily="18" charset="0"/>
-              <a:cs typeface="Times New Roman" panose="02020603050405020304" pitchFamily="18" charset="0"/>
-            </a:endParaRPr>
-          </a:p>
-          <a:p>
-            <a:pPr algn="just" eaLnBrk="1" hangingPunct="1">
-              <a:defRPr/>
-            </a:pPr>
-            <a:r>
-              <a:rPr lang="en-GB" altLang="en-US" sz="1800" dirty="0">
-                <a:latin typeface="Times New Roman" panose="02020603050405020304" pitchFamily="18" charset="0"/>
-                <a:cs typeface="Times New Roman" panose="02020603050405020304" pitchFamily="18" charset="0"/>
-              </a:rPr>
-              <a:t>Our agents will buy or take those foods from the pick address and reach to the foodless people</a:t>
-            </a:r>
-          </a:p>
-          <a:p>
-            <a:pPr marL="0" marR="0" indent="0" algn="just">
-              <a:lnSpc>
-                <a:spcPct val="150000"/>
-              </a:lnSpc>
-              <a:spcBef>
-                <a:spcPts val="0"/>
-              </a:spcBef>
-              <a:spcAft>
-                <a:spcPts val="0"/>
-              </a:spcAft>
-              <a:buNone/>
-            </a:pPr>
-            <a:endParaRPr lang="en-US" sz="1800" dirty="0">
-              <a:effectLst/>
-              <a:latin typeface="Times New Roman" panose="02020603050405020304" pitchFamily="18" charset="0"/>
-              <a:ea typeface="Times New Roman" panose="02020603050405020304" pitchFamily="18" charset="0"/>
-            </a:endParaRPr>
-          </a:p>
-        </p:txBody>
-      </p:sp>
-    </p:spTree>
-    <p:extLst>
-      <p:ext uri="{BB962C8B-B14F-4D97-AF65-F5344CB8AC3E}">
-        <p14:creationId xmlns:p14="http://schemas.microsoft.com/office/powerpoint/2010/main" val="1690209850"/>
-      </p:ext>
-    </p:extLst>
-  </p:cSld>
-  <p:clrMapOvr>
-    <a:masterClrMapping/>
-  </p:clrMapOvr>
-</p:sld>
-</file>
-
-<file path=ppt/slides/slide8.xml><?xml version="1.0" encoding="utf-8"?>
 <p:sld xmlns:a="http://schemas.openxmlformats.org/drawingml/2006/main" xmlns:r="http://schemas.openxmlformats.org/officeDocument/2006/relationships" xmlns:p="http://schemas.openxmlformats.org/presentationml/2006/main">
   <p:cSld>
     <p:spTree>
@@ -9559,18 +7168,18 @@
         </p:spPr>
         <p:txBody>
           <a:bodyPr>
-            <a:normAutofit fontScale="90000"/>
+            <a:noAutofit/>
           </a:bodyPr>
           <a:lstStyle/>
           <a:p>
             <a:r>
-              <a:rPr lang="en-US" dirty="0">
+              <a:rPr lang="en-US" sz="3200" dirty="0">
                 <a:latin typeface="Times New Roman" panose="02020603050405020304" pitchFamily="18" charset="0"/>
                 <a:cs typeface="Times New Roman" panose="02020603050405020304" pitchFamily="18" charset="0"/>
               </a:rPr>
               <a:t>Approach</a:t>
             </a:r>
-            <a:endParaRPr lang="en-US" dirty="0"/>
+            <a:endParaRPr lang="en-US" sz="3200" dirty="0"/>
           </a:p>
         </p:txBody>
       </p:sp>
@@ -9975,7 +7584,7 @@
 </p:sld>
 </file>
 
-<file path=ppt/slides/slide9.xml><?xml version="1.0" encoding="utf-8"?>
+<file path=ppt/slides/slide12.xml><?xml version="1.0" encoding="utf-8"?>
 <p:sld xmlns:a="http://schemas.openxmlformats.org/drawingml/2006/main" xmlns:r="http://schemas.openxmlformats.org/officeDocument/2006/relationships" xmlns:p="http://schemas.openxmlformats.org/presentationml/2006/main">
   <p:cSld>
     <p:spTree>
@@ -10507,6 +8116,4170 @@
     <p:extLst>
       <p:ext uri="{BB962C8B-B14F-4D97-AF65-F5344CB8AC3E}">
         <p14:creationId xmlns:p14="http://schemas.microsoft.com/office/powerpoint/2010/main" val="2426483978"/>
+      </p:ext>
+    </p:extLst>
+  </p:cSld>
+  <p:clrMapOvr>
+    <a:masterClrMapping/>
+  </p:clrMapOvr>
+</p:sld>
+</file>
+
+<file path=ppt/slides/slide13.xml><?xml version="1.0" encoding="utf-8"?>
+<p:sld xmlns:a="http://schemas.openxmlformats.org/drawingml/2006/main" xmlns:r="http://schemas.openxmlformats.org/officeDocument/2006/relationships" xmlns:p="http://schemas.openxmlformats.org/presentationml/2006/main">
+  <p:cSld>
+    <p:spTree>
+      <p:nvGrpSpPr>
+        <p:cNvPr id="1" name=""/>
+        <p:cNvGrpSpPr/>
+        <p:nvPr/>
+      </p:nvGrpSpPr>
+      <p:grpSpPr>
+        <a:xfrm>
+          <a:off x="0" y="0"/>
+          <a:ext cx="0" cy="0"/>
+          <a:chOff x="0" y="0"/>
+          <a:chExt cx="0" cy="0"/>
+        </a:xfrm>
+      </p:grpSpPr>
+      <p:sp>
+        <p:nvSpPr>
+          <p:cNvPr id="9" name="Title 1">
+            <a:extLst>
+              <a:ext uri="{FF2B5EF4-FFF2-40B4-BE49-F238E27FC236}">
+                <a16:creationId xmlns:a16="http://schemas.microsoft.com/office/drawing/2014/main" id="{4259F78E-A3BC-41E1-84AF-9A4101819AE8}"/>
+              </a:ext>
+            </a:extLst>
+          </p:cNvPr>
+          <p:cNvSpPr>
+            <a:spLocks noGrp="1"/>
+          </p:cNvSpPr>
+          <p:nvPr>
+            <p:ph type="title"/>
+          </p:nvPr>
+        </p:nvSpPr>
+        <p:spPr>
+          <a:xfrm>
+            <a:off x="596900" y="446088"/>
+            <a:ext cx="7950200" cy="533400"/>
+          </a:xfrm>
+        </p:spPr>
+        <p:txBody>
+          <a:bodyPr rtlCol="0">
+            <a:normAutofit fontScale="90000"/>
+          </a:bodyPr>
+          <a:lstStyle/>
+          <a:p>
+            <a:pPr eaLnBrk="1" fontAlgn="auto" hangingPunct="1">
+              <a:spcAft>
+                <a:spcPts val="0"/>
+              </a:spcAft>
+              <a:defRPr/>
+            </a:pPr>
+            <a:r>
+              <a:rPr lang="en-US" sz="3600" dirty="0">
+                <a:latin typeface="Times New Roman" panose="02020603050405020304" pitchFamily="18" charset="0"/>
+                <a:cs typeface="Times New Roman" panose="02020603050405020304" pitchFamily="18" charset="0"/>
+              </a:rPr>
+              <a:t>Features (Continued)</a:t>
+            </a:r>
+          </a:p>
+        </p:txBody>
+      </p:sp>
+      <p:sp>
+        <p:nvSpPr>
+          <p:cNvPr id="10" name="TextBox 9">
+            <a:extLst>
+              <a:ext uri="{FF2B5EF4-FFF2-40B4-BE49-F238E27FC236}">
+                <a16:creationId xmlns:a16="http://schemas.microsoft.com/office/drawing/2014/main" id="{BBE08B61-AB7A-4A64-8744-F284E5FCEE2F}"/>
+              </a:ext>
+            </a:extLst>
+          </p:cNvPr>
+          <p:cNvSpPr txBox="1">
+            <a:spLocks noChangeArrowheads="1"/>
+          </p:cNvSpPr>
+          <p:nvPr/>
+        </p:nvSpPr>
+        <p:spPr bwMode="auto">
+          <a:xfrm>
+            <a:off x="1763713" y="5992813"/>
+            <a:ext cx="1897062" cy="338137"/>
+          </a:xfrm>
+          <a:prstGeom prst="rect">
+            <a:avLst/>
+          </a:prstGeom>
+          <a:noFill/>
+          <a:ln>
+            <a:noFill/>
+          </a:ln>
+          <a:extLst>
+            <a:ext uri="{909E8E84-426E-40DD-AFC4-6F175D3DCCD1}">
+              <a14:hiddenFill xmlns:a14="http://schemas.microsoft.com/office/drawing/2010/main">
+                <a:solidFill>
+                  <a:srgbClr val="FFFFFF"/>
+                </a:solidFill>
+              </a14:hiddenFill>
+            </a:ext>
+            <a:ext uri="{91240B29-F687-4F45-9708-019B960494DF}">
+              <a14:hiddenLine xmlns:a14="http://schemas.microsoft.com/office/drawing/2010/main" w="9525">
+                <a:solidFill>
+                  <a:srgbClr val="000000"/>
+                </a:solidFill>
+                <a:miter lim="800000"/>
+                <a:headEnd/>
+                <a:tailEnd/>
+              </a14:hiddenLine>
+            </a:ext>
+          </a:extLst>
+        </p:spPr>
+        <p:txBody>
+          <a:bodyPr wrap="none">
+            <a:spAutoFit/>
+          </a:bodyPr>
+          <a:lstStyle>
+            <a:lvl1pPr>
+              <a:spcBef>
+                <a:spcPct val="20000"/>
+              </a:spcBef>
+              <a:buChar char="•"/>
+              <a:defRPr sz="3200">
+                <a:solidFill>
+                  <a:schemeClr val="tx1"/>
+                </a:solidFill>
+                <a:latin typeface="Arial" panose="020B0604020202020204" pitchFamily="34" charset="0"/>
+                <a:cs typeface="Arial" panose="020B0604020202020204" pitchFamily="34" charset="0"/>
+              </a:defRPr>
+            </a:lvl1pPr>
+            <a:lvl2pPr marL="742950" indent="-285750">
+              <a:spcBef>
+                <a:spcPct val="20000"/>
+              </a:spcBef>
+              <a:buChar char="–"/>
+              <a:defRPr sz="2800">
+                <a:solidFill>
+                  <a:schemeClr val="tx1"/>
+                </a:solidFill>
+                <a:latin typeface="Arial" panose="020B0604020202020204" pitchFamily="34" charset="0"/>
+                <a:cs typeface="Arial" panose="020B0604020202020204" pitchFamily="34" charset="0"/>
+              </a:defRPr>
+            </a:lvl2pPr>
+            <a:lvl3pPr marL="1143000" indent="-228600">
+              <a:spcBef>
+                <a:spcPct val="20000"/>
+              </a:spcBef>
+              <a:buChar char="•"/>
+              <a:defRPr sz="2400">
+                <a:solidFill>
+                  <a:schemeClr val="tx1"/>
+                </a:solidFill>
+                <a:latin typeface="Arial" panose="020B0604020202020204" pitchFamily="34" charset="0"/>
+                <a:cs typeface="Arial" panose="020B0604020202020204" pitchFamily="34" charset="0"/>
+              </a:defRPr>
+            </a:lvl3pPr>
+            <a:lvl4pPr marL="1600200" indent="-228600">
+              <a:spcBef>
+                <a:spcPct val="20000"/>
+              </a:spcBef>
+              <a:buChar char="–"/>
+              <a:defRPr sz="2000">
+                <a:solidFill>
+                  <a:schemeClr val="tx1"/>
+                </a:solidFill>
+                <a:latin typeface="Arial" panose="020B0604020202020204" pitchFamily="34" charset="0"/>
+                <a:cs typeface="Arial" panose="020B0604020202020204" pitchFamily="34" charset="0"/>
+              </a:defRPr>
+            </a:lvl4pPr>
+            <a:lvl5pPr marL="2057400" indent="-228600">
+              <a:spcBef>
+                <a:spcPct val="20000"/>
+              </a:spcBef>
+              <a:buChar char="»"/>
+              <a:defRPr sz="2000">
+                <a:solidFill>
+                  <a:schemeClr val="tx1"/>
+                </a:solidFill>
+                <a:latin typeface="Arial" panose="020B0604020202020204" pitchFamily="34" charset="0"/>
+                <a:cs typeface="Arial" panose="020B0604020202020204" pitchFamily="34" charset="0"/>
+              </a:defRPr>
+            </a:lvl5pPr>
+            <a:lvl6pPr marL="2514600" indent="-228600" eaLnBrk="0" fontAlgn="base" hangingPunct="0">
+              <a:spcBef>
+                <a:spcPct val="20000"/>
+              </a:spcBef>
+              <a:spcAft>
+                <a:spcPct val="0"/>
+              </a:spcAft>
+              <a:buChar char="»"/>
+              <a:defRPr sz="2000">
+                <a:solidFill>
+                  <a:schemeClr val="tx1"/>
+                </a:solidFill>
+                <a:latin typeface="Arial" panose="020B0604020202020204" pitchFamily="34" charset="0"/>
+                <a:cs typeface="Arial" panose="020B0604020202020204" pitchFamily="34" charset="0"/>
+              </a:defRPr>
+            </a:lvl6pPr>
+            <a:lvl7pPr marL="2971800" indent="-228600" eaLnBrk="0" fontAlgn="base" hangingPunct="0">
+              <a:spcBef>
+                <a:spcPct val="20000"/>
+              </a:spcBef>
+              <a:spcAft>
+                <a:spcPct val="0"/>
+              </a:spcAft>
+              <a:buChar char="»"/>
+              <a:defRPr sz="2000">
+                <a:solidFill>
+                  <a:schemeClr val="tx1"/>
+                </a:solidFill>
+                <a:latin typeface="Arial" panose="020B0604020202020204" pitchFamily="34" charset="0"/>
+                <a:cs typeface="Arial" panose="020B0604020202020204" pitchFamily="34" charset="0"/>
+              </a:defRPr>
+            </a:lvl7pPr>
+            <a:lvl8pPr marL="3429000" indent="-228600" eaLnBrk="0" fontAlgn="base" hangingPunct="0">
+              <a:spcBef>
+                <a:spcPct val="20000"/>
+              </a:spcBef>
+              <a:spcAft>
+                <a:spcPct val="0"/>
+              </a:spcAft>
+              <a:buChar char="»"/>
+              <a:defRPr sz="2000">
+                <a:solidFill>
+                  <a:schemeClr val="tx1"/>
+                </a:solidFill>
+                <a:latin typeface="Arial" panose="020B0604020202020204" pitchFamily="34" charset="0"/>
+                <a:cs typeface="Arial" panose="020B0604020202020204" pitchFamily="34" charset="0"/>
+              </a:defRPr>
+            </a:lvl8pPr>
+            <a:lvl9pPr marL="3886200" indent="-228600" eaLnBrk="0" fontAlgn="base" hangingPunct="0">
+              <a:spcBef>
+                <a:spcPct val="20000"/>
+              </a:spcBef>
+              <a:spcAft>
+                <a:spcPct val="0"/>
+              </a:spcAft>
+              <a:buChar char="»"/>
+              <a:defRPr sz="2000">
+                <a:solidFill>
+                  <a:schemeClr val="tx1"/>
+                </a:solidFill>
+                <a:latin typeface="Arial" panose="020B0604020202020204" pitchFamily="34" charset="0"/>
+                <a:cs typeface="Arial" panose="020B0604020202020204" pitchFamily="34" charset="0"/>
+              </a:defRPr>
+            </a:lvl9pPr>
+          </a:lstStyle>
+          <a:p>
+            <a:pPr eaLnBrk="1" hangingPunct="1">
+              <a:spcBef>
+                <a:spcPct val="0"/>
+              </a:spcBef>
+              <a:buFontTx/>
+              <a:buNone/>
+            </a:pPr>
+            <a:r>
+              <a:rPr lang="en-US" altLang="en-US" sz="1600">
+                <a:latin typeface="Times New Roman" panose="02020603050405020304" pitchFamily="18" charset="0"/>
+                <a:cs typeface="Times New Roman" panose="02020603050405020304" pitchFamily="18" charset="0"/>
+              </a:rPr>
+              <a:t>Figure: Donate Food</a:t>
+            </a:r>
+          </a:p>
+        </p:txBody>
+      </p:sp>
+      <p:sp>
+        <p:nvSpPr>
+          <p:cNvPr id="11" name="TextBox 11">
+            <a:extLst>
+              <a:ext uri="{FF2B5EF4-FFF2-40B4-BE49-F238E27FC236}">
+                <a16:creationId xmlns:a16="http://schemas.microsoft.com/office/drawing/2014/main" id="{167BB529-4F9C-4BDA-B06C-A753AF77BEDA}"/>
+              </a:ext>
+            </a:extLst>
+          </p:cNvPr>
+          <p:cNvSpPr txBox="1">
+            <a:spLocks noChangeArrowheads="1"/>
+          </p:cNvSpPr>
+          <p:nvPr/>
+        </p:nvSpPr>
+        <p:spPr bwMode="auto">
+          <a:xfrm>
+            <a:off x="5848350" y="5992813"/>
+            <a:ext cx="1392238" cy="338137"/>
+          </a:xfrm>
+          <a:prstGeom prst="rect">
+            <a:avLst/>
+          </a:prstGeom>
+          <a:noFill/>
+          <a:ln>
+            <a:noFill/>
+          </a:ln>
+          <a:extLst>
+            <a:ext uri="{909E8E84-426E-40DD-AFC4-6F175D3DCCD1}">
+              <a14:hiddenFill xmlns:a14="http://schemas.microsoft.com/office/drawing/2010/main">
+                <a:solidFill>
+                  <a:srgbClr val="FFFFFF"/>
+                </a:solidFill>
+              </a14:hiddenFill>
+            </a:ext>
+            <a:ext uri="{91240B29-F687-4F45-9708-019B960494DF}">
+              <a14:hiddenLine xmlns:a14="http://schemas.microsoft.com/office/drawing/2010/main" w="9525">
+                <a:solidFill>
+                  <a:srgbClr val="000000"/>
+                </a:solidFill>
+                <a:miter lim="800000"/>
+                <a:headEnd/>
+                <a:tailEnd/>
+              </a14:hiddenLine>
+            </a:ext>
+          </a:extLst>
+        </p:spPr>
+        <p:txBody>
+          <a:bodyPr wrap="none">
+            <a:spAutoFit/>
+          </a:bodyPr>
+          <a:lstStyle>
+            <a:lvl1pPr>
+              <a:spcBef>
+                <a:spcPct val="20000"/>
+              </a:spcBef>
+              <a:buChar char="•"/>
+              <a:defRPr sz="3200">
+                <a:solidFill>
+                  <a:schemeClr val="tx1"/>
+                </a:solidFill>
+                <a:latin typeface="Arial" panose="020B0604020202020204" pitchFamily="34" charset="0"/>
+                <a:cs typeface="Arial" panose="020B0604020202020204" pitchFamily="34" charset="0"/>
+              </a:defRPr>
+            </a:lvl1pPr>
+            <a:lvl2pPr marL="742950" indent="-285750">
+              <a:spcBef>
+                <a:spcPct val="20000"/>
+              </a:spcBef>
+              <a:buChar char="–"/>
+              <a:defRPr sz="2800">
+                <a:solidFill>
+                  <a:schemeClr val="tx1"/>
+                </a:solidFill>
+                <a:latin typeface="Arial" panose="020B0604020202020204" pitchFamily="34" charset="0"/>
+                <a:cs typeface="Arial" panose="020B0604020202020204" pitchFamily="34" charset="0"/>
+              </a:defRPr>
+            </a:lvl2pPr>
+            <a:lvl3pPr marL="1143000" indent="-228600">
+              <a:spcBef>
+                <a:spcPct val="20000"/>
+              </a:spcBef>
+              <a:buChar char="•"/>
+              <a:defRPr sz="2400">
+                <a:solidFill>
+                  <a:schemeClr val="tx1"/>
+                </a:solidFill>
+                <a:latin typeface="Arial" panose="020B0604020202020204" pitchFamily="34" charset="0"/>
+                <a:cs typeface="Arial" panose="020B0604020202020204" pitchFamily="34" charset="0"/>
+              </a:defRPr>
+            </a:lvl3pPr>
+            <a:lvl4pPr marL="1600200" indent="-228600">
+              <a:spcBef>
+                <a:spcPct val="20000"/>
+              </a:spcBef>
+              <a:buChar char="–"/>
+              <a:defRPr sz="2000">
+                <a:solidFill>
+                  <a:schemeClr val="tx1"/>
+                </a:solidFill>
+                <a:latin typeface="Arial" panose="020B0604020202020204" pitchFamily="34" charset="0"/>
+                <a:cs typeface="Arial" panose="020B0604020202020204" pitchFamily="34" charset="0"/>
+              </a:defRPr>
+            </a:lvl4pPr>
+            <a:lvl5pPr marL="2057400" indent="-228600">
+              <a:spcBef>
+                <a:spcPct val="20000"/>
+              </a:spcBef>
+              <a:buChar char="»"/>
+              <a:defRPr sz="2000">
+                <a:solidFill>
+                  <a:schemeClr val="tx1"/>
+                </a:solidFill>
+                <a:latin typeface="Arial" panose="020B0604020202020204" pitchFamily="34" charset="0"/>
+                <a:cs typeface="Arial" panose="020B0604020202020204" pitchFamily="34" charset="0"/>
+              </a:defRPr>
+            </a:lvl5pPr>
+            <a:lvl6pPr marL="2514600" indent="-228600" eaLnBrk="0" fontAlgn="base" hangingPunct="0">
+              <a:spcBef>
+                <a:spcPct val="20000"/>
+              </a:spcBef>
+              <a:spcAft>
+                <a:spcPct val="0"/>
+              </a:spcAft>
+              <a:buChar char="»"/>
+              <a:defRPr sz="2000">
+                <a:solidFill>
+                  <a:schemeClr val="tx1"/>
+                </a:solidFill>
+                <a:latin typeface="Arial" panose="020B0604020202020204" pitchFamily="34" charset="0"/>
+                <a:cs typeface="Arial" panose="020B0604020202020204" pitchFamily="34" charset="0"/>
+              </a:defRPr>
+            </a:lvl6pPr>
+            <a:lvl7pPr marL="2971800" indent="-228600" eaLnBrk="0" fontAlgn="base" hangingPunct="0">
+              <a:spcBef>
+                <a:spcPct val="20000"/>
+              </a:spcBef>
+              <a:spcAft>
+                <a:spcPct val="0"/>
+              </a:spcAft>
+              <a:buChar char="»"/>
+              <a:defRPr sz="2000">
+                <a:solidFill>
+                  <a:schemeClr val="tx1"/>
+                </a:solidFill>
+                <a:latin typeface="Arial" panose="020B0604020202020204" pitchFamily="34" charset="0"/>
+                <a:cs typeface="Arial" panose="020B0604020202020204" pitchFamily="34" charset="0"/>
+              </a:defRPr>
+            </a:lvl7pPr>
+            <a:lvl8pPr marL="3429000" indent="-228600" eaLnBrk="0" fontAlgn="base" hangingPunct="0">
+              <a:spcBef>
+                <a:spcPct val="20000"/>
+              </a:spcBef>
+              <a:spcAft>
+                <a:spcPct val="0"/>
+              </a:spcAft>
+              <a:buChar char="»"/>
+              <a:defRPr sz="2000">
+                <a:solidFill>
+                  <a:schemeClr val="tx1"/>
+                </a:solidFill>
+                <a:latin typeface="Arial" panose="020B0604020202020204" pitchFamily="34" charset="0"/>
+                <a:cs typeface="Arial" panose="020B0604020202020204" pitchFamily="34" charset="0"/>
+              </a:defRPr>
+            </a:lvl8pPr>
+            <a:lvl9pPr marL="3886200" indent="-228600" eaLnBrk="0" fontAlgn="base" hangingPunct="0">
+              <a:spcBef>
+                <a:spcPct val="20000"/>
+              </a:spcBef>
+              <a:spcAft>
+                <a:spcPct val="0"/>
+              </a:spcAft>
+              <a:buChar char="»"/>
+              <a:defRPr sz="2000">
+                <a:solidFill>
+                  <a:schemeClr val="tx1"/>
+                </a:solidFill>
+                <a:latin typeface="Arial" panose="020B0604020202020204" pitchFamily="34" charset="0"/>
+                <a:cs typeface="Arial" panose="020B0604020202020204" pitchFamily="34" charset="0"/>
+              </a:defRPr>
+            </a:lvl9pPr>
+          </a:lstStyle>
+          <a:p>
+            <a:pPr eaLnBrk="1" hangingPunct="1">
+              <a:spcBef>
+                <a:spcPct val="0"/>
+              </a:spcBef>
+              <a:buFontTx/>
+              <a:buNone/>
+            </a:pPr>
+            <a:r>
+              <a:rPr lang="en-US" altLang="en-US" sz="1600">
+                <a:latin typeface="Times New Roman" panose="02020603050405020304" pitchFamily="18" charset="0"/>
+                <a:cs typeface="Times New Roman" panose="02020603050405020304" pitchFamily="18" charset="0"/>
+              </a:rPr>
+              <a:t>Figure: Profile</a:t>
+            </a:r>
+          </a:p>
+        </p:txBody>
+      </p:sp>
+      <p:pic>
+        <p:nvPicPr>
+          <p:cNvPr id="12" name="Picture 11">
+            <a:extLst>
+              <a:ext uri="{FF2B5EF4-FFF2-40B4-BE49-F238E27FC236}">
+                <a16:creationId xmlns:a16="http://schemas.microsoft.com/office/drawing/2014/main" id="{C83CD07E-4A5A-4B22-9BA2-19AFBDCB40EB}"/>
+              </a:ext>
+            </a:extLst>
+          </p:cNvPr>
+          <p:cNvPicPr>
+            <a:picLocks noChangeAspect="1"/>
+          </p:cNvPicPr>
+          <p:nvPr/>
+        </p:nvPicPr>
+        <p:blipFill>
+          <a:blip r:embed="rId2"/>
+          <a:stretch>
+            <a:fillRect/>
+          </a:stretch>
+        </p:blipFill>
+        <p:spPr>
+          <a:xfrm>
+            <a:off x="1763713" y="1628775"/>
+            <a:ext cx="2097087" cy="4219575"/>
+          </a:xfrm>
+          <a:prstGeom prst="rect">
+            <a:avLst/>
+          </a:prstGeom>
+          <a:ln>
+            <a:noFill/>
+          </a:ln>
+          <a:effectLst>
+            <a:outerShdw blurRad="190500" algn="tl" rotWithShape="0">
+              <a:srgbClr val="000000">
+                <a:alpha val="70000"/>
+              </a:srgbClr>
+            </a:outerShdw>
+          </a:effectLst>
+        </p:spPr>
+      </p:pic>
+      <p:pic>
+        <p:nvPicPr>
+          <p:cNvPr id="13" name="Picture 12">
+            <a:extLst>
+              <a:ext uri="{FF2B5EF4-FFF2-40B4-BE49-F238E27FC236}">
+                <a16:creationId xmlns:a16="http://schemas.microsoft.com/office/drawing/2014/main" id="{64B51E4F-3542-407C-8381-563493A954A9}"/>
+              </a:ext>
+            </a:extLst>
+          </p:cNvPr>
+          <p:cNvPicPr>
+            <a:picLocks noChangeAspect="1"/>
+          </p:cNvPicPr>
+          <p:nvPr/>
+        </p:nvPicPr>
+        <p:blipFill>
+          <a:blip r:embed="rId3"/>
+          <a:stretch>
+            <a:fillRect/>
+          </a:stretch>
+        </p:blipFill>
+        <p:spPr>
+          <a:xfrm>
+            <a:off x="5505450" y="1628775"/>
+            <a:ext cx="2097088" cy="4219575"/>
+          </a:xfrm>
+          <a:prstGeom prst="rect">
+            <a:avLst/>
+          </a:prstGeom>
+          <a:ln>
+            <a:noFill/>
+          </a:ln>
+          <a:effectLst>
+            <a:outerShdw blurRad="190500" algn="tl" rotWithShape="0">
+              <a:srgbClr val="000000">
+                <a:alpha val="70000"/>
+              </a:srgbClr>
+            </a:outerShdw>
+          </a:effectLst>
+        </p:spPr>
+      </p:pic>
+    </p:spTree>
+    <p:extLst>
+      <p:ext uri="{BB962C8B-B14F-4D97-AF65-F5344CB8AC3E}">
+        <p14:creationId xmlns:p14="http://schemas.microsoft.com/office/powerpoint/2010/main" val="1341877122"/>
+      </p:ext>
+    </p:extLst>
+  </p:cSld>
+  <p:clrMapOvr>
+    <a:masterClrMapping/>
+  </p:clrMapOvr>
+</p:sld>
+</file>
+
+<file path=ppt/slides/slide14.xml><?xml version="1.0" encoding="utf-8"?>
+<p:sld xmlns:a="http://schemas.openxmlformats.org/drawingml/2006/main" xmlns:r="http://schemas.openxmlformats.org/officeDocument/2006/relationships" xmlns:p="http://schemas.openxmlformats.org/presentationml/2006/main">
+  <p:cSld>
+    <p:spTree>
+      <p:nvGrpSpPr>
+        <p:cNvPr id="1" name=""/>
+        <p:cNvGrpSpPr/>
+        <p:nvPr/>
+      </p:nvGrpSpPr>
+      <p:grpSpPr>
+        <a:xfrm>
+          <a:off x="0" y="0"/>
+          <a:ext cx="0" cy="0"/>
+          <a:chOff x="0" y="0"/>
+          <a:chExt cx="0" cy="0"/>
+        </a:xfrm>
+      </p:grpSpPr>
+      <p:sp>
+        <p:nvSpPr>
+          <p:cNvPr id="4" name="Title 1">
+            <a:extLst>
+              <a:ext uri="{FF2B5EF4-FFF2-40B4-BE49-F238E27FC236}">
+                <a16:creationId xmlns:a16="http://schemas.microsoft.com/office/drawing/2014/main" id="{3C781828-6F18-4BDC-B830-E70437793F7C}"/>
+              </a:ext>
+            </a:extLst>
+          </p:cNvPr>
+          <p:cNvSpPr txBox="1">
+            <a:spLocks/>
+          </p:cNvSpPr>
+          <p:nvPr/>
+        </p:nvSpPr>
+        <p:spPr>
+          <a:xfrm>
+            <a:off x="485633" y="240519"/>
+            <a:ext cx="7950200" cy="533400"/>
+          </a:xfrm>
+          <a:prstGeom prst="rect">
+            <a:avLst/>
+          </a:prstGeom>
+        </p:spPr>
+        <p:txBody>
+          <a:bodyPr vert="horz" lIns="91440" tIns="45720" rIns="91440" bIns="45720" rtlCol="0" anchor="ctr">
+            <a:normAutofit fontScale="90000" lnSpcReduction="10000"/>
+          </a:bodyPr>
+          <a:lstStyle>
+            <a:lvl1pPr algn="ctr" defTabSz="914400" rtl="0" eaLnBrk="1" latinLnBrk="0" hangingPunct="1">
+              <a:spcBef>
+                <a:spcPct val="0"/>
+              </a:spcBef>
+              <a:buNone/>
+              <a:defRPr sz="4400" kern="1200">
+                <a:solidFill>
+                  <a:schemeClr val="tx1"/>
+                </a:solidFill>
+                <a:latin typeface="+mj-lt"/>
+                <a:ea typeface="+mj-ea"/>
+                <a:cs typeface="+mj-cs"/>
+              </a:defRPr>
+            </a:lvl1pPr>
+          </a:lstStyle>
+          <a:p>
+            <a:pPr>
+              <a:defRPr/>
+            </a:pPr>
+            <a:r>
+              <a:rPr lang="en-US" sz="3600" dirty="0">
+                <a:latin typeface="Times New Roman" panose="02020603050405020304" pitchFamily="18" charset="0"/>
+                <a:cs typeface="Times New Roman" panose="02020603050405020304" pitchFamily="18" charset="0"/>
+              </a:rPr>
+              <a:t>Features (Continued)</a:t>
+            </a:r>
+          </a:p>
+        </p:txBody>
+      </p:sp>
+      <p:sp>
+        <p:nvSpPr>
+          <p:cNvPr id="5" name="TextBox 4">
+            <a:extLst>
+              <a:ext uri="{FF2B5EF4-FFF2-40B4-BE49-F238E27FC236}">
+                <a16:creationId xmlns:a16="http://schemas.microsoft.com/office/drawing/2014/main" id="{A9185B58-5C7C-413B-98F3-E99F1A08938B}"/>
+              </a:ext>
+            </a:extLst>
+          </p:cNvPr>
+          <p:cNvSpPr txBox="1">
+            <a:spLocks noChangeArrowheads="1"/>
+          </p:cNvSpPr>
+          <p:nvPr/>
+        </p:nvSpPr>
+        <p:spPr bwMode="auto">
+          <a:xfrm>
+            <a:off x="1509797" y="5787837"/>
+            <a:ext cx="2382383" cy="338554"/>
+          </a:xfrm>
+          <a:prstGeom prst="rect">
+            <a:avLst/>
+          </a:prstGeom>
+          <a:noFill/>
+          <a:ln>
+            <a:noFill/>
+          </a:ln>
+          <a:extLst>
+            <a:ext uri="{909E8E84-426E-40DD-AFC4-6F175D3DCCD1}">
+              <a14:hiddenFill xmlns:a14="http://schemas.microsoft.com/office/drawing/2010/main">
+                <a:solidFill>
+                  <a:srgbClr val="FFFFFF"/>
+                </a:solidFill>
+              </a14:hiddenFill>
+            </a:ext>
+            <a:ext uri="{91240B29-F687-4F45-9708-019B960494DF}">
+              <a14:hiddenLine xmlns:a14="http://schemas.microsoft.com/office/drawing/2010/main" w="9525">
+                <a:solidFill>
+                  <a:srgbClr val="000000"/>
+                </a:solidFill>
+                <a:miter lim="800000"/>
+                <a:headEnd/>
+                <a:tailEnd/>
+              </a14:hiddenLine>
+            </a:ext>
+          </a:extLst>
+        </p:spPr>
+        <p:txBody>
+          <a:bodyPr wrap="none">
+            <a:spAutoFit/>
+          </a:bodyPr>
+          <a:lstStyle>
+            <a:lvl1pPr>
+              <a:spcBef>
+                <a:spcPct val="20000"/>
+              </a:spcBef>
+              <a:buChar char="•"/>
+              <a:defRPr sz="3200">
+                <a:solidFill>
+                  <a:schemeClr val="tx1"/>
+                </a:solidFill>
+                <a:latin typeface="Arial" panose="020B0604020202020204" pitchFamily="34" charset="0"/>
+                <a:cs typeface="Arial" panose="020B0604020202020204" pitchFamily="34" charset="0"/>
+              </a:defRPr>
+            </a:lvl1pPr>
+            <a:lvl2pPr marL="742950" indent="-285750">
+              <a:spcBef>
+                <a:spcPct val="20000"/>
+              </a:spcBef>
+              <a:buChar char="–"/>
+              <a:defRPr sz="2800">
+                <a:solidFill>
+                  <a:schemeClr val="tx1"/>
+                </a:solidFill>
+                <a:latin typeface="Arial" panose="020B0604020202020204" pitchFamily="34" charset="0"/>
+                <a:cs typeface="Arial" panose="020B0604020202020204" pitchFamily="34" charset="0"/>
+              </a:defRPr>
+            </a:lvl2pPr>
+            <a:lvl3pPr marL="1143000" indent="-228600">
+              <a:spcBef>
+                <a:spcPct val="20000"/>
+              </a:spcBef>
+              <a:buChar char="•"/>
+              <a:defRPr sz="2400">
+                <a:solidFill>
+                  <a:schemeClr val="tx1"/>
+                </a:solidFill>
+                <a:latin typeface="Arial" panose="020B0604020202020204" pitchFamily="34" charset="0"/>
+                <a:cs typeface="Arial" panose="020B0604020202020204" pitchFamily="34" charset="0"/>
+              </a:defRPr>
+            </a:lvl3pPr>
+            <a:lvl4pPr marL="1600200" indent="-228600">
+              <a:spcBef>
+                <a:spcPct val="20000"/>
+              </a:spcBef>
+              <a:buChar char="–"/>
+              <a:defRPr sz="2000">
+                <a:solidFill>
+                  <a:schemeClr val="tx1"/>
+                </a:solidFill>
+                <a:latin typeface="Arial" panose="020B0604020202020204" pitchFamily="34" charset="0"/>
+                <a:cs typeface="Arial" panose="020B0604020202020204" pitchFamily="34" charset="0"/>
+              </a:defRPr>
+            </a:lvl4pPr>
+            <a:lvl5pPr marL="2057400" indent="-228600">
+              <a:spcBef>
+                <a:spcPct val="20000"/>
+              </a:spcBef>
+              <a:buChar char="»"/>
+              <a:defRPr sz="2000">
+                <a:solidFill>
+                  <a:schemeClr val="tx1"/>
+                </a:solidFill>
+                <a:latin typeface="Arial" panose="020B0604020202020204" pitchFamily="34" charset="0"/>
+                <a:cs typeface="Arial" panose="020B0604020202020204" pitchFamily="34" charset="0"/>
+              </a:defRPr>
+            </a:lvl5pPr>
+            <a:lvl6pPr marL="2514600" indent="-228600" eaLnBrk="0" fontAlgn="base" hangingPunct="0">
+              <a:spcBef>
+                <a:spcPct val="20000"/>
+              </a:spcBef>
+              <a:spcAft>
+                <a:spcPct val="0"/>
+              </a:spcAft>
+              <a:buChar char="»"/>
+              <a:defRPr sz="2000">
+                <a:solidFill>
+                  <a:schemeClr val="tx1"/>
+                </a:solidFill>
+                <a:latin typeface="Arial" panose="020B0604020202020204" pitchFamily="34" charset="0"/>
+                <a:cs typeface="Arial" panose="020B0604020202020204" pitchFamily="34" charset="0"/>
+              </a:defRPr>
+            </a:lvl6pPr>
+            <a:lvl7pPr marL="2971800" indent="-228600" eaLnBrk="0" fontAlgn="base" hangingPunct="0">
+              <a:spcBef>
+                <a:spcPct val="20000"/>
+              </a:spcBef>
+              <a:spcAft>
+                <a:spcPct val="0"/>
+              </a:spcAft>
+              <a:buChar char="»"/>
+              <a:defRPr sz="2000">
+                <a:solidFill>
+                  <a:schemeClr val="tx1"/>
+                </a:solidFill>
+                <a:latin typeface="Arial" panose="020B0604020202020204" pitchFamily="34" charset="0"/>
+                <a:cs typeface="Arial" panose="020B0604020202020204" pitchFamily="34" charset="0"/>
+              </a:defRPr>
+            </a:lvl7pPr>
+            <a:lvl8pPr marL="3429000" indent="-228600" eaLnBrk="0" fontAlgn="base" hangingPunct="0">
+              <a:spcBef>
+                <a:spcPct val="20000"/>
+              </a:spcBef>
+              <a:spcAft>
+                <a:spcPct val="0"/>
+              </a:spcAft>
+              <a:buChar char="»"/>
+              <a:defRPr sz="2000">
+                <a:solidFill>
+                  <a:schemeClr val="tx1"/>
+                </a:solidFill>
+                <a:latin typeface="Arial" panose="020B0604020202020204" pitchFamily="34" charset="0"/>
+                <a:cs typeface="Arial" panose="020B0604020202020204" pitchFamily="34" charset="0"/>
+              </a:defRPr>
+            </a:lvl8pPr>
+            <a:lvl9pPr marL="3886200" indent="-228600" eaLnBrk="0" fontAlgn="base" hangingPunct="0">
+              <a:spcBef>
+                <a:spcPct val="20000"/>
+              </a:spcBef>
+              <a:spcAft>
+                <a:spcPct val="0"/>
+              </a:spcAft>
+              <a:buChar char="»"/>
+              <a:defRPr sz="2000">
+                <a:solidFill>
+                  <a:schemeClr val="tx1"/>
+                </a:solidFill>
+                <a:latin typeface="Arial" panose="020B0604020202020204" pitchFamily="34" charset="0"/>
+                <a:cs typeface="Arial" panose="020B0604020202020204" pitchFamily="34" charset="0"/>
+              </a:defRPr>
+            </a:lvl9pPr>
+          </a:lstStyle>
+          <a:p>
+            <a:pPr eaLnBrk="1" hangingPunct="1">
+              <a:spcBef>
+                <a:spcPct val="0"/>
+              </a:spcBef>
+              <a:buFontTx/>
+              <a:buNone/>
+            </a:pPr>
+            <a:r>
+              <a:rPr lang="en-US" altLang="en-US" sz="1600" dirty="0">
+                <a:latin typeface="Times New Roman" panose="02020603050405020304" pitchFamily="18" charset="0"/>
+                <a:cs typeface="Times New Roman" panose="02020603050405020304" pitchFamily="18" charset="0"/>
+              </a:rPr>
+              <a:t>Figure: Pending Food Post</a:t>
+            </a:r>
+          </a:p>
+        </p:txBody>
+      </p:sp>
+      <p:sp>
+        <p:nvSpPr>
+          <p:cNvPr id="6" name="TextBox 11">
+            <a:extLst>
+              <a:ext uri="{FF2B5EF4-FFF2-40B4-BE49-F238E27FC236}">
+                <a16:creationId xmlns:a16="http://schemas.microsoft.com/office/drawing/2014/main" id="{41B8ED07-5A5B-4A26-BD01-A98B16B760F2}"/>
+              </a:ext>
+            </a:extLst>
+          </p:cNvPr>
+          <p:cNvSpPr txBox="1">
+            <a:spLocks noChangeArrowheads="1"/>
+          </p:cNvSpPr>
+          <p:nvPr/>
+        </p:nvSpPr>
+        <p:spPr bwMode="auto">
+          <a:xfrm>
+            <a:off x="5049294" y="5787837"/>
+            <a:ext cx="2092239" cy="338554"/>
+          </a:xfrm>
+          <a:prstGeom prst="rect">
+            <a:avLst/>
+          </a:prstGeom>
+          <a:noFill/>
+          <a:ln>
+            <a:noFill/>
+          </a:ln>
+          <a:extLst>
+            <a:ext uri="{909E8E84-426E-40DD-AFC4-6F175D3DCCD1}">
+              <a14:hiddenFill xmlns:a14="http://schemas.microsoft.com/office/drawing/2010/main">
+                <a:solidFill>
+                  <a:srgbClr val="FFFFFF"/>
+                </a:solidFill>
+              </a14:hiddenFill>
+            </a:ext>
+            <a:ext uri="{91240B29-F687-4F45-9708-019B960494DF}">
+              <a14:hiddenLine xmlns:a14="http://schemas.microsoft.com/office/drawing/2010/main" w="9525">
+                <a:solidFill>
+                  <a:srgbClr val="000000"/>
+                </a:solidFill>
+                <a:miter lim="800000"/>
+                <a:headEnd/>
+                <a:tailEnd/>
+              </a14:hiddenLine>
+            </a:ext>
+          </a:extLst>
+        </p:spPr>
+        <p:txBody>
+          <a:bodyPr wrap="none">
+            <a:spAutoFit/>
+          </a:bodyPr>
+          <a:lstStyle>
+            <a:lvl1pPr>
+              <a:spcBef>
+                <a:spcPct val="20000"/>
+              </a:spcBef>
+              <a:buChar char="•"/>
+              <a:defRPr sz="3200">
+                <a:solidFill>
+                  <a:schemeClr val="tx1"/>
+                </a:solidFill>
+                <a:latin typeface="Arial" panose="020B0604020202020204" pitchFamily="34" charset="0"/>
+                <a:cs typeface="Arial" panose="020B0604020202020204" pitchFamily="34" charset="0"/>
+              </a:defRPr>
+            </a:lvl1pPr>
+            <a:lvl2pPr marL="742950" indent="-285750">
+              <a:spcBef>
+                <a:spcPct val="20000"/>
+              </a:spcBef>
+              <a:buChar char="–"/>
+              <a:defRPr sz="2800">
+                <a:solidFill>
+                  <a:schemeClr val="tx1"/>
+                </a:solidFill>
+                <a:latin typeface="Arial" panose="020B0604020202020204" pitchFamily="34" charset="0"/>
+                <a:cs typeface="Arial" panose="020B0604020202020204" pitchFamily="34" charset="0"/>
+              </a:defRPr>
+            </a:lvl2pPr>
+            <a:lvl3pPr marL="1143000" indent="-228600">
+              <a:spcBef>
+                <a:spcPct val="20000"/>
+              </a:spcBef>
+              <a:buChar char="•"/>
+              <a:defRPr sz="2400">
+                <a:solidFill>
+                  <a:schemeClr val="tx1"/>
+                </a:solidFill>
+                <a:latin typeface="Arial" panose="020B0604020202020204" pitchFamily="34" charset="0"/>
+                <a:cs typeface="Arial" panose="020B0604020202020204" pitchFamily="34" charset="0"/>
+              </a:defRPr>
+            </a:lvl3pPr>
+            <a:lvl4pPr marL="1600200" indent="-228600">
+              <a:spcBef>
+                <a:spcPct val="20000"/>
+              </a:spcBef>
+              <a:buChar char="–"/>
+              <a:defRPr sz="2000">
+                <a:solidFill>
+                  <a:schemeClr val="tx1"/>
+                </a:solidFill>
+                <a:latin typeface="Arial" panose="020B0604020202020204" pitchFamily="34" charset="0"/>
+                <a:cs typeface="Arial" panose="020B0604020202020204" pitchFamily="34" charset="0"/>
+              </a:defRPr>
+            </a:lvl4pPr>
+            <a:lvl5pPr marL="2057400" indent="-228600">
+              <a:spcBef>
+                <a:spcPct val="20000"/>
+              </a:spcBef>
+              <a:buChar char="»"/>
+              <a:defRPr sz="2000">
+                <a:solidFill>
+                  <a:schemeClr val="tx1"/>
+                </a:solidFill>
+                <a:latin typeface="Arial" panose="020B0604020202020204" pitchFamily="34" charset="0"/>
+                <a:cs typeface="Arial" panose="020B0604020202020204" pitchFamily="34" charset="0"/>
+              </a:defRPr>
+            </a:lvl5pPr>
+            <a:lvl6pPr marL="2514600" indent="-228600" eaLnBrk="0" fontAlgn="base" hangingPunct="0">
+              <a:spcBef>
+                <a:spcPct val="20000"/>
+              </a:spcBef>
+              <a:spcAft>
+                <a:spcPct val="0"/>
+              </a:spcAft>
+              <a:buChar char="»"/>
+              <a:defRPr sz="2000">
+                <a:solidFill>
+                  <a:schemeClr val="tx1"/>
+                </a:solidFill>
+                <a:latin typeface="Arial" panose="020B0604020202020204" pitchFamily="34" charset="0"/>
+                <a:cs typeface="Arial" panose="020B0604020202020204" pitchFamily="34" charset="0"/>
+              </a:defRPr>
+            </a:lvl6pPr>
+            <a:lvl7pPr marL="2971800" indent="-228600" eaLnBrk="0" fontAlgn="base" hangingPunct="0">
+              <a:spcBef>
+                <a:spcPct val="20000"/>
+              </a:spcBef>
+              <a:spcAft>
+                <a:spcPct val="0"/>
+              </a:spcAft>
+              <a:buChar char="»"/>
+              <a:defRPr sz="2000">
+                <a:solidFill>
+                  <a:schemeClr val="tx1"/>
+                </a:solidFill>
+                <a:latin typeface="Arial" panose="020B0604020202020204" pitchFamily="34" charset="0"/>
+                <a:cs typeface="Arial" panose="020B0604020202020204" pitchFamily="34" charset="0"/>
+              </a:defRPr>
+            </a:lvl7pPr>
+            <a:lvl8pPr marL="3429000" indent="-228600" eaLnBrk="0" fontAlgn="base" hangingPunct="0">
+              <a:spcBef>
+                <a:spcPct val="20000"/>
+              </a:spcBef>
+              <a:spcAft>
+                <a:spcPct val="0"/>
+              </a:spcAft>
+              <a:buChar char="»"/>
+              <a:defRPr sz="2000">
+                <a:solidFill>
+                  <a:schemeClr val="tx1"/>
+                </a:solidFill>
+                <a:latin typeface="Arial" panose="020B0604020202020204" pitchFamily="34" charset="0"/>
+                <a:cs typeface="Arial" panose="020B0604020202020204" pitchFamily="34" charset="0"/>
+              </a:defRPr>
+            </a:lvl8pPr>
+            <a:lvl9pPr marL="3886200" indent="-228600" eaLnBrk="0" fontAlgn="base" hangingPunct="0">
+              <a:spcBef>
+                <a:spcPct val="20000"/>
+              </a:spcBef>
+              <a:spcAft>
+                <a:spcPct val="0"/>
+              </a:spcAft>
+              <a:buChar char="»"/>
+              <a:defRPr sz="2000">
+                <a:solidFill>
+                  <a:schemeClr val="tx1"/>
+                </a:solidFill>
+                <a:latin typeface="Arial" panose="020B0604020202020204" pitchFamily="34" charset="0"/>
+                <a:cs typeface="Arial" panose="020B0604020202020204" pitchFamily="34" charset="0"/>
+              </a:defRPr>
+            </a:lvl9pPr>
+          </a:lstStyle>
+          <a:p>
+            <a:pPr eaLnBrk="1" hangingPunct="1">
+              <a:spcBef>
+                <a:spcPct val="0"/>
+              </a:spcBef>
+              <a:buFontTx/>
+              <a:buNone/>
+            </a:pPr>
+            <a:r>
+              <a:rPr lang="en-US" altLang="en-US" sz="1600" dirty="0">
+                <a:latin typeface="Times New Roman" panose="02020603050405020304" pitchFamily="18" charset="0"/>
+                <a:cs typeface="Times New Roman" panose="02020603050405020304" pitchFamily="18" charset="0"/>
+              </a:rPr>
+              <a:t>Figure: Collected Food</a:t>
+            </a:r>
+          </a:p>
+        </p:txBody>
+      </p:sp>
+      <p:pic>
+        <p:nvPicPr>
+          <p:cNvPr id="10" name="Picture 9">
+            <a:extLst>
+              <a:ext uri="{FF2B5EF4-FFF2-40B4-BE49-F238E27FC236}">
+                <a16:creationId xmlns:a16="http://schemas.microsoft.com/office/drawing/2014/main" id="{A9AEFD3B-A15F-4820-84F0-B0D9566EFB95}"/>
+              </a:ext>
+            </a:extLst>
+          </p:cNvPr>
+          <p:cNvPicPr>
+            <a:picLocks noChangeAspect="1"/>
+          </p:cNvPicPr>
+          <p:nvPr/>
+        </p:nvPicPr>
+        <p:blipFill>
+          <a:blip r:embed="rId2" cstate="print">
+            <a:extLst>
+              <a:ext uri="{28A0092B-C50C-407E-A947-70E740481C1C}">
+                <a14:useLocalDpi xmlns:a14="http://schemas.microsoft.com/office/drawing/2010/main" val="0"/>
+              </a:ext>
+            </a:extLst>
+          </a:blip>
+          <a:stretch>
+            <a:fillRect/>
+          </a:stretch>
+        </p:blipFill>
+        <p:spPr>
+          <a:xfrm>
+            <a:off x="5032234" y="1423206"/>
+            <a:ext cx="2097087" cy="4219575"/>
+          </a:xfrm>
+          <a:prstGeom prst="rect">
+            <a:avLst/>
+          </a:prstGeom>
+          <a:ln>
+            <a:noFill/>
+          </a:ln>
+          <a:effectLst>
+            <a:outerShdw blurRad="190500" algn="tl" rotWithShape="0">
+              <a:srgbClr val="000000">
+                <a:alpha val="70000"/>
+              </a:srgbClr>
+            </a:outerShdw>
+          </a:effectLst>
+        </p:spPr>
+      </p:pic>
+      <p:pic>
+        <p:nvPicPr>
+          <p:cNvPr id="12" name="Picture 11">
+            <a:extLst>
+              <a:ext uri="{FF2B5EF4-FFF2-40B4-BE49-F238E27FC236}">
+                <a16:creationId xmlns:a16="http://schemas.microsoft.com/office/drawing/2014/main" id="{A6D65515-EF5F-4462-A9A5-B4E1103E6FF3}"/>
+              </a:ext>
+            </a:extLst>
+          </p:cNvPr>
+          <p:cNvPicPr>
+            <a:picLocks noChangeAspect="1"/>
+          </p:cNvPicPr>
+          <p:nvPr/>
+        </p:nvPicPr>
+        <p:blipFill>
+          <a:blip r:embed="rId3" cstate="print">
+            <a:extLst>
+              <a:ext uri="{28A0092B-C50C-407E-A947-70E740481C1C}">
+                <a14:useLocalDpi xmlns:a14="http://schemas.microsoft.com/office/drawing/2010/main" val="0"/>
+              </a:ext>
+            </a:extLst>
+          </a:blip>
+          <a:stretch>
+            <a:fillRect/>
+          </a:stretch>
+        </p:blipFill>
+        <p:spPr>
+          <a:xfrm>
+            <a:off x="1672287" y="1421997"/>
+            <a:ext cx="2097087" cy="4191214"/>
+          </a:xfrm>
+          <a:prstGeom prst="rect">
+            <a:avLst/>
+          </a:prstGeom>
+          <a:ln>
+            <a:noFill/>
+          </a:ln>
+          <a:effectLst>
+            <a:outerShdw blurRad="190500" algn="tl" rotWithShape="0">
+              <a:srgbClr val="000000">
+                <a:alpha val="70000"/>
+              </a:srgbClr>
+            </a:outerShdw>
+          </a:effectLst>
+        </p:spPr>
+      </p:pic>
+    </p:spTree>
+    <p:extLst>
+      <p:ext uri="{BB962C8B-B14F-4D97-AF65-F5344CB8AC3E}">
+        <p14:creationId xmlns:p14="http://schemas.microsoft.com/office/powerpoint/2010/main" val="3010976986"/>
+      </p:ext>
+    </p:extLst>
+  </p:cSld>
+  <p:clrMapOvr>
+    <a:masterClrMapping/>
+  </p:clrMapOvr>
+</p:sld>
+</file>
+
+<file path=ppt/slides/slide15.xml><?xml version="1.0" encoding="utf-8"?>
+<p:sld xmlns:a="http://schemas.openxmlformats.org/drawingml/2006/main" xmlns:r="http://schemas.openxmlformats.org/officeDocument/2006/relationships" xmlns:p="http://schemas.openxmlformats.org/presentationml/2006/main">
+  <p:cSld>
+    <p:spTree>
+      <p:nvGrpSpPr>
+        <p:cNvPr id="1" name=""/>
+        <p:cNvGrpSpPr/>
+        <p:nvPr/>
+      </p:nvGrpSpPr>
+      <p:grpSpPr>
+        <a:xfrm>
+          <a:off x="0" y="0"/>
+          <a:ext cx="0" cy="0"/>
+          <a:chOff x="0" y="0"/>
+          <a:chExt cx="0" cy="0"/>
+        </a:xfrm>
+      </p:grpSpPr>
+      <p:sp>
+        <p:nvSpPr>
+          <p:cNvPr id="6" name="Title 1">
+            <a:extLst>
+              <a:ext uri="{FF2B5EF4-FFF2-40B4-BE49-F238E27FC236}">
+                <a16:creationId xmlns:a16="http://schemas.microsoft.com/office/drawing/2014/main" id="{F7168479-E135-453F-8836-ADCAB36AEA28}"/>
+              </a:ext>
+            </a:extLst>
+          </p:cNvPr>
+          <p:cNvSpPr>
+            <a:spLocks noGrp="1"/>
+          </p:cNvSpPr>
+          <p:nvPr>
+            <p:ph type="title"/>
+          </p:nvPr>
+        </p:nvSpPr>
+        <p:spPr>
+          <a:xfrm>
+            <a:off x="457200" y="170597"/>
+            <a:ext cx="8229600" cy="1143000"/>
+          </a:xfrm>
+        </p:spPr>
+        <p:txBody>
+          <a:bodyPr>
+            <a:normAutofit/>
+          </a:bodyPr>
+          <a:lstStyle/>
+          <a:p>
+            <a:r>
+              <a:rPr lang="en-US" sz="3200" dirty="0">
+                <a:latin typeface="Times New Roman" panose="02020603050405020304" pitchFamily="18" charset="0"/>
+                <a:cs typeface="Times New Roman" panose="02020603050405020304" pitchFamily="18" charset="0"/>
+              </a:rPr>
+              <a:t>Advantage and Disadvantage</a:t>
+            </a:r>
+          </a:p>
+        </p:txBody>
+      </p:sp>
+      <p:sp>
+        <p:nvSpPr>
+          <p:cNvPr id="7" name="Content Placeholder 2">
+            <a:extLst>
+              <a:ext uri="{FF2B5EF4-FFF2-40B4-BE49-F238E27FC236}">
+                <a16:creationId xmlns:a16="http://schemas.microsoft.com/office/drawing/2014/main" id="{206B46B2-7F47-4D45-88E5-A6056F7F30A3}"/>
+              </a:ext>
+            </a:extLst>
+          </p:cNvPr>
+          <p:cNvSpPr>
+            <a:spLocks noGrp="1"/>
+          </p:cNvSpPr>
+          <p:nvPr>
+            <p:ph idx="1"/>
+          </p:nvPr>
+        </p:nvSpPr>
+        <p:spPr>
+          <a:xfrm>
+            <a:off x="457200" y="1313597"/>
+            <a:ext cx="8229600" cy="5087203"/>
+          </a:xfrm>
+        </p:spPr>
+        <p:txBody>
+          <a:bodyPr>
+            <a:noAutofit/>
+          </a:bodyPr>
+          <a:lstStyle/>
+          <a:p>
+            <a:pPr marL="0" marR="0" indent="0" algn="just">
+              <a:lnSpc>
+                <a:spcPct val="150000"/>
+              </a:lnSpc>
+              <a:spcBef>
+                <a:spcPts val="0"/>
+              </a:spcBef>
+              <a:spcAft>
+                <a:spcPts val="1000"/>
+              </a:spcAft>
+              <a:buNone/>
+            </a:pPr>
+            <a:r>
+              <a:rPr lang="en-US" sz="1800" b="1" dirty="0">
+                <a:effectLst/>
+                <a:latin typeface="Times New Roman" panose="02020603050405020304" pitchFamily="18" charset="0"/>
+                <a:ea typeface="Calibri" panose="020F0502020204030204" pitchFamily="34" charset="0"/>
+                <a:cs typeface="Vrinda" panose="020B0502040204020203" pitchFamily="34" charset="0"/>
+              </a:rPr>
+              <a:t>Advantage</a:t>
+            </a:r>
+            <a:endParaRPr lang="en-US" sz="1800" dirty="0">
+              <a:effectLst/>
+              <a:latin typeface="Calibri" panose="020F0502020204030204" pitchFamily="34" charset="0"/>
+              <a:ea typeface="Calibri" panose="020F0502020204030204" pitchFamily="34" charset="0"/>
+              <a:cs typeface="Vrinda" panose="020B0502040204020203" pitchFamily="34" charset="0"/>
+            </a:endParaRPr>
+          </a:p>
+          <a:p>
+            <a:pPr marL="0" marR="0" indent="0" algn="just">
+              <a:lnSpc>
+                <a:spcPct val="150000"/>
+              </a:lnSpc>
+              <a:spcBef>
+                <a:spcPts val="0"/>
+              </a:spcBef>
+              <a:spcAft>
+                <a:spcPts val="1000"/>
+              </a:spcAft>
+              <a:buNone/>
+            </a:pPr>
+            <a:r>
+              <a:rPr lang="en-US" sz="1800" dirty="0">
+                <a:solidFill>
+                  <a:srgbClr val="000000"/>
+                </a:solidFill>
+                <a:effectLst/>
+                <a:latin typeface="Times New Roman" panose="02020603050405020304" pitchFamily="18" charset="0"/>
+                <a:ea typeface="MS Mincho" panose="02020609040205080304" pitchFamily="49" charset="-128"/>
+                <a:cs typeface="Vrinda" panose="020B0502040204020203" pitchFamily="34" charset="0"/>
+              </a:rPr>
+              <a:t>This application will be beneficial for people of all occupations and ages. Users can perform a role to help poor and foodless people of this society through this application.</a:t>
+            </a:r>
+            <a:endParaRPr lang="en-US" sz="1800" dirty="0">
+              <a:solidFill>
+                <a:srgbClr val="000000"/>
+              </a:solidFill>
+              <a:latin typeface="Calibri" panose="020F0502020204030204" pitchFamily="34" charset="0"/>
+              <a:ea typeface="MS Mincho" panose="02020609040205080304" pitchFamily="49" charset="-128"/>
+              <a:cs typeface="Vrinda" panose="020B0502040204020203" pitchFamily="34" charset="0"/>
+            </a:endParaRPr>
+          </a:p>
+          <a:p>
+            <a:pPr marL="0" marR="0" indent="0" algn="just">
+              <a:lnSpc>
+                <a:spcPct val="150000"/>
+              </a:lnSpc>
+              <a:spcBef>
+                <a:spcPts val="0"/>
+              </a:spcBef>
+              <a:spcAft>
+                <a:spcPts val="1000"/>
+              </a:spcAft>
+              <a:buNone/>
+            </a:pPr>
+            <a:endParaRPr lang="en-US" sz="1800" dirty="0">
+              <a:effectLst/>
+              <a:latin typeface="Calibri" panose="020F0502020204030204" pitchFamily="34" charset="0"/>
+              <a:ea typeface="Calibri" panose="020F0502020204030204" pitchFamily="34" charset="0"/>
+              <a:cs typeface="Vrinda" panose="020B0502040204020203" pitchFamily="34" charset="0"/>
+            </a:endParaRPr>
+          </a:p>
+          <a:p>
+            <a:pPr marL="0" marR="0" indent="0" algn="just">
+              <a:lnSpc>
+                <a:spcPct val="150000"/>
+              </a:lnSpc>
+              <a:spcBef>
+                <a:spcPts val="0"/>
+              </a:spcBef>
+              <a:spcAft>
+                <a:spcPts val="1000"/>
+              </a:spcAft>
+              <a:buNone/>
+            </a:pPr>
+            <a:r>
+              <a:rPr lang="en-US" sz="1800" b="1" dirty="0">
+                <a:effectLst/>
+                <a:latin typeface="Times New Roman" panose="02020603050405020304" pitchFamily="18" charset="0"/>
+                <a:ea typeface="Calibri" panose="020F0502020204030204" pitchFamily="34" charset="0"/>
+                <a:cs typeface="Vrinda" panose="020B0502040204020203" pitchFamily="34" charset="0"/>
+              </a:rPr>
+              <a:t>Disadvantage</a:t>
+            </a:r>
+            <a:endParaRPr lang="en-US" sz="1800" b="1" dirty="0">
+              <a:latin typeface="Calibri" panose="020F0502020204030204" pitchFamily="34" charset="0"/>
+              <a:ea typeface="Calibri" panose="020F0502020204030204" pitchFamily="34" charset="0"/>
+              <a:cs typeface="Vrinda" panose="020B0502040204020203" pitchFamily="34" charset="0"/>
+            </a:endParaRPr>
+          </a:p>
+          <a:p>
+            <a:pPr marL="0" marR="0" indent="0" algn="just">
+              <a:lnSpc>
+                <a:spcPct val="150000"/>
+              </a:lnSpc>
+              <a:spcBef>
+                <a:spcPts val="0"/>
+              </a:spcBef>
+              <a:spcAft>
+                <a:spcPts val="1000"/>
+              </a:spcAft>
+              <a:buNone/>
+            </a:pPr>
+            <a:r>
+              <a:rPr lang="en-US" sz="1800" dirty="0">
+                <a:solidFill>
+                  <a:srgbClr val="000000"/>
+                </a:solidFill>
+                <a:effectLst/>
+                <a:latin typeface="Times New Roman" panose="02020603050405020304" pitchFamily="18" charset="0"/>
+                <a:ea typeface="MS Mincho" panose="02020609040205080304" pitchFamily="49" charset="-128"/>
+                <a:cs typeface="Vrinda" panose="020B0502040204020203" pitchFamily="34" charset="0"/>
+              </a:rPr>
+              <a:t>During the development of the application, we have faced a lot of obstacles and successfully overcame most of them. Some of the obstacles were:</a:t>
+            </a:r>
+            <a:endParaRPr lang="en-US" sz="1800" dirty="0">
+              <a:effectLst/>
+              <a:latin typeface="Calibri" panose="020F0502020204030204" pitchFamily="34" charset="0"/>
+              <a:ea typeface="Calibri" panose="020F0502020204030204" pitchFamily="34" charset="0"/>
+              <a:cs typeface="Vrinda" panose="020B0502040204020203" pitchFamily="34" charset="0"/>
+            </a:endParaRPr>
+          </a:p>
+          <a:p>
+            <a:pPr marL="342900" marR="0" lvl="0" indent="-342900" algn="just">
+              <a:lnSpc>
+                <a:spcPct val="115000"/>
+              </a:lnSpc>
+              <a:spcBef>
+                <a:spcPts val="0"/>
+              </a:spcBef>
+              <a:spcAft>
+                <a:spcPts val="0"/>
+              </a:spcAft>
+              <a:buFont typeface="Wingdings" panose="05000000000000000000" pitchFamily="2" charset="2"/>
+              <a:buChar char=""/>
+              <a:tabLst>
+                <a:tab pos="5257800" algn="l"/>
+              </a:tabLst>
+            </a:pPr>
+            <a:r>
+              <a:rPr lang="en-US" sz="1800" dirty="0">
+                <a:solidFill>
+                  <a:srgbClr val="000000"/>
+                </a:solidFill>
+                <a:effectLst/>
+                <a:latin typeface="Times New Roman" panose="02020603050405020304" pitchFamily="18" charset="0"/>
+                <a:ea typeface="MS Mincho" panose="02020609040205080304" pitchFamily="49" charset="-128"/>
+                <a:cs typeface="Vrinda" panose="020B0502040204020203" pitchFamily="34" charset="0"/>
+              </a:rPr>
+              <a:t>We had to learn firebase and cloud storage for database.</a:t>
+            </a:r>
+            <a:endParaRPr lang="en-US" sz="1800" dirty="0">
+              <a:effectLst/>
+              <a:latin typeface="Calibri" panose="020F0502020204030204" pitchFamily="34" charset="0"/>
+              <a:ea typeface="Calibri" panose="020F0502020204030204" pitchFamily="34" charset="0"/>
+              <a:cs typeface="Vrinda" panose="020B0502040204020203" pitchFamily="34" charset="0"/>
+            </a:endParaRPr>
+          </a:p>
+          <a:p>
+            <a:pPr marL="342900" marR="0" lvl="0" indent="-342900" algn="just">
+              <a:lnSpc>
+                <a:spcPct val="115000"/>
+              </a:lnSpc>
+              <a:spcBef>
+                <a:spcPts val="0"/>
+              </a:spcBef>
+              <a:spcAft>
+                <a:spcPts val="0"/>
+              </a:spcAft>
+              <a:buFont typeface="Wingdings" panose="05000000000000000000" pitchFamily="2" charset="2"/>
+              <a:buChar char=""/>
+              <a:tabLst>
+                <a:tab pos="5257800" algn="l"/>
+              </a:tabLst>
+            </a:pPr>
+            <a:r>
+              <a:rPr lang="en-US" sz="1800" dirty="0">
+                <a:solidFill>
+                  <a:srgbClr val="000000"/>
+                </a:solidFill>
+                <a:effectLst/>
+                <a:latin typeface="Times New Roman" panose="02020603050405020304" pitchFamily="18" charset="0"/>
+                <a:ea typeface="MS Mincho" panose="02020609040205080304" pitchFamily="49" charset="-128"/>
+                <a:cs typeface="Vrinda" panose="020B0502040204020203" pitchFamily="34" charset="0"/>
+              </a:rPr>
+              <a:t>Getting the response from Database and display according to the design of the app.</a:t>
+            </a:r>
+            <a:endParaRPr lang="en-US" sz="1800" dirty="0">
+              <a:effectLst/>
+              <a:latin typeface="Calibri" panose="020F0502020204030204" pitchFamily="34" charset="0"/>
+              <a:ea typeface="Calibri" panose="020F0502020204030204" pitchFamily="34" charset="0"/>
+              <a:cs typeface="Vrinda" panose="020B0502040204020203" pitchFamily="34" charset="0"/>
+            </a:endParaRPr>
+          </a:p>
+        </p:txBody>
+      </p:sp>
+    </p:spTree>
+    <p:extLst>
+      <p:ext uri="{BB962C8B-B14F-4D97-AF65-F5344CB8AC3E}">
+        <p14:creationId xmlns:p14="http://schemas.microsoft.com/office/powerpoint/2010/main" val="3477064887"/>
+      </p:ext>
+    </p:extLst>
+  </p:cSld>
+  <p:clrMapOvr>
+    <a:masterClrMapping/>
+  </p:clrMapOvr>
+</p:sld>
+</file>
+
+<file path=ppt/slides/slide16.xml><?xml version="1.0" encoding="utf-8"?>
+<p:sld xmlns:a="http://schemas.openxmlformats.org/drawingml/2006/main" xmlns:r="http://schemas.openxmlformats.org/officeDocument/2006/relationships" xmlns:p="http://schemas.openxmlformats.org/presentationml/2006/main">
+  <p:cSld>
+    <p:spTree>
+      <p:nvGrpSpPr>
+        <p:cNvPr id="1" name=""/>
+        <p:cNvGrpSpPr/>
+        <p:nvPr/>
+      </p:nvGrpSpPr>
+      <p:grpSpPr>
+        <a:xfrm>
+          <a:off x="0" y="0"/>
+          <a:ext cx="0" cy="0"/>
+          <a:chOff x="0" y="0"/>
+          <a:chExt cx="0" cy="0"/>
+        </a:xfrm>
+      </p:grpSpPr>
+      <p:sp>
+        <p:nvSpPr>
+          <p:cNvPr id="2" name="Title 1"/>
+          <p:cNvSpPr>
+            <a:spLocks noGrp="1"/>
+          </p:cNvSpPr>
+          <p:nvPr>
+            <p:ph type="title"/>
+          </p:nvPr>
+        </p:nvSpPr>
+        <p:spPr>
+          <a:xfrm>
+            <a:off x="457200" y="304800"/>
+            <a:ext cx="8229600" cy="1143000"/>
+          </a:xfrm>
+        </p:spPr>
+        <p:txBody>
+          <a:bodyPr>
+            <a:normAutofit/>
+          </a:bodyPr>
+          <a:lstStyle/>
+          <a:p>
+            <a:r>
+              <a:rPr lang="en-US" sz="3200" dirty="0">
+                <a:latin typeface="Times New Roman" panose="02020603050405020304" pitchFamily="18" charset="0"/>
+                <a:cs typeface="Times New Roman" panose="02020603050405020304" pitchFamily="18" charset="0"/>
+              </a:rPr>
+              <a:t>Conclusion</a:t>
+            </a:r>
+          </a:p>
+        </p:txBody>
+      </p:sp>
+      <p:sp>
+        <p:nvSpPr>
+          <p:cNvPr id="3" name="Content Placeholder 2"/>
+          <p:cNvSpPr>
+            <a:spLocks noGrp="1"/>
+          </p:cNvSpPr>
+          <p:nvPr>
+            <p:ph idx="1"/>
+          </p:nvPr>
+        </p:nvSpPr>
+        <p:spPr>
+          <a:xfrm>
+            <a:off x="571500" y="1828800"/>
+            <a:ext cx="8001000" cy="3810000"/>
+          </a:xfrm>
+        </p:spPr>
+        <p:txBody>
+          <a:bodyPr>
+            <a:noAutofit/>
+          </a:bodyPr>
+          <a:lstStyle/>
+          <a:p>
+            <a:pPr marL="0" marR="0" indent="0" algn="just">
+              <a:lnSpc>
+                <a:spcPct val="150000"/>
+              </a:lnSpc>
+              <a:spcBef>
+                <a:spcPts val="0"/>
+              </a:spcBef>
+              <a:spcAft>
+                <a:spcPts val="0"/>
+              </a:spcAft>
+              <a:buNone/>
+              <a:tabLst>
+                <a:tab pos="5257800" algn="l"/>
+              </a:tabLst>
+            </a:pPr>
+            <a:r>
+              <a:rPr lang="en-US" sz="1800" b="0" i="0" u="none" strike="noStrike" baseline="0" dirty="0">
+                <a:solidFill>
+                  <a:srgbClr val="000000"/>
+                </a:solidFill>
+                <a:latin typeface="Times New Roman" panose="02020603050405020304" pitchFamily="18" charset="0"/>
+              </a:rPr>
+              <a:t>The objective of this project was to implement approaches to waste management in the foodservice industry with the aim to identify innovations and to discuss their implications for food waste management. A key finding is that many companies are not actively innovating in the waste domain. They are however increasingly aware of the economic and social importance of food waste management. As the study shows, there are only a few low- or zero-waste restaurants. This application consequently provides agents to deliver food to poor, approach to waste issues pertaining to food service firms.</a:t>
+            </a:r>
+            <a:endParaRPr lang="en-US" sz="2000" dirty="0">
+              <a:effectLst/>
+              <a:latin typeface="Times New Roman" panose="02020603050405020304" pitchFamily="18" charset="0"/>
+              <a:ea typeface="Times New Roman" panose="02020603050405020304" pitchFamily="18" charset="0"/>
+            </a:endParaRPr>
+          </a:p>
+        </p:txBody>
+      </p:sp>
+    </p:spTree>
+    <p:extLst>
+      <p:ext uri="{BB962C8B-B14F-4D97-AF65-F5344CB8AC3E}">
+        <p14:creationId xmlns:p14="http://schemas.microsoft.com/office/powerpoint/2010/main" val="1236775969"/>
+      </p:ext>
+    </p:extLst>
+  </p:cSld>
+  <p:clrMapOvr>
+    <a:masterClrMapping/>
+  </p:clrMapOvr>
+</p:sld>
+</file>
+
+<file path=ppt/slides/slide17.xml><?xml version="1.0" encoding="utf-8"?>
+<p:sld xmlns:a="http://schemas.openxmlformats.org/drawingml/2006/main" xmlns:r="http://schemas.openxmlformats.org/officeDocument/2006/relationships" xmlns:p="http://schemas.openxmlformats.org/presentationml/2006/main">
+  <p:cSld>
+    <p:spTree>
+      <p:nvGrpSpPr>
+        <p:cNvPr id="1" name=""/>
+        <p:cNvGrpSpPr/>
+        <p:nvPr/>
+      </p:nvGrpSpPr>
+      <p:grpSpPr>
+        <a:xfrm>
+          <a:off x="0" y="0"/>
+          <a:ext cx="0" cy="0"/>
+          <a:chOff x="0" y="0"/>
+          <a:chExt cx="0" cy="0"/>
+        </a:xfrm>
+      </p:grpSpPr>
+      <p:sp>
+        <p:nvSpPr>
+          <p:cNvPr id="2" name="Title 1"/>
+          <p:cNvSpPr>
+            <a:spLocks noGrp="1"/>
+          </p:cNvSpPr>
+          <p:nvPr>
+            <p:ph type="title"/>
+          </p:nvPr>
+        </p:nvSpPr>
+        <p:spPr>
+          <a:xfrm>
+            <a:off x="457200" y="2286000"/>
+            <a:ext cx="8229600" cy="1143000"/>
+          </a:xfrm>
+        </p:spPr>
+        <p:txBody>
+          <a:bodyPr>
+            <a:noAutofit/>
+          </a:bodyPr>
+          <a:lstStyle/>
+          <a:p>
+            <a:r>
+              <a:rPr lang="en-US" sz="8000" dirty="0"/>
+              <a:t>Thank you</a:t>
+            </a:r>
+          </a:p>
+        </p:txBody>
+      </p:sp>
+    </p:spTree>
+  </p:cSld>
+  <p:clrMapOvr>
+    <a:masterClrMapping/>
+  </p:clrMapOvr>
+  <p:timing>
+    <p:tnLst>
+      <p:par>
+        <p:cTn id="1" dur="indefinite" restart="never" nodeType="tmRoot">
+          <p:childTnLst>
+            <p:seq concurrent="1" nextAc="seek">
+              <p:cTn id="2" dur="indefinite" nodeType="mainSeq">
+                <p:childTnLst>
+                  <p:par>
+                    <p:cTn id="3" fill="hold">
+                      <p:stCondLst>
+                        <p:cond delay="indefinite"/>
+                      </p:stCondLst>
+                      <p:childTnLst>
+                        <p:par>
+                          <p:cTn id="4" fill="hold">
+                            <p:stCondLst>
+                              <p:cond delay="0"/>
+                            </p:stCondLst>
+                            <p:childTnLst>
+                              <p:par>
+                                <p:cTn id="5" presetID="42" presetClass="entr" presetSubtype="0" fill="hold" grpId="0" nodeType="clickEffect">
+                                  <p:stCondLst>
+                                    <p:cond delay="0"/>
+                                  </p:stCondLst>
+                                  <p:childTnLst>
+                                    <p:set>
+                                      <p:cBhvr>
+                                        <p:cTn id="6" dur="1" fill="hold">
+                                          <p:stCondLst>
+                                            <p:cond delay="0"/>
+                                          </p:stCondLst>
+                                        </p:cTn>
+                                        <p:tgtEl>
+                                          <p:spTgt spid="2"/>
+                                        </p:tgtEl>
+                                        <p:attrNameLst>
+                                          <p:attrName>style.visibility</p:attrName>
+                                        </p:attrNameLst>
+                                      </p:cBhvr>
+                                      <p:to>
+                                        <p:strVal val="visible"/>
+                                      </p:to>
+                                    </p:set>
+                                    <p:animEffect transition="in" filter="fade">
+                                      <p:cBhvr>
+                                        <p:cTn id="7" dur="1000"/>
+                                        <p:tgtEl>
+                                          <p:spTgt spid="2"/>
+                                        </p:tgtEl>
+                                      </p:cBhvr>
+                                    </p:animEffect>
+                                    <p:anim calcmode="lin" valueType="num">
+                                      <p:cBhvr>
+                                        <p:cTn id="8" dur="1000" fill="hold"/>
+                                        <p:tgtEl>
+                                          <p:spTgt spid="2"/>
+                                        </p:tgtEl>
+                                        <p:attrNameLst>
+                                          <p:attrName>ppt_x</p:attrName>
+                                        </p:attrNameLst>
+                                      </p:cBhvr>
+                                      <p:tavLst>
+                                        <p:tav tm="0">
+                                          <p:val>
+                                            <p:strVal val="#ppt_x"/>
+                                          </p:val>
+                                        </p:tav>
+                                        <p:tav tm="100000">
+                                          <p:val>
+                                            <p:strVal val="#ppt_x"/>
+                                          </p:val>
+                                        </p:tav>
+                                      </p:tavLst>
+                                    </p:anim>
+                                    <p:anim calcmode="lin" valueType="num">
+                                      <p:cBhvr>
+                                        <p:cTn id="9" dur="1000" fill="hold"/>
+                                        <p:tgtEl>
+                                          <p:spTgt spid="2"/>
+                                        </p:tgtEl>
+                                        <p:attrNameLst>
+                                          <p:attrName>ppt_y</p:attrName>
+                                        </p:attrNameLst>
+                                      </p:cBhvr>
+                                      <p:tavLst>
+                                        <p:tav tm="0">
+                                          <p:val>
+                                            <p:strVal val="#ppt_y+.1"/>
+                                          </p:val>
+                                        </p:tav>
+                                        <p:tav tm="100000">
+                                          <p:val>
+                                            <p:strVal val="#ppt_y"/>
+                                          </p:val>
+                                        </p:tav>
+                                      </p:tavLst>
+                                    </p:anim>
+                                  </p:childTnLst>
+                                </p:cTn>
+                              </p:par>
+                            </p:childTnLst>
+                          </p:cTn>
+                        </p:par>
+                      </p:childTnLst>
+                    </p:cTn>
+                  </p:par>
+                </p:childTnLst>
+              </p:cTn>
+              <p:prevCondLst>
+                <p:cond evt="onPrev" delay="0">
+                  <p:tgtEl>
+                    <p:sldTgt/>
+                  </p:tgtEl>
+                </p:cond>
+              </p:prevCondLst>
+              <p:nextCondLst>
+                <p:cond evt="onNext" delay="0">
+                  <p:tgtEl>
+                    <p:sldTgt/>
+                  </p:tgtEl>
+                </p:cond>
+              </p:nextCondLst>
+            </p:seq>
+          </p:childTnLst>
+        </p:cTn>
+      </p:par>
+    </p:tnLst>
+    <p:bldLst>
+      <p:bldP spid="2" grpId="0"/>
+    </p:bldLst>
+  </p:timing>
+</p:sld>
+</file>
+
+<file path=ppt/slides/slide2.xml><?xml version="1.0" encoding="utf-8"?>
+<p:sld xmlns:a="http://schemas.openxmlformats.org/drawingml/2006/main" xmlns:r="http://schemas.openxmlformats.org/officeDocument/2006/relationships" xmlns:p="http://schemas.openxmlformats.org/presentationml/2006/main">
+  <p:cSld>
+    <p:spTree>
+      <p:nvGrpSpPr>
+        <p:cNvPr id="1" name=""/>
+        <p:cNvGrpSpPr/>
+        <p:nvPr/>
+      </p:nvGrpSpPr>
+      <p:grpSpPr>
+        <a:xfrm>
+          <a:off x="0" y="0"/>
+          <a:ext cx="0" cy="0"/>
+          <a:chOff x="0" y="0"/>
+          <a:chExt cx="0" cy="0"/>
+        </a:xfrm>
+      </p:grpSpPr>
+      <p:sp>
+        <p:nvSpPr>
+          <p:cNvPr id="2" name="Title 1"/>
+          <p:cNvSpPr>
+            <a:spLocks noGrp="1"/>
+          </p:cNvSpPr>
+          <p:nvPr>
+            <p:ph type="title"/>
+          </p:nvPr>
+        </p:nvSpPr>
+        <p:spPr>
+          <a:xfrm>
+            <a:off x="457200" y="260991"/>
+            <a:ext cx="8229600" cy="1143000"/>
+          </a:xfrm>
+        </p:spPr>
+        <p:txBody>
+          <a:bodyPr/>
+          <a:lstStyle/>
+          <a:p>
+            <a:r>
+              <a:rPr lang="en-US" dirty="0">
+                <a:latin typeface="Times New Roman" panose="02020603050405020304" pitchFamily="18" charset="0"/>
+                <a:cs typeface="Times New Roman" panose="02020603050405020304" pitchFamily="18" charset="0"/>
+              </a:rPr>
+              <a:t>Outline</a:t>
+            </a:r>
+          </a:p>
+        </p:txBody>
+      </p:sp>
+      <p:sp>
+        <p:nvSpPr>
+          <p:cNvPr id="3" name="Content Placeholder 2"/>
+          <p:cNvSpPr>
+            <a:spLocks noGrp="1"/>
+          </p:cNvSpPr>
+          <p:nvPr>
+            <p:ph idx="1"/>
+          </p:nvPr>
+        </p:nvSpPr>
+        <p:spPr>
+          <a:xfrm>
+            <a:off x="2514600" y="1524000"/>
+            <a:ext cx="5505734" cy="4722172"/>
+          </a:xfrm>
+        </p:spPr>
+        <p:txBody>
+          <a:bodyPr>
+            <a:normAutofit fontScale="92500" lnSpcReduction="10000"/>
+          </a:bodyPr>
+          <a:lstStyle/>
+          <a:p>
+            <a:r>
+              <a:rPr lang="en-US" altLang="en-US" sz="2400" dirty="0">
+                <a:latin typeface="Times New Roman" panose="02020603050405020304" pitchFamily="18" charset="0"/>
+                <a:cs typeface="Times New Roman" panose="02020603050405020304" pitchFamily="18" charset="0"/>
+              </a:rPr>
+              <a:t>Introduction</a:t>
+            </a:r>
+          </a:p>
+          <a:p>
+            <a:r>
+              <a:rPr lang="en-US" altLang="en-US" sz="2400" dirty="0">
+                <a:latin typeface="Times New Roman" panose="02020603050405020304" pitchFamily="18" charset="0"/>
+                <a:cs typeface="Times New Roman" panose="02020603050405020304" pitchFamily="18" charset="0"/>
+              </a:rPr>
+              <a:t>Related Works</a:t>
+            </a:r>
+          </a:p>
+          <a:p>
+            <a:r>
+              <a:rPr lang="en-US" altLang="en-US" sz="2400" dirty="0">
+                <a:latin typeface="Times New Roman" panose="02020603050405020304" pitchFamily="18" charset="0"/>
+                <a:cs typeface="Times New Roman" panose="02020603050405020304" pitchFamily="18" charset="0"/>
+              </a:rPr>
+              <a:t>Motivation</a:t>
+            </a:r>
+          </a:p>
+          <a:p>
+            <a:r>
+              <a:rPr lang="en-US" altLang="en-US" sz="2400" dirty="0">
+                <a:latin typeface="Times New Roman" panose="02020603050405020304" pitchFamily="18" charset="0"/>
+                <a:cs typeface="Times New Roman" panose="02020603050405020304" pitchFamily="18" charset="0"/>
+              </a:rPr>
+              <a:t>Objectives</a:t>
+            </a:r>
+          </a:p>
+          <a:p>
+            <a:r>
+              <a:rPr lang="en-US" altLang="en-US" sz="2400" dirty="0">
+                <a:latin typeface="Times New Roman" panose="02020603050405020304" pitchFamily="18" charset="0"/>
+                <a:cs typeface="Times New Roman" panose="02020603050405020304" pitchFamily="18" charset="0"/>
+              </a:rPr>
+              <a:t>Requirement Collection and Analysis</a:t>
+            </a:r>
+          </a:p>
+          <a:p>
+            <a:r>
+              <a:rPr lang="en-US" sz="2400" dirty="0">
+                <a:effectLst/>
+                <a:latin typeface="Times New Roman" panose="02020603050405020304" pitchFamily="18" charset="0"/>
+                <a:ea typeface="Calibri" panose="020F0502020204030204" pitchFamily="34" charset="0"/>
+              </a:rPr>
+              <a:t>Use Case Modeling and Description</a:t>
+            </a:r>
+          </a:p>
+          <a:p>
+            <a:r>
+              <a:rPr lang="en-US" sz="2400" dirty="0">
+                <a:effectLst/>
+                <a:latin typeface="Times New Roman" panose="02020603050405020304" pitchFamily="18" charset="0"/>
+                <a:ea typeface="Calibri" panose="020F0502020204030204" pitchFamily="34" charset="0"/>
+              </a:rPr>
+              <a:t>Logical Data Model</a:t>
+            </a:r>
+          </a:p>
+          <a:p>
+            <a:r>
+              <a:rPr lang="en-US" sz="2400" dirty="0">
+                <a:effectLst/>
+                <a:latin typeface="Times New Roman" panose="02020603050405020304" pitchFamily="18" charset="0"/>
+                <a:ea typeface="Calibri" panose="020F0502020204030204" pitchFamily="34" charset="0"/>
+              </a:rPr>
+              <a:t>Proposed Diagram</a:t>
+            </a:r>
+          </a:p>
+          <a:p>
+            <a:r>
+              <a:rPr lang="en-US" sz="2400" dirty="0">
+                <a:effectLst/>
+                <a:latin typeface="Times New Roman" panose="02020603050405020304" pitchFamily="18" charset="0"/>
+                <a:ea typeface="Calibri" panose="020F0502020204030204" pitchFamily="34" charset="0"/>
+              </a:rPr>
+              <a:t>Approac</a:t>
+            </a:r>
+            <a:r>
+              <a:rPr lang="en-US" sz="2400" dirty="0">
+                <a:latin typeface="Times New Roman" panose="02020603050405020304" pitchFamily="18" charset="0"/>
+                <a:ea typeface="Calibri" panose="020F0502020204030204" pitchFamily="34" charset="0"/>
+              </a:rPr>
+              <a:t>h</a:t>
+            </a:r>
+            <a:endParaRPr lang="en-US" sz="2400" dirty="0">
+              <a:effectLst/>
+              <a:latin typeface="Times New Roman" panose="02020603050405020304" pitchFamily="18" charset="0"/>
+              <a:ea typeface="Calibri" panose="020F0502020204030204" pitchFamily="34" charset="0"/>
+            </a:endParaRPr>
+          </a:p>
+          <a:p>
+            <a:r>
+              <a:rPr lang="en-US" altLang="en-US" sz="2400" dirty="0">
+                <a:latin typeface="Times New Roman" panose="02020603050405020304" pitchFamily="18" charset="0"/>
+                <a:cs typeface="Times New Roman" panose="02020603050405020304" pitchFamily="18" charset="0"/>
+              </a:rPr>
+              <a:t>Features</a:t>
+            </a:r>
+          </a:p>
+          <a:p>
+            <a:r>
+              <a:rPr lang="en-US" altLang="en-US" sz="2400" dirty="0">
+                <a:latin typeface="Times New Roman" panose="02020603050405020304" pitchFamily="18" charset="0"/>
+                <a:cs typeface="Times New Roman" panose="02020603050405020304" pitchFamily="18" charset="0"/>
+              </a:rPr>
+              <a:t>Advantage and Disadvantage</a:t>
+            </a:r>
+          </a:p>
+          <a:p>
+            <a:r>
+              <a:rPr lang="en-US" altLang="en-US" sz="2400" dirty="0">
+                <a:latin typeface="Times New Roman" panose="02020603050405020304" pitchFamily="18" charset="0"/>
+                <a:cs typeface="Times New Roman" panose="02020603050405020304" pitchFamily="18" charset="0"/>
+              </a:rPr>
+              <a:t>Conclusion</a:t>
+            </a:r>
+            <a:endParaRPr lang="en-US" sz="2400" dirty="0"/>
+          </a:p>
+          <a:p>
+            <a:pPr>
+              <a:buNone/>
+            </a:pPr>
+            <a:endParaRPr lang="en-US" sz="2400" dirty="0">
+              <a:latin typeface="+mj-lt"/>
+            </a:endParaRPr>
+          </a:p>
+        </p:txBody>
+      </p:sp>
+    </p:spTree>
+  </p:cSld>
+  <p:clrMapOvr>
+    <a:masterClrMapping/>
+  </p:clrMapOvr>
+  <mc:AlternateContent xmlns:mc="http://schemas.openxmlformats.org/markup-compatibility/2006" xmlns:p14="http://schemas.microsoft.com/office/powerpoint/2010/main">
+    <mc:Choice Requires="p14">
+      <p:transition p14:dur="10"/>
+    </mc:Choice>
+    <mc:Fallback xmlns="">
+      <p:transition/>
+    </mc:Fallback>
+  </mc:AlternateContent>
+</p:sld>
+</file>
+
+<file path=ppt/slides/slide3.xml><?xml version="1.0" encoding="utf-8"?>
+<p:sld xmlns:a="http://schemas.openxmlformats.org/drawingml/2006/main" xmlns:r="http://schemas.openxmlformats.org/officeDocument/2006/relationships" xmlns:p="http://schemas.openxmlformats.org/presentationml/2006/main">
+  <p:cSld>
+    <p:spTree>
+      <p:nvGrpSpPr>
+        <p:cNvPr id="1" name=""/>
+        <p:cNvGrpSpPr/>
+        <p:nvPr/>
+      </p:nvGrpSpPr>
+      <p:grpSpPr>
+        <a:xfrm>
+          <a:off x="0" y="0"/>
+          <a:ext cx="0" cy="0"/>
+          <a:chOff x="0" y="0"/>
+          <a:chExt cx="0" cy="0"/>
+        </a:xfrm>
+      </p:grpSpPr>
+      <p:sp>
+        <p:nvSpPr>
+          <p:cNvPr id="2" name="Title 1"/>
+          <p:cNvSpPr>
+            <a:spLocks noGrp="1"/>
+          </p:cNvSpPr>
+          <p:nvPr>
+            <p:ph type="title"/>
+          </p:nvPr>
+        </p:nvSpPr>
+        <p:spPr>
+          <a:xfrm>
+            <a:off x="457200" y="533400"/>
+            <a:ext cx="8229600" cy="838200"/>
+          </a:xfrm>
+        </p:spPr>
+        <p:txBody>
+          <a:bodyPr>
+            <a:normAutofit/>
+          </a:bodyPr>
+          <a:lstStyle/>
+          <a:p>
+            <a:r>
+              <a:rPr lang="en-US" dirty="0">
+                <a:latin typeface="Times New Roman" panose="02020603050405020304" pitchFamily="18" charset="0"/>
+                <a:cs typeface="Times New Roman" panose="02020603050405020304" pitchFamily="18" charset="0"/>
+              </a:rPr>
+              <a:t>Introduction</a:t>
+            </a:r>
+            <a:endParaRPr lang="en-US" sz="3600" dirty="0">
+              <a:latin typeface="Times New Roman" panose="02020603050405020304" pitchFamily="18" charset="0"/>
+              <a:cs typeface="Times New Roman" panose="02020603050405020304" pitchFamily="18" charset="0"/>
+            </a:endParaRPr>
+          </a:p>
+        </p:txBody>
+      </p:sp>
+      <p:sp>
+        <p:nvSpPr>
+          <p:cNvPr id="3" name="Content Placeholder 2"/>
+          <p:cNvSpPr>
+            <a:spLocks noGrp="1"/>
+          </p:cNvSpPr>
+          <p:nvPr>
+            <p:ph idx="1"/>
+          </p:nvPr>
+        </p:nvSpPr>
+        <p:spPr>
+          <a:xfrm>
+            <a:off x="914400" y="2590800"/>
+            <a:ext cx="7543800" cy="3124200"/>
+          </a:xfrm>
+        </p:spPr>
+        <p:txBody>
+          <a:bodyPr>
+            <a:noAutofit/>
+          </a:bodyPr>
+          <a:lstStyle/>
+          <a:p>
+            <a:pPr marL="0" indent="0" algn="just">
+              <a:buNone/>
+            </a:pPr>
+            <a:r>
+              <a:rPr lang="en-US" altLang="en-US" sz="2000" dirty="0">
+                <a:latin typeface="Times New Roman" panose="02020603050405020304" pitchFamily="18" charset="0"/>
+                <a:ea typeface="MS Mincho" panose="02020609040205080304" pitchFamily="49" charset="-128"/>
+                <a:cs typeface="Times New Roman" panose="02020603050405020304" pitchFamily="18" charset="0"/>
+              </a:rPr>
+              <a:t>Food Waste Management is an online software system of donating food to the foodless people around the country.</a:t>
+            </a:r>
+            <a:endParaRPr lang="en-GB" altLang="en-US" sz="2000" dirty="0">
+              <a:latin typeface="Times New Roman" panose="02020603050405020304" pitchFamily="18" charset="0"/>
+              <a:ea typeface="MS Mincho" panose="02020609040205080304" pitchFamily="49" charset="-128"/>
+              <a:cs typeface="Times New Roman" panose="02020603050405020304" pitchFamily="18" charset="0"/>
+            </a:endParaRPr>
+          </a:p>
+        </p:txBody>
+      </p:sp>
+    </p:spTree>
+    <p:extLst>
+      <p:ext uri="{BB962C8B-B14F-4D97-AF65-F5344CB8AC3E}">
+        <p14:creationId xmlns:p14="http://schemas.microsoft.com/office/powerpoint/2010/main" val="2665907703"/>
+      </p:ext>
+    </p:extLst>
+  </p:cSld>
+  <p:clrMapOvr>
+    <a:masterClrMapping/>
+  </p:clrMapOvr>
+  <mc:AlternateContent xmlns:mc="http://schemas.openxmlformats.org/markup-compatibility/2006" xmlns:p14="http://schemas.microsoft.com/office/powerpoint/2010/main">
+    <mc:Choice Requires="p14">
+      <p:transition p14:dur="10"/>
+    </mc:Choice>
+    <mc:Fallback xmlns="">
+      <p:transition/>
+    </mc:Fallback>
+  </mc:AlternateContent>
+</p:sld>
+</file>
+
+<file path=ppt/slides/slide4.xml><?xml version="1.0" encoding="utf-8"?>
+<p:sld xmlns:a="http://schemas.openxmlformats.org/drawingml/2006/main" xmlns:r="http://schemas.openxmlformats.org/officeDocument/2006/relationships" xmlns:p="http://schemas.openxmlformats.org/presentationml/2006/main">
+  <p:cSld>
+    <p:spTree>
+      <p:nvGrpSpPr>
+        <p:cNvPr id="1" name=""/>
+        <p:cNvGrpSpPr/>
+        <p:nvPr/>
+      </p:nvGrpSpPr>
+      <p:grpSpPr>
+        <a:xfrm>
+          <a:off x="0" y="0"/>
+          <a:ext cx="0" cy="0"/>
+          <a:chOff x="0" y="0"/>
+          <a:chExt cx="0" cy="0"/>
+        </a:xfrm>
+      </p:grpSpPr>
+      <p:sp>
+        <p:nvSpPr>
+          <p:cNvPr id="2" name="Title 1"/>
+          <p:cNvSpPr>
+            <a:spLocks noGrp="1"/>
+          </p:cNvSpPr>
+          <p:nvPr>
+            <p:ph type="title"/>
+          </p:nvPr>
+        </p:nvSpPr>
+        <p:spPr>
+          <a:xfrm>
+            <a:off x="304800" y="228600"/>
+            <a:ext cx="8229600" cy="762000"/>
+          </a:xfrm>
+        </p:spPr>
+        <p:txBody>
+          <a:bodyPr>
+            <a:noAutofit/>
+          </a:bodyPr>
+          <a:lstStyle/>
+          <a:p>
+            <a:r>
+              <a:rPr lang="en-US" sz="3200" dirty="0">
+                <a:latin typeface="Times New Roman" panose="02020603050405020304" pitchFamily="18" charset="0"/>
+                <a:cs typeface="Times New Roman" panose="02020603050405020304" pitchFamily="18" charset="0"/>
+              </a:rPr>
+              <a:t>Related Works</a:t>
+            </a:r>
+          </a:p>
+        </p:txBody>
+      </p:sp>
+      <p:sp>
+        <p:nvSpPr>
+          <p:cNvPr id="3" name="Content Placeholder 2"/>
+          <p:cNvSpPr>
+            <a:spLocks noGrp="1"/>
+          </p:cNvSpPr>
+          <p:nvPr>
+            <p:ph idx="1"/>
+          </p:nvPr>
+        </p:nvSpPr>
+        <p:spPr>
+          <a:xfrm>
+            <a:off x="457200" y="1295400"/>
+            <a:ext cx="8229600" cy="1295400"/>
+          </a:xfrm>
+        </p:spPr>
+        <p:txBody>
+          <a:bodyPr>
+            <a:noAutofit/>
+          </a:bodyPr>
+          <a:lstStyle/>
+          <a:p>
+            <a:pPr marL="0" lvl="0" indent="0" algn="just">
+              <a:buNone/>
+            </a:pPr>
+            <a:r>
+              <a:rPr lang="en-US" sz="1800" dirty="0">
+                <a:effectLst/>
+                <a:latin typeface="Times New Roman" panose="02020603050405020304" pitchFamily="18" charset="0"/>
+                <a:ea typeface="Calibri" panose="020F0502020204030204" pitchFamily="34" charset="0"/>
+              </a:rPr>
+              <a:t>Some of the examples of similar applications of Food Waste Management are nosh, OLIO, </a:t>
+            </a:r>
+            <a:r>
+              <a:rPr lang="en-US" sz="1800" dirty="0" err="1">
+                <a:effectLst/>
+                <a:latin typeface="Times New Roman" panose="02020603050405020304" pitchFamily="18" charset="0"/>
+                <a:ea typeface="Calibri" panose="020F0502020204030204" pitchFamily="34" charset="0"/>
+              </a:rPr>
+              <a:t>ShareTheMeal</a:t>
+            </a:r>
+            <a:r>
+              <a:rPr lang="en-US" sz="1800" dirty="0">
+                <a:effectLst/>
+                <a:latin typeface="Times New Roman" panose="02020603050405020304" pitchFamily="18" charset="0"/>
+                <a:ea typeface="Calibri" panose="020F0502020204030204" pitchFamily="34" charset="0"/>
+              </a:rPr>
+              <a:t>: Charity Donate etc.</a:t>
+            </a:r>
+            <a:endParaRPr lang="en-US" sz="1800" dirty="0">
+              <a:solidFill>
+                <a:srgbClr val="383838"/>
+              </a:solidFill>
+              <a:effectLst/>
+              <a:latin typeface="Times New Roman" panose="02020603050405020304" pitchFamily="18" charset="0"/>
+            </a:endParaRPr>
+          </a:p>
+          <a:p>
+            <a:pPr marL="0" lvl="0" indent="0" algn="just">
+              <a:buNone/>
+            </a:pPr>
+            <a:endParaRPr lang="en-US" sz="1800" dirty="0">
+              <a:solidFill>
+                <a:srgbClr val="383838"/>
+              </a:solidFill>
+              <a:latin typeface="Times New Roman" panose="02020603050405020304" pitchFamily="18" charset="0"/>
+              <a:ea typeface="Tahoma" panose="020B0604030504040204" pitchFamily="34" charset="0"/>
+              <a:cs typeface="Times New Roman" panose="02020603050405020304" pitchFamily="18" charset="0"/>
+            </a:endParaRPr>
+          </a:p>
+        </p:txBody>
+      </p:sp>
+      <p:graphicFrame>
+        <p:nvGraphicFramePr>
+          <p:cNvPr id="4" name="Table 4">
+            <a:extLst>
+              <a:ext uri="{FF2B5EF4-FFF2-40B4-BE49-F238E27FC236}">
+                <a16:creationId xmlns:a16="http://schemas.microsoft.com/office/drawing/2014/main" id="{FCE817CD-9F53-4501-87B9-54D986FB6C27}"/>
+              </a:ext>
+            </a:extLst>
+          </p:cNvPr>
+          <p:cNvGraphicFramePr>
+            <a:graphicFrameLocks noGrp="1"/>
+          </p:cNvGraphicFramePr>
+          <p:nvPr>
+            <p:extLst>
+              <p:ext uri="{D42A27DB-BD31-4B8C-83A1-F6EECF244321}">
+                <p14:modId xmlns:p14="http://schemas.microsoft.com/office/powerpoint/2010/main" val="132013316"/>
+              </p:ext>
+            </p:extLst>
+          </p:nvPr>
+        </p:nvGraphicFramePr>
+        <p:xfrm>
+          <a:off x="458337" y="2390736"/>
+          <a:ext cx="8234148" cy="3752930"/>
+        </p:xfrm>
+        <a:graphic>
+          <a:graphicData uri="http://schemas.openxmlformats.org/drawingml/2006/table">
+            <a:tbl>
+              <a:tblPr firstRow="1" bandRow="1">
+                <a:tableStyleId>{5940675A-B579-460E-94D1-54222C63F5DA}</a:tableStyleId>
+              </a:tblPr>
+              <a:tblGrid>
+                <a:gridCol w="2362200">
+                  <a:extLst>
+                    <a:ext uri="{9D8B030D-6E8A-4147-A177-3AD203B41FA5}">
+                      <a16:colId xmlns:a16="http://schemas.microsoft.com/office/drawing/2014/main" val="679989738"/>
+                    </a:ext>
+                  </a:extLst>
+                </a:gridCol>
+                <a:gridCol w="2294001">
+                  <a:extLst>
+                    <a:ext uri="{9D8B030D-6E8A-4147-A177-3AD203B41FA5}">
+                      <a16:colId xmlns:a16="http://schemas.microsoft.com/office/drawing/2014/main" val="2129874200"/>
+                    </a:ext>
+                  </a:extLst>
+                </a:gridCol>
+                <a:gridCol w="3577947">
+                  <a:extLst>
+                    <a:ext uri="{9D8B030D-6E8A-4147-A177-3AD203B41FA5}">
+                      <a16:colId xmlns:a16="http://schemas.microsoft.com/office/drawing/2014/main" val="1385912203"/>
+                    </a:ext>
+                  </a:extLst>
+                </a:gridCol>
+              </a:tblGrid>
+              <a:tr h="544749">
+                <a:tc>
+                  <a:txBody>
+                    <a:bodyPr/>
+                    <a:lstStyle/>
+                    <a:p>
+                      <a:pPr algn="ctr"/>
+                      <a:r>
+                        <a:rPr lang="en-US" sz="1800" b="1" i="0" u="none" strike="noStrike" baseline="0" dirty="0">
+                          <a:solidFill>
+                            <a:srgbClr val="202020"/>
+                          </a:solidFill>
+                          <a:latin typeface="Times New Roman" panose="02020603050405020304" pitchFamily="18" charset="0"/>
+                        </a:rPr>
+                        <a:t>OLIO</a:t>
+                      </a:r>
+                      <a:endParaRPr lang="en-US" dirty="0"/>
+                    </a:p>
+                  </a:txBody>
+                  <a:tcPr/>
+                </a:tc>
+                <a:tc>
+                  <a:txBody>
+                    <a:bodyPr/>
+                    <a:lstStyle/>
+                    <a:p>
+                      <a:pPr algn="ctr"/>
+                      <a:r>
+                        <a:rPr lang="en-US" sz="1800" b="1" i="0" u="none" strike="noStrike" baseline="0" dirty="0">
+                          <a:solidFill>
+                            <a:srgbClr val="383838"/>
+                          </a:solidFill>
+                          <a:latin typeface="Times New Roman" panose="02020603050405020304" pitchFamily="18" charset="0"/>
+                        </a:rPr>
+                        <a:t>nosh</a:t>
+                      </a:r>
+                      <a:endParaRPr lang="en-US" dirty="0"/>
+                    </a:p>
+                  </a:txBody>
+                  <a:tcPr/>
+                </a:tc>
+                <a:tc>
+                  <a:txBody>
+                    <a:bodyPr/>
+                    <a:lstStyle/>
+                    <a:p>
+                      <a:pPr marL="0" marR="0" lvl="0" indent="0" algn="ctr" defTabSz="914400" rtl="0" eaLnBrk="1" fontAlgn="auto" latinLnBrk="0" hangingPunct="1">
+                        <a:lnSpc>
+                          <a:spcPct val="100000"/>
+                        </a:lnSpc>
+                        <a:spcBef>
+                          <a:spcPts val="0"/>
+                        </a:spcBef>
+                        <a:spcAft>
+                          <a:spcPts val="0"/>
+                        </a:spcAft>
+                        <a:buClrTx/>
+                        <a:buSzTx/>
+                        <a:buFontTx/>
+                        <a:buNone/>
+                        <a:tabLst/>
+                        <a:defRPr/>
+                      </a:pPr>
+                      <a:r>
+                        <a:rPr lang="en-US" sz="1800" b="1" i="0" u="none" strike="noStrike" baseline="0" dirty="0" err="1">
+                          <a:solidFill>
+                            <a:srgbClr val="323232"/>
+                          </a:solidFill>
+                          <a:latin typeface="Times New Roman" panose="02020603050405020304" pitchFamily="18" charset="0"/>
+                        </a:rPr>
+                        <a:t>ShareTheMeal</a:t>
+                      </a:r>
+                      <a:r>
+                        <a:rPr lang="en-US" sz="1800" b="1" i="0" u="none" strike="noStrike" baseline="0" dirty="0">
+                          <a:solidFill>
+                            <a:srgbClr val="323232"/>
+                          </a:solidFill>
+                          <a:latin typeface="Times New Roman" panose="02020603050405020304" pitchFamily="18" charset="0"/>
+                        </a:rPr>
+                        <a:t>: </a:t>
+                      </a:r>
+                      <a:r>
+                        <a:rPr lang="en-US" sz="1800" b="1" i="0" u="none" strike="noStrike" baseline="0" dirty="0">
+                          <a:solidFill>
+                            <a:srgbClr val="202020"/>
+                          </a:solidFill>
+                          <a:latin typeface="Times New Roman" panose="02020603050405020304" pitchFamily="18" charset="0"/>
+                        </a:rPr>
+                        <a:t>Charity Donate </a:t>
+                      </a:r>
+                      <a:endParaRPr lang="en-US" sz="1800" b="0" i="0" u="none" strike="noStrike" baseline="0" dirty="0">
+                        <a:solidFill>
+                          <a:srgbClr val="000000"/>
+                        </a:solidFill>
+                        <a:latin typeface="Times New Roman" panose="02020603050405020304" pitchFamily="18" charset="0"/>
+                      </a:endParaRPr>
+                    </a:p>
+                    <a:p>
+                      <a:pPr algn="ctr"/>
+                      <a:endParaRPr lang="en-US" dirty="0"/>
+                    </a:p>
+                  </a:txBody>
+                  <a:tcPr/>
+                </a:tc>
+                <a:extLst>
+                  <a:ext uri="{0D108BD9-81ED-4DB2-BD59-A6C34878D82A}">
+                    <a16:rowId xmlns:a16="http://schemas.microsoft.com/office/drawing/2014/main" val="683075942"/>
+                  </a:ext>
+                </a:extLst>
+              </a:tr>
+              <a:tr h="3112850">
+                <a:tc>
+                  <a:txBody>
+                    <a:bodyPr/>
+                    <a:lstStyle/>
+                    <a:p>
+                      <a:pPr marL="0" indent="0" algn="just">
+                        <a:buNone/>
+                      </a:pPr>
+                      <a:r>
+                        <a:rPr lang="en-US" sz="1800" b="0" i="0" u="none" strike="noStrike" baseline="0" dirty="0">
+                          <a:solidFill>
+                            <a:srgbClr val="323232"/>
+                          </a:solidFill>
+                          <a:latin typeface="Times New Roman" panose="02020603050405020304" pitchFamily="18" charset="0"/>
+                        </a:rPr>
+                        <a:t>OLIO gives the opportunity to share food and item's preventing waste and saving money. It serves free stuff, borrow things, and shop homemade directly from neighbors.</a:t>
+                      </a:r>
+                      <a:endParaRPr lang="en-US" dirty="0"/>
+                    </a:p>
+                  </a:txBody>
+                  <a:tcPr/>
+                </a:tc>
+                <a:tc>
+                  <a:txBody>
+                    <a:bodyPr/>
+                    <a:lstStyle/>
+                    <a:p>
+                      <a:pPr algn="just"/>
+                      <a:r>
+                        <a:rPr lang="en-US" sz="1800" b="0" i="0" u="none" strike="noStrike" baseline="0" dirty="0">
+                          <a:solidFill>
+                            <a:srgbClr val="323232"/>
+                          </a:solidFill>
+                          <a:latin typeface="Times New Roman" panose="02020603050405020304" pitchFamily="18" charset="0"/>
+                        </a:rPr>
+                        <a:t>With the nosh app, you can now track your food inventory, medicines and expiry date or use by or best before date while you get recipe suggestions on your food inventory.</a:t>
+                      </a:r>
+                    </a:p>
+                  </a:txBody>
+                  <a:tcPr/>
+                </a:tc>
+                <a:tc>
+                  <a:txBody>
+                    <a:bodyPr/>
+                    <a:lstStyle/>
+                    <a:p>
+                      <a:pPr algn="just"/>
+                      <a:r>
+                        <a:rPr lang="en-US" sz="1800" b="0" i="0" u="none" strike="noStrike" baseline="0" dirty="0">
+                          <a:solidFill>
+                            <a:srgbClr val="323232"/>
+                          </a:solidFill>
+                          <a:latin typeface="Times New Roman" panose="02020603050405020304" pitchFamily="18" charset="0"/>
+                        </a:rPr>
+                        <a:t>This is a charity app from the World Food Program that allows you to feed a hungry child with a tap on your phone.</a:t>
+                      </a:r>
+                      <a:endParaRPr lang="en-US" sz="1800" dirty="0">
+                        <a:solidFill>
+                          <a:srgbClr val="323232"/>
+                        </a:solidFill>
+                        <a:latin typeface="Times New Roman" panose="02020603050405020304" pitchFamily="18" charset="0"/>
+                      </a:endParaRPr>
+                    </a:p>
+                  </a:txBody>
+                  <a:tcPr/>
+                </a:tc>
+                <a:extLst>
+                  <a:ext uri="{0D108BD9-81ED-4DB2-BD59-A6C34878D82A}">
+                    <a16:rowId xmlns:a16="http://schemas.microsoft.com/office/drawing/2014/main" val="3619362331"/>
+                  </a:ext>
+                </a:extLst>
+              </a:tr>
+            </a:tbl>
+          </a:graphicData>
+        </a:graphic>
+      </p:graphicFrame>
+    </p:spTree>
+    <p:extLst>
+      <p:ext uri="{BB962C8B-B14F-4D97-AF65-F5344CB8AC3E}">
+        <p14:creationId xmlns:p14="http://schemas.microsoft.com/office/powerpoint/2010/main" val="2856947340"/>
+      </p:ext>
+    </p:extLst>
+  </p:cSld>
+  <p:clrMapOvr>
+    <a:masterClrMapping/>
+  </p:clrMapOvr>
+</p:sld>
+</file>
+
+<file path=ppt/slides/slide5.xml><?xml version="1.0" encoding="utf-8"?>
+<p:sld xmlns:a="http://schemas.openxmlformats.org/drawingml/2006/main" xmlns:r="http://schemas.openxmlformats.org/officeDocument/2006/relationships" xmlns:p="http://schemas.openxmlformats.org/presentationml/2006/main">
+  <p:cSld>
+    <p:spTree>
+      <p:nvGrpSpPr>
+        <p:cNvPr id="1" name=""/>
+        <p:cNvGrpSpPr/>
+        <p:nvPr/>
+      </p:nvGrpSpPr>
+      <p:grpSpPr>
+        <a:xfrm>
+          <a:off x="0" y="0"/>
+          <a:ext cx="0" cy="0"/>
+          <a:chOff x="0" y="0"/>
+          <a:chExt cx="0" cy="0"/>
+        </a:xfrm>
+      </p:grpSpPr>
+      <p:sp>
+        <p:nvSpPr>
+          <p:cNvPr id="2" name="Title 1"/>
+          <p:cNvSpPr>
+            <a:spLocks noGrp="1"/>
+          </p:cNvSpPr>
+          <p:nvPr>
+            <p:ph type="title"/>
+          </p:nvPr>
+        </p:nvSpPr>
+        <p:spPr>
+          <a:xfrm>
+            <a:off x="427629" y="228600"/>
+            <a:ext cx="8229600" cy="1295400"/>
+          </a:xfrm>
+        </p:spPr>
+        <p:txBody>
+          <a:bodyPr>
+            <a:normAutofit/>
+          </a:bodyPr>
+          <a:lstStyle/>
+          <a:p>
+            <a:r>
+              <a:rPr lang="en-US" sz="3200" dirty="0">
+                <a:latin typeface="Times New Roman" panose="02020603050405020304" pitchFamily="18" charset="0"/>
+                <a:cs typeface="Times New Roman" panose="02020603050405020304" pitchFamily="18" charset="0"/>
+              </a:rPr>
+              <a:t>Motivation</a:t>
+            </a:r>
+            <a:endParaRPr lang="en-US" sz="3200" dirty="0"/>
+          </a:p>
+        </p:txBody>
+      </p:sp>
+      <p:sp>
+        <p:nvSpPr>
+          <p:cNvPr id="3" name="Content Placeholder 2"/>
+          <p:cNvSpPr>
+            <a:spLocks noGrp="1"/>
+          </p:cNvSpPr>
+          <p:nvPr>
+            <p:ph idx="1"/>
+          </p:nvPr>
+        </p:nvSpPr>
+        <p:spPr>
+          <a:xfrm>
+            <a:off x="1064525" y="1752600"/>
+            <a:ext cx="7014949" cy="4343400"/>
+          </a:xfrm>
+        </p:spPr>
+        <p:txBody>
+          <a:bodyPr>
+            <a:noAutofit/>
+          </a:bodyPr>
+          <a:lstStyle/>
+          <a:p>
+            <a:pPr marL="0" indent="0" algn="just">
+              <a:lnSpc>
+                <a:spcPct val="150000"/>
+              </a:lnSpc>
+              <a:spcBef>
+                <a:spcPts val="0"/>
+              </a:spcBef>
+              <a:buNone/>
+            </a:pPr>
+            <a:r>
+              <a:rPr lang="en-US" altLang="en-US" sz="1800" dirty="0">
+                <a:latin typeface="Times New Roman" panose="02020603050405020304" pitchFamily="18" charset="0"/>
+                <a:cs typeface="Times New Roman" panose="02020603050405020304" pitchFamily="18" charset="0"/>
+              </a:rPr>
+              <a:t>There are many foodless people around the country. They can hardly afford food for their family and themselves as well. So we took a step to reach food to those helpless people from the wasted food of restaurant, community centers and party centers. </a:t>
+            </a:r>
+            <a:endParaRPr lang="en-GB" altLang="en-US" sz="1800" dirty="0">
+              <a:latin typeface="Times New Roman" panose="02020603050405020304" pitchFamily="18" charset="0"/>
+              <a:cs typeface="Times New Roman" panose="02020603050405020304" pitchFamily="18" charset="0"/>
+            </a:endParaRPr>
+          </a:p>
+          <a:p>
+            <a:pPr marL="0" marR="0" indent="0" algn="just">
+              <a:lnSpc>
+                <a:spcPct val="150000"/>
+              </a:lnSpc>
+              <a:spcBef>
+                <a:spcPts val="0"/>
+              </a:spcBef>
+              <a:spcAft>
+                <a:spcPts val="0"/>
+              </a:spcAft>
+              <a:buNone/>
+            </a:pPr>
+            <a:endParaRPr lang="en-US" sz="1800" dirty="0">
+              <a:effectLst/>
+              <a:latin typeface="Times New Roman" panose="02020603050405020304" pitchFamily="18" charset="0"/>
+              <a:ea typeface="Times New Roman" panose="02020603050405020304" pitchFamily="18" charset="0"/>
+            </a:endParaRPr>
+          </a:p>
+        </p:txBody>
+      </p:sp>
+    </p:spTree>
+    <p:extLst>
+      <p:ext uri="{BB962C8B-B14F-4D97-AF65-F5344CB8AC3E}">
+        <p14:creationId xmlns:p14="http://schemas.microsoft.com/office/powerpoint/2010/main" val="3649238120"/>
+      </p:ext>
+    </p:extLst>
+  </p:cSld>
+  <p:clrMapOvr>
+    <a:masterClrMapping/>
+  </p:clrMapOvr>
+</p:sld>
+</file>
+
+<file path=ppt/slides/slide6.xml><?xml version="1.0" encoding="utf-8"?>
+<p:sld xmlns:a="http://schemas.openxmlformats.org/drawingml/2006/main" xmlns:r="http://schemas.openxmlformats.org/officeDocument/2006/relationships" xmlns:p="http://schemas.openxmlformats.org/presentationml/2006/main">
+  <p:cSld>
+    <p:spTree>
+      <p:nvGrpSpPr>
+        <p:cNvPr id="1" name=""/>
+        <p:cNvGrpSpPr/>
+        <p:nvPr/>
+      </p:nvGrpSpPr>
+      <p:grpSpPr>
+        <a:xfrm>
+          <a:off x="0" y="0"/>
+          <a:ext cx="0" cy="0"/>
+          <a:chOff x="0" y="0"/>
+          <a:chExt cx="0" cy="0"/>
+        </a:xfrm>
+      </p:grpSpPr>
+      <p:sp>
+        <p:nvSpPr>
+          <p:cNvPr id="2" name="Title 1"/>
+          <p:cNvSpPr>
+            <a:spLocks noGrp="1"/>
+          </p:cNvSpPr>
+          <p:nvPr>
+            <p:ph type="title"/>
+          </p:nvPr>
+        </p:nvSpPr>
+        <p:spPr>
+          <a:xfrm>
+            <a:off x="152400" y="530534"/>
+            <a:ext cx="8229600" cy="792162"/>
+          </a:xfrm>
+        </p:spPr>
+        <p:txBody>
+          <a:bodyPr>
+            <a:noAutofit/>
+          </a:bodyPr>
+          <a:lstStyle/>
+          <a:p>
+            <a:r>
+              <a:rPr lang="en-US" sz="3200" dirty="0">
+                <a:latin typeface="Times New Roman" panose="02020603050405020304" pitchFamily="18" charset="0"/>
+                <a:cs typeface="Times New Roman" panose="02020603050405020304" pitchFamily="18" charset="0"/>
+              </a:rPr>
+              <a:t>Objective</a:t>
+            </a:r>
+          </a:p>
+        </p:txBody>
+      </p:sp>
+      <p:sp>
+        <p:nvSpPr>
+          <p:cNvPr id="3" name="Content Placeholder 2"/>
+          <p:cNvSpPr>
+            <a:spLocks noGrp="1"/>
+          </p:cNvSpPr>
+          <p:nvPr>
+            <p:ph idx="1"/>
+          </p:nvPr>
+        </p:nvSpPr>
+        <p:spPr>
+          <a:xfrm>
+            <a:off x="914400" y="2209800"/>
+            <a:ext cx="7315200" cy="4267200"/>
+          </a:xfrm>
+        </p:spPr>
+        <p:txBody>
+          <a:bodyPr>
+            <a:noAutofit/>
+          </a:bodyPr>
+          <a:lstStyle/>
+          <a:p>
+            <a:pPr algn="just" eaLnBrk="1" hangingPunct="1">
+              <a:defRPr/>
+            </a:pPr>
+            <a:r>
+              <a:rPr lang="en-GB" altLang="en-US" sz="1800" dirty="0">
+                <a:latin typeface="Times New Roman" panose="02020603050405020304" pitchFamily="18" charset="0"/>
+                <a:cs typeface="Times New Roman" panose="02020603050405020304" pitchFamily="18" charset="0"/>
+              </a:rPr>
+              <a:t>Doners will post the food detail, pick location address, quantity of people available for donated food</a:t>
+            </a:r>
+          </a:p>
+          <a:p>
+            <a:pPr marL="0" indent="0" algn="just" eaLnBrk="1" hangingPunct="1">
+              <a:buFont typeface="Wingdings" panose="05000000000000000000" pitchFamily="2" charset="2"/>
+              <a:buNone/>
+              <a:defRPr/>
+            </a:pPr>
+            <a:endParaRPr lang="en-GB" altLang="en-US" sz="1800" dirty="0">
+              <a:latin typeface="Times New Roman" panose="02020603050405020304" pitchFamily="18" charset="0"/>
+              <a:cs typeface="Times New Roman" panose="02020603050405020304" pitchFamily="18" charset="0"/>
+            </a:endParaRPr>
+          </a:p>
+          <a:p>
+            <a:pPr algn="just" eaLnBrk="1" hangingPunct="1">
+              <a:defRPr/>
+            </a:pPr>
+            <a:r>
+              <a:rPr lang="en-GB" altLang="en-US" sz="1800" dirty="0">
+                <a:latin typeface="Times New Roman" panose="02020603050405020304" pitchFamily="18" charset="0"/>
+                <a:cs typeface="Times New Roman" panose="02020603050405020304" pitchFamily="18" charset="0"/>
+              </a:rPr>
+              <a:t>Our agents will buy or take those foods from the pick address and reach to the foodless people</a:t>
+            </a:r>
+          </a:p>
+          <a:p>
+            <a:pPr marL="0" marR="0" indent="0" algn="just">
+              <a:lnSpc>
+                <a:spcPct val="150000"/>
+              </a:lnSpc>
+              <a:spcBef>
+                <a:spcPts val="0"/>
+              </a:spcBef>
+              <a:spcAft>
+                <a:spcPts val="0"/>
+              </a:spcAft>
+              <a:buNone/>
+            </a:pPr>
+            <a:endParaRPr lang="en-US" sz="1800" dirty="0">
+              <a:effectLst/>
+              <a:latin typeface="Times New Roman" panose="02020603050405020304" pitchFamily="18" charset="0"/>
+              <a:ea typeface="Times New Roman" panose="02020603050405020304" pitchFamily="18" charset="0"/>
+            </a:endParaRPr>
+          </a:p>
+        </p:txBody>
+      </p:sp>
+    </p:spTree>
+    <p:extLst>
+      <p:ext uri="{BB962C8B-B14F-4D97-AF65-F5344CB8AC3E}">
+        <p14:creationId xmlns:p14="http://schemas.microsoft.com/office/powerpoint/2010/main" val="1690209850"/>
+      </p:ext>
+    </p:extLst>
+  </p:cSld>
+  <p:clrMapOvr>
+    <a:masterClrMapping/>
+  </p:clrMapOvr>
+</p:sld>
+</file>
+
+<file path=ppt/slides/slide7.xml><?xml version="1.0" encoding="utf-8"?>
+<p:sld xmlns:a="http://schemas.openxmlformats.org/drawingml/2006/main" xmlns:r="http://schemas.openxmlformats.org/officeDocument/2006/relationships" xmlns:p="http://schemas.openxmlformats.org/presentationml/2006/main">
+  <p:cSld>
+    <p:spTree>
+      <p:nvGrpSpPr>
+        <p:cNvPr id="1" name=""/>
+        <p:cNvGrpSpPr/>
+        <p:nvPr/>
+      </p:nvGrpSpPr>
+      <p:grpSpPr>
+        <a:xfrm>
+          <a:off x="0" y="0"/>
+          <a:ext cx="0" cy="0"/>
+          <a:chOff x="0" y="0"/>
+          <a:chExt cx="0" cy="0"/>
+        </a:xfrm>
+      </p:grpSpPr>
+      <p:sp>
+        <p:nvSpPr>
+          <p:cNvPr id="10" name="Title 1">
+            <a:extLst>
+              <a:ext uri="{FF2B5EF4-FFF2-40B4-BE49-F238E27FC236}">
+                <a16:creationId xmlns:a16="http://schemas.microsoft.com/office/drawing/2014/main" id="{6CE00460-5759-4F8E-B668-EA6426D85940}"/>
+              </a:ext>
+            </a:extLst>
+          </p:cNvPr>
+          <p:cNvSpPr>
+            <a:spLocks noGrp="1"/>
+          </p:cNvSpPr>
+          <p:nvPr>
+            <p:ph type="title"/>
+          </p:nvPr>
+        </p:nvSpPr>
+        <p:spPr>
+          <a:xfrm>
+            <a:off x="609600" y="457200"/>
+            <a:ext cx="8229600" cy="792162"/>
+          </a:xfrm>
+        </p:spPr>
+        <p:txBody>
+          <a:bodyPr>
+            <a:noAutofit/>
+          </a:bodyPr>
+          <a:lstStyle/>
+          <a:p>
+            <a:r>
+              <a:rPr lang="en-US" sz="3200" dirty="0">
+                <a:effectLst/>
+                <a:latin typeface="Times New Roman" panose="02020603050405020304" pitchFamily="18" charset="0"/>
+                <a:ea typeface="Calibri" panose="020F0502020204030204" pitchFamily="34" charset="0"/>
+              </a:rPr>
+              <a:t>Requirement Collection and Analysis</a:t>
+            </a:r>
+            <a:endParaRPr lang="en-US" sz="3200" dirty="0">
+              <a:latin typeface="Times New Roman" panose="02020603050405020304" pitchFamily="18" charset="0"/>
+              <a:cs typeface="Times New Roman" panose="02020603050405020304" pitchFamily="18" charset="0"/>
+            </a:endParaRPr>
+          </a:p>
+        </p:txBody>
+      </p:sp>
+      <p:sp>
+        <p:nvSpPr>
+          <p:cNvPr id="12" name="Rectangle 11">
+            <a:extLst>
+              <a:ext uri="{FF2B5EF4-FFF2-40B4-BE49-F238E27FC236}">
+                <a16:creationId xmlns:a16="http://schemas.microsoft.com/office/drawing/2014/main" id="{0B87AA87-C634-43D0-97CB-337BB5235B1A}"/>
+              </a:ext>
+            </a:extLst>
+          </p:cNvPr>
+          <p:cNvSpPr/>
+          <p:nvPr/>
+        </p:nvSpPr>
+        <p:spPr>
+          <a:xfrm>
+            <a:off x="3200400" y="1662113"/>
+            <a:ext cx="3733800" cy="1676400"/>
+          </a:xfrm>
+          <a:prstGeom prst="rect">
+            <a:avLst/>
+          </a:prstGeom>
+        </p:spPr>
+        <p:style>
+          <a:lnRef idx="2">
+            <a:schemeClr val="dk1"/>
+          </a:lnRef>
+          <a:fillRef idx="1">
+            <a:schemeClr val="lt1"/>
+          </a:fillRef>
+          <a:effectRef idx="0">
+            <a:schemeClr val="dk1"/>
+          </a:effectRef>
+          <a:fontRef idx="minor">
+            <a:schemeClr val="dk1"/>
+          </a:fontRef>
+        </p:style>
+        <p:txBody>
+          <a:bodyPr rot="0" spcFirstLastPara="0" vert="horz" wrap="square" lIns="91440" tIns="45720" rIns="91440" bIns="45720" numCol="1" spcCol="0" rtlCol="0" fromWordArt="0" anchor="ctr" anchorCtr="0" forceAA="0" compatLnSpc="1">
+            <a:prstTxWarp prst="textNoShape">
+              <a:avLst/>
+            </a:prstTxWarp>
+            <a:noAutofit/>
+          </a:bodyPr>
+          <a:lstStyle/>
+          <a:p>
+            <a:pPr marL="457200" marR="0" indent="-228600">
+              <a:lnSpc>
+                <a:spcPct val="115000"/>
+              </a:lnSpc>
+              <a:spcBef>
+                <a:spcPts val="0"/>
+              </a:spcBef>
+              <a:spcAft>
+                <a:spcPts val="0"/>
+              </a:spcAft>
+            </a:pPr>
+            <a:r>
+              <a:rPr lang="en-US" dirty="0">
+                <a:effectLst/>
+                <a:latin typeface="Times New Roman" panose="02020603050405020304" pitchFamily="18" charset="0"/>
+                <a:ea typeface="Calibri" panose="020F0502020204030204" pitchFamily="34" charset="0"/>
+                <a:cs typeface="Vrinda" panose="020B0502040204020203" pitchFamily="34" charset="0"/>
+              </a:rPr>
+              <a:t>View Food Posts</a:t>
+            </a:r>
+            <a:endParaRPr lang="en-US" dirty="0">
+              <a:effectLst/>
+              <a:ea typeface="Calibri" panose="020F0502020204030204" pitchFamily="34" charset="0"/>
+              <a:cs typeface="Vrinda" panose="020B0502040204020203" pitchFamily="34" charset="0"/>
+            </a:endParaRPr>
+          </a:p>
+          <a:p>
+            <a:pPr marL="457200" marR="0" indent="-228600">
+              <a:lnSpc>
+                <a:spcPct val="115000"/>
+              </a:lnSpc>
+              <a:spcBef>
+                <a:spcPts val="0"/>
+              </a:spcBef>
+              <a:spcAft>
+                <a:spcPts val="0"/>
+              </a:spcAft>
+            </a:pPr>
+            <a:r>
+              <a:rPr lang="en-US" dirty="0">
+                <a:effectLst/>
+                <a:latin typeface="Times New Roman" panose="02020603050405020304" pitchFamily="18" charset="0"/>
+                <a:ea typeface="Calibri" panose="020F0502020204030204" pitchFamily="34" charset="0"/>
+                <a:cs typeface="Vrinda" panose="020B0502040204020203" pitchFamily="34" charset="0"/>
+              </a:rPr>
+              <a:t>Collect food from donor</a:t>
+            </a:r>
+            <a:endParaRPr lang="en-US" dirty="0">
+              <a:effectLst/>
+              <a:ea typeface="Calibri" panose="020F0502020204030204" pitchFamily="34" charset="0"/>
+              <a:cs typeface="Vrinda" panose="020B0502040204020203" pitchFamily="34" charset="0"/>
+            </a:endParaRPr>
+          </a:p>
+          <a:p>
+            <a:pPr marL="457200" marR="0" indent="-228600">
+              <a:lnSpc>
+                <a:spcPct val="115000"/>
+              </a:lnSpc>
+              <a:spcBef>
+                <a:spcPts val="0"/>
+              </a:spcBef>
+              <a:spcAft>
+                <a:spcPts val="0"/>
+              </a:spcAft>
+            </a:pPr>
+            <a:r>
+              <a:rPr lang="en-US" dirty="0">
+                <a:effectLst/>
+                <a:latin typeface="Times New Roman" panose="02020603050405020304" pitchFamily="18" charset="0"/>
+                <a:ea typeface="Calibri" panose="020F0502020204030204" pitchFamily="34" charset="0"/>
+                <a:cs typeface="Vrinda" panose="020B0502040204020203" pitchFamily="34" charset="0"/>
+              </a:rPr>
+              <a:t>Deliver those foods to poor people</a:t>
+            </a:r>
+            <a:endParaRPr lang="en-US" dirty="0">
+              <a:effectLst/>
+              <a:ea typeface="Calibri" panose="020F0502020204030204" pitchFamily="34" charset="0"/>
+              <a:cs typeface="Vrinda" panose="020B0502040204020203" pitchFamily="34" charset="0"/>
+            </a:endParaRPr>
+          </a:p>
+        </p:txBody>
+      </p:sp>
+      <p:sp>
+        <p:nvSpPr>
+          <p:cNvPr id="13" name="Rectangle 12">
+            <a:extLst>
+              <a:ext uri="{FF2B5EF4-FFF2-40B4-BE49-F238E27FC236}">
+                <a16:creationId xmlns:a16="http://schemas.microsoft.com/office/drawing/2014/main" id="{B6F86D73-E728-4111-9E8C-F2B12877C663}"/>
+              </a:ext>
+            </a:extLst>
+          </p:cNvPr>
+          <p:cNvSpPr/>
+          <p:nvPr/>
+        </p:nvSpPr>
+        <p:spPr>
+          <a:xfrm>
+            <a:off x="1828800" y="2133600"/>
+            <a:ext cx="1192529" cy="733425"/>
+          </a:xfrm>
+          <a:prstGeom prst="rect">
+            <a:avLst/>
+          </a:prstGeom>
+          <a:ln>
+            <a:solidFill>
+              <a:schemeClr val="bg1"/>
+            </a:solidFill>
+          </a:ln>
+        </p:spPr>
+        <p:style>
+          <a:lnRef idx="2">
+            <a:schemeClr val="dk1"/>
+          </a:lnRef>
+          <a:fillRef idx="1">
+            <a:schemeClr val="lt1"/>
+          </a:fillRef>
+          <a:effectRef idx="0">
+            <a:schemeClr val="dk1"/>
+          </a:effectRef>
+          <a:fontRef idx="minor">
+            <a:schemeClr val="dk1"/>
+          </a:fontRef>
+        </p:style>
+        <p:txBody>
+          <a:bodyPr rot="0" spcFirstLastPara="0" vert="horz" wrap="square" lIns="91440" tIns="45720" rIns="91440" bIns="45720" numCol="1" spcCol="0" rtlCol="0" fromWordArt="0" anchor="ctr" anchorCtr="0" forceAA="0" compatLnSpc="1">
+            <a:prstTxWarp prst="textNoShape">
+              <a:avLst/>
+            </a:prstTxWarp>
+            <a:noAutofit/>
+          </a:bodyPr>
+          <a:lstStyle/>
+          <a:p>
+            <a:pPr marL="0" marR="0">
+              <a:lnSpc>
+                <a:spcPct val="115000"/>
+              </a:lnSpc>
+              <a:spcBef>
+                <a:spcPts val="0"/>
+              </a:spcBef>
+              <a:spcAft>
+                <a:spcPts val="1000"/>
+              </a:spcAft>
+            </a:pPr>
+            <a:r>
+              <a:rPr lang="en-US" dirty="0">
+                <a:effectLst/>
+                <a:latin typeface="Times New Roman" panose="02020603050405020304" pitchFamily="18" charset="0"/>
+                <a:ea typeface="Calibri" panose="020F0502020204030204" pitchFamily="34" charset="0"/>
+                <a:cs typeface="Vrinda" panose="020B0502040204020203" pitchFamily="34" charset="0"/>
+              </a:rPr>
+              <a:t>Agent</a:t>
+            </a:r>
+            <a:endParaRPr lang="en-US" dirty="0">
+              <a:effectLst/>
+              <a:ea typeface="Calibri" panose="020F0502020204030204" pitchFamily="34" charset="0"/>
+              <a:cs typeface="Vrinda" panose="020B0502040204020203" pitchFamily="34" charset="0"/>
+            </a:endParaRPr>
+          </a:p>
+        </p:txBody>
+      </p:sp>
+      <p:sp>
+        <p:nvSpPr>
+          <p:cNvPr id="14" name="Rectangle 13">
+            <a:extLst>
+              <a:ext uri="{FF2B5EF4-FFF2-40B4-BE49-F238E27FC236}">
+                <a16:creationId xmlns:a16="http://schemas.microsoft.com/office/drawing/2014/main" id="{4616C1C2-BDEE-4F68-B899-A9FB212A17EF}"/>
+              </a:ext>
+            </a:extLst>
+          </p:cNvPr>
+          <p:cNvSpPr/>
+          <p:nvPr/>
+        </p:nvSpPr>
+        <p:spPr>
+          <a:xfrm>
+            <a:off x="3200400" y="3795713"/>
+            <a:ext cx="3408046" cy="1804035"/>
+          </a:xfrm>
+          <a:prstGeom prst="rect">
+            <a:avLst/>
+          </a:prstGeom>
+        </p:spPr>
+        <p:style>
+          <a:lnRef idx="2">
+            <a:schemeClr val="dk1"/>
+          </a:lnRef>
+          <a:fillRef idx="1">
+            <a:schemeClr val="lt1"/>
+          </a:fillRef>
+          <a:effectRef idx="0">
+            <a:schemeClr val="dk1"/>
+          </a:effectRef>
+          <a:fontRef idx="minor">
+            <a:schemeClr val="dk1"/>
+          </a:fontRef>
+        </p:style>
+        <p:txBody>
+          <a:bodyPr rot="0" spcFirstLastPara="0" vert="horz" wrap="square" lIns="91440" tIns="45720" rIns="91440" bIns="45720" numCol="1" spcCol="0" rtlCol="0" fromWordArt="0" anchor="ctr" anchorCtr="0" forceAA="0" compatLnSpc="1">
+            <a:prstTxWarp prst="textNoShape">
+              <a:avLst/>
+            </a:prstTxWarp>
+            <a:noAutofit/>
+          </a:bodyPr>
+          <a:lstStyle/>
+          <a:p>
+            <a:pPr marL="457200" marR="0" indent="-228600">
+              <a:spcBef>
+                <a:spcPts val="0"/>
+              </a:spcBef>
+              <a:spcAft>
+                <a:spcPts val="0"/>
+              </a:spcAft>
+              <a:tabLst>
+                <a:tab pos="2971800" algn="ctr"/>
+                <a:tab pos="5943600" algn="r"/>
+              </a:tabLst>
+            </a:pPr>
+            <a:r>
+              <a:rPr lang="en-US" dirty="0">
+                <a:effectLst/>
+                <a:latin typeface="Times New Roman" panose="02020603050405020304" pitchFamily="18" charset="0"/>
+                <a:ea typeface="Calibri" panose="020F0502020204030204" pitchFamily="34" charset="0"/>
+                <a:cs typeface="Vrinda" panose="020B0502040204020203" pitchFamily="34" charset="0"/>
+              </a:rPr>
+              <a:t>Register as donor</a:t>
+            </a:r>
+            <a:endParaRPr lang="en-US" dirty="0">
+              <a:effectLst/>
+              <a:ea typeface="Calibri" panose="020F0502020204030204" pitchFamily="34" charset="0"/>
+              <a:cs typeface="Vrinda" panose="020B0502040204020203" pitchFamily="34" charset="0"/>
+            </a:endParaRPr>
+          </a:p>
+          <a:p>
+            <a:pPr marL="457200" marR="0" indent="-228600">
+              <a:spcBef>
+                <a:spcPts val="0"/>
+              </a:spcBef>
+              <a:spcAft>
+                <a:spcPts val="0"/>
+              </a:spcAft>
+              <a:tabLst>
+                <a:tab pos="2971800" algn="ctr"/>
+                <a:tab pos="5943600" algn="r"/>
+              </a:tabLst>
+            </a:pPr>
+            <a:r>
+              <a:rPr lang="en-US" dirty="0">
+                <a:effectLst/>
+                <a:latin typeface="Times New Roman" panose="02020603050405020304" pitchFamily="18" charset="0"/>
+                <a:ea typeface="Calibri" panose="020F0502020204030204" pitchFamily="34" charset="0"/>
+                <a:cs typeface="Vrinda" panose="020B0502040204020203" pitchFamily="34" charset="0"/>
+              </a:rPr>
+              <a:t>Create food post</a:t>
+            </a:r>
+            <a:endParaRPr lang="en-US" dirty="0">
+              <a:effectLst/>
+              <a:ea typeface="Calibri" panose="020F0502020204030204" pitchFamily="34" charset="0"/>
+              <a:cs typeface="Vrinda" panose="020B0502040204020203" pitchFamily="34" charset="0"/>
+            </a:endParaRPr>
+          </a:p>
+          <a:p>
+            <a:pPr marL="457200" marR="0" indent="-228600">
+              <a:spcBef>
+                <a:spcPts val="0"/>
+              </a:spcBef>
+              <a:spcAft>
+                <a:spcPts val="0"/>
+              </a:spcAft>
+              <a:tabLst>
+                <a:tab pos="2971800" algn="ctr"/>
+                <a:tab pos="5943600" algn="r"/>
+              </a:tabLst>
+            </a:pPr>
+            <a:r>
+              <a:rPr lang="en-US" dirty="0">
+                <a:effectLst/>
+                <a:latin typeface="Times New Roman" panose="02020603050405020304" pitchFamily="18" charset="0"/>
+                <a:ea typeface="Calibri" panose="020F0502020204030204" pitchFamily="34" charset="0"/>
+                <a:cs typeface="Vrinda" panose="020B0502040204020203" pitchFamily="34" charset="0"/>
+              </a:rPr>
+              <a:t>Handover foods to out agents</a:t>
+            </a:r>
+            <a:endParaRPr lang="en-US" dirty="0">
+              <a:effectLst/>
+              <a:ea typeface="Calibri" panose="020F0502020204030204" pitchFamily="34" charset="0"/>
+              <a:cs typeface="Vrinda" panose="020B0502040204020203" pitchFamily="34" charset="0"/>
+            </a:endParaRPr>
+          </a:p>
+        </p:txBody>
+      </p:sp>
+      <p:sp>
+        <p:nvSpPr>
+          <p:cNvPr id="15" name="Rectangle 14">
+            <a:extLst>
+              <a:ext uri="{FF2B5EF4-FFF2-40B4-BE49-F238E27FC236}">
+                <a16:creationId xmlns:a16="http://schemas.microsoft.com/office/drawing/2014/main" id="{205E4D00-ABB3-47D3-ADE8-C924A42B22FD}"/>
+              </a:ext>
+            </a:extLst>
+          </p:cNvPr>
+          <p:cNvSpPr/>
+          <p:nvPr/>
+        </p:nvSpPr>
+        <p:spPr>
+          <a:xfrm>
+            <a:off x="1828800" y="4331017"/>
+            <a:ext cx="1192530" cy="733425"/>
+          </a:xfrm>
+          <a:prstGeom prst="rect">
+            <a:avLst/>
+          </a:prstGeom>
+          <a:ln>
+            <a:solidFill>
+              <a:schemeClr val="bg1"/>
+            </a:solidFill>
+          </a:ln>
+        </p:spPr>
+        <p:style>
+          <a:lnRef idx="2">
+            <a:schemeClr val="dk1"/>
+          </a:lnRef>
+          <a:fillRef idx="1">
+            <a:schemeClr val="lt1"/>
+          </a:fillRef>
+          <a:effectRef idx="0">
+            <a:schemeClr val="dk1"/>
+          </a:effectRef>
+          <a:fontRef idx="minor">
+            <a:schemeClr val="dk1"/>
+          </a:fontRef>
+        </p:style>
+        <p:txBody>
+          <a:bodyPr rot="0" spcFirstLastPara="0" vert="horz" wrap="square" lIns="91440" tIns="45720" rIns="91440" bIns="45720" numCol="1" spcCol="0" rtlCol="0" fromWordArt="0" anchor="ctr" anchorCtr="0" forceAA="0" compatLnSpc="1">
+            <a:prstTxWarp prst="textNoShape">
+              <a:avLst/>
+            </a:prstTxWarp>
+            <a:noAutofit/>
+          </a:bodyPr>
+          <a:lstStyle/>
+          <a:p>
+            <a:pPr marL="0" marR="0">
+              <a:lnSpc>
+                <a:spcPct val="115000"/>
+              </a:lnSpc>
+              <a:spcBef>
+                <a:spcPts val="0"/>
+              </a:spcBef>
+              <a:spcAft>
+                <a:spcPts val="1000"/>
+              </a:spcAft>
+            </a:pPr>
+            <a:r>
+              <a:rPr lang="en-US" dirty="0">
+                <a:effectLst/>
+                <a:latin typeface="Times New Roman" panose="02020603050405020304" pitchFamily="18" charset="0"/>
+                <a:ea typeface="Calibri" panose="020F0502020204030204" pitchFamily="34" charset="0"/>
+                <a:cs typeface="Vrinda" panose="020B0502040204020203" pitchFamily="34" charset="0"/>
+              </a:rPr>
+              <a:t>Donor</a:t>
+            </a:r>
+            <a:endParaRPr lang="en-US" dirty="0">
+              <a:effectLst/>
+              <a:ea typeface="Calibri" panose="020F0502020204030204" pitchFamily="34" charset="0"/>
+              <a:cs typeface="Vrinda" panose="020B0502040204020203" pitchFamily="34" charset="0"/>
+            </a:endParaRPr>
+          </a:p>
+        </p:txBody>
+      </p:sp>
+      <p:sp>
+        <p:nvSpPr>
+          <p:cNvPr id="19" name="TextBox 18">
+            <a:extLst>
+              <a:ext uri="{FF2B5EF4-FFF2-40B4-BE49-F238E27FC236}">
+                <a16:creationId xmlns:a16="http://schemas.microsoft.com/office/drawing/2014/main" id="{E52D375E-71CD-451E-8A38-867153B5661D}"/>
+              </a:ext>
+            </a:extLst>
+          </p:cNvPr>
+          <p:cNvSpPr txBox="1"/>
+          <p:nvPr/>
+        </p:nvSpPr>
+        <p:spPr>
+          <a:xfrm>
+            <a:off x="2168615" y="5861606"/>
+            <a:ext cx="5471615" cy="390684"/>
+          </a:xfrm>
+          <a:prstGeom prst="rect">
+            <a:avLst/>
+          </a:prstGeom>
+          <a:noFill/>
+        </p:spPr>
+        <p:txBody>
+          <a:bodyPr wrap="square">
+            <a:spAutoFit/>
+          </a:bodyPr>
+          <a:lstStyle/>
+          <a:p>
+            <a:pPr marL="0" marR="0" algn="ctr">
+              <a:lnSpc>
+                <a:spcPct val="115000"/>
+              </a:lnSpc>
+              <a:spcBef>
+                <a:spcPts val="0"/>
+              </a:spcBef>
+              <a:spcAft>
+                <a:spcPts val="1000"/>
+              </a:spcAft>
+              <a:tabLst>
+                <a:tab pos="1371600" algn="l"/>
+              </a:tabLst>
+            </a:pPr>
+            <a:r>
+              <a:rPr lang="en-US" sz="1800" dirty="0">
+                <a:effectLst/>
+                <a:latin typeface="Times New Roman" panose="02020603050405020304" pitchFamily="18" charset="0"/>
+                <a:ea typeface="Calibri" panose="020F0502020204030204" pitchFamily="34" charset="0"/>
+                <a:cs typeface="Vrinda" panose="020B0502040204020203" pitchFamily="34" charset="0"/>
+              </a:rPr>
+              <a:t>Figure: Requirement Collection and Analysis.</a:t>
+            </a:r>
+            <a:endParaRPr lang="en-US" sz="1600" dirty="0">
+              <a:effectLst/>
+              <a:latin typeface="Calibri" panose="020F0502020204030204" pitchFamily="34" charset="0"/>
+              <a:ea typeface="Calibri" panose="020F0502020204030204" pitchFamily="34" charset="0"/>
+              <a:cs typeface="Vrinda" panose="020B0502040204020203" pitchFamily="34" charset="0"/>
+            </a:endParaRPr>
+          </a:p>
+        </p:txBody>
+      </p:sp>
+    </p:spTree>
+    <p:extLst>
+      <p:ext uri="{BB962C8B-B14F-4D97-AF65-F5344CB8AC3E}">
+        <p14:creationId xmlns:p14="http://schemas.microsoft.com/office/powerpoint/2010/main" val="1268778050"/>
+      </p:ext>
+    </p:extLst>
+  </p:cSld>
+  <p:clrMapOvr>
+    <a:masterClrMapping/>
+  </p:clrMapOvr>
+</p:sld>
+</file>
+
+<file path=ppt/slides/slide8.xml><?xml version="1.0" encoding="utf-8"?>
+<p:sld xmlns:a="http://schemas.openxmlformats.org/drawingml/2006/main" xmlns:r="http://schemas.openxmlformats.org/officeDocument/2006/relationships" xmlns:p="http://schemas.openxmlformats.org/presentationml/2006/main">
+  <p:cSld>
+    <p:spTree>
+      <p:nvGrpSpPr>
+        <p:cNvPr id="1" name=""/>
+        <p:cNvGrpSpPr/>
+        <p:nvPr/>
+      </p:nvGrpSpPr>
+      <p:grpSpPr>
+        <a:xfrm>
+          <a:off x="0" y="0"/>
+          <a:ext cx="0" cy="0"/>
+          <a:chOff x="0" y="0"/>
+          <a:chExt cx="0" cy="0"/>
+        </a:xfrm>
+      </p:grpSpPr>
+      <p:sp>
+        <p:nvSpPr>
+          <p:cNvPr id="10" name="Title 1">
+            <a:extLst>
+              <a:ext uri="{FF2B5EF4-FFF2-40B4-BE49-F238E27FC236}">
+                <a16:creationId xmlns:a16="http://schemas.microsoft.com/office/drawing/2014/main" id="{6CE00460-5759-4F8E-B668-EA6426D85940}"/>
+              </a:ext>
+            </a:extLst>
+          </p:cNvPr>
+          <p:cNvSpPr>
+            <a:spLocks noGrp="1"/>
+          </p:cNvSpPr>
+          <p:nvPr>
+            <p:ph type="title"/>
+          </p:nvPr>
+        </p:nvSpPr>
+        <p:spPr>
+          <a:xfrm>
+            <a:off x="609600" y="457200"/>
+            <a:ext cx="8229600" cy="792162"/>
+          </a:xfrm>
+        </p:spPr>
+        <p:txBody>
+          <a:bodyPr>
+            <a:noAutofit/>
+          </a:bodyPr>
+          <a:lstStyle/>
+          <a:p>
+            <a:r>
+              <a:rPr lang="en-US" sz="3200" dirty="0">
+                <a:effectLst/>
+                <a:latin typeface="Times New Roman" panose="02020603050405020304" pitchFamily="18" charset="0"/>
+                <a:ea typeface="Calibri" panose="020F0502020204030204" pitchFamily="34" charset="0"/>
+              </a:rPr>
+              <a:t>Use Case Modeling and Description</a:t>
+            </a:r>
+            <a:endParaRPr lang="en-US" sz="3200" dirty="0">
+              <a:latin typeface="Times New Roman" panose="02020603050405020304" pitchFamily="18" charset="0"/>
+              <a:cs typeface="Times New Roman" panose="02020603050405020304" pitchFamily="18" charset="0"/>
+            </a:endParaRPr>
+          </a:p>
+        </p:txBody>
+      </p:sp>
+      <p:sp>
+        <p:nvSpPr>
+          <p:cNvPr id="2" name="Rectangle 2">
+            <a:extLst>
+              <a:ext uri="{FF2B5EF4-FFF2-40B4-BE49-F238E27FC236}">
+                <a16:creationId xmlns:a16="http://schemas.microsoft.com/office/drawing/2014/main" id="{44B4795C-F8CB-4CF1-BC00-6B6A2CD45827}"/>
+              </a:ext>
+            </a:extLst>
+          </p:cNvPr>
+          <p:cNvSpPr>
+            <a:spLocks noChangeArrowheads="1"/>
+          </p:cNvSpPr>
+          <p:nvPr/>
+        </p:nvSpPr>
+        <p:spPr bwMode="auto">
+          <a:xfrm>
+            <a:off x="1219200" y="1066800"/>
+            <a:ext cx="9144000" cy="457200"/>
+          </a:xfrm>
+          <a:prstGeom prst="rect">
+            <a:avLst/>
+          </a:prstGeom>
+          <a:noFill/>
+          <a:ln>
+            <a:noFill/>
+          </a:ln>
+          <a:effectLst/>
+          <a:extLst>
+            <a:ext uri="{909E8E84-426E-40DD-AFC4-6F175D3DCCD1}">
+              <a14:hiddenFill xmlns:a14="http://schemas.microsoft.com/office/drawing/2010/main">
+                <a:solidFill>
+                  <a:schemeClr val="accent1"/>
+                </a:solidFill>
+              </a14:hiddenFill>
+            </a:ext>
+            <a:ext uri="{91240B29-F687-4F45-9708-019B960494DF}">
+              <a14:hiddenLine xmlns:a14="http://schemas.microsoft.com/office/drawing/2010/main" w="9525">
+                <a:solidFill>
+                  <a:schemeClr val="tx1"/>
+                </a:solidFill>
+                <a:miter lim="800000"/>
+                <a:headEnd/>
+                <a:tailEnd/>
+              </a14:hiddenLine>
+            </a:ext>
+            <a:ext uri="{AF507438-7753-43E0-B8FC-AC1667EBCBE1}">
+              <a14:hiddenEffects xmlns:a14="http://schemas.microsoft.com/office/drawing/2010/main">
+                <a:effectLst>
+                  <a:outerShdw dist="35921" dir="2700000" algn="ctr" rotWithShape="0">
+                    <a:schemeClr val="bg2"/>
+                  </a:outerShdw>
+                </a:effectLst>
+              </a14:hiddenEffects>
+            </a:ext>
+          </a:extLst>
+        </p:spPr>
+        <p:txBody>
+          <a:bodyPr vert="horz" wrap="none" lIns="91440" tIns="45720" rIns="91440" bIns="45720" numCol="1" anchor="ctr" anchorCtr="0" compatLnSpc="1">
+            <a:prstTxWarp prst="textNoShape">
+              <a:avLst/>
+            </a:prstTxWarp>
+            <a:spAutoFit/>
+          </a:bodyPr>
+          <a:lstStyle/>
+          <a:p>
+            <a:endParaRPr lang="en-US"/>
+          </a:p>
+        </p:txBody>
+      </p:sp>
+      <p:pic>
+        <p:nvPicPr>
+          <p:cNvPr id="3073" name="Picture 28">
+            <a:extLst>
+              <a:ext uri="{FF2B5EF4-FFF2-40B4-BE49-F238E27FC236}">
+                <a16:creationId xmlns:a16="http://schemas.microsoft.com/office/drawing/2014/main" id="{0B358CDA-24E0-4081-B0D9-3637FA04446B}"/>
+              </a:ext>
+            </a:extLst>
+          </p:cNvPr>
+          <p:cNvPicPr>
+            <a:picLocks noChangeAspect="1" noChangeArrowheads="1"/>
+          </p:cNvPicPr>
+          <p:nvPr/>
+        </p:nvPicPr>
+        <p:blipFill>
+          <a:blip r:embed="rId2">
+            <a:extLst>
+              <a:ext uri="{28A0092B-C50C-407E-A947-70E740481C1C}">
+                <a14:useLocalDpi xmlns:a14="http://schemas.microsoft.com/office/drawing/2010/main" val="0"/>
+              </a:ext>
+            </a:extLst>
+          </a:blip>
+          <a:srcRect b="27214"/>
+          <a:stretch>
+            <a:fillRect/>
+          </a:stretch>
+        </p:blipFill>
+        <p:spPr bwMode="auto">
+          <a:xfrm>
+            <a:off x="1181669" y="1297675"/>
+            <a:ext cx="6866471" cy="3381801"/>
+          </a:xfrm>
+          <a:prstGeom prst="rect">
+            <a:avLst/>
+          </a:prstGeom>
+          <a:noFill/>
+          <a:extLst>
+            <a:ext uri="{909E8E84-426E-40DD-AFC4-6F175D3DCCD1}">
+              <a14:hiddenFill xmlns:a14="http://schemas.microsoft.com/office/drawing/2010/main">
+                <a:solidFill>
+                  <a:srgbClr val="FFFFFF"/>
+                </a:solidFill>
+              </a14:hiddenFill>
+            </a:ext>
+          </a:extLst>
+        </p:spPr>
+      </p:pic>
+      <p:sp>
+        <p:nvSpPr>
+          <p:cNvPr id="3" name="Rectangle 3">
+            <a:extLst>
+              <a:ext uri="{FF2B5EF4-FFF2-40B4-BE49-F238E27FC236}">
+                <a16:creationId xmlns:a16="http://schemas.microsoft.com/office/drawing/2014/main" id="{961481BF-3156-438B-B0A3-C138A1398446}"/>
+              </a:ext>
+            </a:extLst>
+          </p:cNvPr>
+          <p:cNvSpPr>
+            <a:spLocks noChangeArrowheads="1"/>
+          </p:cNvSpPr>
+          <p:nvPr/>
+        </p:nvSpPr>
+        <p:spPr bwMode="auto">
+          <a:xfrm>
+            <a:off x="380999" y="5487561"/>
+            <a:ext cx="8382000" cy="369332"/>
+          </a:xfrm>
+          <a:prstGeom prst="rect">
+            <a:avLst/>
+          </a:prstGeom>
+          <a:noFill/>
+          <a:ln>
+            <a:noFill/>
+          </a:ln>
+          <a:effectLst/>
+          <a:extLst>
+            <a:ext uri="{909E8E84-426E-40DD-AFC4-6F175D3DCCD1}">
+              <a14:hiddenFill xmlns:a14="http://schemas.microsoft.com/office/drawing/2010/main">
+                <a:solidFill>
+                  <a:schemeClr val="accent1"/>
+                </a:solidFill>
+              </a14:hiddenFill>
+            </a:ext>
+            <a:ext uri="{91240B29-F687-4F45-9708-019B960494DF}">
+              <a14:hiddenLine xmlns:a14="http://schemas.microsoft.com/office/drawing/2010/main" w="9525">
+                <a:solidFill>
+                  <a:schemeClr val="tx1"/>
+                </a:solidFill>
+                <a:miter lim="800000"/>
+                <a:headEnd/>
+                <a:tailEnd/>
+              </a14:hiddenLine>
+            </a:ext>
+            <a:ext uri="{AF507438-7753-43E0-B8FC-AC1667EBCBE1}">
+              <a14:hiddenEffects xmlns:a14="http://schemas.microsoft.com/office/drawing/2010/main">
+                <a:effectLst>
+                  <a:outerShdw dist="35921" dir="2700000" algn="ctr" rotWithShape="0">
+                    <a:schemeClr val="bg2"/>
+                  </a:outerShdw>
+                </a:effectLst>
+              </a14:hiddenEffects>
+            </a:ext>
+          </a:extLst>
+        </p:spPr>
+        <p:txBody>
+          <a:bodyPr vert="horz" wrap="square" lIns="91440" tIns="45720" rIns="91440" bIns="45720" numCol="1" anchor="ctr" anchorCtr="0" compatLnSpc="1">
+            <a:prstTxWarp prst="textNoShape">
+              <a:avLst/>
+            </a:prstTxWarp>
+            <a:spAutoFit/>
+          </a:bodyPr>
+          <a:lstStyle>
+            <a:lvl1pPr eaLnBrk="0" fontAlgn="base" hangingPunct="0">
+              <a:spcBef>
+                <a:spcPct val="0"/>
+              </a:spcBef>
+              <a:spcAft>
+                <a:spcPct val="0"/>
+              </a:spcAft>
+              <a:tabLst>
+                <a:tab pos="1371600" algn="l"/>
+              </a:tabLst>
+              <a:defRPr>
+                <a:solidFill>
+                  <a:schemeClr val="tx1"/>
+                </a:solidFill>
+                <a:latin typeface="Arial" panose="020B0604020202020204" pitchFamily="34" charset="0"/>
+              </a:defRPr>
+            </a:lvl1pPr>
+            <a:lvl2pPr eaLnBrk="0" fontAlgn="base" hangingPunct="0">
+              <a:spcBef>
+                <a:spcPct val="0"/>
+              </a:spcBef>
+              <a:spcAft>
+                <a:spcPct val="0"/>
+              </a:spcAft>
+              <a:tabLst>
+                <a:tab pos="1371600" algn="l"/>
+              </a:tabLst>
+              <a:defRPr>
+                <a:solidFill>
+                  <a:schemeClr val="tx1"/>
+                </a:solidFill>
+                <a:latin typeface="Arial" panose="020B0604020202020204" pitchFamily="34" charset="0"/>
+              </a:defRPr>
+            </a:lvl2pPr>
+            <a:lvl3pPr eaLnBrk="0" fontAlgn="base" hangingPunct="0">
+              <a:spcBef>
+                <a:spcPct val="0"/>
+              </a:spcBef>
+              <a:spcAft>
+                <a:spcPct val="0"/>
+              </a:spcAft>
+              <a:tabLst>
+                <a:tab pos="1371600" algn="l"/>
+              </a:tabLst>
+              <a:defRPr>
+                <a:solidFill>
+                  <a:schemeClr val="tx1"/>
+                </a:solidFill>
+                <a:latin typeface="Arial" panose="020B0604020202020204" pitchFamily="34" charset="0"/>
+              </a:defRPr>
+            </a:lvl3pPr>
+            <a:lvl4pPr eaLnBrk="0" fontAlgn="base" hangingPunct="0">
+              <a:spcBef>
+                <a:spcPct val="0"/>
+              </a:spcBef>
+              <a:spcAft>
+                <a:spcPct val="0"/>
+              </a:spcAft>
+              <a:tabLst>
+                <a:tab pos="1371600" algn="l"/>
+              </a:tabLst>
+              <a:defRPr>
+                <a:solidFill>
+                  <a:schemeClr val="tx1"/>
+                </a:solidFill>
+                <a:latin typeface="Arial" panose="020B0604020202020204" pitchFamily="34" charset="0"/>
+              </a:defRPr>
+            </a:lvl4pPr>
+            <a:lvl5pPr eaLnBrk="0" fontAlgn="base" hangingPunct="0">
+              <a:spcBef>
+                <a:spcPct val="0"/>
+              </a:spcBef>
+              <a:spcAft>
+                <a:spcPct val="0"/>
+              </a:spcAft>
+              <a:tabLst>
+                <a:tab pos="1371600" algn="l"/>
+              </a:tabLst>
+              <a:defRPr>
+                <a:solidFill>
+                  <a:schemeClr val="tx1"/>
+                </a:solidFill>
+                <a:latin typeface="Arial" panose="020B0604020202020204" pitchFamily="34" charset="0"/>
+              </a:defRPr>
+            </a:lvl5pPr>
+            <a:lvl6pPr eaLnBrk="0" fontAlgn="base" hangingPunct="0">
+              <a:spcBef>
+                <a:spcPct val="0"/>
+              </a:spcBef>
+              <a:spcAft>
+                <a:spcPct val="0"/>
+              </a:spcAft>
+              <a:tabLst>
+                <a:tab pos="1371600" algn="l"/>
+              </a:tabLst>
+              <a:defRPr>
+                <a:solidFill>
+                  <a:schemeClr val="tx1"/>
+                </a:solidFill>
+                <a:latin typeface="Arial" panose="020B0604020202020204" pitchFamily="34" charset="0"/>
+              </a:defRPr>
+            </a:lvl6pPr>
+            <a:lvl7pPr eaLnBrk="0" fontAlgn="base" hangingPunct="0">
+              <a:spcBef>
+                <a:spcPct val="0"/>
+              </a:spcBef>
+              <a:spcAft>
+                <a:spcPct val="0"/>
+              </a:spcAft>
+              <a:tabLst>
+                <a:tab pos="1371600" algn="l"/>
+              </a:tabLst>
+              <a:defRPr>
+                <a:solidFill>
+                  <a:schemeClr val="tx1"/>
+                </a:solidFill>
+                <a:latin typeface="Arial" panose="020B0604020202020204" pitchFamily="34" charset="0"/>
+              </a:defRPr>
+            </a:lvl7pPr>
+            <a:lvl8pPr eaLnBrk="0" fontAlgn="base" hangingPunct="0">
+              <a:spcBef>
+                <a:spcPct val="0"/>
+              </a:spcBef>
+              <a:spcAft>
+                <a:spcPct val="0"/>
+              </a:spcAft>
+              <a:tabLst>
+                <a:tab pos="1371600" algn="l"/>
+              </a:tabLst>
+              <a:defRPr>
+                <a:solidFill>
+                  <a:schemeClr val="tx1"/>
+                </a:solidFill>
+                <a:latin typeface="Arial" panose="020B0604020202020204" pitchFamily="34" charset="0"/>
+              </a:defRPr>
+            </a:lvl8pPr>
+            <a:lvl9pPr eaLnBrk="0" fontAlgn="base" hangingPunct="0">
+              <a:spcBef>
+                <a:spcPct val="0"/>
+              </a:spcBef>
+              <a:spcAft>
+                <a:spcPct val="0"/>
+              </a:spcAft>
+              <a:tabLst>
+                <a:tab pos="1371600" algn="l"/>
+              </a:tabLst>
+              <a:defRPr>
+                <a:solidFill>
+                  <a:schemeClr val="tx1"/>
+                </a:solidFill>
+                <a:latin typeface="Arial" panose="020B0604020202020204" pitchFamily="34" charset="0"/>
+              </a:defRPr>
+            </a:lvl9pPr>
+          </a:lstStyle>
+          <a:p>
+            <a:pPr marL="0" marR="0" lvl="0" indent="0" algn="ctr" defTabSz="914400" rtl="0" eaLnBrk="0" fontAlgn="base" latinLnBrk="0" hangingPunct="0">
+              <a:lnSpc>
+                <a:spcPct val="100000"/>
+              </a:lnSpc>
+              <a:spcBef>
+                <a:spcPct val="0"/>
+              </a:spcBef>
+              <a:spcAft>
+                <a:spcPct val="0"/>
+              </a:spcAft>
+              <a:buClrTx/>
+              <a:buSzTx/>
+              <a:buFontTx/>
+              <a:buNone/>
+              <a:tabLst>
+                <a:tab pos="1371600" algn="l"/>
+              </a:tabLst>
+            </a:pPr>
+            <a:r>
+              <a:rPr kumimoji="0" lang="en-US" altLang="en-US" b="0" i="0" u="none" strike="noStrike" cap="none" normalizeH="0" baseline="0" dirty="0">
+                <a:ln>
+                  <a:noFill/>
+                </a:ln>
+                <a:solidFill>
+                  <a:schemeClr val="tx1"/>
+                </a:solidFill>
+                <a:effectLst/>
+                <a:latin typeface="Times New Roman" panose="02020603050405020304" pitchFamily="18" charset="0"/>
+                <a:ea typeface="Calibri" panose="020F0502020204030204" pitchFamily="34" charset="0"/>
+                <a:cs typeface="Times New Roman" panose="02020603050405020304" pitchFamily="18" charset="0"/>
+              </a:rPr>
+              <a:t>Figure: Use Case Modeling and Description</a:t>
+            </a:r>
+            <a:endParaRPr kumimoji="0" lang="en-US" altLang="en-US" b="0" i="0" u="none" strike="noStrike" cap="none" normalizeH="0" baseline="0" dirty="0">
+              <a:ln>
+                <a:noFill/>
+              </a:ln>
+              <a:solidFill>
+                <a:schemeClr val="tx1"/>
+              </a:solidFill>
+              <a:effectLst/>
+              <a:latin typeface="Arial" panose="020B0604020202020204" pitchFamily="34" charset="0"/>
+            </a:endParaRPr>
+          </a:p>
+        </p:txBody>
+      </p:sp>
+    </p:spTree>
+    <p:extLst>
+      <p:ext uri="{BB962C8B-B14F-4D97-AF65-F5344CB8AC3E}">
+        <p14:creationId xmlns:p14="http://schemas.microsoft.com/office/powerpoint/2010/main" val="3635144466"/>
+      </p:ext>
+    </p:extLst>
+  </p:cSld>
+  <p:clrMapOvr>
+    <a:masterClrMapping/>
+  </p:clrMapOvr>
+</p:sld>
+</file>
+
+<file path=ppt/slides/slide9.xml><?xml version="1.0" encoding="utf-8"?>
+<p:sld xmlns:a="http://schemas.openxmlformats.org/drawingml/2006/main" xmlns:r="http://schemas.openxmlformats.org/officeDocument/2006/relationships" xmlns:p="http://schemas.openxmlformats.org/presentationml/2006/main">
+  <p:cSld>
+    <p:spTree>
+      <p:nvGrpSpPr>
+        <p:cNvPr id="1" name=""/>
+        <p:cNvGrpSpPr/>
+        <p:nvPr/>
+      </p:nvGrpSpPr>
+      <p:grpSpPr>
+        <a:xfrm>
+          <a:off x="0" y="0"/>
+          <a:ext cx="0" cy="0"/>
+          <a:chOff x="0" y="0"/>
+          <a:chExt cx="0" cy="0"/>
+        </a:xfrm>
+      </p:grpSpPr>
+      <p:sp>
+        <p:nvSpPr>
+          <p:cNvPr id="10" name="Title 1">
+            <a:extLst>
+              <a:ext uri="{FF2B5EF4-FFF2-40B4-BE49-F238E27FC236}">
+                <a16:creationId xmlns:a16="http://schemas.microsoft.com/office/drawing/2014/main" id="{6CE00460-5759-4F8E-B668-EA6426D85940}"/>
+              </a:ext>
+            </a:extLst>
+          </p:cNvPr>
+          <p:cNvSpPr>
+            <a:spLocks noGrp="1"/>
+          </p:cNvSpPr>
+          <p:nvPr>
+            <p:ph type="title"/>
+          </p:nvPr>
+        </p:nvSpPr>
+        <p:spPr>
+          <a:xfrm>
+            <a:off x="609600" y="457200"/>
+            <a:ext cx="8229600" cy="792162"/>
+          </a:xfrm>
+        </p:spPr>
+        <p:txBody>
+          <a:bodyPr>
+            <a:noAutofit/>
+          </a:bodyPr>
+          <a:lstStyle/>
+          <a:p>
+            <a:r>
+              <a:rPr lang="en-US" sz="3200" dirty="0">
+                <a:effectLst/>
+                <a:latin typeface="Times New Roman" panose="02020603050405020304" pitchFamily="18" charset="0"/>
+                <a:ea typeface="Calibri" panose="020F0502020204030204" pitchFamily="34" charset="0"/>
+              </a:rPr>
+              <a:t>Logical Data Model</a:t>
+            </a:r>
+            <a:endParaRPr lang="en-US" sz="3200" dirty="0">
+              <a:latin typeface="Times New Roman" panose="02020603050405020304" pitchFamily="18" charset="0"/>
+              <a:cs typeface="Times New Roman" panose="02020603050405020304" pitchFamily="18" charset="0"/>
+            </a:endParaRPr>
+          </a:p>
+        </p:txBody>
+      </p:sp>
+      <p:sp>
+        <p:nvSpPr>
+          <p:cNvPr id="2" name="Rectangle 2">
+            <a:extLst>
+              <a:ext uri="{FF2B5EF4-FFF2-40B4-BE49-F238E27FC236}">
+                <a16:creationId xmlns:a16="http://schemas.microsoft.com/office/drawing/2014/main" id="{44B4795C-F8CB-4CF1-BC00-6B6A2CD45827}"/>
+              </a:ext>
+            </a:extLst>
+          </p:cNvPr>
+          <p:cNvSpPr>
+            <a:spLocks noChangeArrowheads="1"/>
+          </p:cNvSpPr>
+          <p:nvPr/>
+        </p:nvSpPr>
+        <p:spPr bwMode="auto">
+          <a:xfrm>
+            <a:off x="1219200" y="1066800"/>
+            <a:ext cx="9144000" cy="457200"/>
+          </a:xfrm>
+          <a:prstGeom prst="rect">
+            <a:avLst/>
+          </a:prstGeom>
+          <a:noFill/>
+          <a:ln>
+            <a:noFill/>
+          </a:ln>
+          <a:effectLst/>
+          <a:extLst>
+            <a:ext uri="{909E8E84-426E-40DD-AFC4-6F175D3DCCD1}">
+              <a14:hiddenFill xmlns:a14="http://schemas.microsoft.com/office/drawing/2010/main">
+                <a:solidFill>
+                  <a:schemeClr val="accent1"/>
+                </a:solidFill>
+              </a14:hiddenFill>
+            </a:ext>
+            <a:ext uri="{91240B29-F687-4F45-9708-019B960494DF}">
+              <a14:hiddenLine xmlns:a14="http://schemas.microsoft.com/office/drawing/2010/main" w="9525">
+                <a:solidFill>
+                  <a:schemeClr val="tx1"/>
+                </a:solidFill>
+                <a:miter lim="800000"/>
+                <a:headEnd/>
+                <a:tailEnd/>
+              </a14:hiddenLine>
+            </a:ext>
+            <a:ext uri="{AF507438-7753-43E0-B8FC-AC1667EBCBE1}">
+              <a14:hiddenEffects xmlns:a14="http://schemas.microsoft.com/office/drawing/2010/main">
+                <a:effectLst>
+                  <a:outerShdw dist="35921" dir="2700000" algn="ctr" rotWithShape="0">
+                    <a:schemeClr val="bg2"/>
+                  </a:outerShdw>
+                </a:effectLst>
+              </a14:hiddenEffects>
+            </a:ext>
+          </a:extLst>
+        </p:spPr>
+        <p:txBody>
+          <a:bodyPr vert="horz" wrap="none" lIns="91440" tIns="45720" rIns="91440" bIns="45720" numCol="1" anchor="ctr" anchorCtr="0" compatLnSpc="1">
+            <a:prstTxWarp prst="textNoShape">
+              <a:avLst/>
+            </a:prstTxWarp>
+            <a:spAutoFit/>
+          </a:bodyPr>
+          <a:lstStyle/>
+          <a:p>
+            <a:endParaRPr lang="en-US"/>
+          </a:p>
+        </p:txBody>
+      </p:sp>
+      <p:sp>
+        <p:nvSpPr>
+          <p:cNvPr id="3" name="Rectangle 3">
+            <a:extLst>
+              <a:ext uri="{FF2B5EF4-FFF2-40B4-BE49-F238E27FC236}">
+                <a16:creationId xmlns:a16="http://schemas.microsoft.com/office/drawing/2014/main" id="{961481BF-3156-438B-B0A3-C138A1398446}"/>
+              </a:ext>
+            </a:extLst>
+          </p:cNvPr>
+          <p:cNvSpPr>
+            <a:spLocks noChangeArrowheads="1"/>
+          </p:cNvSpPr>
+          <p:nvPr/>
+        </p:nvSpPr>
+        <p:spPr bwMode="auto">
+          <a:xfrm>
+            <a:off x="380999" y="5487561"/>
+            <a:ext cx="8382000" cy="369332"/>
+          </a:xfrm>
+          <a:prstGeom prst="rect">
+            <a:avLst/>
+          </a:prstGeom>
+          <a:noFill/>
+          <a:ln>
+            <a:noFill/>
+          </a:ln>
+          <a:effectLst/>
+          <a:extLst>
+            <a:ext uri="{909E8E84-426E-40DD-AFC4-6F175D3DCCD1}">
+              <a14:hiddenFill xmlns:a14="http://schemas.microsoft.com/office/drawing/2010/main">
+                <a:solidFill>
+                  <a:schemeClr val="accent1"/>
+                </a:solidFill>
+              </a14:hiddenFill>
+            </a:ext>
+            <a:ext uri="{91240B29-F687-4F45-9708-019B960494DF}">
+              <a14:hiddenLine xmlns:a14="http://schemas.microsoft.com/office/drawing/2010/main" w="9525">
+                <a:solidFill>
+                  <a:schemeClr val="tx1"/>
+                </a:solidFill>
+                <a:miter lim="800000"/>
+                <a:headEnd/>
+                <a:tailEnd/>
+              </a14:hiddenLine>
+            </a:ext>
+            <a:ext uri="{AF507438-7753-43E0-B8FC-AC1667EBCBE1}">
+              <a14:hiddenEffects xmlns:a14="http://schemas.microsoft.com/office/drawing/2010/main">
+                <a:effectLst>
+                  <a:outerShdw dist="35921" dir="2700000" algn="ctr" rotWithShape="0">
+                    <a:schemeClr val="bg2"/>
+                  </a:outerShdw>
+                </a:effectLst>
+              </a14:hiddenEffects>
+            </a:ext>
+          </a:extLst>
+        </p:spPr>
+        <p:txBody>
+          <a:bodyPr vert="horz" wrap="square" lIns="91440" tIns="45720" rIns="91440" bIns="45720" numCol="1" anchor="ctr" anchorCtr="0" compatLnSpc="1">
+            <a:prstTxWarp prst="textNoShape">
+              <a:avLst/>
+            </a:prstTxWarp>
+            <a:spAutoFit/>
+          </a:bodyPr>
+          <a:lstStyle>
+            <a:lvl1pPr eaLnBrk="0" fontAlgn="base" hangingPunct="0">
+              <a:spcBef>
+                <a:spcPct val="0"/>
+              </a:spcBef>
+              <a:spcAft>
+                <a:spcPct val="0"/>
+              </a:spcAft>
+              <a:tabLst>
+                <a:tab pos="1371600" algn="l"/>
+              </a:tabLst>
+              <a:defRPr>
+                <a:solidFill>
+                  <a:schemeClr val="tx1"/>
+                </a:solidFill>
+                <a:latin typeface="Arial" panose="020B0604020202020204" pitchFamily="34" charset="0"/>
+              </a:defRPr>
+            </a:lvl1pPr>
+            <a:lvl2pPr eaLnBrk="0" fontAlgn="base" hangingPunct="0">
+              <a:spcBef>
+                <a:spcPct val="0"/>
+              </a:spcBef>
+              <a:spcAft>
+                <a:spcPct val="0"/>
+              </a:spcAft>
+              <a:tabLst>
+                <a:tab pos="1371600" algn="l"/>
+              </a:tabLst>
+              <a:defRPr>
+                <a:solidFill>
+                  <a:schemeClr val="tx1"/>
+                </a:solidFill>
+                <a:latin typeface="Arial" panose="020B0604020202020204" pitchFamily="34" charset="0"/>
+              </a:defRPr>
+            </a:lvl2pPr>
+            <a:lvl3pPr eaLnBrk="0" fontAlgn="base" hangingPunct="0">
+              <a:spcBef>
+                <a:spcPct val="0"/>
+              </a:spcBef>
+              <a:spcAft>
+                <a:spcPct val="0"/>
+              </a:spcAft>
+              <a:tabLst>
+                <a:tab pos="1371600" algn="l"/>
+              </a:tabLst>
+              <a:defRPr>
+                <a:solidFill>
+                  <a:schemeClr val="tx1"/>
+                </a:solidFill>
+                <a:latin typeface="Arial" panose="020B0604020202020204" pitchFamily="34" charset="0"/>
+              </a:defRPr>
+            </a:lvl3pPr>
+            <a:lvl4pPr eaLnBrk="0" fontAlgn="base" hangingPunct="0">
+              <a:spcBef>
+                <a:spcPct val="0"/>
+              </a:spcBef>
+              <a:spcAft>
+                <a:spcPct val="0"/>
+              </a:spcAft>
+              <a:tabLst>
+                <a:tab pos="1371600" algn="l"/>
+              </a:tabLst>
+              <a:defRPr>
+                <a:solidFill>
+                  <a:schemeClr val="tx1"/>
+                </a:solidFill>
+                <a:latin typeface="Arial" panose="020B0604020202020204" pitchFamily="34" charset="0"/>
+              </a:defRPr>
+            </a:lvl4pPr>
+            <a:lvl5pPr eaLnBrk="0" fontAlgn="base" hangingPunct="0">
+              <a:spcBef>
+                <a:spcPct val="0"/>
+              </a:spcBef>
+              <a:spcAft>
+                <a:spcPct val="0"/>
+              </a:spcAft>
+              <a:tabLst>
+                <a:tab pos="1371600" algn="l"/>
+              </a:tabLst>
+              <a:defRPr>
+                <a:solidFill>
+                  <a:schemeClr val="tx1"/>
+                </a:solidFill>
+                <a:latin typeface="Arial" panose="020B0604020202020204" pitchFamily="34" charset="0"/>
+              </a:defRPr>
+            </a:lvl5pPr>
+            <a:lvl6pPr eaLnBrk="0" fontAlgn="base" hangingPunct="0">
+              <a:spcBef>
+                <a:spcPct val="0"/>
+              </a:spcBef>
+              <a:spcAft>
+                <a:spcPct val="0"/>
+              </a:spcAft>
+              <a:tabLst>
+                <a:tab pos="1371600" algn="l"/>
+              </a:tabLst>
+              <a:defRPr>
+                <a:solidFill>
+                  <a:schemeClr val="tx1"/>
+                </a:solidFill>
+                <a:latin typeface="Arial" panose="020B0604020202020204" pitchFamily="34" charset="0"/>
+              </a:defRPr>
+            </a:lvl6pPr>
+            <a:lvl7pPr eaLnBrk="0" fontAlgn="base" hangingPunct="0">
+              <a:spcBef>
+                <a:spcPct val="0"/>
+              </a:spcBef>
+              <a:spcAft>
+                <a:spcPct val="0"/>
+              </a:spcAft>
+              <a:tabLst>
+                <a:tab pos="1371600" algn="l"/>
+              </a:tabLst>
+              <a:defRPr>
+                <a:solidFill>
+                  <a:schemeClr val="tx1"/>
+                </a:solidFill>
+                <a:latin typeface="Arial" panose="020B0604020202020204" pitchFamily="34" charset="0"/>
+              </a:defRPr>
+            </a:lvl7pPr>
+            <a:lvl8pPr eaLnBrk="0" fontAlgn="base" hangingPunct="0">
+              <a:spcBef>
+                <a:spcPct val="0"/>
+              </a:spcBef>
+              <a:spcAft>
+                <a:spcPct val="0"/>
+              </a:spcAft>
+              <a:tabLst>
+                <a:tab pos="1371600" algn="l"/>
+              </a:tabLst>
+              <a:defRPr>
+                <a:solidFill>
+                  <a:schemeClr val="tx1"/>
+                </a:solidFill>
+                <a:latin typeface="Arial" panose="020B0604020202020204" pitchFamily="34" charset="0"/>
+              </a:defRPr>
+            </a:lvl8pPr>
+            <a:lvl9pPr eaLnBrk="0" fontAlgn="base" hangingPunct="0">
+              <a:spcBef>
+                <a:spcPct val="0"/>
+              </a:spcBef>
+              <a:spcAft>
+                <a:spcPct val="0"/>
+              </a:spcAft>
+              <a:tabLst>
+                <a:tab pos="1371600" algn="l"/>
+              </a:tabLst>
+              <a:defRPr>
+                <a:solidFill>
+                  <a:schemeClr val="tx1"/>
+                </a:solidFill>
+                <a:latin typeface="Arial" panose="020B0604020202020204" pitchFamily="34" charset="0"/>
+              </a:defRPr>
+            </a:lvl9pPr>
+          </a:lstStyle>
+          <a:p>
+            <a:pPr marL="0" marR="0" lvl="0" indent="0" algn="ctr" defTabSz="914400" rtl="0" eaLnBrk="0" fontAlgn="base" latinLnBrk="0" hangingPunct="0">
+              <a:lnSpc>
+                <a:spcPct val="100000"/>
+              </a:lnSpc>
+              <a:spcBef>
+                <a:spcPct val="0"/>
+              </a:spcBef>
+              <a:spcAft>
+                <a:spcPct val="0"/>
+              </a:spcAft>
+              <a:buClrTx/>
+              <a:buSzTx/>
+              <a:buFontTx/>
+              <a:buNone/>
+              <a:tabLst>
+                <a:tab pos="1371600" algn="l"/>
+              </a:tabLst>
+            </a:pPr>
+            <a:r>
+              <a:rPr kumimoji="0" lang="en-US" altLang="en-US" b="0" i="0" u="none" strike="noStrike" cap="none" normalizeH="0" baseline="0" dirty="0">
+                <a:ln>
+                  <a:noFill/>
+                </a:ln>
+                <a:solidFill>
+                  <a:schemeClr val="tx1"/>
+                </a:solidFill>
+                <a:effectLst/>
+                <a:latin typeface="Times New Roman" panose="02020603050405020304" pitchFamily="18" charset="0"/>
+                <a:ea typeface="Calibri" panose="020F0502020204030204" pitchFamily="34" charset="0"/>
+                <a:cs typeface="Times New Roman" panose="02020603050405020304" pitchFamily="18" charset="0"/>
+              </a:rPr>
+              <a:t>Figure: </a:t>
+            </a:r>
+            <a:r>
+              <a:rPr lang="en-US" sz="1800" dirty="0">
+                <a:effectLst/>
+                <a:latin typeface="Times New Roman" panose="02020603050405020304" pitchFamily="18" charset="0"/>
+                <a:ea typeface="Calibri" panose="020F0502020204030204" pitchFamily="34" charset="0"/>
+              </a:rPr>
+              <a:t>Logical Data Model</a:t>
+            </a:r>
+            <a:endParaRPr kumimoji="0" lang="en-US" altLang="en-US" b="0" i="0" u="none" strike="noStrike" cap="none" normalizeH="0" baseline="0" dirty="0">
+              <a:ln>
+                <a:noFill/>
+              </a:ln>
+              <a:solidFill>
+                <a:schemeClr val="tx1"/>
+              </a:solidFill>
+              <a:effectLst/>
+              <a:latin typeface="Arial" panose="020B0604020202020204" pitchFamily="34" charset="0"/>
+            </a:endParaRPr>
+          </a:p>
+        </p:txBody>
+      </p:sp>
+      <p:pic>
+        <p:nvPicPr>
+          <p:cNvPr id="6" name="Picture 5">
+            <a:extLst>
+              <a:ext uri="{FF2B5EF4-FFF2-40B4-BE49-F238E27FC236}">
+                <a16:creationId xmlns:a16="http://schemas.microsoft.com/office/drawing/2014/main" id="{C1425022-67A4-4B90-A5A4-A20604375929}"/>
+              </a:ext>
+            </a:extLst>
+          </p:cNvPr>
+          <p:cNvPicPr>
+            <a:picLocks noChangeAspect="1"/>
+          </p:cNvPicPr>
+          <p:nvPr/>
+        </p:nvPicPr>
+        <p:blipFill>
+          <a:blip r:embed="rId2">
+            <a:extLst>
+              <a:ext uri="{28A0092B-C50C-407E-A947-70E740481C1C}">
+                <a14:useLocalDpi xmlns:a14="http://schemas.microsoft.com/office/drawing/2010/main" val="0"/>
+              </a:ext>
+            </a:extLst>
+          </a:blip>
+          <a:stretch>
+            <a:fillRect/>
+          </a:stretch>
+        </p:blipFill>
+        <p:spPr>
+          <a:xfrm>
+            <a:off x="2200275" y="2086927"/>
+            <a:ext cx="4743450" cy="2684145"/>
+          </a:xfrm>
+          <a:prstGeom prst="rect">
+            <a:avLst/>
+          </a:prstGeom>
+        </p:spPr>
+      </p:pic>
+    </p:spTree>
+    <p:extLst>
+      <p:ext uri="{BB962C8B-B14F-4D97-AF65-F5344CB8AC3E}">
+        <p14:creationId xmlns:p14="http://schemas.microsoft.com/office/powerpoint/2010/main" val="2843153520"/>
       </p:ext>
     </p:extLst>
   </p:cSld>
